--- a/slides/11_DimensionalityReduction_Part1.pptx
+++ b/slides/11_DimensionalityReduction_Part1.pptx
@@ -6,7 +6,7 @@
     <p:sldMasterId id="2147483668" r:id="rId2"/>
   </p:sldMasterIdLst>
   <p:notesMasterIdLst>
-    <p:notesMasterId r:id="rId48"/>
+    <p:notesMasterId r:id="rId44"/>
   </p:notesMasterIdLst>
   <p:sldIdLst>
     <p:sldId id="275" r:id="rId3"/>
@@ -38,22 +38,18 @@
     <p:sldId id="743" r:id="rId29"/>
     <p:sldId id="734" r:id="rId30"/>
     <p:sldId id="702" r:id="rId31"/>
-    <p:sldId id="737" r:id="rId32"/>
-    <p:sldId id="700" r:id="rId33"/>
-    <p:sldId id="701" r:id="rId34"/>
-    <p:sldId id="716" r:id="rId35"/>
-    <p:sldId id="738" r:id="rId36"/>
-    <p:sldId id="735" r:id="rId37"/>
-    <p:sldId id="620" r:id="rId38"/>
-    <p:sldId id="606" r:id="rId39"/>
-    <p:sldId id="607" r:id="rId40"/>
-    <p:sldId id="622" r:id="rId41"/>
-    <p:sldId id="621" r:id="rId42"/>
-    <p:sldId id="626" r:id="rId43"/>
-    <p:sldId id="627" r:id="rId44"/>
-    <p:sldId id="740" r:id="rId45"/>
-    <p:sldId id="741" r:id="rId46"/>
-    <p:sldId id="724" r:id="rId47"/>
+    <p:sldId id="716" r:id="rId32"/>
+    <p:sldId id="735" r:id="rId33"/>
+    <p:sldId id="620" r:id="rId34"/>
+    <p:sldId id="606" r:id="rId35"/>
+    <p:sldId id="607" r:id="rId36"/>
+    <p:sldId id="622" r:id="rId37"/>
+    <p:sldId id="621" r:id="rId38"/>
+    <p:sldId id="626" r:id="rId39"/>
+    <p:sldId id="627" r:id="rId40"/>
+    <p:sldId id="740" r:id="rId41"/>
+    <p:sldId id="741" r:id="rId42"/>
+    <p:sldId id="724" r:id="rId43"/>
   </p:sldIdLst>
   <p:sldSz cx="12192000" cy="6858000"/>
   <p:notesSz cx="6858000" cy="9144000"/>
@@ -242,7 +238,7 @@
           <a:p>
             <a:fld id="{ED460DB7-3564-4028-881B-4A225B453265}" type="datetimeFigureOut">
               <a:rPr lang="en-US" smtClean="0"/>
-              <a:t>7/22/2024</a:t>
+              <a:t>7/23/2024</a:t>
             </a:fld>
             <a:endParaRPr lang="en-US"/>
           </a:p>
@@ -1595,7 +1591,7 @@
             <a:fld id="{4CFD207A-07DF-40AD-A916-9872E089CE7A}" type="slidenum">
               <a:rPr lang="en-US" smtClean="0"/>
               <a:pPr/>
-              <a:t>36</a:t>
+              <a:t>32</a:t>
             </a:fld>
             <a:endParaRPr lang="en-US"/>
           </a:p>
@@ -1680,7 +1676,7 @@
             <a:fld id="{4CFD207A-07DF-40AD-A916-9872E089CE7A}" type="slidenum">
               <a:rPr lang="en-US" smtClean="0"/>
               <a:pPr/>
-              <a:t>37</a:t>
+              <a:t>33</a:t>
             </a:fld>
             <a:endParaRPr lang="en-US"/>
           </a:p>
@@ -1765,7 +1761,7 @@
             <a:fld id="{4CFD207A-07DF-40AD-A916-9872E089CE7A}" type="slidenum">
               <a:rPr lang="en-US" smtClean="0"/>
               <a:pPr/>
-              <a:t>38</a:t>
+              <a:t>34</a:t>
             </a:fld>
             <a:endParaRPr lang="en-US"/>
           </a:p>
@@ -1850,7 +1846,7 @@
             <a:fld id="{4CFD207A-07DF-40AD-A916-9872E089CE7A}" type="slidenum">
               <a:rPr lang="en-US" smtClean="0"/>
               <a:pPr/>
-              <a:t>39</a:t>
+              <a:t>35</a:t>
             </a:fld>
             <a:endParaRPr lang="en-US"/>
           </a:p>
@@ -1935,7 +1931,7 @@
             <a:fld id="{4CFD207A-07DF-40AD-A916-9872E089CE7A}" type="slidenum">
               <a:rPr lang="en-US" smtClean="0"/>
               <a:pPr/>
-              <a:t>40</a:t>
+              <a:t>36</a:t>
             </a:fld>
             <a:endParaRPr lang="en-US"/>
           </a:p>
@@ -2020,7 +2016,7 @@
             <a:fld id="{4CFD207A-07DF-40AD-A916-9872E089CE7A}" type="slidenum">
               <a:rPr lang="en-US" smtClean="0"/>
               <a:pPr/>
-              <a:t>41</a:t>
+              <a:t>37</a:t>
             </a:fld>
             <a:endParaRPr lang="en-US"/>
           </a:p>
@@ -2105,7 +2101,7 @@
             <a:fld id="{4CFD207A-07DF-40AD-A916-9872E089CE7A}" type="slidenum">
               <a:rPr lang="en-US" smtClean="0"/>
               <a:pPr/>
-              <a:t>42</a:t>
+              <a:t>38</a:t>
             </a:fld>
             <a:endParaRPr lang="en-US"/>
           </a:p>
@@ -2190,7 +2186,7 @@
             <a:fld id="{4CFD207A-07DF-40AD-A916-9872E089CE7A}" type="slidenum">
               <a:rPr lang="en-US" smtClean="0"/>
               <a:pPr/>
-              <a:t>43</a:t>
+              <a:t>39</a:t>
             </a:fld>
             <a:endParaRPr lang="en-US"/>
           </a:p>
@@ -2275,7 +2271,7 @@
             <a:fld id="{4CFD207A-07DF-40AD-A916-9872E089CE7A}" type="slidenum">
               <a:rPr lang="en-US" smtClean="0"/>
               <a:pPr/>
-              <a:t>44</a:t>
+              <a:t>40</a:t>
             </a:fld>
             <a:endParaRPr lang="en-US"/>
           </a:p>
@@ -2360,7 +2356,7 @@
             <a:fld id="{4CFD207A-07DF-40AD-A916-9872E089CE7A}" type="slidenum">
               <a:rPr lang="en-US" smtClean="0"/>
               <a:pPr/>
-              <a:t>45</a:t>
+              <a:t>41</a:t>
             </a:fld>
             <a:endParaRPr lang="en-US"/>
           </a:p>
@@ -3121,7 +3117,7 @@
           <a:p>
             <a:fld id="{C62B3463-61C8-4819-BC9A-C94FD847F060}" type="datetimeFigureOut">
               <a:rPr lang="en-US" smtClean="0"/>
-              <a:t>7/22/2024</a:t>
+              <a:t>7/23/2024</a:t>
             </a:fld>
             <a:endParaRPr lang="en-US"/>
           </a:p>
@@ -3319,7 +3315,7 @@
           <a:p>
             <a:fld id="{C62B3463-61C8-4819-BC9A-C94FD847F060}" type="datetimeFigureOut">
               <a:rPr lang="en-US" smtClean="0"/>
-              <a:t>7/22/2024</a:t>
+              <a:t>7/23/2024</a:t>
             </a:fld>
             <a:endParaRPr lang="en-US"/>
           </a:p>
@@ -3527,7 +3523,7 @@
           <a:p>
             <a:fld id="{C62B3463-61C8-4819-BC9A-C94FD847F060}" type="datetimeFigureOut">
               <a:rPr lang="en-US" smtClean="0"/>
-              <a:t>7/22/2024</a:t>
+              <a:t>7/23/2024</a:t>
             </a:fld>
             <a:endParaRPr lang="en-US"/>
           </a:p>
@@ -4290,7 +4286,7 @@
           <a:p>
             <a:fld id="{4ACD6B4E-9726-48B7-95FC-86DC5068328F}" type="datetimeFigureOut">
               <a:rPr lang="en-US" smtClean="0"/>
-              <a:t>7/22/2024</a:t>
+              <a:t>7/23/2024</a:t>
             </a:fld>
             <a:endParaRPr lang="en-US"/>
           </a:p>
@@ -4488,7 +4484,7 @@
           <a:p>
             <a:fld id="{C62B3463-61C8-4819-BC9A-C94FD847F060}" type="datetimeFigureOut">
               <a:rPr lang="en-US" smtClean="0"/>
-              <a:t>7/22/2024</a:t>
+              <a:t>7/23/2024</a:t>
             </a:fld>
             <a:endParaRPr lang="en-US"/>
           </a:p>
@@ -4763,7 +4759,7 @@
           <a:p>
             <a:fld id="{C62B3463-61C8-4819-BC9A-C94FD847F060}" type="datetimeFigureOut">
               <a:rPr lang="en-US" smtClean="0"/>
-              <a:t>7/22/2024</a:t>
+              <a:t>7/23/2024</a:t>
             </a:fld>
             <a:endParaRPr lang="en-US"/>
           </a:p>
@@ -5028,7 +5024,7 @@
           <a:p>
             <a:fld id="{C62B3463-61C8-4819-BC9A-C94FD847F060}" type="datetimeFigureOut">
               <a:rPr lang="en-US" smtClean="0"/>
-              <a:t>7/22/2024</a:t>
+              <a:t>7/23/2024</a:t>
             </a:fld>
             <a:endParaRPr lang="en-US"/>
           </a:p>
@@ -5440,7 +5436,7 @@
           <a:p>
             <a:fld id="{C62B3463-61C8-4819-BC9A-C94FD847F060}" type="datetimeFigureOut">
               <a:rPr lang="en-US" smtClean="0"/>
-              <a:t>7/22/2024</a:t>
+              <a:t>7/23/2024</a:t>
             </a:fld>
             <a:endParaRPr lang="en-US"/>
           </a:p>
@@ -5581,7 +5577,7 @@
           <a:p>
             <a:fld id="{C62B3463-61C8-4819-BC9A-C94FD847F060}" type="datetimeFigureOut">
               <a:rPr lang="en-US" smtClean="0"/>
-              <a:t>7/22/2024</a:t>
+              <a:t>7/23/2024</a:t>
             </a:fld>
             <a:endParaRPr lang="en-US"/>
           </a:p>
@@ -5694,7 +5690,7 @@
           <a:p>
             <a:fld id="{C62B3463-61C8-4819-BC9A-C94FD847F060}" type="datetimeFigureOut">
               <a:rPr lang="en-US" smtClean="0"/>
-              <a:t>7/22/2024</a:t>
+              <a:t>7/23/2024</a:t>
             </a:fld>
             <a:endParaRPr lang="en-US"/>
           </a:p>
@@ -6005,7 +6001,7 @@
           <a:p>
             <a:fld id="{C62B3463-61C8-4819-BC9A-C94FD847F060}" type="datetimeFigureOut">
               <a:rPr lang="en-US" smtClean="0"/>
-              <a:t>7/22/2024</a:t>
+              <a:t>7/23/2024</a:t>
             </a:fld>
             <a:endParaRPr lang="en-US"/>
           </a:p>
@@ -6293,7 +6289,7 @@
           <a:p>
             <a:fld id="{C62B3463-61C8-4819-BC9A-C94FD847F060}" type="datetimeFigureOut">
               <a:rPr lang="en-US" smtClean="0"/>
-              <a:t>7/22/2024</a:t>
+              <a:t>7/23/2024</a:t>
             </a:fld>
             <a:endParaRPr lang="en-US"/>
           </a:p>
@@ -6534,7 +6530,7 @@
           <a:p>
             <a:fld id="{C62B3463-61C8-4819-BC9A-C94FD847F060}" type="datetimeFigureOut">
               <a:rPr lang="en-US" smtClean="0"/>
-              <a:t>7/22/2024</a:t>
+              <a:t>7/23/2024</a:t>
             </a:fld>
             <a:endParaRPr lang="en-US"/>
           </a:p>
@@ -8655,8 +8651,8 @@
           </a:p>
         </p:txBody>
       </p:sp>
-      <mc:AlternateContent xmlns:mc="http://schemas.openxmlformats.org/markup-compatibility/2006" xmlns:a14="http://schemas.microsoft.com/office/drawing/2010/main">
-        <mc:Choice Requires="a14">
+      <mc:AlternateContent xmlns:mc="http://schemas.openxmlformats.org/markup-compatibility/2006">
+        <mc:Choice xmlns:a14="http://schemas.microsoft.com/office/drawing/2010/main" Requires="a14">
           <p:sp>
             <p:nvSpPr>
               <p:cNvPr id="3" name="Content Placeholder 2"/>
@@ -8722,7 +8718,23 @@
                   <a:rPr lang="en-US" dirty="0">
                     <a:latin typeface="+mn-lt"/>
                   </a:rPr>
-                  <a:t>Create a linear map between feature space of dimension p to lower dimensional space of dimension q:</a:t>
+                  <a:t>Create a linear map between feature space of dimension p to lower dimensional space of dimension </a:t>
+                </a:r>
+                <a14:m>
+                  <m:oMath xmlns:m="http://schemas.openxmlformats.org/officeDocument/2006/math">
+                    <m:r>
+                      <a:rPr lang="en-US" i="1">
+                        <a:latin typeface="Cambria Math" panose="02040503050406030204" pitchFamily="18" charset="0"/>
+                      </a:rPr>
+                      <m:t>𝑙</m:t>
+                    </m:r>
+                  </m:oMath>
+                </a14:m>
+                <a:r>
+                  <a:rPr lang="en-US" dirty="0">
+                    <a:latin typeface="+mn-lt"/>
+                  </a:rPr>
+                  <a:t>:</a:t>
                 </a:r>
               </a:p>
               <a:p>
@@ -8808,7 +8820,7 @@
                             <a:rPr lang="en-US" b="0" i="1" smtClean="0">
                               <a:latin typeface="Cambria Math" panose="02040503050406030204" pitchFamily="18" charset="0"/>
                             </a:rPr>
-                            <m:t>𝑞</m:t>
+                            <m:t>𝑙</m:t>
                           </m:r>
                         </m:sup>
                       </m:sSup>
@@ -8830,7 +8842,7 @@
             </p:txBody>
           </p:sp>
         </mc:Choice>
-        <mc:Fallback xmlns="">
+        <mc:Fallback>
           <p:sp>
             <p:nvSpPr>
               <p:cNvPr id="3" name="Content Placeholder 2"/>
@@ -8878,294 +8890,6 @@
   <p:clrMapOvr>
     <a:masterClrMapping/>
   </p:clrMapOvr>
-  <p:timing>
-    <p:tnLst>
-      <p:par>
-        <p:cTn id="1" dur="indefinite" restart="never" nodeType="tmRoot">
-          <p:childTnLst>
-            <p:seq concurrent="1" nextAc="seek">
-              <p:cTn id="2" dur="indefinite" nodeType="mainSeq">
-                <p:childTnLst>
-                  <p:par>
-                    <p:cTn id="3" fill="hold">
-                      <p:stCondLst>
-                        <p:cond delay="indefinite"/>
-                      </p:stCondLst>
-                      <p:childTnLst>
-                        <p:par>
-                          <p:cTn id="4" fill="hold">
-                            <p:stCondLst>
-                              <p:cond delay="0"/>
-                            </p:stCondLst>
-                            <p:childTnLst>
-                              <p:par>
-                                <p:cTn id="5" presetID="1" presetClass="entr" presetSubtype="0" fill="hold" nodeType="clickEffect">
-                                  <p:stCondLst>
-                                    <p:cond delay="0"/>
-                                  </p:stCondLst>
-                                  <p:childTnLst>
-                                    <p:set>
-                                      <p:cBhvr>
-                                        <p:cTn id="6" dur="1" fill="hold">
-                                          <p:stCondLst>
-                                            <p:cond delay="0"/>
-                                          </p:stCondLst>
-                                        </p:cTn>
-                                        <p:tgtEl>
-                                          <p:spTgt spid="3">
-                                            <p:txEl>
-                                              <p:pRg st="1" end="1"/>
-                                            </p:txEl>
-                                          </p:spTgt>
-                                        </p:tgtEl>
-                                        <p:attrNameLst>
-                                          <p:attrName>style.visibility</p:attrName>
-                                        </p:attrNameLst>
-                                      </p:cBhvr>
-                                      <p:to>
-                                        <p:strVal val="visible"/>
-                                      </p:to>
-                                    </p:set>
-                                  </p:childTnLst>
-                                </p:cTn>
-                              </p:par>
-                            </p:childTnLst>
-                          </p:cTn>
-                        </p:par>
-                      </p:childTnLst>
-                    </p:cTn>
-                  </p:par>
-                  <p:par>
-                    <p:cTn id="7" fill="hold">
-                      <p:stCondLst>
-                        <p:cond delay="indefinite"/>
-                      </p:stCondLst>
-                      <p:childTnLst>
-                        <p:par>
-                          <p:cTn id="8" fill="hold">
-                            <p:stCondLst>
-                              <p:cond delay="0"/>
-                            </p:stCondLst>
-                            <p:childTnLst>
-                              <p:par>
-                                <p:cTn id="9" presetID="1" presetClass="entr" presetSubtype="0" fill="hold" nodeType="clickEffect">
-                                  <p:stCondLst>
-                                    <p:cond delay="0"/>
-                                  </p:stCondLst>
-                                  <p:childTnLst>
-                                    <p:set>
-                                      <p:cBhvr>
-                                        <p:cTn id="10" dur="1" fill="hold">
-                                          <p:stCondLst>
-                                            <p:cond delay="0"/>
-                                          </p:stCondLst>
-                                        </p:cTn>
-                                        <p:tgtEl>
-                                          <p:spTgt spid="3">
-                                            <p:txEl>
-                                              <p:pRg st="2" end="2"/>
-                                            </p:txEl>
-                                          </p:spTgt>
-                                        </p:tgtEl>
-                                        <p:attrNameLst>
-                                          <p:attrName>style.visibility</p:attrName>
-                                        </p:attrNameLst>
-                                      </p:cBhvr>
-                                      <p:to>
-                                        <p:strVal val="visible"/>
-                                      </p:to>
-                                    </p:set>
-                                  </p:childTnLst>
-                                </p:cTn>
-                              </p:par>
-                              <p:par>
-                                <p:cTn id="11" presetID="1" presetClass="entr" presetSubtype="0" fill="hold" nodeType="withEffect">
-                                  <p:stCondLst>
-                                    <p:cond delay="0"/>
-                                  </p:stCondLst>
-                                  <p:childTnLst>
-                                    <p:set>
-                                      <p:cBhvr>
-                                        <p:cTn id="12" dur="1" fill="hold">
-                                          <p:stCondLst>
-                                            <p:cond delay="0"/>
-                                          </p:stCondLst>
-                                        </p:cTn>
-                                        <p:tgtEl>
-                                          <p:spTgt spid="3">
-                                            <p:txEl>
-                                              <p:pRg st="3" end="3"/>
-                                            </p:txEl>
-                                          </p:spTgt>
-                                        </p:tgtEl>
-                                        <p:attrNameLst>
-                                          <p:attrName>style.visibility</p:attrName>
-                                        </p:attrNameLst>
-                                      </p:cBhvr>
-                                      <p:to>
-                                        <p:strVal val="visible"/>
-                                      </p:to>
-                                    </p:set>
-                                  </p:childTnLst>
-                                </p:cTn>
-                              </p:par>
-                            </p:childTnLst>
-                          </p:cTn>
-                        </p:par>
-                      </p:childTnLst>
-                    </p:cTn>
-                  </p:par>
-                  <p:par>
-                    <p:cTn id="13" fill="hold">
-                      <p:stCondLst>
-                        <p:cond delay="indefinite"/>
-                      </p:stCondLst>
-                      <p:childTnLst>
-                        <p:par>
-                          <p:cTn id="14" fill="hold">
-                            <p:stCondLst>
-                              <p:cond delay="0"/>
-                            </p:stCondLst>
-                            <p:childTnLst>
-                              <p:par>
-                                <p:cTn id="15" presetID="1" presetClass="entr" presetSubtype="0" fill="hold" nodeType="clickEffect">
-                                  <p:stCondLst>
-                                    <p:cond delay="0"/>
-                                  </p:stCondLst>
-                                  <p:childTnLst>
-                                    <p:set>
-                                      <p:cBhvr>
-                                        <p:cTn id="16" dur="1" fill="hold">
-                                          <p:stCondLst>
-                                            <p:cond delay="0"/>
-                                          </p:stCondLst>
-                                        </p:cTn>
-                                        <p:tgtEl>
-                                          <p:spTgt spid="3">
-                                            <p:txEl>
-                                              <p:pRg st="4" end="4"/>
-                                            </p:txEl>
-                                          </p:spTgt>
-                                        </p:tgtEl>
-                                        <p:attrNameLst>
-                                          <p:attrName>style.visibility</p:attrName>
-                                        </p:attrNameLst>
-                                      </p:cBhvr>
-                                      <p:to>
-                                        <p:strVal val="visible"/>
-                                      </p:to>
-                                    </p:set>
-                                  </p:childTnLst>
-                                </p:cTn>
-                              </p:par>
-                              <p:par>
-                                <p:cTn id="17" presetID="1" presetClass="entr" presetSubtype="0" fill="hold" nodeType="withEffect">
-                                  <p:stCondLst>
-                                    <p:cond delay="0"/>
-                                  </p:stCondLst>
-                                  <p:childTnLst>
-                                    <p:set>
-                                      <p:cBhvr>
-                                        <p:cTn id="18" dur="1" fill="hold">
-                                          <p:stCondLst>
-                                            <p:cond delay="0"/>
-                                          </p:stCondLst>
-                                        </p:cTn>
-                                        <p:tgtEl>
-                                          <p:spTgt spid="3">
-                                            <p:txEl>
-                                              <p:pRg st="5" end="5"/>
-                                            </p:txEl>
-                                          </p:spTgt>
-                                        </p:tgtEl>
-                                        <p:attrNameLst>
-                                          <p:attrName>style.visibility</p:attrName>
-                                        </p:attrNameLst>
-                                      </p:cBhvr>
-                                      <p:to>
-                                        <p:strVal val="visible"/>
-                                      </p:to>
-                                    </p:set>
-                                  </p:childTnLst>
-                                </p:cTn>
-                              </p:par>
-                            </p:childTnLst>
-                          </p:cTn>
-                        </p:par>
-                      </p:childTnLst>
-                    </p:cTn>
-                  </p:par>
-                  <p:par>
-                    <p:cTn id="19" fill="hold">
-                      <p:stCondLst>
-                        <p:cond delay="indefinite"/>
-                      </p:stCondLst>
-                      <p:childTnLst>
-                        <p:par>
-                          <p:cTn id="20" fill="hold">
-                            <p:stCondLst>
-                              <p:cond delay="0"/>
-                            </p:stCondLst>
-                            <p:childTnLst>
-                              <p:par>
-                                <p:cTn id="21" presetID="1" presetClass="entr" presetSubtype="0" fill="hold" nodeType="clickEffect">
-                                  <p:stCondLst>
-                                    <p:cond delay="0"/>
-                                  </p:stCondLst>
-                                  <p:childTnLst>
-                                    <p:set>
-                                      <p:cBhvr>
-                                        <p:cTn id="22" dur="1" fill="hold">
-                                          <p:stCondLst>
-                                            <p:cond delay="0"/>
-                                          </p:stCondLst>
-                                        </p:cTn>
-                                        <p:tgtEl>
-                                          <p:spTgt spid="3">
-                                            <p:txEl>
-                                              <p:pRg st="6" end="6"/>
-                                            </p:txEl>
-                                          </p:spTgt>
-                                        </p:tgtEl>
-                                        <p:attrNameLst>
-                                          <p:attrName>style.visibility</p:attrName>
-                                        </p:attrNameLst>
-                                      </p:cBhvr>
-                                      <p:to>
-                                        <p:strVal val="visible"/>
-                                      </p:to>
-                                    </p:set>
-                                  </p:childTnLst>
-                                </p:cTn>
-                              </p:par>
-                            </p:childTnLst>
-                          </p:cTn>
-                        </p:par>
-                      </p:childTnLst>
-                    </p:cTn>
-                  </p:par>
-                </p:childTnLst>
-              </p:cTn>
-              <p:prevCondLst>
-                <p:cond evt="onPrev" delay="0">
-                  <p:tgtEl>
-                    <p:sldTgt/>
-                  </p:tgtEl>
-                </p:cond>
-              </p:prevCondLst>
-              <p:nextCondLst>
-                <p:cond evt="onNext" delay="0">
-                  <p:tgtEl>
-                    <p:sldTgt/>
-                  </p:tgtEl>
-                </p:cond>
-              </p:nextCondLst>
-            </p:seq>
-          </p:childTnLst>
-        </p:cTn>
-      </p:par>
-    </p:tnLst>
-  </p:timing>
 </p:sld>
 </file>
 
@@ -13058,6 +12782,258 @@
   <p:clrMapOvr>
     <a:masterClrMapping/>
   </p:clrMapOvr>
+  <p:timing>
+    <p:tnLst>
+      <p:par>
+        <p:cTn id="1" dur="indefinite" restart="never" nodeType="tmRoot">
+          <p:childTnLst>
+            <p:seq concurrent="1" nextAc="seek">
+              <p:cTn id="2" dur="indefinite" nodeType="mainSeq">
+                <p:childTnLst>
+                  <p:par>
+                    <p:cTn id="3" fill="hold">
+                      <p:stCondLst>
+                        <p:cond delay="indefinite"/>
+                      </p:stCondLst>
+                      <p:childTnLst>
+                        <p:par>
+                          <p:cTn id="4" fill="hold">
+                            <p:stCondLst>
+                              <p:cond delay="0"/>
+                            </p:stCondLst>
+                            <p:childTnLst>
+                              <p:par>
+                                <p:cTn id="5" presetID="1" presetClass="entr" presetSubtype="0" fill="hold" nodeType="clickEffect">
+                                  <p:stCondLst>
+                                    <p:cond delay="0"/>
+                                  </p:stCondLst>
+                                  <p:childTnLst>
+                                    <p:set>
+                                      <p:cBhvr>
+                                        <p:cTn id="6" dur="1" fill="hold">
+                                          <p:stCondLst>
+                                            <p:cond delay="0"/>
+                                          </p:stCondLst>
+                                        </p:cTn>
+                                        <p:tgtEl>
+                                          <p:spTgt spid="3">
+                                            <p:txEl>
+                                              <p:pRg st="1" end="1"/>
+                                            </p:txEl>
+                                          </p:spTgt>
+                                        </p:tgtEl>
+                                        <p:attrNameLst>
+                                          <p:attrName>style.visibility</p:attrName>
+                                        </p:attrNameLst>
+                                      </p:cBhvr>
+                                      <p:to>
+                                        <p:strVal val="visible"/>
+                                      </p:to>
+                                    </p:set>
+                                  </p:childTnLst>
+                                </p:cTn>
+                              </p:par>
+                              <p:par>
+                                <p:cTn id="7" presetID="1" presetClass="entr" presetSubtype="0" fill="hold" nodeType="withEffect">
+                                  <p:stCondLst>
+                                    <p:cond delay="0"/>
+                                  </p:stCondLst>
+                                  <p:childTnLst>
+                                    <p:set>
+                                      <p:cBhvr>
+                                        <p:cTn id="8" dur="1" fill="hold">
+                                          <p:stCondLst>
+                                            <p:cond delay="0"/>
+                                          </p:stCondLst>
+                                        </p:cTn>
+                                        <p:tgtEl>
+                                          <p:spTgt spid="3">
+                                            <p:txEl>
+                                              <p:pRg st="2" end="2"/>
+                                            </p:txEl>
+                                          </p:spTgt>
+                                        </p:tgtEl>
+                                        <p:attrNameLst>
+                                          <p:attrName>style.visibility</p:attrName>
+                                        </p:attrNameLst>
+                                      </p:cBhvr>
+                                      <p:to>
+                                        <p:strVal val="visible"/>
+                                      </p:to>
+                                    </p:set>
+                                  </p:childTnLst>
+                                </p:cTn>
+                              </p:par>
+                              <p:par>
+                                <p:cTn id="9" presetID="1" presetClass="entr" presetSubtype="0" fill="hold" nodeType="withEffect">
+                                  <p:stCondLst>
+                                    <p:cond delay="0"/>
+                                  </p:stCondLst>
+                                  <p:childTnLst>
+                                    <p:set>
+                                      <p:cBhvr>
+                                        <p:cTn id="10" dur="1" fill="hold">
+                                          <p:stCondLst>
+                                            <p:cond delay="0"/>
+                                          </p:stCondLst>
+                                        </p:cTn>
+                                        <p:tgtEl>
+                                          <p:spTgt spid="3">
+                                            <p:txEl>
+                                              <p:pRg st="3" end="3"/>
+                                            </p:txEl>
+                                          </p:spTgt>
+                                        </p:tgtEl>
+                                        <p:attrNameLst>
+                                          <p:attrName>style.visibility</p:attrName>
+                                        </p:attrNameLst>
+                                      </p:cBhvr>
+                                      <p:to>
+                                        <p:strVal val="visible"/>
+                                      </p:to>
+                                    </p:set>
+                                  </p:childTnLst>
+                                </p:cTn>
+                              </p:par>
+                            </p:childTnLst>
+                          </p:cTn>
+                        </p:par>
+                      </p:childTnLst>
+                    </p:cTn>
+                  </p:par>
+                  <p:par>
+                    <p:cTn id="11" fill="hold">
+                      <p:stCondLst>
+                        <p:cond delay="indefinite"/>
+                      </p:stCondLst>
+                      <p:childTnLst>
+                        <p:par>
+                          <p:cTn id="12" fill="hold">
+                            <p:stCondLst>
+                              <p:cond delay="0"/>
+                            </p:stCondLst>
+                            <p:childTnLst>
+                              <p:par>
+                                <p:cTn id="13" presetID="1" presetClass="entr" presetSubtype="0" fill="hold" nodeType="clickEffect">
+                                  <p:stCondLst>
+                                    <p:cond delay="0"/>
+                                  </p:stCondLst>
+                                  <p:childTnLst>
+                                    <p:set>
+                                      <p:cBhvr>
+                                        <p:cTn id="14" dur="1" fill="hold">
+                                          <p:stCondLst>
+                                            <p:cond delay="0"/>
+                                          </p:stCondLst>
+                                        </p:cTn>
+                                        <p:tgtEl>
+                                          <p:spTgt spid="3">
+                                            <p:txEl>
+                                              <p:pRg st="4" end="4"/>
+                                            </p:txEl>
+                                          </p:spTgt>
+                                        </p:tgtEl>
+                                        <p:attrNameLst>
+                                          <p:attrName>style.visibility</p:attrName>
+                                        </p:attrNameLst>
+                                      </p:cBhvr>
+                                      <p:to>
+                                        <p:strVal val="visible"/>
+                                      </p:to>
+                                    </p:set>
+                                  </p:childTnLst>
+                                </p:cTn>
+                              </p:par>
+                              <p:par>
+                                <p:cTn id="15" presetID="1" presetClass="entr" presetSubtype="0" fill="hold" nodeType="withEffect">
+                                  <p:stCondLst>
+                                    <p:cond delay="0"/>
+                                  </p:stCondLst>
+                                  <p:childTnLst>
+                                    <p:set>
+                                      <p:cBhvr>
+                                        <p:cTn id="16" dur="1" fill="hold">
+                                          <p:stCondLst>
+                                            <p:cond delay="0"/>
+                                          </p:stCondLst>
+                                        </p:cTn>
+                                        <p:tgtEl>
+                                          <p:spTgt spid="3">
+                                            <p:txEl>
+                                              <p:pRg st="5" end="5"/>
+                                            </p:txEl>
+                                          </p:spTgt>
+                                        </p:tgtEl>
+                                        <p:attrNameLst>
+                                          <p:attrName>style.visibility</p:attrName>
+                                        </p:attrNameLst>
+                                      </p:cBhvr>
+                                      <p:to>
+                                        <p:strVal val="visible"/>
+                                      </p:to>
+                                    </p:set>
+                                  </p:childTnLst>
+                                </p:cTn>
+                              </p:par>
+                              <p:par>
+                                <p:cTn id="17" presetID="1" presetClass="entr" presetSubtype="0" fill="hold" nodeType="withEffect">
+                                  <p:stCondLst>
+                                    <p:cond delay="0"/>
+                                  </p:stCondLst>
+                                  <p:childTnLst>
+                                    <p:set>
+                                      <p:cBhvr>
+                                        <p:cTn id="18" dur="1" fill="hold">
+                                          <p:stCondLst>
+                                            <p:cond delay="0"/>
+                                          </p:stCondLst>
+                                        </p:cTn>
+                                        <p:tgtEl>
+                                          <p:spTgt spid="3">
+                                            <p:txEl>
+                                              <p:pRg st="6" end="6"/>
+                                            </p:txEl>
+                                          </p:spTgt>
+                                        </p:tgtEl>
+                                        <p:attrNameLst>
+                                          <p:attrName>style.visibility</p:attrName>
+                                        </p:attrNameLst>
+                                      </p:cBhvr>
+                                      <p:to>
+                                        <p:strVal val="visible"/>
+                                      </p:to>
+                                    </p:set>
+                                  </p:childTnLst>
+                                </p:cTn>
+                              </p:par>
+                            </p:childTnLst>
+                          </p:cTn>
+                        </p:par>
+                      </p:childTnLst>
+                    </p:cTn>
+                  </p:par>
+                </p:childTnLst>
+              </p:cTn>
+              <p:prevCondLst>
+                <p:cond evt="onPrev" delay="0">
+                  <p:tgtEl>
+                    <p:sldTgt/>
+                  </p:tgtEl>
+                </p:cond>
+              </p:prevCondLst>
+              <p:nextCondLst>
+                <p:cond evt="onNext" delay="0">
+                  <p:tgtEl>
+                    <p:sldTgt/>
+                  </p:tgtEl>
+                </p:cond>
+              </p:nextCondLst>
+            </p:seq>
+          </p:childTnLst>
+        </p:cTn>
+      </p:par>
+    </p:tnLst>
+  </p:timing>
 </p:sld>
 </file>
 
@@ -13261,14 +13237,11 @@
                 <a14:m>
                   <m:oMath xmlns:m="http://schemas.openxmlformats.org/officeDocument/2006/math">
                     <m:r>
-                      <m:rPr>
-                        <m:sty m:val="p"/>
-                      </m:rPr>
-                      <a:rPr lang="en-US" b="0" i="0" smtClean="0">
+                      <a:rPr lang="en-US" i="1">
                         <a:latin typeface="Cambria Math" panose="02040503050406030204" pitchFamily="18" charset="0"/>
                         <a:cs typeface="Segoe UI" panose="020B0502040204020203" pitchFamily="34" charset="0"/>
                       </a:rPr>
-                      <m:t>l</m:t>
+                      <m:t>𝑙</m:t>
                     </m:r>
                     <m:r>
                       <a:rPr lang="en-US" b="0" i="1" smtClean="0">
@@ -13735,6 +13708,263 @@
   <p:clrMapOvr>
     <a:masterClrMapping/>
   </p:clrMapOvr>
+  <p:timing>
+    <p:tnLst>
+      <p:par>
+        <p:cTn id="1" dur="indefinite" restart="never" nodeType="tmRoot">
+          <p:childTnLst>
+            <p:seq concurrent="1" nextAc="seek">
+              <p:cTn id="2" dur="indefinite" nodeType="mainSeq">
+                <p:childTnLst>
+                  <p:par>
+                    <p:cTn id="3" fill="hold">
+                      <p:stCondLst>
+                        <p:cond delay="indefinite"/>
+                      </p:stCondLst>
+                      <p:childTnLst>
+                        <p:par>
+                          <p:cTn id="4" fill="hold">
+                            <p:stCondLst>
+                              <p:cond delay="0"/>
+                            </p:stCondLst>
+                            <p:childTnLst>
+                              <p:par>
+                                <p:cTn id="5" presetID="1" presetClass="entr" presetSubtype="0" fill="hold" nodeType="clickEffect">
+                                  <p:stCondLst>
+                                    <p:cond delay="0"/>
+                                  </p:stCondLst>
+                                  <p:childTnLst>
+                                    <p:set>
+                                      <p:cBhvr>
+                                        <p:cTn id="6" dur="1" fill="hold">
+                                          <p:stCondLst>
+                                            <p:cond delay="0"/>
+                                          </p:stCondLst>
+                                        </p:cTn>
+                                        <p:tgtEl>
+                                          <p:spTgt spid="3">
+                                            <p:txEl>
+                                              <p:pRg st="3" end="3"/>
+                                            </p:txEl>
+                                          </p:spTgt>
+                                        </p:tgtEl>
+                                        <p:attrNameLst>
+                                          <p:attrName>style.visibility</p:attrName>
+                                        </p:attrNameLst>
+                                      </p:cBhvr>
+                                      <p:to>
+                                        <p:strVal val="visible"/>
+                                      </p:to>
+                                    </p:set>
+                                  </p:childTnLst>
+                                </p:cTn>
+                              </p:par>
+                              <p:par>
+                                <p:cTn id="7" presetID="1" presetClass="entr" presetSubtype="0" fill="hold" nodeType="withEffect">
+                                  <p:stCondLst>
+                                    <p:cond delay="0"/>
+                                  </p:stCondLst>
+                                  <p:childTnLst>
+                                    <p:set>
+                                      <p:cBhvr>
+                                        <p:cTn id="8" dur="1" fill="hold">
+                                          <p:stCondLst>
+                                            <p:cond delay="0"/>
+                                          </p:stCondLst>
+                                        </p:cTn>
+                                        <p:tgtEl>
+                                          <p:spTgt spid="3">
+                                            <p:txEl>
+                                              <p:pRg st="5" end="5"/>
+                                            </p:txEl>
+                                          </p:spTgt>
+                                        </p:tgtEl>
+                                        <p:attrNameLst>
+                                          <p:attrName>style.visibility</p:attrName>
+                                        </p:attrNameLst>
+                                      </p:cBhvr>
+                                      <p:to>
+                                        <p:strVal val="visible"/>
+                                      </p:to>
+                                    </p:set>
+                                  </p:childTnLst>
+                                </p:cTn>
+                              </p:par>
+                            </p:childTnLst>
+                          </p:cTn>
+                        </p:par>
+                      </p:childTnLst>
+                    </p:cTn>
+                  </p:par>
+                  <p:par>
+                    <p:cTn id="9" fill="hold">
+                      <p:stCondLst>
+                        <p:cond delay="indefinite"/>
+                      </p:stCondLst>
+                      <p:childTnLst>
+                        <p:par>
+                          <p:cTn id="10" fill="hold">
+                            <p:stCondLst>
+                              <p:cond delay="0"/>
+                            </p:stCondLst>
+                            <p:childTnLst>
+                              <p:par>
+                                <p:cTn id="11" presetID="1" presetClass="entr" presetSubtype="0" fill="hold" nodeType="clickEffect">
+                                  <p:stCondLst>
+                                    <p:cond delay="0"/>
+                                  </p:stCondLst>
+                                  <p:childTnLst>
+                                    <p:set>
+                                      <p:cBhvr>
+                                        <p:cTn id="12" dur="1" fill="hold">
+                                          <p:stCondLst>
+                                            <p:cond delay="0"/>
+                                          </p:stCondLst>
+                                        </p:cTn>
+                                        <p:tgtEl>
+                                          <p:spTgt spid="3">
+                                            <p:txEl>
+                                              <p:pRg st="6" end="6"/>
+                                            </p:txEl>
+                                          </p:spTgt>
+                                        </p:tgtEl>
+                                        <p:attrNameLst>
+                                          <p:attrName>style.visibility</p:attrName>
+                                        </p:attrNameLst>
+                                      </p:cBhvr>
+                                      <p:to>
+                                        <p:strVal val="visible"/>
+                                      </p:to>
+                                    </p:set>
+                                  </p:childTnLst>
+                                </p:cTn>
+                              </p:par>
+                            </p:childTnLst>
+                          </p:cTn>
+                        </p:par>
+                      </p:childTnLst>
+                    </p:cTn>
+                  </p:par>
+                  <p:par>
+                    <p:cTn id="13" fill="hold">
+                      <p:stCondLst>
+                        <p:cond delay="indefinite"/>
+                      </p:stCondLst>
+                      <p:childTnLst>
+                        <p:par>
+                          <p:cTn id="14" fill="hold">
+                            <p:stCondLst>
+                              <p:cond delay="0"/>
+                            </p:stCondLst>
+                            <p:childTnLst>
+                              <p:par>
+                                <p:cTn id="15" presetID="1" presetClass="entr" presetSubtype="0" fill="hold" nodeType="clickEffect">
+                                  <p:stCondLst>
+                                    <p:cond delay="0"/>
+                                  </p:stCondLst>
+                                  <p:childTnLst>
+                                    <p:set>
+                                      <p:cBhvr>
+                                        <p:cTn id="16" dur="1" fill="hold">
+                                          <p:stCondLst>
+                                            <p:cond delay="0"/>
+                                          </p:stCondLst>
+                                        </p:cTn>
+                                        <p:tgtEl>
+                                          <p:spTgt spid="3">
+                                            <p:txEl>
+                                              <p:pRg st="7" end="7"/>
+                                            </p:txEl>
+                                          </p:spTgt>
+                                        </p:tgtEl>
+                                        <p:attrNameLst>
+                                          <p:attrName>style.visibility</p:attrName>
+                                        </p:attrNameLst>
+                                      </p:cBhvr>
+                                      <p:to>
+                                        <p:strVal val="visible"/>
+                                      </p:to>
+                                    </p:set>
+                                  </p:childTnLst>
+                                </p:cTn>
+                              </p:par>
+                            </p:childTnLst>
+                          </p:cTn>
+                        </p:par>
+                      </p:childTnLst>
+                    </p:cTn>
+                  </p:par>
+                  <p:par>
+                    <p:cTn id="17" fill="hold">
+                      <p:stCondLst>
+                        <p:cond delay="indefinite"/>
+                      </p:stCondLst>
+                      <p:childTnLst>
+                        <p:par>
+                          <p:cTn id="18" fill="hold">
+                            <p:stCondLst>
+                              <p:cond delay="0"/>
+                            </p:stCondLst>
+                            <p:childTnLst>
+                              <p:par>
+                                <p:cTn id="19" presetID="1" presetClass="entr" presetSubtype="0" fill="hold" nodeType="clickEffect">
+                                  <p:stCondLst>
+                                    <p:cond delay="0"/>
+                                  </p:stCondLst>
+                                  <p:childTnLst>
+                                    <p:set>
+                                      <p:cBhvr>
+                                        <p:cTn id="20" dur="1" fill="hold">
+                                          <p:stCondLst>
+                                            <p:cond delay="0"/>
+                                          </p:stCondLst>
+                                        </p:cTn>
+                                        <p:tgtEl>
+                                          <p:spTgt spid="3">
+                                            <p:txEl>
+                                              <p:pRg st="8" end="8"/>
+                                            </p:txEl>
+                                          </p:spTgt>
+                                        </p:tgtEl>
+                                        <p:attrNameLst>
+                                          <p:attrName>style.visibility</p:attrName>
+                                        </p:attrNameLst>
+                                      </p:cBhvr>
+                                      <p:to>
+                                        <p:strVal val="visible"/>
+                                      </p:to>
+                                    </p:set>
+                                  </p:childTnLst>
+                                </p:cTn>
+                              </p:par>
+                            </p:childTnLst>
+                          </p:cTn>
+                        </p:par>
+                      </p:childTnLst>
+                    </p:cTn>
+                  </p:par>
+                </p:childTnLst>
+              </p:cTn>
+              <p:prevCondLst>
+                <p:cond evt="onPrev" delay="0">
+                  <p:tgtEl>
+                    <p:sldTgt/>
+                  </p:tgtEl>
+                </p:cond>
+              </p:prevCondLst>
+              <p:nextCondLst>
+                <p:cond evt="onNext" delay="0">
+                  <p:tgtEl>
+                    <p:sldTgt/>
+                  </p:tgtEl>
+                </p:cond>
+              </p:nextCondLst>
+            </p:seq>
+          </p:childTnLst>
+        </p:cTn>
+      </p:par>
+    </p:tnLst>
+  </p:timing>
 </p:sld>
 </file>
 
@@ -13979,8 +14209,8 @@
           </a:p>
         </p:txBody>
       </p:sp>
-      <mc:AlternateContent xmlns:mc="http://schemas.openxmlformats.org/markup-compatibility/2006">
-        <mc:Choice xmlns:a14="http://schemas.microsoft.com/office/drawing/2010/main" Requires="a14">
+      <mc:AlternateContent xmlns:mc="http://schemas.openxmlformats.org/markup-compatibility/2006" xmlns:a14="http://schemas.microsoft.com/office/drawing/2010/main">
+        <mc:Choice Requires="a14">
           <p:sp>
             <p:nvSpPr>
               <p:cNvPr id="7" name="TextBox 6">
@@ -14031,7 +14261,7 @@
             </p:txBody>
           </p:sp>
         </mc:Choice>
-        <mc:Fallback>
+        <mc:Fallback xmlns="">
           <p:sp>
             <p:nvSpPr>
               <p:cNvPr id="7" name="TextBox 6">
@@ -14271,8 +14501,8 @@
           </a:p>
         </p:txBody>
       </p:sp>
-      <mc:AlternateContent xmlns:mc="http://schemas.openxmlformats.org/markup-compatibility/2006">
-        <mc:Choice xmlns:a14="http://schemas.microsoft.com/office/drawing/2010/main" Requires="a14">
+      <mc:AlternateContent xmlns:mc="http://schemas.openxmlformats.org/markup-compatibility/2006" xmlns:a14="http://schemas.microsoft.com/office/drawing/2010/main">
+        <mc:Choice Requires="a14">
           <p:sp>
             <p:nvSpPr>
               <p:cNvPr id="3" name="Content Placeholder 2"/>
@@ -14649,7 +14879,7 @@
             </p:txBody>
           </p:sp>
         </mc:Choice>
-        <mc:Fallback>
+        <mc:Fallback xmlns="">
           <p:sp>
             <p:nvSpPr>
               <p:cNvPr id="3" name="Content Placeholder 2"/>
@@ -14697,6 +14927,418 @@
   <p:clrMapOvr>
     <a:masterClrMapping/>
   </p:clrMapOvr>
+  <p:timing>
+    <p:tnLst>
+      <p:par>
+        <p:cTn id="1" dur="indefinite" restart="never" nodeType="tmRoot">
+          <p:childTnLst>
+            <p:seq concurrent="1" nextAc="seek">
+              <p:cTn id="2" dur="indefinite" nodeType="mainSeq">
+                <p:childTnLst>
+                  <p:par>
+                    <p:cTn id="3" fill="hold">
+                      <p:stCondLst>
+                        <p:cond delay="indefinite"/>
+                      </p:stCondLst>
+                      <p:childTnLst>
+                        <p:par>
+                          <p:cTn id="4" fill="hold">
+                            <p:stCondLst>
+                              <p:cond delay="0"/>
+                            </p:stCondLst>
+                            <p:childTnLst>
+                              <p:par>
+                                <p:cTn id="5" presetID="1" presetClass="entr" presetSubtype="0" fill="hold" nodeType="clickEffect">
+                                  <p:stCondLst>
+                                    <p:cond delay="0"/>
+                                  </p:stCondLst>
+                                  <p:childTnLst>
+                                    <p:set>
+                                      <p:cBhvr>
+                                        <p:cTn id="6" dur="1" fill="hold">
+                                          <p:stCondLst>
+                                            <p:cond delay="0"/>
+                                          </p:stCondLst>
+                                        </p:cTn>
+                                        <p:tgtEl>
+                                          <p:spTgt spid="3">
+                                            <p:txEl>
+                                              <p:pRg st="1" end="1"/>
+                                            </p:txEl>
+                                          </p:spTgt>
+                                        </p:tgtEl>
+                                        <p:attrNameLst>
+                                          <p:attrName>style.visibility</p:attrName>
+                                        </p:attrNameLst>
+                                      </p:cBhvr>
+                                      <p:to>
+                                        <p:strVal val="visible"/>
+                                      </p:to>
+                                    </p:set>
+                                  </p:childTnLst>
+                                </p:cTn>
+                              </p:par>
+                              <p:par>
+                                <p:cTn id="7" presetID="1" presetClass="entr" presetSubtype="0" fill="hold" nodeType="withEffect">
+                                  <p:stCondLst>
+                                    <p:cond delay="0"/>
+                                  </p:stCondLst>
+                                  <p:childTnLst>
+                                    <p:set>
+                                      <p:cBhvr>
+                                        <p:cTn id="8" dur="1" fill="hold">
+                                          <p:stCondLst>
+                                            <p:cond delay="0"/>
+                                          </p:stCondLst>
+                                        </p:cTn>
+                                        <p:tgtEl>
+                                          <p:spTgt spid="3">
+                                            <p:txEl>
+                                              <p:pRg st="2" end="2"/>
+                                            </p:txEl>
+                                          </p:spTgt>
+                                        </p:tgtEl>
+                                        <p:attrNameLst>
+                                          <p:attrName>style.visibility</p:attrName>
+                                        </p:attrNameLst>
+                                      </p:cBhvr>
+                                      <p:to>
+                                        <p:strVal val="visible"/>
+                                      </p:to>
+                                    </p:set>
+                                  </p:childTnLst>
+                                </p:cTn>
+                              </p:par>
+                              <p:par>
+                                <p:cTn id="9" presetID="1" presetClass="entr" presetSubtype="0" fill="hold" nodeType="withEffect">
+                                  <p:stCondLst>
+                                    <p:cond delay="0"/>
+                                  </p:stCondLst>
+                                  <p:childTnLst>
+                                    <p:set>
+                                      <p:cBhvr>
+                                        <p:cTn id="10" dur="1" fill="hold">
+                                          <p:stCondLst>
+                                            <p:cond delay="0"/>
+                                          </p:stCondLst>
+                                        </p:cTn>
+                                        <p:tgtEl>
+                                          <p:spTgt spid="3">
+                                            <p:txEl>
+                                              <p:pRg st="3" end="3"/>
+                                            </p:txEl>
+                                          </p:spTgt>
+                                        </p:tgtEl>
+                                        <p:attrNameLst>
+                                          <p:attrName>style.visibility</p:attrName>
+                                        </p:attrNameLst>
+                                      </p:cBhvr>
+                                      <p:to>
+                                        <p:strVal val="visible"/>
+                                      </p:to>
+                                    </p:set>
+                                  </p:childTnLst>
+                                </p:cTn>
+                              </p:par>
+                            </p:childTnLst>
+                          </p:cTn>
+                        </p:par>
+                      </p:childTnLst>
+                    </p:cTn>
+                  </p:par>
+                  <p:par>
+                    <p:cTn id="11" fill="hold">
+                      <p:stCondLst>
+                        <p:cond delay="indefinite"/>
+                      </p:stCondLst>
+                      <p:childTnLst>
+                        <p:par>
+                          <p:cTn id="12" fill="hold">
+                            <p:stCondLst>
+                              <p:cond delay="0"/>
+                            </p:stCondLst>
+                            <p:childTnLst>
+                              <p:par>
+                                <p:cTn id="13" presetID="1" presetClass="entr" presetSubtype="0" fill="hold" nodeType="clickEffect">
+                                  <p:stCondLst>
+                                    <p:cond delay="0"/>
+                                  </p:stCondLst>
+                                  <p:childTnLst>
+                                    <p:set>
+                                      <p:cBhvr>
+                                        <p:cTn id="14" dur="1" fill="hold">
+                                          <p:stCondLst>
+                                            <p:cond delay="0"/>
+                                          </p:stCondLst>
+                                        </p:cTn>
+                                        <p:tgtEl>
+                                          <p:spTgt spid="3">
+                                            <p:txEl>
+                                              <p:pRg st="4" end="4"/>
+                                            </p:txEl>
+                                          </p:spTgt>
+                                        </p:tgtEl>
+                                        <p:attrNameLst>
+                                          <p:attrName>style.visibility</p:attrName>
+                                        </p:attrNameLst>
+                                      </p:cBhvr>
+                                      <p:to>
+                                        <p:strVal val="visible"/>
+                                      </p:to>
+                                    </p:set>
+                                  </p:childTnLst>
+                                </p:cTn>
+                              </p:par>
+                              <p:par>
+                                <p:cTn id="15" presetID="1" presetClass="entr" presetSubtype="0" fill="hold" nodeType="withEffect">
+                                  <p:stCondLst>
+                                    <p:cond delay="0"/>
+                                  </p:stCondLst>
+                                  <p:childTnLst>
+                                    <p:set>
+                                      <p:cBhvr>
+                                        <p:cTn id="16" dur="1" fill="hold">
+                                          <p:stCondLst>
+                                            <p:cond delay="0"/>
+                                          </p:stCondLst>
+                                        </p:cTn>
+                                        <p:tgtEl>
+                                          <p:spTgt spid="3">
+                                            <p:txEl>
+                                              <p:pRg st="5" end="5"/>
+                                            </p:txEl>
+                                          </p:spTgt>
+                                        </p:tgtEl>
+                                        <p:attrNameLst>
+                                          <p:attrName>style.visibility</p:attrName>
+                                        </p:attrNameLst>
+                                      </p:cBhvr>
+                                      <p:to>
+                                        <p:strVal val="visible"/>
+                                      </p:to>
+                                    </p:set>
+                                  </p:childTnLst>
+                                </p:cTn>
+                              </p:par>
+                              <p:par>
+                                <p:cTn id="17" presetID="1" presetClass="entr" presetSubtype="0" fill="hold" nodeType="withEffect">
+                                  <p:stCondLst>
+                                    <p:cond delay="0"/>
+                                  </p:stCondLst>
+                                  <p:childTnLst>
+                                    <p:set>
+                                      <p:cBhvr>
+                                        <p:cTn id="18" dur="1" fill="hold">
+                                          <p:stCondLst>
+                                            <p:cond delay="0"/>
+                                          </p:stCondLst>
+                                        </p:cTn>
+                                        <p:tgtEl>
+                                          <p:spTgt spid="3">
+                                            <p:txEl>
+                                              <p:pRg st="6" end="6"/>
+                                            </p:txEl>
+                                          </p:spTgt>
+                                        </p:tgtEl>
+                                        <p:attrNameLst>
+                                          <p:attrName>style.visibility</p:attrName>
+                                        </p:attrNameLst>
+                                      </p:cBhvr>
+                                      <p:to>
+                                        <p:strVal val="visible"/>
+                                      </p:to>
+                                    </p:set>
+                                  </p:childTnLst>
+                                </p:cTn>
+                              </p:par>
+                            </p:childTnLst>
+                          </p:cTn>
+                        </p:par>
+                      </p:childTnLst>
+                    </p:cTn>
+                  </p:par>
+                  <p:par>
+                    <p:cTn id="19" fill="hold">
+                      <p:stCondLst>
+                        <p:cond delay="indefinite"/>
+                      </p:stCondLst>
+                      <p:childTnLst>
+                        <p:par>
+                          <p:cTn id="20" fill="hold">
+                            <p:stCondLst>
+                              <p:cond delay="0"/>
+                            </p:stCondLst>
+                            <p:childTnLst>
+                              <p:par>
+                                <p:cTn id="21" presetID="1" presetClass="entr" presetSubtype="0" fill="hold" nodeType="clickEffect">
+                                  <p:stCondLst>
+                                    <p:cond delay="0"/>
+                                  </p:stCondLst>
+                                  <p:childTnLst>
+                                    <p:set>
+                                      <p:cBhvr>
+                                        <p:cTn id="22" dur="1" fill="hold">
+                                          <p:stCondLst>
+                                            <p:cond delay="0"/>
+                                          </p:stCondLst>
+                                        </p:cTn>
+                                        <p:tgtEl>
+                                          <p:spTgt spid="3">
+                                            <p:txEl>
+                                              <p:pRg st="7" end="7"/>
+                                            </p:txEl>
+                                          </p:spTgt>
+                                        </p:tgtEl>
+                                        <p:attrNameLst>
+                                          <p:attrName>style.visibility</p:attrName>
+                                        </p:attrNameLst>
+                                      </p:cBhvr>
+                                      <p:to>
+                                        <p:strVal val="visible"/>
+                                      </p:to>
+                                    </p:set>
+                                  </p:childTnLst>
+                                </p:cTn>
+                              </p:par>
+                              <p:par>
+                                <p:cTn id="23" presetID="1" presetClass="entr" presetSubtype="0" fill="hold" nodeType="withEffect">
+                                  <p:stCondLst>
+                                    <p:cond delay="0"/>
+                                  </p:stCondLst>
+                                  <p:childTnLst>
+                                    <p:set>
+                                      <p:cBhvr>
+                                        <p:cTn id="24" dur="1" fill="hold">
+                                          <p:stCondLst>
+                                            <p:cond delay="0"/>
+                                          </p:stCondLst>
+                                        </p:cTn>
+                                        <p:tgtEl>
+                                          <p:spTgt spid="3">
+                                            <p:txEl>
+                                              <p:pRg st="8" end="8"/>
+                                            </p:txEl>
+                                          </p:spTgt>
+                                        </p:tgtEl>
+                                        <p:attrNameLst>
+                                          <p:attrName>style.visibility</p:attrName>
+                                        </p:attrNameLst>
+                                      </p:cBhvr>
+                                      <p:to>
+                                        <p:strVal val="visible"/>
+                                      </p:to>
+                                    </p:set>
+                                  </p:childTnLst>
+                                </p:cTn>
+                              </p:par>
+                            </p:childTnLst>
+                          </p:cTn>
+                        </p:par>
+                      </p:childTnLst>
+                    </p:cTn>
+                  </p:par>
+                  <p:par>
+                    <p:cTn id="25" fill="hold">
+                      <p:stCondLst>
+                        <p:cond delay="indefinite"/>
+                      </p:stCondLst>
+                      <p:childTnLst>
+                        <p:par>
+                          <p:cTn id="26" fill="hold">
+                            <p:stCondLst>
+                              <p:cond delay="0"/>
+                            </p:stCondLst>
+                            <p:childTnLst>
+                              <p:par>
+                                <p:cTn id="27" presetID="1" presetClass="entr" presetSubtype="0" fill="hold" nodeType="clickEffect">
+                                  <p:stCondLst>
+                                    <p:cond delay="0"/>
+                                  </p:stCondLst>
+                                  <p:childTnLst>
+                                    <p:set>
+                                      <p:cBhvr>
+                                        <p:cTn id="28" dur="1" fill="hold">
+                                          <p:stCondLst>
+                                            <p:cond delay="0"/>
+                                          </p:stCondLst>
+                                        </p:cTn>
+                                        <p:tgtEl>
+                                          <p:spTgt spid="3">
+                                            <p:txEl>
+                                              <p:pRg st="9" end="9"/>
+                                            </p:txEl>
+                                          </p:spTgt>
+                                        </p:tgtEl>
+                                        <p:attrNameLst>
+                                          <p:attrName>style.visibility</p:attrName>
+                                        </p:attrNameLst>
+                                      </p:cBhvr>
+                                      <p:to>
+                                        <p:strVal val="visible"/>
+                                      </p:to>
+                                    </p:set>
+                                  </p:childTnLst>
+                                </p:cTn>
+                              </p:par>
+                              <p:par>
+                                <p:cTn id="29" presetID="1" presetClass="entr" presetSubtype="0" fill="hold" nodeType="withEffect">
+                                  <p:stCondLst>
+                                    <p:cond delay="0"/>
+                                  </p:stCondLst>
+                                  <p:childTnLst>
+                                    <p:set>
+                                      <p:cBhvr>
+                                        <p:cTn id="30" dur="1" fill="hold">
+                                          <p:stCondLst>
+                                            <p:cond delay="0"/>
+                                          </p:stCondLst>
+                                        </p:cTn>
+                                        <p:tgtEl>
+                                          <p:spTgt spid="3">
+                                            <p:txEl>
+                                              <p:pRg st="10" end="10"/>
+                                            </p:txEl>
+                                          </p:spTgt>
+                                        </p:tgtEl>
+                                        <p:attrNameLst>
+                                          <p:attrName>style.visibility</p:attrName>
+                                        </p:attrNameLst>
+                                      </p:cBhvr>
+                                      <p:to>
+                                        <p:strVal val="visible"/>
+                                      </p:to>
+                                    </p:set>
+                                  </p:childTnLst>
+                                </p:cTn>
+                              </p:par>
+                            </p:childTnLst>
+                          </p:cTn>
+                        </p:par>
+                      </p:childTnLst>
+                    </p:cTn>
+                  </p:par>
+                </p:childTnLst>
+              </p:cTn>
+              <p:prevCondLst>
+                <p:cond evt="onPrev" delay="0">
+                  <p:tgtEl>
+                    <p:sldTgt/>
+                  </p:tgtEl>
+                </p:cond>
+              </p:prevCondLst>
+              <p:nextCondLst>
+                <p:cond evt="onNext" delay="0">
+                  <p:tgtEl>
+                    <p:sldTgt/>
+                  </p:tgtEl>
+                </p:cond>
+              </p:nextCondLst>
+            </p:seq>
+          </p:childTnLst>
+        </p:cTn>
+      </p:par>
+    </p:tnLst>
+  </p:timing>
 </p:sld>
 </file>
 
@@ -16035,8 +16677,8 @@
           </a:p>
         </p:txBody>
       </p:sp>
-      <mc:AlternateContent xmlns:mc="http://schemas.openxmlformats.org/markup-compatibility/2006">
-        <mc:Choice xmlns:a14="http://schemas.microsoft.com/office/drawing/2010/main" Requires="a14">
+      <mc:AlternateContent xmlns:mc="http://schemas.openxmlformats.org/markup-compatibility/2006" xmlns:a14="http://schemas.microsoft.com/office/drawing/2010/main">
+        <mc:Choice Requires="a14">
           <p:sp>
             <p:nvSpPr>
               <p:cNvPr id="3" name="Content Placeholder 2">
@@ -16716,7 +17358,7 @@
             </p:txBody>
           </p:sp>
         </mc:Choice>
-        <mc:Fallback>
+        <mc:Fallback xmlns="">
           <p:sp>
             <p:nvSpPr>
               <p:cNvPr id="3" name="Content Placeholder 2">
@@ -16770,6 +17412,351 @@
   <p:clrMapOvr>
     <a:masterClrMapping/>
   </p:clrMapOvr>
+  <p:timing>
+    <p:tnLst>
+      <p:par>
+        <p:cTn id="1" dur="indefinite" restart="never" nodeType="tmRoot">
+          <p:childTnLst>
+            <p:seq concurrent="1" nextAc="seek">
+              <p:cTn id="2" dur="indefinite" nodeType="mainSeq">
+                <p:childTnLst>
+                  <p:par>
+                    <p:cTn id="3" fill="hold">
+                      <p:stCondLst>
+                        <p:cond delay="indefinite"/>
+                      </p:stCondLst>
+                      <p:childTnLst>
+                        <p:par>
+                          <p:cTn id="4" fill="hold">
+                            <p:stCondLst>
+                              <p:cond delay="0"/>
+                            </p:stCondLst>
+                            <p:childTnLst>
+                              <p:par>
+                                <p:cTn id="5" presetID="1" presetClass="entr" presetSubtype="0" fill="hold" nodeType="clickEffect">
+                                  <p:stCondLst>
+                                    <p:cond delay="0"/>
+                                  </p:stCondLst>
+                                  <p:childTnLst>
+                                    <p:set>
+                                      <p:cBhvr>
+                                        <p:cTn id="6" dur="1" fill="hold">
+                                          <p:stCondLst>
+                                            <p:cond delay="0"/>
+                                          </p:stCondLst>
+                                        </p:cTn>
+                                        <p:tgtEl>
+                                          <p:spTgt spid="3">
+                                            <p:txEl>
+                                              <p:pRg st="1" end="1"/>
+                                            </p:txEl>
+                                          </p:spTgt>
+                                        </p:tgtEl>
+                                        <p:attrNameLst>
+                                          <p:attrName>style.visibility</p:attrName>
+                                        </p:attrNameLst>
+                                      </p:cBhvr>
+                                      <p:to>
+                                        <p:strVal val="visible"/>
+                                      </p:to>
+                                    </p:set>
+                                  </p:childTnLst>
+                                </p:cTn>
+                              </p:par>
+                              <p:par>
+                                <p:cTn id="7" presetID="1" presetClass="entr" presetSubtype="0" fill="hold" nodeType="withEffect">
+                                  <p:stCondLst>
+                                    <p:cond delay="0"/>
+                                  </p:stCondLst>
+                                  <p:childTnLst>
+                                    <p:set>
+                                      <p:cBhvr>
+                                        <p:cTn id="8" dur="1" fill="hold">
+                                          <p:stCondLst>
+                                            <p:cond delay="0"/>
+                                          </p:stCondLst>
+                                        </p:cTn>
+                                        <p:tgtEl>
+                                          <p:spTgt spid="3">
+                                            <p:txEl>
+                                              <p:pRg st="2" end="2"/>
+                                            </p:txEl>
+                                          </p:spTgt>
+                                        </p:tgtEl>
+                                        <p:attrNameLst>
+                                          <p:attrName>style.visibility</p:attrName>
+                                        </p:attrNameLst>
+                                      </p:cBhvr>
+                                      <p:to>
+                                        <p:strVal val="visible"/>
+                                      </p:to>
+                                    </p:set>
+                                  </p:childTnLst>
+                                </p:cTn>
+                              </p:par>
+                              <p:par>
+                                <p:cTn id="9" presetID="1" presetClass="entr" presetSubtype="0" fill="hold" nodeType="withEffect">
+                                  <p:stCondLst>
+                                    <p:cond delay="0"/>
+                                  </p:stCondLst>
+                                  <p:childTnLst>
+                                    <p:set>
+                                      <p:cBhvr>
+                                        <p:cTn id="10" dur="1" fill="hold">
+                                          <p:stCondLst>
+                                            <p:cond delay="0"/>
+                                          </p:stCondLst>
+                                        </p:cTn>
+                                        <p:tgtEl>
+                                          <p:spTgt spid="3">
+                                            <p:txEl>
+                                              <p:pRg st="3" end="3"/>
+                                            </p:txEl>
+                                          </p:spTgt>
+                                        </p:tgtEl>
+                                        <p:attrNameLst>
+                                          <p:attrName>style.visibility</p:attrName>
+                                        </p:attrNameLst>
+                                      </p:cBhvr>
+                                      <p:to>
+                                        <p:strVal val="visible"/>
+                                      </p:to>
+                                    </p:set>
+                                  </p:childTnLst>
+                                </p:cTn>
+                              </p:par>
+                            </p:childTnLst>
+                          </p:cTn>
+                        </p:par>
+                      </p:childTnLst>
+                    </p:cTn>
+                  </p:par>
+                  <p:par>
+                    <p:cTn id="11" fill="hold">
+                      <p:stCondLst>
+                        <p:cond delay="indefinite"/>
+                      </p:stCondLst>
+                      <p:childTnLst>
+                        <p:par>
+                          <p:cTn id="12" fill="hold">
+                            <p:stCondLst>
+                              <p:cond delay="0"/>
+                            </p:stCondLst>
+                            <p:childTnLst>
+                              <p:par>
+                                <p:cTn id="13" presetID="1" presetClass="entr" presetSubtype="0" fill="hold" nodeType="clickEffect">
+                                  <p:stCondLst>
+                                    <p:cond delay="0"/>
+                                  </p:stCondLst>
+                                  <p:childTnLst>
+                                    <p:set>
+                                      <p:cBhvr>
+                                        <p:cTn id="14" dur="1" fill="hold">
+                                          <p:stCondLst>
+                                            <p:cond delay="0"/>
+                                          </p:stCondLst>
+                                        </p:cTn>
+                                        <p:tgtEl>
+                                          <p:spTgt spid="3">
+                                            <p:txEl>
+                                              <p:pRg st="4" end="4"/>
+                                            </p:txEl>
+                                          </p:spTgt>
+                                        </p:tgtEl>
+                                        <p:attrNameLst>
+                                          <p:attrName>style.visibility</p:attrName>
+                                        </p:attrNameLst>
+                                      </p:cBhvr>
+                                      <p:to>
+                                        <p:strVal val="visible"/>
+                                      </p:to>
+                                    </p:set>
+                                  </p:childTnLst>
+                                </p:cTn>
+                              </p:par>
+                              <p:par>
+                                <p:cTn id="15" presetID="1" presetClass="entr" presetSubtype="0" fill="hold" nodeType="withEffect">
+                                  <p:stCondLst>
+                                    <p:cond delay="0"/>
+                                  </p:stCondLst>
+                                  <p:childTnLst>
+                                    <p:set>
+                                      <p:cBhvr>
+                                        <p:cTn id="16" dur="1" fill="hold">
+                                          <p:stCondLst>
+                                            <p:cond delay="0"/>
+                                          </p:stCondLst>
+                                        </p:cTn>
+                                        <p:tgtEl>
+                                          <p:spTgt spid="3">
+                                            <p:txEl>
+                                              <p:pRg st="5" end="5"/>
+                                            </p:txEl>
+                                          </p:spTgt>
+                                        </p:tgtEl>
+                                        <p:attrNameLst>
+                                          <p:attrName>style.visibility</p:attrName>
+                                        </p:attrNameLst>
+                                      </p:cBhvr>
+                                      <p:to>
+                                        <p:strVal val="visible"/>
+                                      </p:to>
+                                    </p:set>
+                                  </p:childTnLst>
+                                </p:cTn>
+                              </p:par>
+                              <p:par>
+                                <p:cTn id="17" presetID="1" presetClass="entr" presetSubtype="0" fill="hold" nodeType="withEffect">
+                                  <p:stCondLst>
+                                    <p:cond delay="0"/>
+                                  </p:stCondLst>
+                                  <p:childTnLst>
+                                    <p:set>
+                                      <p:cBhvr>
+                                        <p:cTn id="18" dur="1" fill="hold">
+                                          <p:stCondLst>
+                                            <p:cond delay="0"/>
+                                          </p:stCondLst>
+                                        </p:cTn>
+                                        <p:tgtEl>
+                                          <p:spTgt spid="3">
+                                            <p:txEl>
+                                              <p:pRg st="6" end="6"/>
+                                            </p:txEl>
+                                          </p:spTgt>
+                                        </p:tgtEl>
+                                        <p:attrNameLst>
+                                          <p:attrName>style.visibility</p:attrName>
+                                        </p:attrNameLst>
+                                      </p:cBhvr>
+                                      <p:to>
+                                        <p:strVal val="visible"/>
+                                      </p:to>
+                                    </p:set>
+                                  </p:childTnLst>
+                                </p:cTn>
+                              </p:par>
+                              <p:par>
+                                <p:cTn id="19" presetID="1" presetClass="entr" presetSubtype="0" fill="hold" nodeType="withEffect">
+                                  <p:stCondLst>
+                                    <p:cond delay="0"/>
+                                  </p:stCondLst>
+                                  <p:childTnLst>
+                                    <p:set>
+                                      <p:cBhvr>
+                                        <p:cTn id="20" dur="1" fill="hold">
+                                          <p:stCondLst>
+                                            <p:cond delay="0"/>
+                                          </p:stCondLst>
+                                        </p:cTn>
+                                        <p:tgtEl>
+                                          <p:spTgt spid="3">
+                                            <p:txEl>
+                                              <p:pRg st="7" end="7"/>
+                                            </p:txEl>
+                                          </p:spTgt>
+                                        </p:tgtEl>
+                                        <p:attrNameLst>
+                                          <p:attrName>style.visibility</p:attrName>
+                                        </p:attrNameLst>
+                                      </p:cBhvr>
+                                      <p:to>
+                                        <p:strVal val="visible"/>
+                                      </p:to>
+                                    </p:set>
+                                  </p:childTnLst>
+                                </p:cTn>
+                              </p:par>
+                              <p:par>
+                                <p:cTn id="21" presetID="1" presetClass="entr" presetSubtype="0" fill="hold" nodeType="withEffect">
+                                  <p:stCondLst>
+                                    <p:cond delay="0"/>
+                                  </p:stCondLst>
+                                  <p:childTnLst>
+                                    <p:set>
+                                      <p:cBhvr>
+                                        <p:cTn id="22" dur="1" fill="hold">
+                                          <p:stCondLst>
+                                            <p:cond delay="0"/>
+                                          </p:stCondLst>
+                                        </p:cTn>
+                                        <p:tgtEl>
+                                          <p:spTgt spid="3">
+                                            <p:txEl>
+                                              <p:pRg st="8" end="8"/>
+                                            </p:txEl>
+                                          </p:spTgt>
+                                        </p:tgtEl>
+                                        <p:attrNameLst>
+                                          <p:attrName>style.visibility</p:attrName>
+                                        </p:attrNameLst>
+                                      </p:cBhvr>
+                                      <p:to>
+                                        <p:strVal val="visible"/>
+                                      </p:to>
+                                    </p:set>
+                                  </p:childTnLst>
+                                </p:cTn>
+                              </p:par>
+                              <p:par>
+                                <p:cTn id="23" presetID="1" presetClass="entr" presetSubtype="0" fill="hold" nodeType="withEffect">
+                                  <p:stCondLst>
+                                    <p:cond delay="0"/>
+                                  </p:stCondLst>
+                                  <p:childTnLst>
+                                    <p:set>
+                                      <p:cBhvr>
+                                        <p:cTn id="24" dur="1" fill="hold">
+                                          <p:stCondLst>
+                                            <p:cond delay="0"/>
+                                          </p:stCondLst>
+                                        </p:cTn>
+                                        <p:tgtEl>
+                                          <p:spTgt spid="3">
+                                            <p:txEl>
+                                              <p:pRg st="9" end="9"/>
+                                            </p:txEl>
+                                          </p:spTgt>
+                                        </p:tgtEl>
+                                        <p:attrNameLst>
+                                          <p:attrName>style.visibility</p:attrName>
+                                        </p:attrNameLst>
+                                      </p:cBhvr>
+                                      <p:to>
+                                        <p:strVal val="visible"/>
+                                      </p:to>
+                                    </p:set>
+                                  </p:childTnLst>
+                                </p:cTn>
+                              </p:par>
+                            </p:childTnLst>
+                          </p:cTn>
+                        </p:par>
+                      </p:childTnLst>
+                    </p:cTn>
+                  </p:par>
+                </p:childTnLst>
+              </p:cTn>
+              <p:prevCondLst>
+                <p:cond evt="onPrev" delay="0">
+                  <p:tgtEl>
+                    <p:sldTgt/>
+                  </p:tgtEl>
+                </p:cond>
+              </p:prevCondLst>
+              <p:nextCondLst>
+                <p:cond evt="onNext" delay="0">
+                  <p:tgtEl>
+                    <p:sldTgt/>
+                  </p:tgtEl>
+                </p:cond>
+              </p:nextCondLst>
+            </p:seq>
+          </p:childTnLst>
+        </p:cTn>
+      </p:par>
+    </p:tnLst>
+  </p:timing>
 </p:sld>
 </file>
 
@@ -17394,3610 +18381,6 @@
 </file>
 
 <file path=ppt/slides/slide30.xml><?xml version="1.0" encoding="utf-8"?>
-<p:sld xmlns:a="http://schemas.openxmlformats.org/drawingml/2006/main" xmlns:r="http://schemas.openxmlformats.org/officeDocument/2006/relationships" xmlns:p="http://schemas.openxmlformats.org/presentationml/2006/main" show="0">
-  <p:cSld>
-    <p:spTree>
-      <p:nvGrpSpPr>
-        <p:cNvPr id="1" name=""/>
-        <p:cNvGrpSpPr/>
-        <p:nvPr/>
-      </p:nvGrpSpPr>
-      <p:grpSpPr>
-        <a:xfrm>
-          <a:off x="0" y="0"/>
-          <a:ext cx="0" cy="0"/>
-          <a:chOff x="0" y="0"/>
-          <a:chExt cx="0" cy="0"/>
-        </a:xfrm>
-      </p:grpSpPr>
-      <p:sp>
-        <p:nvSpPr>
-          <p:cNvPr id="2" name="Title 1">
-            <a:extLst>
-              <a:ext uri="{FF2B5EF4-FFF2-40B4-BE49-F238E27FC236}">
-                <a16:creationId xmlns:a16="http://schemas.microsoft.com/office/drawing/2014/main" id="{2E28F462-DC1F-48AF-8BA3-5D8B887182ED}"/>
-              </a:ext>
-            </a:extLst>
-          </p:cNvPr>
-          <p:cNvSpPr>
-            <a:spLocks noGrp="1"/>
-          </p:cNvSpPr>
-          <p:nvPr>
-            <p:ph type="title"/>
-          </p:nvPr>
-        </p:nvSpPr>
-        <p:spPr>
-          <a:xfrm>
-            <a:off x="838200" y="365125"/>
-            <a:ext cx="10515600" cy="666233"/>
-          </a:xfrm>
-        </p:spPr>
-        <p:txBody>
-          <a:bodyPr>
-            <a:normAutofit/>
-          </a:bodyPr>
-          <a:lstStyle/>
-          <a:p>
-            <a:r>
-              <a:rPr lang="en-US" sz="4000" dirty="0">
-                <a:latin typeface="+mn-lt"/>
-                <a:cs typeface="Segoe UI" panose="020B0502040204020203" pitchFamily="34" charset="0"/>
-              </a:rPr>
-              <a:t>Singular Value Decomposition </a:t>
-            </a:r>
-          </a:p>
-        </p:txBody>
-      </p:sp>
-      <p:sp>
-        <p:nvSpPr>
-          <p:cNvPr id="3" name="Content Placeholder 2">
-            <a:extLst>
-              <a:ext uri="{FF2B5EF4-FFF2-40B4-BE49-F238E27FC236}">
-                <a16:creationId xmlns:a16="http://schemas.microsoft.com/office/drawing/2014/main" id="{6948E274-B4C9-49D5-BB15-6A382137E2DD}"/>
-              </a:ext>
-            </a:extLst>
-          </p:cNvPr>
-          <p:cNvSpPr>
-            <a:spLocks noGrp="1"/>
-          </p:cNvSpPr>
-          <p:nvPr>
-            <p:ph sz="quarter" idx="10"/>
-          </p:nvPr>
-        </p:nvSpPr>
-        <p:spPr>
-          <a:xfrm>
-            <a:off x="379514" y="1265273"/>
-            <a:ext cx="11525250" cy="5410511"/>
-          </a:xfrm>
-        </p:spPr>
-        <p:txBody>
-          <a:bodyPr/>
-          <a:lstStyle/>
-          <a:p>
-            <a:pPr marL="0" indent="0">
-              <a:buNone/>
-            </a:pPr>
-            <a:r>
-              <a:rPr lang="en-US" dirty="0">
-                <a:cs typeface="Segoe UI" panose="020B0502040204020203" pitchFamily="34" charset="0"/>
-              </a:rPr>
-              <a:t>Singular value decomposition (SVD) is a computational efficient matrix decomposition  </a:t>
-            </a:r>
-            <a:endParaRPr lang="en-US" sz="2800" b="1" dirty="0">
-              <a:latin typeface="+mn-lt"/>
-              <a:cs typeface="Segoe UI" panose="020B0502040204020203" pitchFamily="34" charset="0"/>
-            </a:endParaRPr>
-          </a:p>
-          <a:p>
-            <a:r>
-              <a:rPr lang="en-US" dirty="0">
-                <a:cs typeface="Segoe UI" panose="020B0502040204020203" pitchFamily="34" charset="0"/>
-              </a:rPr>
-              <a:t>At scale, can directly apply SVD to massive feature matrices   </a:t>
-            </a:r>
-          </a:p>
-          <a:p>
-            <a:r>
-              <a:rPr lang="en-US" sz="2800" dirty="0">
-                <a:latin typeface="+mn-lt"/>
-                <a:cs typeface="Segoe UI" panose="020B0502040204020203" pitchFamily="34" charset="0"/>
-              </a:rPr>
-              <a:t>But SVD is not good for sparse matrices, particularly with many 0s   </a:t>
-            </a:r>
-          </a:p>
-          <a:p>
-            <a:r>
-              <a:rPr lang="en-US" dirty="0">
-                <a:cs typeface="Segoe UI" panose="020B0502040204020203" pitchFamily="34" charset="0"/>
-              </a:rPr>
-              <a:t>But, </a:t>
-            </a:r>
-            <a:r>
-              <a:rPr lang="en-US" b="1" dirty="0">
-                <a:cs typeface="Segoe UI" panose="020B0502040204020203" pitchFamily="34" charset="0"/>
-              </a:rPr>
-              <a:t>we do not need the full decomposition! </a:t>
-            </a:r>
-            <a:r>
-              <a:rPr lang="en-US" sz="2800" b="1" dirty="0">
-                <a:cs typeface="Segoe UI" panose="020B0502040204020203" pitchFamily="34" charset="0"/>
-              </a:rPr>
-              <a:t> </a:t>
-            </a:r>
-          </a:p>
-          <a:p>
-            <a:r>
-              <a:rPr lang="en-US" dirty="0">
-                <a:cs typeface="Segoe UI" panose="020B0502040204020203" pitchFamily="34" charset="0"/>
-              </a:rPr>
-              <a:t>Decompose into </a:t>
-            </a:r>
-            <a:r>
-              <a:rPr lang="en-US" b="1" dirty="0">
-                <a:cs typeface="Segoe UI" panose="020B0502040204020203" pitchFamily="34" charset="0"/>
-              </a:rPr>
-              <a:t>low-dimensional embedding factors </a:t>
-            </a:r>
-          </a:p>
-          <a:p>
-            <a:pPr lvl="1"/>
-            <a:r>
-              <a:rPr lang="en-US" dirty="0">
-                <a:cs typeface="Segoe UI" panose="020B0502040204020203" pitchFamily="34" charset="0"/>
-              </a:rPr>
-              <a:t>Example: factor model for recommenders </a:t>
-            </a:r>
-          </a:p>
-          <a:p>
-            <a:endParaRPr lang="en-US" sz="2800" dirty="0">
-              <a:latin typeface="+mn-lt"/>
-              <a:cs typeface="Segoe UI" panose="020B0502040204020203" pitchFamily="34" charset="0"/>
-            </a:endParaRPr>
-          </a:p>
-        </p:txBody>
-      </p:sp>
-    </p:spTree>
-    <p:extLst>
-      <p:ext uri="{BB962C8B-B14F-4D97-AF65-F5344CB8AC3E}">
-        <p14:creationId xmlns:p14="http://schemas.microsoft.com/office/powerpoint/2010/main" val="3881448156"/>
-      </p:ext>
-    </p:extLst>
-  </p:cSld>
-  <p:clrMapOvr>
-    <a:masterClrMapping/>
-  </p:clrMapOvr>
-  <p:timing>
-    <p:tnLst>
-      <p:par>
-        <p:cTn id="1" dur="indefinite" restart="never" nodeType="tmRoot">
-          <p:childTnLst>
-            <p:seq concurrent="1" nextAc="seek">
-              <p:cTn id="2" dur="indefinite" nodeType="mainSeq">
-                <p:childTnLst>
-                  <p:par>
-                    <p:cTn id="3" fill="hold">
-                      <p:stCondLst>
-                        <p:cond delay="indefinite"/>
-                      </p:stCondLst>
-                      <p:childTnLst>
-                        <p:par>
-                          <p:cTn id="4" fill="hold">
-                            <p:stCondLst>
-                              <p:cond delay="0"/>
-                            </p:stCondLst>
-                            <p:childTnLst>
-                              <p:par>
-                                <p:cTn id="5" presetID="1" presetClass="entr" presetSubtype="0" fill="hold" nodeType="clickEffect">
-                                  <p:stCondLst>
-                                    <p:cond delay="0"/>
-                                  </p:stCondLst>
-                                  <p:childTnLst>
-                                    <p:set>
-                                      <p:cBhvr>
-                                        <p:cTn id="6" dur="1" fill="hold">
-                                          <p:stCondLst>
-                                            <p:cond delay="0"/>
-                                          </p:stCondLst>
-                                        </p:cTn>
-                                        <p:tgtEl>
-                                          <p:spTgt spid="3">
-                                            <p:txEl>
-                                              <p:pRg st="1" end="1"/>
-                                            </p:txEl>
-                                          </p:spTgt>
-                                        </p:tgtEl>
-                                        <p:attrNameLst>
-                                          <p:attrName>style.visibility</p:attrName>
-                                        </p:attrNameLst>
-                                      </p:cBhvr>
-                                      <p:to>
-                                        <p:strVal val="visible"/>
-                                      </p:to>
-                                    </p:set>
-                                  </p:childTnLst>
-                                </p:cTn>
-                              </p:par>
-                            </p:childTnLst>
-                          </p:cTn>
-                        </p:par>
-                      </p:childTnLst>
-                    </p:cTn>
-                  </p:par>
-                  <p:par>
-                    <p:cTn id="7" fill="hold">
-                      <p:stCondLst>
-                        <p:cond delay="indefinite"/>
-                      </p:stCondLst>
-                      <p:childTnLst>
-                        <p:par>
-                          <p:cTn id="8" fill="hold">
-                            <p:stCondLst>
-                              <p:cond delay="0"/>
-                            </p:stCondLst>
-                            <p:childTnLst>
-                              <p:par>
-                                <p:cTn id="9" presetID="1" presetClass="entr" presetSubtype="0" fill="hold" nodeType="clickEffect">
-                                  <p:stCondLst>
-                                    <p:cond delay="0"/>
-                                  </p:stCondLst>
-                                  <p:childTnLst>
-                                    <p:set>
-                                      <p:cBhvr>
-                                        <p:cTn id="10" dur="1" fill="hold">
-                                          <p:stCondLst>
-                                            <p:cond delay="0"/>
-                                          </p:stCondLst>
-                                        </p:cTn>
-                                        <p:tgtEl>
-                                          <p:spTgt spid="3">
-                                            <p:txEl>
-                                              <p:pRg st="2" end="2"/>
-                                            </p:txEl>
-                                          </p:spTgt>
-                                        </p:tgtEl>
-                                        <p:attrNameLst>
-                                          <p:attrName>style.visibility</p:attrName>
-                                        </p:attrNameLst>
-                                      </p:cBhvr>
-                                      <p:to>
-                                        <p:strVal val="visible"/>
-                                      </p:to>
-                                    </p:set>
-                                  </p:childTnLst>
-                                </p:cTn>
-                              </p:par>
-                            </p:childTnLst>
-                          </p:cTn>
-                        </p:par>
-                      </p:childTnLst>
-                    </p:cTn>
-                  </p:par>
-                  <p:par>
-                    <p:cTn id="11" fill="hold">
-                      <p:stCondLst>
-                        <p:cond delay="indefinite"/>
-                      </p:stCondLst>
-                      <p:childTnLst>
-                        <p:par>
-                          <p:cTn id="12" fill="hold">
-                            <p:stCondLst>
-                              <p:cond delay="0"/>
-                            </p:stCondLst>
-                            <p:childTnLst>
-                              <p:par>
-                                <p:cTn id="13" presetID="1" presetClass="entr" presetSubtype="0" fill="hold" nodeType="clickEffect">
-                                  <p:stCondLst>
-                                    <p:cond delay="0"/>
-                                  </p:stCondLst>
-                                  <p:childTnLst>
-                                    <p:set>
-                                      <p:cBhvr>
-                                        <p:cTn id="14" dur="1" fill="hold">
-                                          <p:stCondLst>
-                                            <p:cond delay="0"/>
-                                          </p:stCondLst>
-                                        </p:cTn>
-                                        <p:tgtEl>
-                                          <p:spTgt spid="3">
-                                            <p:txEl>
-                                              <p:pRg st="3" end="3"/>
-                                            </p:txEl>
-                                          </p:spTgt>
-                                        </p:tgtEl>
-                                        <p:attrNameLst>
-                                          <p:attrName>style.visibility</p:attrName>
-                                        </p:attrNameLst>
-                                      </p:cBhvr>
-                                      <p:to>
-                                        <p:strVal val="visible"/>
-                                      </p:to>
-                                    </p:set>
-                                  </p:childTnLst>
-                                </p:cTn>
-                              </p:par>
-                            </p:childTnLst>
-                          </p:cTn>
-                        </p:par>
-                      </p:childTnLst>
-                    </p:cTn>
-                  </p:par>
-                  <p:par>
-                    <p:cTn id="15" fill="hold">
-                      <p:stCondLst>
-                        <p:cond delay="indefinite"/>
-                      </p:stCondLst>
-                      <p:childTnLst>
-                        <p:par>
-                          <p:cTn id="16" fill="hold">
-                            <p:stCondLst>
-                              <p:cond delay="0"/>
-                            </p:stCondLst>
-                            <p:childTnLst>
-                              <p:par>
-                                <p:cTn id="17" presetID="1" presetClass="entr" presetSubtype="0" fill="hold" nodeType="clickEffect">
-                                  <p:stCondLst>
-                                    <p:cond delay="0"/>
-                                  </p:stCondLst>
-                                  <p:childTnLst>
-                                    <p:set>
-                                      <p:cBhvr>
-                                        <p:cTn id="18" dur="1" fill="hold">
-                                          <p:stCondLst>
-                                            <p:cond delay="0"/>
-                                          </p:stCondLst>
-                                        </p:cTn>
-                                        <p:tgtEl>
-                                          <p:spTgt spid="3">
-                                            <p:txEl>
-                                              <p:pRg st="4" end="4"/>
-                                            </p:txEl>
-                                          </p:spTgt>
-                                        </p:tgtEl>
-                                        <p:attrNameLst>
-                                          <p:attrName>style.visibility</p:attrName>
-                                        </p:attrNameLst>
-                                      </p:cBhvr>
-                                      <p:to>
-                                        <p:strVal val="visible"/>
-                                      </p:to>
-                                    </p:set>
-                                  </p:childTnLst>
-                                </p:cTn>
-                              </p:par>
-                              <p:par>
-                                <p:cTn id="19" presetID="1" presetClass="entr" presetSubtype="0" fill="hold" nodeType="withEffect">
-                                  <p:stCondLst>
-                                    <p:cond delay="0"/>
-                                  </p:stCondLst>
-                                  <p:childTnLst>
-                                    <p:set>
-                                      <p:cBhvr>
-                                        <p:cTn id="20" dur="1" fill="hold">
-                                          <p:stCondLst>
-                                            <p:cond delay="0"/>
-                                          </p:stCondLst>
-                                        </p:cTn>
-                                        <p:tgtEl>
-                                          <p:spTgt spid="3">
-                                            <p:txEl>
-                                              <p:pRg st="5" end="5"/>
-                                            </p:txEl>
-                                          </p:spTgt>
-                                        </p:tgtEl>
-                                        <p:attrNameLst>
-                                          <p:attrName>style.visibility</p:attrName>
-                                        </p:attrNameLst>
-                                      </p:cBhvr>
-                                      <p:to>
-                                        <p:strVal val="visible"/>
-                                      </p:to>
-                                    </p:set>
-                                  </p:childTnLst>
-                                </p:cTn>
-                              </p:par>
-                            </p:childTnLst>
-                          </p:cTn>
-                        </p:par>
-                      </p:childTnLst>
-                    </p:cTn>
-                  </p:par>
-                </p:childTnLst>
-              </p:cTn>
-              <p:prevCondLst>
-                <p:cond evt="onPrev" delay="0">
-                  <p:tgtEl>
-                    <p:sldTgt/>
-                  </p:tgtEl>
-                </p:cond>
-              </p:prevCondLst>
-              <p:nextCondLst>
-                <p:cond evt="onNext" delay="0">
-                  <p:tgtEl>
-                    <p:sldTgt/>
-                  </p:tgtEl>
-                </p:cond>
-              </p:nextCondLst>
-            </p:seq>
-          </p:childTnLst>
-        </p:cTn>
-      </p:par>
-    </p:tnLst>
-  </p:timing>
-</p:sld>
-</file>
-
-<file path=ppt/slides/slide31.xml><?xml version="1.0" encoding="utf-8"?>
-<p:sld xmlns:a="http://schemas.openxmlformats.org/drawingml/2006/main" xmlns:r="http://schemas.openxmlformats.org/officeDocument/2006/relationships" xmlns:p="http://schemas.openxmlformats.org/presentationml/2006/main" show="0">
-  <p:cSld>
-    <p:spTree>
-      <p:nvGrpSpPr>
-        <p:cNvPr id="1" name=""/>
-        <p:cNvGrpSpPr/>
-        <p:nvPr/>
-      </p:nvGrpSpPr>
-      <p:grpSpPr>
-        <a:xfrm>
-          <a:off x="0" y="0"/>
-          <a:ext cx="0" cy="0"/>
-          <a:chOff x="0" y="0"/>
-          <a:chExt cx="0" cy="0"/>
-        </a:xfrm>
-      </p:grpSpPr>
-      <p:sp>
-        <p:nvSpPr>
-          <p:cNvPr id="2" name="Title 1">
-            <a:extLst>
-              <a:ext uri="{FF2B5EF4-FFF2-40B4-BE49-F238E27FC236}">
-                <a16:creationId xmlns:a16="http://schemas.microsoft.com/office/drawing/2014/main" id="{2E28F462-DC1F-48AF-8BA3-5D8B887182ED}"/>
-              </a:ext>
-            </a:extLst>
-          </p:cNvPr>
-          <p:cNvSpPr>
-            <a:spLocks noGrp="1"/>
-          </p:cNvSpPr>
-          <p:nvPr>
-            <p:ph type="title"/>
-          </p:nvPr>
-        </p:nvSpPr>
-        <p:spPr>
-          <a:xfrm>
-            <a:off x="838200" y="365125"/>
-            <a:ext cx="10515600" cy="666233"/>
-          </a:xfrm>
-        </p:spPr>
-        <p:txBody>
-          <a:bodyPr>
-            <a:normAutofit/>
-          </a:bodyPr>
-          <a:lstStyle/>
-          <a:p>
-            <a:r>
-              <a:rPr lang="en-US" sz="4000" dirty="0">
-                <a:latin typeface="+mn-lt"/>
-                <a:cs typeface="Segoe UI" panose="020B0502040204020203" pitchFamily="34" charset="0"/>
-              </a:rPr>
-              <a:t>Singular Value Decomposition </a:t>
-            </a:r>
-          </a:p>
-        </p:txBody>
-      </p:sp>
-      <mc:AlternateContent xmlns:mc="http://schemas.openxmlformats.org/markup-compatibility/2006">
-        <mc:Choice xmlns:a14="http://schemas.microsoft.com/office/drawing/2010/main" Requires="a14">
-          <p:sp>
-            <p:nvSpPr>
-              <p:cNvPr id="3" name="Content Placeholder 2">
-                <a:extLst>
-                  <a:ext uri="{FF2B5EF4-FFF2-40B4-BE49-F238E27FC236}">
-                    <a16:creationId xmlns:a16="http://schemas.microsoft.com/office/drawing/2014/main" id="{6948E274-B4C9-49D5-BB15-6A382137E2DD}"/>
-                  </a:ext>
-                </a:extLst>
-              </p:cNvPr>
-              <p:cNvSpPr>
-                <a:spLocks noGrp="1"/>
-              </p:cNvSpPr>
-              <p:nvPr>
-                <p:ph sz="quarter" idx="10"/>
-              </p:nvPr>
-            </p:nvSpPr>
-            <p:spPr>
-              <a:xfrm>
-                <a:off x="379514" y="1123951"/>
-                <a:ext cx="11525250" cy="5551834"/>
-              </a:xfrm>
-            </p:spPr>
-            <p:txBody>
-              <a:bodyPr>
-                <a:normAutofit lnSpcReduction="10000"/>
-              </a:bodyPr>
-              <a:lstStyle/>
-              <a:p>
-                <a:pPr marL="0" indent="0">
-                  <a:buNone/>
-                </a:pPr>
-                <a:r>
-                  <a:rPr lang="en-US" dirty="0">
-                    <a:cs typeface="Segoe UI" panose="020B0502040204020203" pitchFamily="34" charset="0"/>
-                  </a:rPr>
-                  <a:t>Singular value decomposition (SVD) of an </a:t>
-                </a:r>
-                <a14:m>
-                  <m:oMath xmlns:m="http://schemas.openxmlformats.org/officeDocument/2006/math">
-                    <m:r>
-                      <a:rPr lang="en-US" b="0" i="1" smtClean="0">
-                        <a:latin typeface="Cambria Math" panose="02040503050406030204" pitchFamily="18" charset="0"/>
-                        <a:cs typeface="Segoe UI" panose="020B0502040204020203" pitchFamily="34" charset="0"/>
-                      </a:rPr>
-                      <m:t>𝑛</m:t>
-                    </m:r>
-                    <m:r>
-                      <a:rPr lang="en-US" b="0" i="1" smtClean="0">
-                        <a:latin typeface="Cambria Math" panose="02040503050406030204" pitchFamily="18" charset="0"/>
-                        <a:ea typeface="Cambria Math" panose="02040503050406030204" pitchFamily="18" charset="0"/>
-                        <a:cs typeface="Segoe UI" panose="020B0502040204020203" pitchFamily="34" charset="0"/>
-                      </a:rPr>
-                      <m:t>×</m:t>
-                    </m:r>
-                    <m:r>
-                      <a:rPr lang="en-US" b="0" i="1" smtClean="0">
-                        <a:latin typeface="Cambria Math" panose="02040503050406030204" pitchFamily="18" charset="0"/>
-                        <a:ea typeface="Cambria Math" panose="02040503050406030204" pitchFamily="18" charset="0"/>
-                        <a:cs typeface="Segoe UI" panose="020B0502040204020203" pitchFamily="34" charset="0"/>
-                      </a:rPr>
-                      <m:t>𝑝</m:t>
-                    </m:r>
-                  </m:oMath>
-                </a14:m>
-                <a:r>
-                  <a:rPr lang="en-US" dirty="0">
-                    <a:cs typeface="Segoe UI" panose="020B0502040204020203" pitchFamily="34" charset="0"/>
-                  </a:rPr>
-                  <a:t> matrix, </a:t>
-                </a:r>
-                <a14:m>
-                  <m:oMath xmlns:m="http://schemas.openxmlformats.org/officeDocument/2006/math">
-                    <m:r>
-                      <a:rPr lang="en-US" b="0" i="1" smtClean="0">
-                        <a:latin typeface="Cambria Math" panose="02040503050406030204" pitchFamily="18" charset="0"/>
-                        <a:cs typeface="Segoe UI" panose="020B0502040204020203" pitchFamily="34" charset="0"/>
-                      </a:rPr>
-                      <m:t>𝑋</m:t>
-                    </m:r>
-                  </m:oMath>
-                </a14:m>
-                <a:r>
-                  <a:rPr lang="en-US" dirty="0">
-                    <a:cs typeface="Segoe UI" panose="020B0502040204020203" pitchFamily="34" charset="0"/>
-                  </a:rPr>
-                  <a:t>:</a:t>
-                </a:r>
-              </a:p>
-              <a:p>
-                <a:pPr marL="0" indent="0">
-                  <a:buNone/>
-                </a:pPr>
-                <a14:m>
-                  <m:oMathPara xmlns:m="http://schemas.openxmlformats.org/officeDocument/2006/math">
-                    <m:oMathParaPr>
-                      <m:jc m:val="centerGroup"/>
-                    </m:oMathParaPr>
-                    <m:oMath xmlns:m="http://schemas.openxmlformats.org/officeDocument/2006/math">
-                      <m:r>
-                        <a:rPr lang="en-US" sz="2800" b="0" i="1" smtClean="0">
-                          <a:latin typeface="Cambria Math" panose="02040503050406030204" pitchFamily="18" charset="0"/>
-                          <a:cs typeface="Segoe UI" panose="020B0502040204020203" pitchFamily="34" charset="0"/>
-                        </a:rPr>
-                        <m:t>𝑋</m:t>
-                      </m:r>
-                      <m:r>
-                        <a:rPr lang="en-US" sz="2800" b="0" i="1" smtClean="0">
-                          <a:latin typeface="Cambria Math" panose="02040503050406030204" pitchFamily="18" charset="0"/>
-                          <a:cs typeface="Segoe UI" panose="020B0502040204020203" pitchFamily="34" charset="0"/>
-                        </a:rPr>
-                        <m:t>=</m:t>
-                      </m:r>
-                      <m:r>
-                        <m:rPr>
-                          <m:sty m:val="p"/>
-                        </m:rPr>
-                        <a:rPr lang="en-US" sz="2800" b="0" i="0" smtClean="0">
-                          <a:latin typeface="Cambria Math" panose="02040503050406030204" pitchFamily="18" charset="0"/>
-                          <a:cs typeface="Segoe UI" panose="020B0502040204020203" pitchFamily="34" charset="0"/>
-                        </a:rPr>
-                        <m:t>U</m:t>
-                      </m:r>
-                      <m:r>
-                        <a:rPr lang="en-US" sz="2800" b="0" i="1" smtClean="0">
-                          <a:latin typeface="Cambria Math" panose="02040503050406030204" pitchFamily="18" charset="0"/>
-                          <a:cs typeface="Segoe UI" panose="020B0502040204020203" pitchFamily="34" charset="0"/>
-                        </a:rPr>
-                        <m:t>𝑆</m:t>
-                      </m:r>
-                      <m:sSup>
-                        <m:sSupPr>
-                          <m:ctrlPr>
-                            <a:rPr lang="el-GR" sz="2800" b="0" i="1" smtClean="0">
-                              <a:latin typeface="Cambria Math" panose="02040503050406030204" pitchFamily="18" charset="0"/>
-                              <a:ea typeface="Cambria Math" panose="02040503050406030204" pitchFamily="18" charset="0"/>
-                              <a:cs typeface="Segoe UI" panose="020B0502040204020203" pitchFamily="34" charset="0"/>
-                            </a:rPr>
-                          </m:ctrlPr>
-                        </m:sSupPr>
-                        <m:e>
-                          <m:r>
-                            <a:rPr lang="en-US" sz="2800" b="0" i="1" smtClean="0">
-                              <a:latin typeface="Cambria Math" panose="02040503050406030204" pitchFamily="18" charset="0"/>
-                              <a:ea typeface="Cambria Math" panose="02040503050406030204" pitchFamily="18" charset="0"/>
-                              <a:cs typeface="Segoe UI" panose="020B0502040204020203" pitchFamily="34" charset="0"/>
-                            </a:rPr>
-                            <m:t>𝑉</m:t>
-                          </m:r>
-                        </m:e>
-                        <m:sup>
-                          <m:r>
-                            <a:rPr lang="en-US" sz="2800" b="0" i="1" smtClean="0">
-                              <a:latin typeface="Cambria Math" panose="02040503050406030204" pitchFamily="18" charset="0"/>
-                              <a:ea typeface="Cambria Math" panose="02040503050406030204" pitchFamily="18" charset="0"/>
-                              <a:cs typeface="Segoe UI" panose="020B0502040204020203" pitchFamily="34" charset="0"/>
-                            </a:rPr>
-                            <m:t>𝑇</m:t>
-                          </m:r>
-                        </m:sup>
-                      </m:sSup>
-                    </m:oMath>
-                  </m:oMathPara>
-                </a14:m>
-                <a:endParaRPr lang="en-US" sz="2800" dirty="0">
-                  <a:latin typeface="+mn-lt"/>
-                  <a:cs typeface="Segoe UI" panose="020B0502040204020203" pitchFamily="34" charset="0"/>
-                </a:endParaRPr>
-              </a:p>
-              <a:p>
-                <a:pPr marL="0" indent="0">
-                  <a:buNone/>
-                </a:pPr>
-                <a:r>
-                  <a:rPr lang="en-US" dirty="0">
-                    <a:cs typeface="Segoe UI" panose="020B0502040204020203" pitchFamily="34" charset="0"/>
-                  </a:rPr>
-                  <a:t>Where: </a:t>
-                </a:r>
-              </a:p>
-              <a:p>
-                <a:pPr marL="0" indent="0">
-                  <a:buNone/>
-                </a:pPr>
-                <a14:m>
-                  <m:oMathPara xmlns:m="http://schemas.openxmlformats.org/officeDocument/2006/math">
-                    <m:oMathParaPr>
-                      <m:jc m:val="centerGroup"/>
-                    </m:oMathParaPr>
-                    <m:oMath xmlns:m="http://schemas.openxmlformats.org/officeDocument/2006/math">
-                      <m:r>
-                        <a:rPr lang="en-US" sz="2800" b="0" i="1" smtClean="0">
-                          <a:latin typeface="Cambria Math" panose="02040503050406030204" pitchFamily="18" charset="0"/>
-                          <a:cs typeface="Segoe UI" panose="020B0502040204020203" pitchFamily="34" charset="0"/>
-                        </a:rPr>
-                        <m:t>𝑈</m:t>
-                      </m:r>
-                      <m:r>
-                        <a:rPr lang="en-US" sz="2800" b="0" i="1" smtClean="0">
-                          <a:latin typeface="Cambria Math" panose="02040503050406030204" pitchFamily="18" charset="0"/>
-                          <a:cs typeface="Segoe UI" panose="020B0502040204020203" pitchFamily="34" charset="0"/>
-                        </a:rPr>
-                        <m:t>=</m:t>
-                      </m:r>
-                      <m:r>
-                        <a:rPr lang="en-US" sz="2800" b="0" i="1" smtClean="0">
-                          <a:latin typeface="Cambria Math" panose="02040503050406030204" pitchFamily="18" charset="0"/>
-                          <a:cs typeface="Segoe UI" panose="020B0502040204020203" pitchFamily="34" charset="0"/>
-                        </a:rPr>
-                        <m:t>𝑛</m:t>
-                      </m:r>
-                      <m:r>
-                        <a:rPr lang="en-US" sz="2800" b="0" i="1" smtClean="0">
-                          <a:latin typeface="Cambria Math" panose="02040503050406030204" pitchFamily="18" charset="0"/>
-                          <a:ea typeface="Cambria Math" panose="02040503050406030204" pitchFamily="18" charset="0"/>
-                          <a:cs typeface="Segoe UI" panose="020B0502040204020203" pitchFamily="34" charset="0"/>
-                        </a:rPr>
-                        <m:t>×</m:t>
-                      </m:r>
-                      <m:r>
-                        <a:rPr lang="en-US" sz="2800" b="0" i="1" smtClean="0">
-                          <a:latin typeface="Cambria Math" panose="02040503050406030204" pitchFamily="18" charset="0"/>
-                          <a:ea typeface="Cambria Math" panose="02040503050406030204" pitchFamily="18" charset="0"/>
-                          <a:cs typeface="Segoe UI" panose="020B0502040204020203" pitchFamily="34" charset="0"/>
-                        </a:rPr>
-                        <m:t>𝑝</m:t>
-                      </m:r>
-                      <m:r>
-                        <a:rPr lang="en-US" sz="2800" b="0" i="1" smtClean="0">
-                          <a:latin typeface="Cambria Math" panose="02040503050406030204" pitchFamily="18" charset="0"/>
-                          <a:ea typeface="Cambria Math" panose="02040503050406030204" pitchFamily="18" charset="0"/>
-                          <a:cs typeface="Segoe UI" panose="020B0502040204020203" pitchFamily="34" charset="0"/>
-                        </a:rPr>
-                        <m:t> </m:t>
-                      </m:r>
-                      <m:r>
-                        <a:rPr lang="en-US" sz="2800" b="0" i="1" smtClean="0">
-                          <a:latin typeface="Cambria Math" panose="02040503050406030204" pitchFamily="18" charset="0"/>
-                          <a:cs typeface="Segoe UI" panose="020B0502040204020203" pitchFamily="34" charset="0"/>
-                        </a:rPr>
-                        <m:t>𝑙𝑒𝑓𝑡</m:t>
-                      </m:r>
-                      <m:r>
-                        <a:rPr lang="en-US" sz="2800" b="0" i="1" smtClean="0">
-                          <a:latin typeface="Cambria Math" panose="02040503050406030204" pitchFamily="18" charset="0"/>
-                          <a:cs typeface="Segoe UI" panose="020B0502040204020203" pitchFamily="34" charset="0"/>
-                        </a:rPr>
-                        <m:t> </m:t>
-                      </m:r>
-                      <m:r>
-                        <a:rPr lang="en-US" sz="2800" b="0" i="1" smtClean="0">
-                          <a:latin typeface="Cambria Math" panose="02040503050406030204" pitchFamily="18" charset="0"/>
-                          <a:cs typeface="Segoe UI" panose="020B0502040204020203" pitchFamily="34" charset="0"/>
-                        </a:rPr>
-                        <m:t>𝑠𝑖𝑛𝑔𝑢𝑙𝑎𝑟</m:t>
-                      </m:r>
-                      <m:r>
-                        <a:rPr lang="en-US" sz="2800" b="0" i="1" smtClean="0">
-                          <a:latin typeface="Cambria Math" panose="02040503050406030204" pitchFamily="18" charset="0"/>
-                          <a:cs typeface="Segoe UI" panose="020B0502040204020203" pitchFamily="34" charset="0"/>
-                        </a:rPr>
-                        <m:t> </m:t>
-                      </m:r>
-                      <m:r>
-                        <a:rPr lang="en-US" sz="2800" b="0" i="1" smtClean="0">
-                          <a:latin typeface="Cambria Math" panose="02040503050406030204" pitchFamily="18" charset="0"/>
-                          <a:cs typeface="Segoe UI" panose="020B0502040204020203" pitchFamily="34" charset="0"/>
-                        </a:rPr>
-                        <m:t>𝑜𝑟𝑡h𝑜𝑛𝑜𝑟𝑚𝑎𝑙</m:t>
-                      </m:r>
-                      <m:r>
-                        <a:rPr lang="en-US" sz="2800" b="0" i="1" smtClean="0">
-                          <a:latin typeface="Cambria Math" panose="02040503050406030204" pitchFamily="18" charset="0"/>
-                          <a:cs typeface="Segoe UI" panose="020B0502040204020203" pitchFamily="34" charset="0"/>
-                        </a:rPr>
-                        <m:t> </m:t>
-                      </m:r>
-                      <m:r>
-                        <a:rPr lang="en-US" sz="2800" b="0" i="1" smtClean="0">
-                          <a:latin typeface="Cambria Math" panose="02040503050406030204" pitchFamily="18" charset="0"/>
-                          <a:cs typeface="Segoe UI" panose="020B0502040204020203" pitchFamily="34" charset="0"/>
-                        </a:rPr>
-                        <m:t>𝑣𝑒𝑐𝑡𝑜𝑟𝑠</m:t>
-                      </m:r>
-                    </m:oMath>
-                  </m:oMathPara>
-                </a14:m>
-                <a:endParaRPr lang="en-US" sz="2800" b="0" dirty="0">
-                  <a:latin typeface="+mn-lt"/>
-                  <a:cs typeface="Segoe UI" panose="020B0502040204020203" pitchFamily="34" charset="0"/>
-                </a:endParaRPr>
-              </a:p>
-              <a:p>
-                <a:pPr marL="0" indent="0">
-                  <a:buNone/>
-                </a:pPr>
-                <a14:m>
-                  <m:oMathPara xmlns:m="http://schemas.openxmlformats.org/officeDocument/2006/math">
-                    <m:oMathParaPr>
-                      <m:jc m:val="centerGroup"/>
-                    </m:oMathParaPr>
-                    <m:oMath xmlns:m="http://schemas.openxmlformats.org/officeDocument/2006/math">
-                      <m:r>
-                        <m:rPr>
-                          <m:sty m:val="p"/>
-                        </m:rPr>
-                        <a:rPr lang="en-US" i="1">
-                          <a:latin typeface="Cambria Math" panose="02040503050406030204" pitchFamily="18" charset="0"/>
-                          <a:ea typeface="Cambria Math" panose="02040503050406030204" pitchFamily="18" charset="0"/>
-                          <a:cs typeface="Segoe UI" panose="020B0502040204020203" pitchFamily="34" charset="0"/>
-                        </a:rPr>
-                        <m:t>S</m:t>
-                      </m:r>
-                      <m:r>
-                        <a:rPr lang="en-US" sz="2800" b="0" i="1" smtClean="0">
-                          <a:latin typeface="Cambria Math" panose="02040503050406030204" pitchFamily="18" charset="0"/>
-                          <a:ea typeface="Cambria Math" panose="02040503050406030204" pitchFamily="18" charset="0"/>
-                          <a:cs typeface="Segoe UI" panose="020B0502040204020203" pitchFamily="34" charset="0"/>
-                        </a:rPr>
-                        <m:t>=</m:t>
-                      </m:r>
-                      <m:r>
-                        <a:rPr lang="en-US" sz="2800" b="0" i="1" smtClean="0">
-                          <a:latin typeface="Cambria Math" panose="02040503050406030204" pitchFamily="18" charset="0"/>
-                          <a:ea typeface="Cambria Math" panose="02040503050406030204" pitchFamily="18" charset="0"/>
-                          <a:cs typeface="Segoe UI" panose="020B0502040204020203" pitchFamily="34" charset="0"/>
-                        </a:rPr>
-                        <m:t>𝑝</m:t>
-                      </m:r>
-                      <m:r>
-                        <a:rPr lang="en-US" sz="2800" b="0" i="1" smtClean="0">
-                          <a:latin typeface="Cambria Math" panose="02040503050406030204" pitchFamily="18" charset="0"/>
-                          <a:ea typeface="Cambria Math" panose="02040503050406030204" pitchFamily="18" charset="0"/>
-                          <a:cs typeface="Segoe UI" panose="020B0502040204020203" pitchFamily="34" charset="0"/>
-                        </a:rPr>
-                        <m:t>×</m:t>
-                      </m:r>
-                      <m:r>
-                        <a:rPr lang="en-US" sz="2800" b="0" i="1" smtClean="0">
-                          <a:latin typeface="Cambria Math" panose="02040503050406030204" pitchFamily="18" charset="0"/>
-                          <a:ea typeface="Cambria Math" panose="02040503050406030204" pitchFamily="18" charset="0"/>
-                          <a:cs typeface="Segoe UI" panose="020B0502040204020203" pitchFamily="34" charset="0"/>
-                        </a:rPr>
-                        <m:t>𝑝</m:t>
-                      </m:r>
-                      <m:r>
-                        <a:rPr lang="en-US" sz="2800" b="0" i="1" smtClean="0">
-                          <a:latin typeface="Cambria Math" panose="02040503050406030204" pitchFamily="18" charset="0"/>
-                          <a:ea typeface="Cambria Math" panose="02040503050406030204" pitchFamily="18" charset="0"/>
-                          <a:cs typeface="Segoe UI" panose="020B0502040204020203" pitchFamily="34" charset="0"/>
-                        </a:rPr>
-                        <m:t> </m:t>
-                      </m:r>
-                      <m:r>
-                        <a:rPr lang="en-US" sz="2800" b="0" i="1" smtClean="0">
-                          <a:latin typeface="Cambria Math" panose="02040503050406030204" pitchFamily="18" charset="0"/>
-                          <a:ea typeface="Cambria Math" panose="02040503050406030204" pitchFamily="18" charset="0"/>
-                          <a:cs typeface="Segoe UI" panose="020B0502040204020203" pitchFamily="34" charset="0"/>
-                        </a:rPr>
-                        <m:t>𝑑𝑖𝑎𝑔𝑜𝑛𝑎𝑙</m:t>
-                      </m:r>
-                      <m:r>
-                        <a:rPr lang="en-US" sz="2800" b="0" i="1" smtClean="0">
-                          <a:latin typeface="Cambria Math" panose="02040503050406030204" pitchFamily="18" charset="0"/>
-                          <a:ea typeface="Cambria Math" panose="02040503050406030204" pitchFamily="18" charset="0"/>
-                          <a:cs typeface="Segoe UI" panose="020B0502040204020203" pitchFamily="34" charset="0"/>
-                        </a:rPr>
-                        <m:t> </m:t>
-                      </m:r>
-                      <m:r>
-                        <a:rPr lang="en-US" sz="2800" b="0" i="1" smtClean="0">
-                          <a:latin typeface="Cambria Math" panose="02040503050406030204" pitchFamily="18" charset="0"/>
-                          <a:ea typeface="Cambria Math" panose="02040503050406030204" pitchFamily="18" charset="0"/>
-                          <a:cs typeface="Segoe UI" panose="020B0502040204020203" pitchFamily="34" charset="0"/>
-                        </a:rPr>
-                        <m:t>𝑚𝑎𝑡𝑟𝑖𝑥</m:t>
-                      </m:r>
-                      <m:r>
-                        <a:rPr lang="en-US" sz="2800" b="0" i="1" smtClean="0">
-                          <a:latin typeface="Cambria Math" panose="02040503050406030204" pitchFamily="18" charset="0"/>
-                          <a:ea typeface="Cambria Math" panose="02040503050406030204" pitchFamily="18" charset="0"/>
-                          <a:cs typeface="Segoe UI" panose="020B0502040204020203" pitchFamily="34" charset="0"/>
-                        </a:rPr>
-                        <m:t> </m:t>
-                      </m:r>
-                      <m:r>
-                        <a:rPr lang="en-US" sz="2800" b="0" i="1" smtClean="0">
-                          <a:latin typeface="Cambria Math" panose="02040503050406030204" pitchFamily="18" charset="0"/>
-                          <a:ea typeface="Cambria Math" panose="02040503050406030204" pitchFamily="18" charset="0"/>
-                          <a:cs typeface="Segoe UI" panose="020B0502040204020203" pitchFamily="34" charset="0"/>
-                        </a:rPr>
-                        <m:t>𝑜𝑓</m:t>
-                      </m:r>
-                      <m:r>
-                        <a:rPr lang="en-US" sz="2800" b="0" i="1" smtClean="0">
-                          <a:latin typeface="Cambria Math" panose="02040503050406030204" pitchFamily="18" charset="0"/>
-                          <a:ea typeface="Cambria Math" panose="02040503050406030204" pitchFamily="18" charset="0"/>
-                          <a:cs typeface="Segoe UI" panose="020B0502040204020203" pitchFamily="34" charset="0"/>
-                        </a:rPr>
-                        <m:t> </m:t>
-                      </m:r>
-                      <m:r>
-                        <a:rPr lang="en-US" sz="2800" b="0" i="1" smtClean="0">
-                          <a:latin typeface="Cambria Math" panose="02040503050406030204" pitchFamily="18" charset="0"/>
-                          <a:ea typeface="Cambria Math" panose="02040503050406030204" pitchFamily="18" charset="0"/>
-                          <a:cs typeface="Segoe UI" panose="020B0502040204020203" pitchFamily="34" charset="0"/>
-                        </a:rPr>
-                        <m:t>𝑠𝑖𝑛𝑔𝑢𝑙𝑎𝑟</m:t>
-                      </m:r>
-                      <m:r>
-                        <a:rPr lang="en-US" sz="2800" b="0" i="1" smtClean="0">
-                          <a:latin typeface="Cambria Math" panose="02040503050406030204" pitchFamily="18" charset="0"/>
-                          <a:ea typeface="Cambria Math" panose="02040503050406030204" pitchFamily="18" charset="0"/>
-                          <a:cs typeface="Segoe UI" panose="020B0502040204020203" pitchFamily="34" charset="0"/>
-                        </a:rPr>
-                        <m:t> </m:t>
-                      </m:r>
-                      <m:r>
-                        <a:rPr lang="en-US" sz="2800" b="0" i="1" smtClean="0">
-                          <a:latin typeface="Cambria Math" panose="02040503050406030204" pitchFamily="18" charset="0"/>
-                          <a:ea typeface="Cambria Math" panose="02040503050406030204" pitchFamily="18" charset="0"/>
-                          <a:cs typeface="Segoe UI" panose="020B0502040204020203" pitchFamily="34" charset="0"/>
-                        </a:rPr>
-                        <m:t>𝑣𝑎𝑙𝑢𝑒𝑠</m:t>
-                      </m:r>
-                    </m:oMath>
-                  </m:oMathPara>
-                </a14:m>
-                <a:endParaRPr lang="en-US" sz="2800" b="0" dirty="0">
-                  <a:latin typeface="+mn-lt"/>
-                  <a:ea typeface="Cambria Math" panose="02040503050406030204" pitchFamily="18" charset="0"/>
-                  <a:cs typeface="Segoe UI" panose="020B0502040204020203" pitchFamily="34" charset="0"/>
-                </a:endParaRPr>
-              </a:p>
-              <a:p>
-                <a:pPr marL="0" indent="0">
-                  <a:buNone/>
-                </a:pPr>
-                <a14:m>
-                  <m:oMathPara xmlns:m="http://schemas.openxmlformats.org/officeDocument/2006/math">
-                    <m:oMathParaPr>
-                      <m:jc m:val="centerGroup"/>
-                    </m:oMathParaPr>
-                    <m:oMath xmlns:m="http://schemas.openxmlformats.org/officeDocument/2006/math">
-                      <m:r>
-                        <a:rPr lang="en-US" sz="2800" b="0" i="1" smtClean="0">
-                          <a:latin typeface="Cambria Math" panose="02040503050406030204" pitchFamily="18" charset="0"/>
-                          <a:cs typeface="Segoe UI" panose="020B0502040204020203" pitchFamily="34" charset="0"/>
-                        </a:rPr>
-                        <m:t>𝑉</m:t>
-                      </m:r>
-                      <m:r>
-                        <a:rPr lang="en-US" sz="2800" b="0" i="1" smtClean="0">
-                          <a:latin typeface="Cambria Math" panose="02040503050406030204" pitchFamily="18" charset="0"/>
-                          <a:cs typeface="Segoe UI" panose="020B0502040204020203" pitchFamily="34" charset="0"/>
-                        </a:rPr>
-                        <m:t>=</m:t>
-                      </m:r>
-                      <m:r>
-                        <a:rPr lang="en-US" sz="2800" b="0" i="1" smtClean="0">
-                          <a:latin typeface="Cambria Math" panose="02040503050406030204" pitchFamily="18" charset="0"/>
-                          <a:cs typeface="Segoe UI" panose="020B0502040204020203" pitchFamily="34" charset="0"/>
-                        </a:rPr>
-                        <m:t>𝑝</m:t>
-                      </m:r>
-                      <m:r>
-                        <a:rPr lang="en-US" sz="2800" b="0" i="1" smtClean="0">
-                          <a:latin typeface="Cambria Math" panose="02040503050406030204" pitchFamily="18" charset="0"/>
-                          <a:ea typeface="Cambria Math" panose="02040503050406030204" pitchFamily="18" charset="0"/>
-                          <a:cs typeface="Segoe UI" panose="020B0502040204020203" pitchFamily="34" charset="0"/>
-                        </a:rPr>
-                        <m:t>×</m:t>
-                      </m:r>
-                      <m:r>
-                        <a:rPr lang="en-US" sz="2800" b="0" i="1" smtClean="0">
-                          <a:latin typeface="Cambria Math" panose="02040503050406030204" pitchFamily="18" charset="0"/>
-                          <a:ea typeface="Cambria Math" panose="02040503050406030204" pitchFamily="18" charset="0"/>
-                          <a:cs typeface="Segoe UI" panose="020B0502040204020203" pitchFamily="34" charset="0"/>
-                        </a:rPr>
-                        <m:t>𝑝</m:t>
-                      </m:r>
-                      <m:r>
-                        <a:rPr lang="en-US" sz="2800" b="0" i="1" smtClean="0">
-                          <a:latin typeface="Cambria Math" panose="02040503050406030204" pitchFamily="18" charset="0"/>
-                          <a:ea typeface="Cambria Math" panose="02040503050406030204" pitchFamily="18" charset="0"/>
-                          <a:cs typeface="Segoe UI" panose="020B0502040204020203" pitchFamily="34" charset="0"/>
-                        </a:rPr>
-                        <m:t> </m:t>
-                      </m:r>
-                      <m:r>
-                        <a:rPr lang="en-US" sz="2800" b="0" i="1" smtClean="0">
-                          <a:latin typeface="Cambria Math" panose="02040503050406030204" pitchFamily="18" charset="0"/>
-                          <a:cs typeface="Segoe UI" panose="020B0502040204020203" pitchFamily="34" charset="0"/>
-                        </a:rPr>
-                        <m:t>𝑟𝑖𝑔h𝑡</m:t>
-                      </m:r>
-                      <m:r>
-                        <a:rPr lang="en-US" sz="2800" b="0" i="1" smtClean="0">
-                          <a:latin typeface="Cambria Math" panose="02040503050406030204" pitchFamily="18" charset="0"/>
-                          <a:cs typeface="Segoe UI" panose="020B0502040204020203" pitchFamily="34" charset="0"/>
-                        </a:rPr>
-                        <m:t> </m:t>
-                      </m:r>
-                      <m:r>
-                        <a:rPr lang="en-US" sz="2800" b="0" i="1" smtClean="0">
-                          <a:latin typeface="Cambria Math" panose="02040503050406030204" pitchFamily="18" charset="0"/>
-                          <a:cs typeface="Segoe UI" panose="020B0502040204020203" pitchFamily="34" charset="0"/>
-                        </a:rPr>
-                        <m:t>𝑜𝑟𝑡h𝑜𝑛𝑜𝑟𝑚𝑎𝑙</m:t>
-                      </m:r>
-                      <m:r>
-                        <a:rPr lang="en-US" sz="2800" b="0" i="1" smtClean="0">
-                          <a:latin typeface="Cambria Math" panose="02040503050406030204" pitchFamily="18" charset="0"/>
-                          <a:cs typeface="Segoe UI" panose="020B0502040204020203" pitchFamily="34" charset="0"/>
-                        </a:rPr>
-                        <m:t> </m:t>
-                      </m:r>
-                      <m:r>
-                        <a:rPr lang="en-US" sz="2800" b="0" i="1" smtClean="0">
-                          <a:latin typeface="Cambria Math" panose="02040503050406030204" pitchFamily="18" charset="0"/>
-                          <a:cs typeface="Segoe UI" panose="020B0502040204020203" pitchFamily="34" charset="0"/>
-                        </a:rPr>
-                        <m:t>𝑠𝑖𝑛𝑔𝑢𝑙𝑎𝑟</m:t>
-                      </m:r>
-                      <m:r>
-                        <a:rPr lang="en-US" sz="2800" b="0" i="1" smtClean="0">
-                          <a:latin typeface="Cambria Math" panose="02040503050406030204" pitchFamily="18" charset="0"/>
-                          <a:cs typeface="Segoe UI" panose="020B0502040204020203" pitchFamily="34" charset="0"/>
-                        </a:rPr>
-                        <m:t> </m:t>
-                      </m:r>
-                      <m:r>
-                        <a:rPr lang="en-US" sz="2800" b="0" i="1" smtClean="0">
-                          <a:latin typeface="Cambria Math" panose="02040503050406030204" pitchFamily="18" charset="0"/>
-                          <a:cs typeface="Segoe UI" panose="020B0502040204020203" pitchFamily="34" charset="0"/>
-                        </a:rPr>
-                        <m:t>𝑣𝑒𝑐𝑡𝑜𝑟𝑠</m:t>
-                      </m:r>
-                    </m:oMath>
-                  </m:oMathPara>
-                </a14:m>
-                <a:endParaRPr lang="en-US" sz="2800" dirty="0">
-                  <a:latin typeface="+mn-lt"/>
-                  <a:cs typeface="Segoe UI" panose="020B0502040204020203" pitchFamily="34" charset="0"/>
-                </a:endParaRPr>
-              </a:p>
-              <a:p>
-                <a:pPr marL="0" indent="0">
-                  <a:buNone/>
-                </a:pPr>
-                <a:r>
-                  <a:rPr lang="en-US" sz="2800" dirty="0">
-                    <a:latin typeface="+mn-lt"/>
-                    <a:cs typeface="Segoe UI" panose="020B0502040204020203" pitchFamily="34" charset="0"/>
-                  </a:rPr>
-                  <a:t>For example for </a:t>
-                </a:r>
-                <a14:m>
-                  <m:oMath xmlns:m="http://schemas.openxmlformats.org/officeDocument/2006/math">
-                    <m:r>
-                      <m:rPr>
-                        <m:sty m:val="p"/>
-                      </m:rPr>
-                      <a:rPr lang="en-US" sz="2800" b="0" i="0" smtClean="0">
-                        <a:latin typeface="Cambria Math" panose="02040503050406030204" pitchFamily="18" charset="0"/>
-                        <a:cs typeface="Segoe UI" panose="020B0502040204020203" pitchFamily="34" charset="0"/>
-                      </a:rPr>
-                      <m:t>n</m:t>
-                    </m:r>
-                    <m:r>
-                      <a:rPr lang="en-US" sz="2800" b="0" i="1" smtClean="0">
-                        <a:latin typeface="Cambria Math" panose="02040503050406030204" pitchFamily="18" charset="0"/>
-                        <a:ea typeface="Cambria Math" panose="02040503050406030204" pitchFamily="18" charset="0"/>
-                        <a:cs typeface="Segoe UI" panose="020B0502040204020203" pitchFamily="34" charset="0"/>
-                      </a:rPr>
-                      <m:t>×</m:t>
-                    </m:r>
-                    <m:r>
-                      <a:rPr lang="en-US" sz="2800" b="0" i="1" smtClean="0">
-                        <a:latin typeface="Cambria Math" panose="02040503050406030204" pitchFamily="18" charset="0"/>
-                        <a:ea typeface="Cambria Math" panose="02040503050406030204" pitchFamily="18" charset="0"/>
-                        <a:cs typeface="Segoe UI" panose="020B0502040204020203" pitchFamily="34" charset="0"/>
-                      </a:rPr>
-                      <m:t>𝑝</m:t>
-                    </m:r>
-                    <m:r>
-                      <a:rPr lang="en-US" sz="2800" b="0" i="1" smtClean="0">
-                        <a:latin typeface="Cambria Math" panose="02040503050406030204" pitchFamily="18" charset="0"/>
-                        <a:ea typeface="Cambria Math" panose="02040503050406030204" pitchFamily="18" charset="0"/>
-                        <a:cs typeface="Segoe UI" panose="020B0502040204020203" pitchFamily="34" charset="0"/>
-                      </a:rPr>
-                      <m:t>=4×2</m:t>
-                    </m:r>
-                  </m:oMath>
-                </a14:m>
-                <a:r>
-                  <a:rPr lang="en-US" sz="2800" dirty="0">
-                    <a:latin typeface="+mn-lt"/>
-                    <a:cs typeface="Segoe UI" panose="020B0502040204020203" pitchFamily="34" charset="0"/>
-                  </a:rPr>
-                  <a:t> matrix:</a:t>
-                </a:r>
-              </a:p>
-              <a:p>
-                <a:pPr marL="0" indent="0">
-                  <a:buNone/>
-                </a:pPr>
-                <a:r>
-                  <a:rPr lang="en-US" sz="2800" dirty="0">
-                    <a:cs typeface="Segoe UI" panose="020B0502040204020203" pitchFamily="34" charset="0"/>
-                  </a:rPr>
-                  <a:t>		</a:t>
-                </a:r>
-                <a14:m>
-                  <m:oMath xmlns:m="http://schemas.openxmlformats.org/officeDocument/2006/math">
-                    <m:d>
-                      <m:dPr>
-                        <m:begChr m:val="["/>
-                        <m:endChr m:val="]"/>
-                        <m:ctrlPr>
-                          <a:rPr lang="en-US" sz="2800" i="1" smtClean="0">
-                            <a:latin typeface="Cambria Math" panose="02040503050406030204" pitchFamily="18" charset="0"/>
-                            <a:cs typeface="Segoe UI" panose="020B0502040204020203" pitchFamily="34" charset="0"/>
-                          </a:rPr>
-                        </m:ctrlPr>
-                      </m:dPr>
-                      <m:e>
-                        <m:m>
-                          <m:mPr>
-                            <m:mcs>
-                              <m:mc>
-                                <m:mcPr>
-                                  <m:count m:val="2"/>
-                                  <m:mcJc m:val="center"/>
-                                </m:mcPr>
-                              </m:mc>
-                            </m:mcs>
-                            <m:ctrlPr>
-                              <a:rPr lang="en-US" sz="2800" i="1" smtClean="0">
-                                <a:latin typeface="Cambria Math" panose="02040503050406030204" pitchFamily="18" charset="0"/>
-                                <a:cs typeface="Segoe UI" panose="020B0502040204020203" pitchFamily="34" charset="0"/>
-                              </a:rPr>
-                            </m:ctrlPr>
-                          </m:mPr>
-                          <m:mr>
-                            <m:e>
-                              <m:sSub>
-                                <m:sSubPr>
-                                  <m:ctrlPr>
-                                    <a:rPr lang="en-US" i="1">
-                                      <a:latin typeface="Cambria Math" panose="02040503050406030204" pitchFamily="18" charset="0"/>
-                                      <a:cs typeface="Segoe UI" panose="020B0502040204020203" pitchFamily="34" charset="0"/>
-                                    </a:rPr>
-                                  </m:ctrlPr>
-                                </m:sSubPr>
-                                <m:e>
-                                  <m:r>
-                                    <a:rPr lang="en-US" b="0" i="1" smtClean="0">
-                                      <a:latin typeface="Cambria Math" panose="02040503050406030204" pitchFamily="18" charset="0"/>
-                                      <a:cs typeface="Segoe UI" panose="020B0502040204020203" pitchFamily="34" charset="0"/>
-                                    </a:rPr>
-                                    <m:t>𝑥</m:t>
-                                  </m:r>
-                                </m:e>
-                                <m:sub>
-                                  <m:r>
-                                    <a:rPr lang="en-US" i="1">
-                                      <a:latin typeface="Cambria Math" panose="02040503050406030204" pitchFamily="18" charset="0"/>
-                                      <a:cs typeface="Segoe UI" panose="020B0502040204020203" pitchFamily="34" charset="0"/>
-                                    </a:rPr>
-                                    <m:t>1,1</m:t>
-                                  </m:r>
-                                </m:sub>
-                              </m:sSub>
-                            </m:e>
-                            <m:e>
-                              <m:sSub>
-                                <m:sSubPr>
-                                  <m:ctrlPr>
-                                    <a:rPr lang="en-US" i="1">
-                                      <a:latin typeface="Cambria Math" panose="02040503050406030204" pitchFamily="18" charset="0"/>
-                                      <a:cs typeface="Segoe UI" panose="020B0502040204020203" pitchFamily="34" charset="0"/>
-                                    </a:rPr>
-                                  </m:ctrlPr>
-                                </m:sSubPr>
-                                <m:e>
-                                  <m:r>
-                                    <a:rPr lang="en-US" b="0" i="1" smtClean="0">
-                                      <a:latin typeface="Cambria Math" panose="02040503050406030204" pitchFamily="18" charset="0"/>
-                                      <a:cs typeface="Segoe UI" panose="020B0502040204020203" pitchFamily="34" charset="0"/>
-                                    </a:rPr>
-                                    <m:t>𝑥</m:t>
-                                  </m:r>
-                                </m:e>
-                                <m:sub>
-                                  <m:r>
-                                    <a:rPr lang="en-US" i="1">
-                                      <a:latin typeface="Cambria Math" panose="02040503050406030204" pitchFamily="18" charset="0"/>
-                                      <a:cs typeface="Segoe UI" panose="020B0502040204020203" pitchFamily="34" charset="0"/>
-                                    </a:rPr>
-                                    <m:t>1,</m:t>
-                                  </m:r>
-                                  <m:r>
-                                    <a:rPr lang="en-US" b="0" i="1" smtClean="0">
-                                      <a:latin typeface="Cambria Math" panose="02040503050406030204" pitchFamily="18" charset="0"/>
-                                      <a:cs typeface="Segoe UI" panose="020B0502040204020203" pitchFamily="34" charset="0"/>
-                                    </a:rPr>
-                                    <m:t>2</m:t>
-                                  </m:r>
-                                </m:sub>
-                              </m:sSub>
-                            </m:e>
-                          </m:mr>
-                          <m:mr>
-                            <m:e>
-                              <m:sSub>
-                                <m:sSubPr>
-                                  <m:ctrlPr>
-                                    <a:rPr lang="en-US" i="1">
-                                      <a:latin typeface="Cambria Math" panose="02040503050406030204" pitchFamily="18" charset="0"/>
-                                      <a:cs typeface="Segoe UI" panose="020B0502040204020203" pitchFamily="34" charset="0"/>
-                                    </a:rPr>
-                                  </m:ctrlPr>
-                                </m:sSubPr>
-                                <m:e>
-                                  <m:r>
-                                    <a:rPr lang="en-US" b="0" i="1" smtClean="0">
-                                      <a:latin typeface="Cambria Math" panose="02040503050406030204" pitchFamily="18" charset="0"/>
-                                      <a:cs typeface="Segoe UI" panose="020B0502040204020203" pitchFamily="34" charset="0"/>
-                                    </a:rPr>
-                                    <m:t>𝑥</m:t>
-                                  </m:r>
-                                </m:e>
-                                <m:sub>
-                                  <m:r>
-                                    <a:rPr lang="en-US" b="0" i="1" smtClean="0">
-                                      <a:latin typeface="Cambria Math" panose="02040503050406030204" pitchFamily="18" charset="0"/>
-                                      <a:cs typeface="Segoe UI" panose="020B0502040204020203" pitchFamily="34" charset="0"/>
-                                    </a:rPr>
-                                    <m:t>2</m:t>
-                                  </m:r>
-                                  <m:r>
-                                    <a:rPr lang="en-US" i="1">
-                                      <a:latin typeface="Cambria Math" panose="02040503050406030204" pitchFamily="18" charset="0"/>
-                                      <a:cs typeface="Segoe UI" panose="020B0502040204020203" pitchFamily="34" charset="0"/>
-                                    </a:rPr>
-                                    <m:t>,1</m:t>
-                                  </m:r>
-                                </m:sub>
-                              </m:sSub>
-                            </m:e>
-                            <m:e>
-                              <m:sSub>
-                                <m:sSubPr>
-                                  <m:ctrlPr>
-                                    <a:rPr lang="en-US" i="1">
-                                      <a:latin typeface="Cambria Math" panose="02040503050406030204" pitchFamily="18" charset="0"/>
-                                      <a:cs typeface="Segoe UI" panose="020B0502040204020203" pitchFamily="34" charset="0"/>
-                                    </a:rPr>
-                                  </m:ctrlPr>
-                                </m:sSubPr>
-                                <m:e>
-                                  <m:r>
-                                    <a:rPr lang="en-US" b="0" i="1" smtClean="0">
-                                      <a:latin typeface="Cambria Math" panose="02040503050406030204" pitchFamily="18" charset="0"/>
-                                      <a:cs typeface="Segoe UI" panose="020B0502040204020203" pitchFamily="34" charset="0"/>
-                                    </a:rPr>
-                                    <m:t>𝑥</m:t>
-                                  </m:r>
-                                </m:e>
-                                <m:sub>
-                                  <m:r>
-                                    <a:rPr lang="en-US" b="0" i="1" smtClean="0">
-                                      <a:latin typeface="Cambria Math" panose="02040503050406030204" pitchFamily="18" charset="0"/>
-                                      <a:cs typeface="Segoe UI" panose="020B0502040204020203" pitchFamily="34" charset="0"/>
-                                    </a:rPr>
-                                    <m:t>2</m:t>
-                                  </m:r>
-                                  <m:r>
-                                    <a:rPr lang="en-US" i="1">
-                                      <a:latin typeface="Cambria Math" panose="02040503050406030204" pitchFamily="18" charset="0"/>
-                                      <a:cs typeface="Segoe UI" panose="020B0502040204020203" pitchFamily="34" charset="0"/>
-                                    </a:rPr>
-                                    <m:t>,</m:t>
-                                  </m:r>
-                                  <m:r>
-                                    <a:rPr lang="en-US" b="0" i="1" smtClean="0">
-                                      <a:latin typeface="Cambria Math" panose="02040503050406030204" pitchFamily="18" charset="0"/>
-                                      <a:cs typeface="Segoe UI" panose="020B0502040204020203" pitchFamily="34" charset="0"/>
-                                    </a:rPr>
-                                    <m:t>2</m:t>
-                                  </m:r>
-                                </m:sub>
-                              </m:sSub>
-                            </m:e>
-                          </m:mr>
-                          <m:mr>
-                            <m:e>
-                              <m:sSub>
-                                <m:sSubPr>
-                                  <m:ctrlPr>
-                                    <a:rPr lang="en-US" i="1">
-                                      <a:latin typeface="Cambria Math" panose="02040503050406030204" pitchFamily="18" charset="0"/>
-                                      <a:cs typeface="Segoe UI" panose="020B0502040204020203" pitchFamily="34" charset="0"/>
-                                    </a:rPr>
-                                  </m:ctrlPr>
-                                </m:sSubPr>
-                                <m:e>
-                                  <m:r>
-                                    <a:rPr lang="en-US" b="0" i="1" smtClean="0">
-                                      <a:latin typeface="Cambria Math" panose="02040503050406030204" pitchFamily="18" charset="0"/>
-                                      <a:cs typeface="Segoe UI" panose="020B0502040204020203" pitchFamily="34" charset="0"/>
-                                    </a:rPr>
-                                    <m:t>𝑥</m:t>
-                                  </m:r>
-                                </m:e>
-                                <m:sub>
-                                  <m:r>
-                                    <a:rPr lang="en-US" b="0" i="1" smtClean="0">
-                                      <a:latin typeface="Cambria Math" panose="02040503050406030204" pitchFamily="18" charset="0"/>
-                                      <a:cs typeface="Segoe UI" panose="020B0502040204020203" pitchFamily="34" charset="0"/>
-                                    </a:rPr>
-                                    <m:t>3</m:t>
-                                  </m:r>
-                                  <m:r>
-                                    <a:rPr lang="en-US" i="1">
-                                      <a:latin typeface="Cambria Math" panose="02040503050406030204" pitchFamily="18" charset="0"/>
-                                      <a:cs typeface="Segoe UI" panose="020B0502040204020203" pitchFamily="34" charset="0"/>
-                                    </a:rPr>
-                                    <m:t>,1</m:t>
-                                  </m:r>
-                                </m:sub>
-                              </m:sSub>
-                            </m:e>
-                            <m:e>
-                              <m:sSub>
-                                <m:sSubPr>
-                                  <m:ctrlPr>
-                                    <a:rPr lang="en-US" i="1">
-                                      <a:latin typeface="Cambria Math" panose="02040503050406030204" pitchFamily="18" charset="0"/>
-                                      <a:cs typeface="Segoe UI" panose="020B0502040204020203" pitchFamily="34" charset="0"/>
-                                    </a:rPr>
-                                  </m:ctrlPr>
-                                </m:sSubPr>
-                                <m:e>
-                                  <m:r>
-                                    <a:rPr lang="en-US" b="0" i="1" smtClean="0">
-                                      <a:latin typeface="Cambria Math" panose="02040503050406030204" pitchFamily="18" charset="0"/>
-                                      <a:cs typeface="Segoe UI" panose="020B0502040204020203" pitchFamily="34" charset="0"/>
-                                    </a:rPr>
-                                    <m:t>𝑥</m:t>
-                                  </m:r>
-                                </m:e>
-                                <m:sub>
-                                  <m:r>
-                                    <a:rPr lang="en-US" b="0" i="1" smtClean="0">
-                                      <a:latin typeface="Cambria Math" panose="02040503050406030204" pitchFamily="18" charset="0"/>
-                                      <a:cs typeface="Segoe UI" panose="020B0502040204020203" pitchFamily="34" charset="0"/>
-                                    </a:rPr>
-                                    <m:t>3</m:t>
-                                  </m:r>
-                                  <m:r>
-                                    <a:rPr lang="en-US" i="1">
-                                      <a:latin typeface="Cambria Math" panose="02040503050406030204" pitchFamily="18" charset="0"/>
-                                      <a:cs typeface="Segoe UI" panose="020B0502040204020203" pitchFamily="34" charset="0"/>
-                                    </a:rPr>
-                                    <m:t>,</m:t>
-                                  </m:r>
-                                  <m:r>
-                                    <a:rPr lang="en-US" b="0" i="1" smtClean="0">
-                                      <a:latin typeface="Cambria Math" panose="02040503050406030204" pitchFamily="18" charset="0"/>
-                                      <a:cs typeface="Segoe UI" panose="020B0502040204020203" pitchFamily="34" charset="0"/>
-                                    </a:rPr>
-                                    <m:t>2</m:t>
-                                  </m:r>
-                                </m:sub>
-                              </m:sSub>
-                            </m:e>
-                          </m:mr>
-                          <m:mr>
-                            <m:e>
-                              <m:sSub>
-                                <m:sSubPr>
-                                  <m:ctrlPr>
-                                    <a:rPr lang="en-US" i="1">
-                                      <a:latin typeface="Cambria Math" panose="02040503050406030204" pitchFamily="18" charset="0"/>
-                                      <a:cs typeface="Segoe UI" panose="020B0502040204020203" pitchFamily="34" charset="0"/>
-                                    </a:rPr>
-                                  </m:ctrlPr>
-                                </m:sSubPr>
-                                <m:e>
-                                  <m:r>
-                                    <a:rPr lang="en-US" b="0" i="1" smtClean="0">
-                                      <a:latin typeface="Cambria Math" panose="02040503050406030204" pitchFamily="18" charset="0"/>
-                                      <a:cs typeface="Segoe UI" panose="020B0502040204020203" pitchFamily="34" charset="0"/>
-                                    </a:rPr>
-                                    <m:t>𝑥</m:t>
-                                  </m:r>
-                                </m:e>
-                                <m:sub>
-                                  <m:r>
-                                    <a:rPr lang="en-US" b="0" i="1" smtClean="0">
-                                      <a:latin typeface="Cambria Math" panose="02040503050406030204" pitchFamily="18" charset="0"/>
-                                      <a:cs typeface="Segoe UI" panose="020B0502040204020203" pitchFamily="34" charset="0"/>
-                                    </a:rPr>
-                                    <m:t>4</m:t>
-                                  </m:r>
-                                  <m:r>
-                                    <a:rPr lang="en-US" i="1">
-                                      <a:latin typeface="Cambria Math" panose="02040503050406030204" pitchFamily="18" charset="0"/>
-                                      <a:cs typeface="Segoe UI" panose="020B0502040204020203" pitchFamily="34" charset="0"/>
-                                    </a:rPr>
-                                    <m:t>,1</m:t>
-                                  </m:r>
-                                </m:sub>
-                              </m:sSub>
-                            </m:e>
-                            <m:e>
-                              <m:sSub>
-                                <m:sSubPr>
-                                  <m:ctrlPr>
-                                    <a:rPr lang="en-US" i="1">
-                                      <a:latin typeface="Cambria Math" panose="02040503050406030204" pitchFamily="18" charset="0"/>
-                                      <a:cs typeface="Segoe UI" panose="020B0502040204020203" pitchFamily="34" charset="0"/>
-                                    </a:rPr>
-                                  </m:ctrlPr>
-                                </m:sSubPr>
-                                <m:e>
-                                  <m:r>
-                                    <a:rPr lang="en-US" b="0" i="1" smtClean="0">
-                                      <a:latin typeface="Cambria Math" panose="02040503050406030204" pitchFamily="18" charset="0"/>
-                                      <a:cs typeface="Segoe UI" panose="020B0502040204020203" pitchFamily="34" charset="0"/>
-                                    </a:rPr>
-                                    <m:t>𝑥</m:t>
-                                  </m:r>
-                                </m:e>
-                                <m:sub>
-                                  <m:r>
-                                    <a:rPr lang="en-US" b="0" i="1" smtClean="0">
-                                      <a:latin typeface="Cambria Math" panose="02040503050406030204" pitchFamily="18" charset="0"/>
-                                      <a:cs typeface="Segoe UI" panose="020B0502040204020203" pitchFamily="34" charset="0"/>
-                                    </a:rPr>
-                                    <m:t>4</m:t>
-                                  </m:r>
-                                  <m:r>
-                                    <a:rPr lang="en-US" i="1">
-                                      <a:latin typeface="Cambria Math" panose="02040503050406030204" pitchFamily="18" charset="0"/>
-                                      <a:cs typeface="Segoe UI" panose="020B0502040204020203" pitchFamily="34" charset="0"/>
-                                    </a:rPr>
-                                    <m:t>,</m:t>
-                                  </m:r>
-                                  <m:r>
-                                    <a:rPr lang="en-US" b="0" i="1" smtClean="0">
-                                      <a:latin typeface="Cambria Math" panose="02040503050406030204" pitchFamily="18" charset="0"/>
-                                      <a:cs typeface="Segoe UI" panose="020B0502040204020203" pitchFamily="34" charset="0"/>
-                                    </a:rPr>
-                                    <m:t>2</m:t>
-                                  </m:r>
-                                </m:sub>
-                              </m:sSub>
-                            </m:e>
-                          </m:mr>
-                        </m:m>
-                      </m:e>
-                    </m:d>
-                    <m:r>
-                      <a:rPr lang="en-US" sz="2800" b="0" i="1" smtClean="0">
-                        <a:latin typeface="Cambria Math" panose="02040503050406030204" pitchFamily="18" charset="0"/>
-                        <a:cs typeface="Segoe UI" panose="020B0502040204020203" pitchFamily="34" charset="0"/>
-                      </a:rPr>
-                      <m:t>=</m:t>
-                    </m:r>
-                  </m:oMath>
-                </a14:m>
-                <a:r>
-                  <a:rPr lang="en-US" dirty="0">
-                    <a:cs typeface="Segoe UI" panose="020B0502040204020203" pitchFamily="34" charset="0"/>
-                  </a:rPr>
-                  <a:t> </a:t>
-                </a:r>
-                <a14:m>
-                  <m:oMath xmlns:m="http://schemas.openxmlformats.org/officeDocument/2006/math">
-                    <m:d>
-                      <m:dPr>
-                        <m:begChr m:val="["/>
-                        <m:endChr m:val="]"/>
-                        <m:ctrlPr>
-                          <a:rPr lang="en-US" i="1">
-                            <a:latin typeface="Cambria Math" panose="02040503050406030204" pitchFamily="18" charset="0"/>
-                            <a:cs typeface="Segoe UI" panose="020B0502040204020203" pitchFamily="34" charset="0"/>
-                          </a:rPr>
-                        </m:ctrlPr>
-                      </m:dPr>
-                      <m:e>
-                        <m:m>
-                          <m:mPr>
-                            <m:mcs>
-                              <m:mc>
-                                <m:mcPr>
-                                  <m:count m:val="2"/>
-                                  <m:mcJc m:val="center"/>
-                                </m:mcPr>
-                              </m:mc>
-                            </m:mcs>
-                            <m:ctrlPr>
-                              <a:rPr lang="en-US" i="1">
-                                <a:latin typeface="Cambria Math" panose="02040503050406030204" pitchFamily="18" charset="0"/>
-                                <a:cs typeface="Segoe UI" panose="020B0502040204020203" pitchFamily="34" charset="0"/>
-                              </a:rPr>
-                            </m:ctrlPr>
-                          </m:mPr>
-                          <m:mr>
-                            <m:e>
-                              <m:sSub>
-                                <m:sSubPr>
-                                  <m:ctrlPr>
-                                    <a:rPr lang="en-US" i="1">
-                                      <a:latin typeface="Cambria Math" panose="02040503050406030204" pitchFamily="18" charset="0"/>
-                                      <a:cs typeface="Segoe UI" panose="020B0502040204020203" pitchFamily="34" charset="0"/>
-                                    </a:rPr>
-                                  </m:ctrlPr>
-                                </m:sSubPr>
-                                <m:e>
-                                  <m:r>
-                                    <a:rPr lang="en-US" b="0" i="1" smtClean="0">
-                                      <a:latin typeface="Cambria Math" panose="02040503050406030204" pitchFamily="18" charset="0"/>
-                                      <a:cs typeface="Segoe UI" panose="020B0502040204020203" pitchFamily="34" charset="0"/>
-                                    </a:rPr>
-                                    <m:t>𝑢</m:t>
-                                  </m:r>
-                                </m:e>
-                                <m:sub>
-                                  <m:r>
-                                    <a:rPr lang="en-US" i="1">
-                                      <a:latin typeface="Cambria Math" panose="02040503050406030204" pitchFamily="18" charset="0"/>
-                                      <a:cs typeface="Segoe UI" panose="020B0502040204020203" pitchFamily="34" charset="0"/>
-                                    </a:rPr>
-                                    <m:t>1,1</m:t>
-                                  </m:r>
-                                </m:sub>
-                              </m:sSub>
-                            </m:e>
-                            <m:e>
-                              <m:sSub>
-                                <m:sSubPr>
-                                  <m:ctrlPr>
-                                    <a:rPr lang="en-US" i="1">
-                                      <a:latin typeface="Cambria Math" panose="02040503050406030204" pitchFamily="18" charset="0"/>
-                                      <a:cs typeface="Segoe UI" panose="020B0502040204020203" pitchFamily="34" charset="0"/>
-                                    </a:rPr>
-                                  </m:ctrlPr>
-                                </m:sSubPr>
-                                <m:e>
-                                  <m:r>
-                                    <a:rPr lang="en-US" b="0" i="1" smtClean="0">
-                                      <a:latin typeface="Cambria Math" panose="02040503050406030204" pitchFamily="18" charset="0"/>
-                                      <a:cs typeface="Segoe UI" panose="020B0502040204020203" pitchFamily="34" charset="0"/>
-                                    </a:rPr>
-                                    <m:t>𝑢</m:t>
-                                  </m:r>
-                                </m:e>
-                                <m:sub>
-                                  <m:r>
-                                    <a:rPr lang="en-US" i="1">
-                                      <a:latin typeface="Cambria Math" panose="02040503050406030204" pitchFamily="18" charset="0"/>
-                                      <a:cs typeface="Segoe UI" panose="020B0502040204020203" pitchFamily="34" charset="0"/>
-                                    </a:rPr>
-                                    <m:t>1,2</m:t>
-                                  </m:r>
-                                </m:sub>
-                              </m:sSub>
-                            </m:e>
-                          </m:mr>
-                          <m:mr>
-                            <m:e>
-                              <m:sSub>
-                                <m:sSubPr>
-                                  <m:ctrlPr>
-                                    <a:rPr lang="en-US" i="1">
-                                      <a:latin typeface="Cambria Math" panose="02040503050406030204" pitchFamily="18" charset="0"/>
-                                      <a:cs typeface="Segoe UI" panose="020B0502040204020203" pitchFamily="34" charset="0"/>
-                                    </a:rPr>
-                                  </m:ctrlPr>
-                                </m:sSubPr>
-                                <m:e>
-                                  <m:r>
-                                    <a:rPr lang="en-US" b="0" i="1" smtClean="0">
-                                      <a:latin typeface="Cambria Math" panose="02040503050406030204" pitchFamily="18" charset="0"/>
-                                      <a:cs typeface="Segoe UI" panose="020B0502040204020203" pitchFamily="34" charset="0"/>
-                                    </a:rPr>
-                                    <m:t>𝑢</m:t>
-                                  </m:r>
-                                </m:e>
-                                <m:sub>
-                                  <m:r>
-                                    <a:rPr lang="en-US" i="1">
-                                      <a:latin typeface="Cambria Math" panose="02040503050406030204" pitchFamily="18" charset="0"/>
-                                      <a:cs typeface="Segoe UI" panose="020B0502040204020203" pitchFamily="34" charset="0"/>
-                                    </a:rPr>
-                                    <m:t>2,1</m:t>
-                                  </m:r>
-                                </m:sub>
-                              </m:sSub>
-                            </m:e>
-                            <m:e>
-                              <m:sSub>
-                                <m:sSubPr>
-                                  <m:ctrlPr>
-                                    <a:rPr lang="en-US" i="1">
-                                      <a:latin typeface="Cambria Math" panose="02040503050406030204" pitchFamily="18" charset="0"/>
-                                      <a:cs typeface="Segoe UI" panose="020B0502040204020203" pitchFamily="34" charset="0"/>
-                                    </a:rPr>
-                                  </m:ctrlPr>
-                                </m:sSubPr>
-                                <m:e>
-                                  <m:r>
-                                    <a:rPr lang="en-US" b="0" i="1" smtClean="0">
-                                      <a:latin typeface="Cambria Math" panose="02040503050406030204" pitchFamily="18" charset="0"/>
-                                      <a:cs typeface="Segoe UI" panose="020B0502040204020203" pitchFamily="34" charset="0"/>
-                                    </a:rPr>
-                                    <m:t>𝑢</m:t>
-                                  </m:r>
-                                </m:e>
-                                <m:sub>
-                                  <m:r>
-                                    <a:rPr lang="en-US" i="1">
-                                      <a:latin typeface="Cambria Math" panose="02040503050406030204" pitchFamily="18" charset="0"/>
-                                      <a:cs typeface="Segoe UI" panose="020B0502040204020203" pitchFamily="34" charset="0"/>
-                                    </a:rPr>
-                                    <m:t>2,2</m:t>
-                                  </m:r>
-                                </m:sub>
-                              </m:sSub>
-                            </m:e>
-                          </m:mr>
-                          <m:mr>
-                            <m:e>
-                              <m:sSub>
-                                <m:sSubPr>
-                                  <m:ctrlPr>
-                                    <a:rPr lang="en-US" i="1">
-                                      <a:latin typeface="Cambria Math" panose="02040503050406030204" pitchFamily="18" charset="0"/>
-                                      <a:cs typeface="Segoe UI" panose="020B0502040204020203" pitchFamily="34" charset="0"/>
-                                    </a:rPr>
-                                  </m:ctrlPr>
-                                </m:sSubPr>
-                                <m:e>
-                                  <m:r>
-                                    <a:rPr lang="en-US" b="0" i="1" smtClean="0">
-                                      <a:latin typeface="Cambria Math" panose="02040503050406030204" pitchFamily="18" charset="0"/>
-                                      <a:cs typeface="Segoe UI" panose="020B0502040204020203" pitchFamily="34" charset="0"/>
-                                    </a:rPr>
-                                    <m:t>𝑢</m:t>
-                                  </m:r>
-                                </m:e>
-                                <m:sub>
-                                  <m:r>
-                                    <a:rPr lang="en-US" i="1">
-                                      <a:latin typeface="Cambria Math" panose="02040503050406030204" pitchFamily="18" charset="0"/>
-                                      <a:cs typeface="Segoe UI" panose="020B0502040204020203" pitchFamily="34" charset="0"/>
-                                    </a:rPr>
-                                    <m:t>3,1</m:t>
-                                  </m:r>
-                                </m:sub>
-                              </m:sSub>
-                            </m:e>
-                            <m:e>
-                              <m:sSub>
-                                <m:sSubPr>
-                                  <m:ctrlPr>
-                                    <a:rPr lang="en-US" i="1">
-                                      <a:latin typeface="Cambria Math" panose="02040503050406030204" pitchFamily="18" charset="0"/>
-                                      <a:cs typeface="Segoe UI" panose="020B0502040204020203" pitchFamily="34" charset="0"/>
-                                    </a:rPr>
-                                  </m:ctrlPr>
-                                </m:sSubPr>
-                                <m:e>
-                                  <m:r>
-                                    <a:rPr lang="en-US" b="0" i="1" smtClean="0">
-                                      <a:latin typeface="Cambria Math" panose="02040503050406030204" pitchFamily="18" charset="0"/>
-                                      <a:cs typeface="Segoe UI" panose="020B0502040204020203" pitchFamily="34" charset="0"/>
-                                    </a:rPr>
-                                    <m:t>𝑢</m:t>
-                                  </m:r>
-                                </m:e>
-                                <m:sub>
-                                  <m:r>
-                                    <a:rPr lang="en-US" i="1">
-                                      <a:latin typeface="Cambria Math" panose="02040503050406030204" pitchFamily="18" charset="0"/>
-                                      <a:cs typeface="Segoe UI" panose="020B0502040204020203" pitchFamily="34" charset="0"/>
-                                    </a:rPr>
-                                    <m:t>3,2</m:t>
-                                  </m:r>
-                                </m:sub>
-                              </m:sSub>
-                            </m:e>
-                          </m:mr>
-                          <m:mr>
-                            <m:e>
-                              <m:sSub>
-                                <m:sSubPr>
-                                  <m:ctrlPr>
-                                    <a:rPr lang="en-US" i="1">
-                                      <a:latin typeface="Cambria Math" panose="02040503050406030204" pitchFamily="18" charset="0"/>
-                                      <a:cs typeface="Segoe UI" panose="020B0502040204020203" pitchFamily="34" charset="0"/>
-                                    </a:rPr>
-                                  </m:ctrlPr>
-                                </m:sSubPr>
-                                <m:e>
-                                  <m:r>
-                                    <a:rPr lang="en-US" b="0" i="1" smtClean="0">
-                                      <a:latin typeface="Cambria Math" panose="02040503050406030204" pitchFamily="18" charset="0"/>
-                                      <a:cs typeface="Segoe UI" panose="020B0502040204020203" pitchFamily="34" charset="0"/>
-                                    </a:rPr>
-                                    <m:t>𝑢</m:t>
-                                  </m:r>
-                                </m:e>
-                                <m:sub>
-                                  <m:r>
-                                    <a:rPr lang="en-US" i="1">
-                                      <a:latin typeface="Cambria Math" panose="02040503050406030204" pitchFamily="18" charset="0"/>
-                                      <a:cs typeface="Segoe UI" panose="020B0502040204020203" pitchFamily="34" charset="0"/>
-                                    </a:rPr>
-                                    <m:t>4,1</m:t>
-                                  </m:r>
-                                </m:sub>
-                              </m:sSub>
-                            </m:e>
-                            <m:e>
-                              <m:sSub>
-                                <m:sSubPr>
-                                  <m:ctrlPr>
-                                    <a:rPr lang="en-US" i="1">
-                                      <a:latin typeface="Cambria Math" panose="02040503050406030204" pitchFamily="18" charset="0"/>
-                                      <a:cs typeface="Segoe UI" panose="020B0502040204020203" pitchFamily="34" charset="0"/>
-                                    </a:rPr>
-                                  </m:ctrlPr>
-                                </m:sSubPr>
-                                <m:e>
-                                  <m:r>
-                                    <a:rPr lang="en-US" b="0" i="1" smtClean="0">
-                                      <a:latin typeface="Cambria Math" panose="02040503050406030204" pitchFamily="18" charset="0"/>
-                                      <a:cs typeface="Segoe UI" panose="020B0502040204020203" pitchFamily="34" charset="0"/>
-                                    </a:rPr>
-                                    <m:t>𝑢</m:t>
-                                  </m:r>
-                                </m:e>
-                                <m:sub>
-                                  <m:r>
-                                    <a:rPr lang="en-US" i="1">
-                                      <a:latin typeface="Cambria Math" panose="02040503050406030204" pitchFamily="18" charset="0"/>
-                                      <a:cs typeface="Segoe UI" panose="020B0502040204020203" pitchFamily="34" charset="0"/>
-                                    </a:rPr>
-                                    <m:t>4,2</m:t>
-                                  </m:r>
-                                </m:sub>
-                              </m:sSub>
-                            </m:e>
-                          </m:mr>
-                        </m:m>
-                      </m:e>
-                    </m:d>
-                    <m:r>
-                      <a:rPr lang="en-US" i="1">
-                        <a:latin typeface="Cambria Math" panose="02040503050406030204" pitchFamily="18" charset="0"/>
-                        <a:cs typeface="Segoe UI" panose="020B0502040204020203" pitchFamily="34" charset="0"/>
-                      </a:rPr>
-                      <m:t> </m:t>
-                    </m:r>
-                    <m:d>
-                      <m:dPr>
-                        <m:begChr m:val="["/>
-                        <m:endChr m:val="]"/>
-                        <m:ctrlPr>
-                          <a:rPr lang="en-US" i="1" smtClean="0">
-                            <a:latin typeface="Cambria Math" panose="02040503050406030204" pitchFamily="18" charset="0"/>
-                            <a:cs typeface="Segoe UI" panose="020B0502040204020203" pitchFamily="34" charset="0"/>
-                          </a:rPr>
-                        </m:ctrlPr>
-                      </m:dPr>
-                      <m:e>
-                        <m:m>
-                          <m:mPr>
-                            <m:mcs>
-                              <m:mc>
-                                <m:mcPr>
-                                  <m:count m:val="2"/>
-                                  <m:mcJc m:val="center"/>
-                                </m:mcPr>
-                              </m:mc>
-                            </m:mcs>
-                            <m:ctrlPr>
-                              <a:rPr lang="en-US" i="1" smtClean="0">
-                                <a:latin typeface="Cambria Math" panose="02040503050406030204" pitchFamily="18" charset="0"/>
-                                <a:cs typeface="Segoe UI" panose="020B0502040204020203" pitchFamily="34" charset="0"/>
-                              </a:rPr>
-                            </m:ctrlPr>
-                          </m:mPr>
-                          <m:mr>
-                            <m:e>
-                              <m:sSub>
-                                <m:sSubPr>
-                                  <m:ctrlPr>
-                                    <a:rPr lang="en-US" i="1" smtClean="0">
-                                      <a:latin typeface="Cambria Math" panose="02040503050406030204" pitchFamily="18" charset="0"/>
-                                      <a:cs typeface="Segoe UI" panose="020B0502040204020203" pitchFamily="34" charset="0"/>
-                                    </a:rPr>
-                                  </m:ctrlPr>
-                                </m:sSubPr>
-                                <m:e>
-                                  <m:r>
-                                    <a:rPr lang="en-US" b="0" i="1" smtClean="0">
-                                      <a:latin typeface="Cambria Math" panose="02040503050406030204" pitchFamily="18" charset="0"/>
-                                      <a:cs typeface="Segoe UI" panose="020B0502040204020203" pitchFamily="34" charset="0"/>
-                                    </a:rPr>
-                                    <m:t>𝑠</m:t>
-                                  </m:r>
-                                </m:e>
-                                <m:sub>
-                                  <m:r>
-                                    <a:rPr lang="en-US" b="0" i="1" smtClean="0">
-                                      <a:latin typeface="Cambria Math" panose="02040503050406030204" pitchFamily="18" charset="0"/>
-                                      <a:cs typeface="Segoe UI" panose="020B0502040204020203" pitchFamily="34" charset="0"/>
-                                    </a:rPr>
-                                    <m:t>1</m:t>
-                                  </m:r>
-                                </m:sub>
-                              </m:sSub>
-                            </m:e>
-                            <m:e>
-                              <m:r>
-                                <a:rPr lang="en-US" b="0" i="1" smtClean="0">
-                                  <a:latin typeface="Cambria Math" panose="02040503050406030204" pitchFamily="18" charset="0"/>
-                                  <a:cs typeface="Segoe UI" panose="020B0502040204020203" pitchFamily="34" charset="0"/>
-                                </a:rPr>
-                                <m:t>0</m:t>
-                              </m:r>
-                            </m:e>
-                          </m:mr>
-                          <m:mr>
-                            <m:e>
-                              <m:r>
-                                <a:rPr lang="en-US" b="0" i="1" smtClean="0">
-                                  <a:latin typeface="Cambria Math" panose="02040503050406030204" pitchFamily="18" charset="0"/>
-                                  <a:cs typeface="Segoe UI" panose="020B0502040204020203" pitchFamily="34" charset="0"/>
-                                </a:rPr>
-                                <m:t>0</m:t>
-                              </m:r>
-                            </m:e>
-                            <m:e>
-                              <m:sSub>
-                                <m:sSubPr>
-                                  <m:ctrlPr>
-                                    <a:rPr lang="en-US" i="1" smtClean="0">
-                                      <a:latin typeface="Cambria Math" panose="02040503050406030204" pitchFamily="18" charset="0"/>
-                                      <a:cs typeface="Segoe UI" panose="020B0502040204020203" pitchFamily="34" charset="0"/>
-                                    </a:rPr>
-                                  </m:ctrlPr>
-                                </m:sSubPr>
-                                <m:e>
-                                  <m:r>
-                                    <a:rPr lang="en-US" b="0" i="1" smtClean="0">
-                                      <a:latin typeface="Cambria Math" panose="02040503050406030204" pitchFamily="18" charset="0"/>
-                                      <a:cs typeface="Segoe UI" panose="020B0502040204020203" pitchFamily="34" charset="0"/>
-                                    </a:rPr>
-                                    <m:t>𝑠</m:t>
-                                  </m:r>
-                                </m:e>
-                                <m:sub>
-                                  <m:r>
-                                    <a:rPr lang="en-US" b="0" i="1" smtClean="0">
-                                      <a:latin typeface="Cambria Math" panose="02040503050406030204" pitchFamily="18" charset="0"/>
-                                      <a:cs typeface="Segoe UI" panose="020B0502040204020203" pitchFamily="34" charset="0"/>
-                                    </a:rPr>
-                                    <m:t>2</m:t>
-                                  </m:r>
-                                </m:sub>
-                              </m:sSub>
-                            </m:e>
-                          </m:mr>
-                        </m:m>
-                      </m:e>
-                    </m:d>
-                    <m:d>
-                      <m:dPr>
-                        <m:begChr m:val="["/>
-                        <m:endChr m:val="]"/>
-                        <m:ctrlPr>
-                          <a:rPr lang="en-US" i="1" smtClean="0">
-                            <a:latin typeface="Cambria Math" panose="02040503050406030204" pitchFamily="18" charset="0"/>
-                            <a:cs typeface="Segoe UI" panose="020B0502040204020203" pitchFamily="34" charset="0"/>
-                          </a:rPr>
-                        </m:ctrlPr>
-                      </m:dPr>
-                      <m:e>
-                        <m:m>
-                          <m:mPr>
-                            <m:mcs>
-                              <m:mc>
-                                <m:mcPr>
-                                  <m:count m:val="2"/>
-                                  <m:mcJc m:val="center"/>
-                                </m:mcPr>
-                              </m:mc>
-                            </m:mcs>
-                            <m:ctrlPr>
-                              <a:rPr lang="en-US" i="1" smtClean="0">
-                                <a:latin typeface="Cambria Math" panose="02040503050406030204" pitchFamily="18" charset="0"/>
-                                <a:cs typeface="Segoe UI" panose="020B0502040204020203" pitchFamily="34" charset="0"/>
-                              </a:rPr>
-                            </m:ctrlPr>
-                          </m:mPr>
-                          <m:mr>
-                            <m:e>
-                              <m:sSub>
-                                <m:sSubPr>
-                                  <m:ctrlPr>
-                                    <a:rPr lang="en-US" i="1" smtClean="0">
-                                      <a:latin typeface="Cambria Math" panose="02040503050406030204" pitchFamily="18" charset="0"/>
-                                      <a:cs typeface="Segoe UI" panose="020B0502040204020203" pitchFamily="34" charset="0"/>
-                                    </a:rPr>
-                                  </m:ctrlPr>
-                                </m:sSubPr>
-                                <m:e>
-                                  <m:r>
-                                    <a:rPr lang="en-US" b="0" i="1" smtClean="0">
-                                      <a:latin typeface="Cambria Math" panose="02040503050406030204" pitchFamily="18" charset="0"/>
-                                      <a:cs typeface="Segoe UI" panose="020B0502040204020203" pitchFamily="34" charset="0"/>
-                                    </a:rPr>
-                                    <m:t>𝑤</m:t>
-                                  </m:r>
-                                </m:e>
-                                <m:sub>
-                                  <m:r>
-                                    <a:rPr lang="en-US" b="0" i="1" smtClean="0">
-                                      <a:latin typeface="Cambria Math" panose="02040503050406030204" pitchFamily="18" charset="0"/>
-                                      <a:cs typeface="Segoe UI" panose="020B0502040204020203" pitchFamily="34" charset="0"/>
-                                    </a:rPr>
-                                    <m:t>1,1</m:t>
-                                  </m:r>
-                                </m:sub>
-                              </m:sSub>
-                            </m:e>
-                            <m:e>
-                              <m:sSub>
-                                <m:sSubPr>
-                                  <m:ctrlPr>
-                                    <a:rPr lang="en-US" i="1">
-                                      <a:latin typeface="Cambria Math" panose="02040503050406030204" pitchFamily="18" charset="0"/>
-                                      <a:cs typeface="Segoe UI" panose="020B0502040204020203" pitchFamily="34" charset="0"/>
-                                    </a:rPr>
-                                  </m:ctrlPr>
-                                </m:sSubPr>
-                                <m:e>
-                                  <m:r>
-                                    <a:rPr lang="en-US" i="1">
-                                      <a:latin typeface="Cambria Math" panose="02040503050406030204" pitchFamily="18" charset="0"/>
-                                      <a:cs typeface="Segoe UI" panose="020B0502040204020203" pitchFamily="34" charset="0"/>
-                                    </a:rPr>
-                                    <m:t>𝑤</m:t>
-                                  </m:r>
-                                </m:e>
-                                <m:sub>
-                                  <m:r>
-                                    <a:rPr lang="en-US" b="0" i="1" smtClean="0">
-                                      <a:latin typeface="Cambria Math" panose="02040503050406030204" pitchFamily="18" charset="0"/>
-                                      <a:cs typeface="Segoe UI" panose="020B0502040204020203" pitchFamily="34" charset="0"/>
-                                    </a:rPr>
-                                    <m:t>2</m:t>
-                                  </m:r>
-                                  <m:r>
-                                    <a:rPr lang="en-US" i="1">
-                                      <a:latin typeface="Cambria Math" panose="02040503050406030204" pitchFamily="18" charset="0"/>
-                                      <a:cs typeface="Segoe UI" panose="020B0502040204020203" pitchFamily="34" charset="0"/>
-                                    </a:rPr>
-                                    <m:t>,</m:t>
-                                  </m:r>
-                                  <m:r>
-                                    <a:rPr lang="en-US" b="0" i="1" smtClean="0">
-                                      <a:latin typeface="Cambria Math" panose="02040503050406030204" pitchFamily="18" charset="0"/>
-                                      <a:cs typeface="Segoe UI" panose="020B0502040204020203" pitchFamily="34" charset="0"/>
-                                    </a:rPr>
-                                    <m:t>1</m:t>
-                                  </m:r>
-                                </m:sub>
-                              </m:sSub>
-                            </m:e>
-                          </m:mr>
-                          <m:mr>
-                            <m:e>
-                              <m:sSub>
-                                <m:sSubPr>
-                                  <m:ctrlPr>
-                                    <a:rPr lang="en-US" i="1" smtClean="0">
-                                      <a:latin typeface="Cambria Math" panose="02040503050406030204" pitchFamily="18" charset="0"/>
-                                      <a:cs typeface="Segoe UI" panose="020B0502040204020203" pitchFamily="34" charset="0"/>
-                                    </a:rPr>
-                                  </m:ctrlPr>
-                                </m:sSubPr>
-                                <m:e>
-                                  <m:r>
-                                    <a:rPr lang="en-US" i="1">
-                                      <a:latin typeface="Cambria Math" panose="02040503050406030204" pitchFamily="18" charset="0"/>
-                                      <a:cs typeface="Segoe UI" panose="020B0502040204020203" pitchFamily="34" charset="0"/>
-                                    </a:rPr>
-                                    <m:t>𝑤</m:t>
-                                  </m:r>
-                                </m:e>
-                                <m:sub>
-                                  <m:r>
-                                    <a:rPr lang="en-US" b="0" i="1" smtClean="0">
-                                      <a:latin typeface="Cambria Math" panose="02040503050406030204" pitchFamily="18" charset="0"/>
-                                      <a:cs typeface="Segoe UI" panose="020B0502040204020203" pitchFamily="34" charset="0"/>
-                                    </a:rPr>
-                                    <m:t>2</m:t>
-                                  </m:r>
-                                  <m:r>
-                                    <a:rPr lang="en-US" i="1">
-                                      <a:latin typeface="Cambria Math" panose="02040503050406030204" pitchFamily="18" charset="0"/>
-                                      <a:cs typeface="Segoe UI" panose="020B0502040204020203" pitchFamily="34" charset="0"/>
-                                    </a:rPr>
-                                    <m:t>,</m:t>
-                                  </m:r>
-                                  <m:r>
-                                    <a:rPr lang="en-US" b="0" i="1" smtClean="0">
-                                      <a:latin typeface="Cambria Math" panose="02040503050406030204" pitchFamily="18" charset="0"/>
-                                      <a:cs typeface="Segoe UI" panose="020B0502040204020203" pitchFamily="34" charset="0"/>
-                                    </a:rPr>
-                                    <m:t>1</m:t>
-                                  </m:r>
-                                </m:sub>
-                              </m:sSub>
-                            </m:e>
-                            <m:e>
-                              <m:sSub>
-                                <m:sSubPr>
-                                  <m:ctrlPr>
-                                    <a:rPr lang="en-US" i="1">
-                                      <a:latin typeface="Cambria Math" panose="02040503050406030204" pitchFamily="18" charset="0"/>
-                                      <a:cs typeface="Segoe UI" panose="020B0502040204020203" pitchFamily="34" charset="0"/>
-                                    </a:rPr>
-                                  </m:ctrlPr>
-                                </m:sSubPr>
-                                <m:e>
-                                  <m:r>
-                                    <a:rPr lang="en-US" i="1">
-                                      <a:latin typeface="Cambria Math" panose="02040503050406030204" pitchFamily="18" charset="0"/>
-                                      <a:cs typeface="Segoe UI" panose="020B0502040204020203" pitchFamily="34" charset="0"/>
-                                    </a:rPr>
-                                    <m:t>𝑤</m:t>
-                                  </m:r>
-                                </m:e>
-                                <m:sub>
-                                  <m:r>
-                                    <a:rPr lang="en-US" b="0" i="1" smtClean="0">
-                                      <a:latin typeface="Cambria Math" panose="02040503050406030204" pitchFamily="18" charset="0"/>
-                                      <a:cs typeface="Segoe UI" panose="020B0502040204020203" pitchFamily="34" charset="0"/>
-                                    </a:rPr>
-                                    <m:t>2</m:t>
-                                  </m:r>
-                                  <m:r>
-                                    <a:rPr lang="en-US" i="1">
-                                      <a:latin typeface="Cambria Math" panose="02040503050406030204" pitchFamily="18" charset="0"/>
-                                      <a:cs typeface="Segoe UI" panose="020B0502040204020203" pitchFamily="34" charset="0"/>
-                                    </a:rPr>
-                                    <m:t>,</m:t>
-                                  </m:r>
-                                  <m:r>
-                                    <a:rPr lang="en-US" b="0" i="1" smtClean="0">
-                                      <a:latin typeface="Cambria Math" panose="02040503050406030204" pitchFamily="18" charset="0"/>
-                                      <a:cs typeface="Segoe UI" panose="020B0502040204020203" pitchFamily="34" charset="0"/>
-                                    </a:rPr>
-                                    <m:t>2</m:t>
-                                  </m:r>
-                                </m:sub>
-                              </m:sSub>
-                            </m:e>
-                          </m:mr>
-                        </m:m>
-                      </m:e>
-                    </m:d>
-                  </m:oMath>
-                </a14:m>
-                <a:endParaRPr lang="en-US" sz="2800" dirty="0">
-                  <a:latin typeface="+mn-lt"/>
-                  <a:cs typeface="Segoe UI" panose="020B0502040204020203" pitchFamily="34" charset="0"/>
-                </a:endParaRPr>
-              </a:p>
-              <a:p>
-                <a:pPr marL="0" indent="0">
-                  <a:buNone/>
-                </a:pPr>
-                <a:r>
-                  <a:rPr lang="en-US" sz="2800" dirty="0">
-                    <a:latin typeface="+mn-lt"/>
-                    <a:cs typeface="Segoe UI" panose="020B0502040204020203" pitchFamily="34" charset="0"/>
-                  </a:rPr>
-                  <a:t>Or </a:t>
-                </a:r>
-              </a:p>
-              <a:p>
-                <a:pPr marL="0" indent="0">
-                  <a:buNone/>
-                </a:pPr>
-                <a14:m>
-                  <m:oMathPara xmlns:m="http://schemas.openxmlformats.org/officeDocument/2006/math">
-                    <m:oMathParaPr>
-                      <m:jc m:val="centerGroup"/>
-                    </m:oMathParaPr>
-                    <m:oMath xmlns:m="http://schemas.openxmlformats.org/officeDocument/2006/math">
-                      <m:d>
-                        <m:dPr>
-                          <m:begChr m:val="["/>
-                          <m:endChr m:val="]"/>
-                          <m:ctrlPr>
-                            <a:rPr lang="en-US" i="1">
-                              <a:latin typeface="Cambria Math" panose="02040503050406030204" pitchFamily="18" charset="0"/>
-                              <a:cs typeface="Segoe UI" panose="020B0502040204020203" pitchFamily="34" charset="0"/>
-                            </a:rPr>
-                          </m:ctrlPr>
-                        </m:dPr>
-                        <m:e>
-                          <m:r>
-                            <a:rPr lang="en-US" b="0" i="1" smtClean="0">
-                              <a:latin typeface="Cambria Math" panose="02040503050406030204" pitchFamily="18" charset="0"/>
-                              <a:cs typeface="Segoe UI" panose="020B0502040204020203" pitchFamily="34" charset="0"/>
-                            </a:rPr>
-                            <m:t>𝑛</m:t>
-                          </m:r>
-                          <m:r>
-                            <a:rPr lang="en-US" i="1">
-                              <a:latin typeface="Cambria Math" panose="02040503050406030204" pitchFamily="18" charset="0"/>
-                              <a:ea typeface="Cambria Math" panose="02040503050406030204" pitchFamily="18" charset="0"/>
-                              <a:cs typeface="Segoe UI" panose="020B0502040204020203" pitchFamily="34" charset="0"/>
-                            </a:rPr>
-                            <m:t>×</m:t>
-                          </m:r>
-                          <m:r>
-                            <a:rPr lang="en-US" b="0" i="1" smtClean="0">
-                              <a:latin typeface="Cambria Math" panose="02040503050406030204" pitchFamily="18" charset="0"/>
-                              <a:ea typeface="Cambria Math" panose="02040503050406030204" pitchFamily="18" charset="0"/>
-                              <a:cs typeface="Segoe UI" panose="020B0502040204020203" pitchFamily="34" charset="0"/>
-                            </a:rPr>
-                            <m:t>𝑝</m:t>
-                          </m:r>
-                        </m:e>
-                      </m:d>
-                      <m:r>
-                        <a:rPr lang="en-US" sz="2800" b="0" i="1" smtClean="0">
-                          <a:latin typeface="Cambria Math" panose="02040503050406030204" pitchFamily="18" charset="0"/>
-                          <a:cs typeface="Segoe UI" panose="020B0502040204020203" pitchFamily="34" charset="0"/>
-                        </a:rPr>
-                        <m:t>=</m:t>
-                      </m:r>
-                      <m:d>
-                        <m:dPr>
-                          <m:begChr m:val="["/>
-                          <m:endChr m:val="]"/>
-                          <m:ctrlPr>
-                            <a:rPr lang="en-US" sz="2800" b="0" i="1" smtClean="0">
-                              <a:latin typeface="Cambria Math" panose="02040503050406030204" pitchFamily="18" charset="0"/>
-                              <a:cs typeface="Segoe UI" panose="020B0502040204020203" pitchFamily="34" charset="0"/>
-                            </a:rPr>
-                          </m:ctrlPr>
-                        </m:dPr>
-                        <m:e>
-                          <m:r>
-                            <a:rPr lang="en-US" sz="2800" b="0" i="1" smtClean="0">
-                              <a:latin typeface="Cambria Math" panose="02040503050406030204" pitchFamily="18" charset="0"/>
-                              <a:cs typeface="Segoe UI" panose="020B0502040204020203" pitchFamily="34" charset="0"/>
-                            </a:rPr>
-                            <m:t>𝑛</m:t>
-                          </m:r>
-                          <m:r>
-                            <a:rPr lang="en-US" sz="2800" b="0" i="1" smtClean="0">
-                              <a:latin typeface="Cambria Math" panose="02040503050406030204" pitchFamily="18" charset="0"/>
-                              <a:ea typeface="Cambria Math" panose="02040503050406030204" pitchFamily="18" charset="0"/>
-                              <a:cs typeface="Segoe UI" panose="020B0502040204020203" pitchFamily="34" charset="0"/>
-                            </a:rPr>
-                            <m:t>×</m:t>
-                          </m:r>
-                          <m:r>
-                            <a:rPr lang="en-US" sz="2800" b="0" i="1" smtClean="0">
-                              <a:latin typeface="Cambria Math" panose="02040503050406030204" pitchFamily="18" charset="0"/>
-                              <a:ea typeface="Cambria Math" panose="02040503050406030204" pitchFamily="18" charset="0"/>
-                              <a:cs typeface="Segoe UI" panose="020B0502040204020203" pitchFamily="34" charset="0"/>
-                            </a:rPr>
-                            <m:t>𝑝</m:t>
-                          </m:r>
-                        </m:e>
-                      </m:d>
-                      <m:d>
-                        <m:dPr>
-                          <m:begChr m:val="["/>
-                          <m:endChr m:val="]"/>
-                          <m:ctrlPr>
-                            <a:rPr lang="en-US" sz="2800" b="0" i="1" smtClean="0">
-                              <a:latin typeface="Cambria Math" panose="02040503050406030204" pitchFamily="18" charset="0"/>
-                              <a:cs typeface="Segoe UI" panose="020B0502040204020203" pitchFamily="34" charset="0"/>
-                            </a:rPr>
-                          </m:ctrlPr>
-                        </m:dPr>
-                        <m:e>
-                          <m:r>
-                            <a:rPr lang="en-US" sz="2800" b="0" i="1" smtClean="0">
-                              <a:latin typeface="Cambria Math" panose="02040503050406030204" pitchFamily="18" charset="0"/>
-                              <a:cs typeface="Segoe UI" panose="020B0502040204020203" pitchFamily="34" charset="0"/>
-                            </a:rPr>
-                            <m:t>𝑝</m:t>
-                          </m:r>
-                          <m:r>
-                            <a:rPr lang="en-US" sz="2800" b="0" i="1" smtClean="0">
-                              <a:latin typeface="Cambria Math" panose="02040503050406030204" pitchFamily="18" charset="0"/>
-                              <a:ea typeface="Cambria Math" panose="02040503050406030204" pitchFamily="18" charset="0"/>
-                              <a:cs typeface="Segoe UI" panose="020B0502040204020203" pitchFamily="34" charset="0"/>
-                            </a:rPr>
-                            <m:t>×</m:t>
-                          </m:r>
-                          <m:r>
-                            <a:rPr lang="en-US" sz="2800" b="0" i="1" smtClean="0">
-                              <a:latin typeface="Cambria Math" panose="02040503050406030204" pitchFamily="18" charset="0"/>
-                              <a:cs typeface="Segoe UI" panose="020B0502040204020203" pitchFamily="34" charset="0"/>
-                            </a:rPr>
-                            <m:t>𝑝</m:t>
-                          </m:r>
-                        </m:e>
-                      </m:d>
-                      <m:d>
-                        <m:dPr>
-                          <m:begChr m:val="["/>
-                          <m:endChr m:val="]"/>
-                          <m:ctrlPr>
-                            <a:rPr lang="en-US" sz="2800" b="0" i="1" smtClean="0">
-                              <a:latin typeface="Cambria Math" panose="02040503050406030204" pitchFamily="18" charset="0"/>
-                              <a:cs typeface="Segoe UI" panose="020B0502040204020203" pitchFamily="34" charset="0"/>
-                            </a:rPr>
-                          </m:ctrlPr>
-                        </m:dPr>
-                        <m:e>
-                          <m:r>
-                            <a:rPr lang="en-US" sz="2800" b="0" i="1" smtClean="0">
-                              <a:latin typeface="Cambria Math" panose="02040503050406030204" pitchFamily="18" charset="0"/>
-                              <a:cs typeface="Segoe UI" panose="020B0502040204020203" pitchFamily="34" charset="0"/>
-                            </a:rPr>
-                            <m:t>𝑝</m:t>
-                          </m:r>
-                          <m:r>
-                            <a:rPr lang="en-US" sz="2800" b="0" i="1" smtClean="0">
-                              <a:latin typeface="Cambria Math" panose="02040503050406030204" pitchFamily="18" charset="0"/>
-                              <a:ea typeface="Cambria Math" panose="02040503050406030204" pitchFamily="18" charset="0"/>
-                              <a:cs typeface="Segoe UI" panose="020B0502040204020203" pitchFamily="34" charset="0"/>
-                            </a:rPr>
-                            <m:t>×</m:t>
-                          </m:r>
-                          <m:r>
-                            <a:rPr lang="en-US" sz="2800" b="0" i="1" smtClean="0">
-                              <a:latin typeface="Cambria Math" panose="02040503050406030204" pitchFamily="18" charset="0"/>
-                              <a:ea typeface="Cambria Math" panose="02040503050406030204" pitchFamily="18" charset="0"/>
-                              <a:cs typeface="Segoe UI" panose="020B0502040204020203" pitchFamily="34" charset="0"/>
-                            </a:rPr>
-                            <m:t>𝑝</m:t>
-                          </m:r>
-                        </m:e>
-                      </m:d>
-                    </m:oMath>
-                  </m:oMathPara>
-                </a14:m>
-                <a:endParaRPr lang="en-US" sz="2800" dirty="0">
-                  <a:latin typeface="+mn-lt"/>
-                  <a:cs typeface="Segoe UI" panose="020B0502040204020203" pitchFamily="34" charset="0"/>
-                </a:endParaRPr>
-              </a:p>
-            </p:txBody>
-          </p:sp>
-        </mc:Choice>
-        <mc:Fallback>
-          <p:sp>
-            <p:nvSpPr>
-              <p:cNvPr id="3" name="Content Placeholder 2">
-                <a:extLst>
-                  <a:ext uri="{FF2B5EF4-FFF2-40B4-BE49-F238E27FC236}">
-                    <a16:creationId xmlns:a16="http://schemas.microsoft.com/office/drawing/2014/main" id="{6948E274-B4C9-49D5-BB15-6A382137E2DD}"/>
-                  </a:ext>
-                </a:extLst>
-              </p:cNvPr>
-              <p:cNvSpPr>
-                <a:spLocks noGrp="1" noRot="1" noChangeAspect="1" noMove="1" noResize="1" noEditPoints="1" noAdjustHandles="1" noChangeArrowheads="1" noChangeShapeType="1" noTextEdit="1"/>
-              </p:cNvSpPr>
-              <p:nvPr>
-                <p:ph sz="quarter" idx="10"/>
-              </p:nvPr>
-            </p:nvSpPr>
-            <p:spPr>
-              <a:xfrm>
-                <a:off x="379514" y="1123951"/>
-                <a:ext cx="11525250" cy="5551834"/>
-              </a:xfrm>
-              <a:blipFill>
-                <a:blip r:embed="rId2"/>
-                <a:stretch>
-                  <a:fillRect l="-1058" t="-2415"/>
-                </a:stretch>
-              </a:blipFill>
-            </p:spPr>
-            <p:txBody>
-              <a:bodyPr/>
-              <a:lstStyle/>
-              <a:p>
-                <a:r>
-                  <a:rPr lang="en-US">
-                    <a:noFill/>
-                  </a:rPr>
-                  <a:t> </a:t>
-                </a:r>
-              </a:p>
-            </p:txBody>
-          </p:sp>
-        </mc:Fallback>
-      </mc:AlternateContent>
-    </p:spTree>
-    <p:extLst>
-      <p:ext uri="{BB962C8B-B14F-4D97-AF65-F5344CB8AC3E}">
-        <p14:creationId xmlns:p14="http://schemas.microsoft.com/office/powerpoint/2010/main" val="3478870008"/>
-      </p:ext>
-    </p:extLst>
-  </p:cSld>
-  <p:clrMapOvr>
-    <a:masterClrMapping/>
-  </p:clrMapOvr>
-</p:sld>
-</file>
-
-<file path=ppt/slides/slide32.xml><?xml version="1.0" encoding="utf-8"?>
-<p:sld xmlns:a="http://schemas.openxmlformats.org/drawingml/2006/main" xmlns:r="http://schemas.openxmlformats.org/officeDocument/2006/relationships" xmlns:p="http://schemas.openxmlformats.org/presentationml/2006/main" show="0">
-  <p:cSld>
-    <p:spTree>
-      <p:nvGrpSpPr>
-        <p:cNvPr id="1" name=""/>
-        <p:cNvGrpSpPr/>
-        <p:nvPr/>
-      </p:nvGrpSpPr>
-      <p:grpSpPr>
-        <a:xfrm>
-          <a:off x="0" y="0"/>
-          <a:ext cx="0" cy="0"/>
-          <a:chOff x="0" y="0"/>
-          <a:chExt cx="0" cy="0"/>
-        </a:xfrm>
-      </p:grpSpPr>
-      <p:sp>
-        <p:nvSpPr>
-          <p:cNvPr id="2" name="Title 1">
-            <a:extLst>
-              <a:ext uri="{FF2B5EF4-FFF2-40B4-BE49-F238E27FC236}">
-                <a16:creationId xmlns:a16="http://schemas.microsoft.com/office/drawing/2014/main" id="{2E28F462-DC1F-48AF-8BA3-5D8B887182ED}"/>
-              </a:ext>
-            </a:extLst>
-          </p:cNvPr>
-          <p:cNvSpPr>
-            <a:spLocks noGrp="1"/>
-          </p:cNvSpPr>
-          <p:nvPr>
-            <p:ph type="title"/>
-          </p:nvPr>
-        </p:nvSpPr>
-        <p:spPr>
-          <a:xfrm>
-            <a:off x="838200" y="365125"/>
-            <a:ext cx="10515600" cy="666233"/>
-          </a:xfrm>
-        </p:spPr>
-        <p:txBody>
-          <a:bodyPr>
-            <a:normAutofit/>
-          </a:bodyPr>
-          <a:lstStyle/>
-          <a:p>
-            <a:r>
-              <a:rPr lang="en-US" sz="4000" dirty="0">
-                <a:latin typeface="+mn-lt"/>
-                <a:cs typeface="Segoe UI" panose="020B0502040204020203" pitchFamily="34" charset="0"/>
-              </a:rPr>
-              <a:t>Singular Value Decomposition </a:t>
-            </a:r>
-          </a:p>
-        </p:txBody>
-      </p:sp>
-      <mc:AlternateContent xmlns:mc="http://schemas.openxmlformats.org/markup-compatibility/2006" xmlns:a14="http://schemas.microsoft.com/office/drawing/2010/main">
-        <mc:Choice Requires="a14">
-          <p:sp>
-            <p:nvSpPr>
-              <p:cNvPr id="3" name="Content Placeholder 2">
-                <a:extLst>
-                  <a:ext uri="{FF2B5EF4-FFF2-40B4-BE49-F238E27FC236}">
-                    <a16:creationId xmlns:a16="http://schemas.microsoft.com/office/drawing/2014/main" id="{6948E274-B4C9-49D5-BB15-6A382137E2DD}"/>
-                  </a:ext>
-                </a:extLst>
-              </p:cNvPr>
-              <p:cNvSpPr>
-                <a:spLocks noGrp="1"/>
-              </p:cNvSpPr>
-              <p:nvPr>
-                <p:ph sz="quarter" idx="10"/>
-              </p:nvPr>
-            </p:nvSpPr>
-            <p:spPr>
-              <a:xfrm>
-                <a:off x="379514" y="1265273"/>
-                <a:ext cx="11525250" cy="5410511"/>
-              </a:xfrm>
-            </p:spPr>
-            <p:txBody>
-              <a:bodyPr/>
-              <a:lstStyle/>
-              <a:p>
-                <a:pPr marL="0" indent="0">
-                  <a:buNone/>
-                </a:pPr>
-                <a:r>
-                  <a:rPr lang="en-US" dirty="0">
-                    <a:cs typeface="Segoe UI" panose="020B0502040204020203" pitchFamily="34" charset="0"/>
-                  </a:rPr>
-                  <a:t>How does SVD relate to PCA?</a:t>
-                </a:r>
-              </a:p>
-              <a:p>
-                <a:r>
-                  <a:rPr lang="en-US" dirty="0">
-                    <a:cs typeface="Segoe UI" panose="020B0502040204020203" pitchFamily="34" charset="0"/>
-                  </a:rPr>
-                  <a:t>SVD is</a:t>
-                </a:r>
-              </a:p>
-              <a:p>
-                <a:pPr marL="0" indent="0">
-                  <a:buNone/>
-                </a:pPr>
-                <a14:m>
-                  <m:oMathPara xmlns:m="http://schemas.openxmlformats.org/officeDocument/2006/math">
-                    <m:oMathParaPr>
-                      <m:jc m:val="centerGroup"/>
-                    </m:oMathParaPr>
-                    <m:oMath xmlns:m="http://schemas.openxmlformats.org/officeDocument/2006/math">
-                      <m:r>
-                        <a:rPr lang="en-US" sz="2800" b="0" i="1" smtClean="0">
-                          <a:latin typeface="Cambria Math" panose="02040503050406030204" pitchFamily="18" charset="0"/>
-                          <a:cs typeface="Segoe UI" panose="020B0502040204020203" pitchFamily="34" charset="0"/>
-                        </a:rPr>
-                        <m:t>𝑋</m:t>
-                      </m:r>
-                      <m:r>
-                        <a:rPr lang="en-US" sz="2800" b="0" i="1" smtClean="0">
-                          <a:latin typeface="Cambria Math" panose="02040503050406030204" pitchFamily="18" charset="0"/>
-                          <a:cs typeface="Segoe UI" panose="020B0502040204020203" pitchFamily="34" charset="0"/>
-                        </a:rPr>
-                        <m:t>=</m:t>
-                      </m:r>
-                      <m:r>
-                        <m:rPr>
-                          <m:sty m:val="p"/>
-                        </m:rPr>
-                        <a:rPr lang="en-US" sz="2800" b="0" i="0" smtClean="0">
-                          <a:latin typeface="Cambria Math" panose="02040503050406030204" pitchFamily="18" charset="0"/>
-                          <a:cs typeface="Segoe UI" panose="020B0502040204020203" pitchFamily="34" charset="0"/>
-                        </a:rPr>
-                        <m:t>U</m:t>
-                      </m:r>
-                      <m:r>
-                        <a:rPr lang="en-US" sz="2800" b="0" i="1" smtClean="0">
-                          <a:latin typeface="Cambria Math" panose="02040503050406030204" pitchFamily="18" charset="0"/>
-                          <a:cs typeface="Segoe UI" panose="020B0502040204020203" pitchFamily="34" charset="0"/>
-                        </a:rPr>
-                        <m:t>𝑆</m:t>
-                      </m:r>
-                      <m:sSup>
-                        <m:sSupPr>
-                          <m:ctrlPr>
-                            <a:rPr lang="el-GR" sz="2800" b="0" i="1" smtClean="0">
-                              <a:latin typeface="Cambria Math" panose="02040503050406030204" pitchFamily="18" charset="0"/>
-                              <a:ea typeface="Cambria Math" panose="02040503050406030204" pitchFamily="18" charset="0"/>
-                              <a:cs typeface="Segoe UI" panose="020B0502040204020203" pitchFamily="34" charset="0"/>
-                            </a:rPr>
-                          </m:ctrlPr>
-                        </m:sSupPr>
-                        <m:e>
-                          <m:r>
-                            <a:rPr lang="en-US" sz="2800" b="0" i="1" smtClean="0">
-                              <a:latin typeface="Cambria Math" panose="02040503050406030204" pitchFamily="18" charset="0"/>
-                              <a:ea typeface="Cambria Math" panose="02040503050406030204" pitchFamily="18" charset="0"/>
-                              <a:cs typeface="Segoe UI" panose="020B0502040204020203" pitchFamily="34" charset="0"/>
-                            </a:rPr>
-                            <m:t>𝑉</m:t>
-                          </m:r>
-                        </m:e>
-                        <m:sup>
-                          <m:r>
-                            <a:rPr lang="en-US" sz="2800" b="0" i="1" smtClean="0">
-                              <a:latin typeface="Cambria Math" panose="02040503050406030204" pitchFamily="18" charset="0"/>
-                              <a:ea typeface="Cambria Math" panose="02040503050406030204" pitchFamily="18" charset="0"/>
-                              <a:cs typeface="Segoe UI" panose="020B0502040204020203" pitchFamily="34" charset="0"/>
-                            </a:rPr>
-                            <m:t>𝑇</m:t>
-                          </m:r>
-                        </m:sup>
-                      </m:sSup>
-                    </m:oMath>
-                  </m:oMathPara>
-                </a14:m>
-                <a:endParaRPr lang="en-US" sz="2800" dirty="0">
-                  <a:latin typeface="+mn-lt"/>
-                  <a:cs typeface="Segoe UI" panose="020B0502040204020203" pitchFamily="34" charset="0"/>
-                </a:endParaRPr>
-              </a:p>
-              <a:p>
-                <a:r>
-                  <a:rPr lang="en-US" dirty="0">
-                    <a:cs typeface="Segoe UI" panose="020B0502040204020203" pitchFamily="34" charset="0"/>
-                  </a:rPr>
-                  <a:t>Expanding covariance in terms of SVD: </a:t>
-                </a:r>
-              </a:p>
-              <a:p>
-                <a:pPr marL="0" indent="0">
-                  <a:buNone/>
-                </a:pPr>
-                <a:r>
-                  <a:rPr lang="en-US" sz="2800" b="0" dirty="0">
-                    <a:cs typeface="Segoe UI" panose="020B0502040204020203" pitchFamily="34" charset="0"/>
-                  </a:rPr>
-                  <a:t>		</a:t>
-                </a:r>
-                <a14:m>
-                  <m:oMath xmlns:m="http://schemas.openxmlformats.org/officeDocument/2006/math">
-                    <m:sSup>
-                      <m:sSupPr>
-                        <m:ctrlPr>
-                          <a:rPr lang="en-US" sz="2800" b="0" i="1" smtClean="0">
-                            <a:latin typeface="Cambria Math" panose="02040503050406030204" pitchFamily="18" charset="0"/>
-                            <a:cs typeface="Segoe UI" panose="020B0502040204020203" pitchFamily="34" charset="0"/>
-                          </a:rPr>
-                        </m:ctrlPr>
-                      </m:sSupPr>
-                      <m:e>
-                        <m:r>
-                          <a:rPr lang="en-US" sz="2800" b="0" i="1" smtClean="0">
-                            <a:latin typeface="Cambria Math" panose="02040503050406030204" pitchFamily="18" charset="0"/>
-                            <a:cs typeface="Segoe UI" panose="020B0502040204020203" pitchFamily="34" charset="0"/>
-                          </a:rPr>
-                          <m:t>𝑋</m:t>
-                        </m:r>
-                      </m:e>
-                      <m:sup>
-                        <m:r>
-                          <a:rPr lang="en-US" sz="2800" b="0" i="1" smtClean="0">
-                            <a:latin typeface="Cambria Math" panose="02040503050406030204" pitchFamily="18" charset="0"/>
-                            <a:cs typeface="Segoe UI" panose="020B0502040204020203" pitchFamily="34" charset="0"/>
-                          </a:rPr>
-                          <m:t>𝑇</m:t>
-                        </m:r>
-                      </m:sup>
-                    </m:sSup>
-                    <m:r>
-                      <a:rPr lang="en-US" sz="2800" b="0" i="1" smtClean="0">
-                        <a:latin typeface="Cambria Math" panose="02040503050406030204" pitchFamily="18" charset="0"/>
-                        <a:cs typeface="Segoe UI" panose="020B0502040204020203" pitchFamily="34" charset="0"/>
-                      </a:rPr>
-                      <m:t>𝑋</m:t>
-                    </m:r>
-                    <m:r>
-                      <a:rPr lang="en-US" sz="2800" b="0" i="1" smtClean="0">
-                        <a:latin typeface="Cambria Math" panose="02040503050406030204" pitchFamily="18" charset="0"/>
-                        <a:cs typeface="Segoe UI" panose="020B0502040204020203" pitchFamily="34" charset="0"/>
-                      </a:rPr>
-                      <m:t>/(</m:t>
-                    </m:r>
-                    <m:r>
-                      <a:rPr lang="en-US" sz="2800" b="0" i="1" smtClean="0">
-                        <a:latin typeface="Cambria Math" panose="02040503050406030204" pitchFamily="18" charset="0"/>
-                        <a:cs typeface="Segoe UI" panose="020B0502040204020203" pitchFamily="34" charset="0"/>
-                      </a:rPr>
-                      <m:t>𝑝</m:t>
-                    </m:r>
-                    <m:r>
-                      <a:rPr lang="en-US" sz="2800" b="0" i="1" smtClean="0">
-                        <a:latin typeface="Cambria Math" panose="02040503050406030204" pitchFamily="18" charset="0"/>
-                        <a:cs typeface="Segoe UI" panose="020B0502040204020203" pitchFamily="34" charset="0"/>
-                      </a:rPr>
-                      <m:t>−1)=</m:t>
-                    </m:r>
-                    <m:r>
-                      <a:rPr lang="en-US" sz="2800" b="0" i="1" smtClean="0">
-                        <a:latin typeface="Cambria Math" panose="02040503050406030204" pitchFamily="18" charset="0"/>
-                        <a:cs typeface="Segoe UI" panose="020B0502040204020203" pitchFamily="34" charset="0"/>
-                      </a:rPr>
-                      <m:t>𝑈</m:t>
-                    </m:r>
-                    <m:sSup>
-                      <m:sSupPr>
-                        <m:ctrlPr>
-                          <a:rPr lang="en-US" sz="2800" b="0" i="1" smtClean="0">
-                            <a:latin typeface="Cambria Math" panose="02040503050406030204" pitchFamily="18" charset="0"/>
-                            <a:cs typeface="Segoe UI" panose="020B0502040204020203" pitchFamily="34" charset="0"/>
-                          </a:rPr>
-                        </m:ctrlPr>
-                      </m:sSupPr>
-                      <m:e>
-                        <m:r>
-                          <a:rPr lang="en-US" sz="2800" b="0" i="1" smtClean="0">
-                            <a:latin typeface="Cambria Math" panose="02040503050406030204" pitchFamily="18" charset="0"/>
-                            <a:cs typeface="Segoe UI" panose="020B0502040204020203" pitchFamily="34" charset="0"/>
-                          </a:rPr>
-                          <m:t>𝑆</m:t>
-                        </m:r>
-                      </m:e>
-                      <m:sup>
-                        <m:r>
-                          <a:rPr lang="en-US" sz="2800" b="0" i="1" smtClean="0">
-                            <a:latin typeface="Cambria Math" panose="02040503050406030204" pitchFamily="18" charset="0"/>
-                            <a:cs typeface="Segoe UI" panose="020B0502040204020203" pitchFamily="34" charset="0"/>
-                          </a:rPr>
-                          <m:t>𝑇</m:t>
-                        </m:r>
-                      </m:sup>
-                    </m:sSup>
-                    <m:sSup>
-                      <m:sSupPr>
-                        <m:ctrlPr>
-                          <a:rPr lang="en-US" sz="2800" b="0" i="1" smtClean="0">
-                            <a:latin typeface="Cambria Math" panose="02040503050406030204" pitchFamily="18" charset="0"/>
-                            <a:cs typeface="Segoe UI" panose="020B0502040204020203" pitchFamily="34" charset="0"/>
-                          </a:rPr>
-                        </m:ctrlPr>
-                      </m:sSupPr>
-                      <m:e>
-                        <m:r>
-                          <a:rPr lang="en-US" sz="2800" b="0" i="1" smtClean="0">
-                            <a:latin typeface="Cambria Math" panose="02040503050406030204" pitchFamily="18" charset="0"/>
-                            <a:cs typeface="Segoe UI" panose="020B0502040204020203" pitchFamily="34" charset="0"/>
-                          </a:rPr>
-                          <m:t>𝑉</m:t>
-                        </m:r>
-                      </m:e>
-                      <m:sup>
-                        <m:r>
-                          <a:rPr lang="en-US" sz="2800" b="0" i="1" smtClean="0">
-                            <a:latin typeface="Cambria Math" panose="02040503050406030204" pitchFamily="18" charset="0"/>
-                            <a:cs typeface="Segoe UI" panose="020B0502040204020203" pitchFamily="34" charset="0"/>
-                          </a:rPr>
-                          <m:t>𝑇</m:t>
-                        </m:r>
-                      </m:sup>
-                    </m:sSup>
-                    <m:r>
-                      <a:rPr lang="en-US" sz="2800" b="0" i="1" smtClean="0">
-                        <a:latin typeface="Cambria Math" panose="02040503050406030204" pitchFamily="18" charset="0"/>
-                        <a:cs typeface="Segoe UI" panose="020B0502040204020203" pitchFamily="34" charset="0"/>
-                      </a:rPr>
-                      <m:t>𝑉𝑆</m:t>
-                    </m:r>
-                    <m:sSup>
-                      <m:sSupPr>
-                        <m:ctrlPr>
-                          <a:rPr lang="el-GR" i="1">
-                            <a:latin typeface="Cambria Math" panose="02040503050406030204" pitchFamily="18" charset="0"/>
-                            <a:ea typeface="Cambria Math" panose="02040503050406030204" pitchFamily="18" charset="0"/>
-                            <a:cs typeface="Segoe UI" panose="020B0502040204020203" pitchFamily="34" charset="0"/>
-                          </a:rPr>
-                        </m:ctrlPr>
-                      </m:sSupPr>
-                      <m:e>
-                        <m:r>
-                          <a:rPr lang="en-US" b="0" i="1" smtClean="0">
-                            <a:latin typeface="Cambria Math" panose="02040503050406030204" pitchFamily="18" charset="0"/>
-                            <a:ea typeface="Cambria Math" panose="02040503050406030204" pitchFamily="18" charset="0"/>
-                            <a:cs typeface="Segoe UI" panose="020B0502040204020203" pitchFamily="34" charset="0"/>
-                          </a:rPr>
-                          <m:t>𝑈</m:t>
-                        </m:r>
-                      </m:e>
-                      <m:sup>
-                        <m:r>
-                          <a:rPr lang="en-US" i="1">
-                            <a:latin typeface="Cambria Math" panose="02040503050406030204" pitchFamily="18" charset="0"/>
-                            <a:ea typeface="Cambria Math" panose="02040503050406030204" pitchFamily="18" charset="0"/>
-                            <a:cs typeface="Segoe UI" panose="020B0502040204020203" pitchFamily="34" charset="0"/>
-                          </a:rPr>
-                          <m:t>𝑇</m:t>
-                        </m:r>
-                      </m:sup>
-                    </m:sSup>
-                    <m:r>
-                      <a:rPr lang="en-US" i="1">
-                        <a:latin typeface="Cambria Math" panose="02040503050406030204" pitchFamily="18" charset="0"/>
-                        <a:cs typeface="Segoe UI" panose="020B0502040204020203" pitchFamily="34" charset="0"/>
-                      </a:rPr>
-                      <m:t>/(</m:t>
-                    </m:r>
-                    <m:r>
-                      <a:rPr lang="en-US" b="0" i="1" smtClean="0">
-                        <a:latin typeface="Cambria Math" panose="02040503050406030204" pitchFamily="18" charset="0"/>
-                        <a:cs typeface="Segoe UI" panose="020B0502040204020203" pitchFamily="34" charset="0"/>
-                      </a:rPr>
-                      <m:t>𝑝</m:t>
-                    </m:r>
-                    <m:r>
-                      <a:rPr lang="en-US" i="1">
-                        <a:latin typeface="Cambria Math" panose="02040503050406030204" pitchFamily="18" charset="0"/>
-                        <a:cs typeface="Segoe UI" panose="020B0502040204020203" pitchFamily="34" charset="0"/>
-                      </a:rPr>
-                      <m:t>−1)</m:t>
-                    </m:r>
-                    <m:r>
-                      <a:rPr lang="en-US" b="0" i="1" smtClean="0">
-                        <a:latin typeface="Cambria Math" panose="02040503050406030204" pitchFamily="18" charset="0"/>
-                        <a:ea typeface="Cambria Math" panose="02040503050406030204" pitchFamily="18" charset="0"/>
-                        <a:cs typeface="Segoe UI" panose="020B0502040204020203" pitchFamily="34" charset="0"/>
-                      </a:rPr>
-                      <m:t>=</m:t>
-                    </m:r>
-                    <m:r>
-                      <a:rPr lang="en-US" b="0" i="1" smtClean="0">
-                        <a:latin typeface="Cambria Math" panose="02040503050406030204" pitchFamily="18" charset="0"/>
-                        <a:ea typeface="Cambria Math" panose="02040503050406030204" pitchFamily="18" charset="0"/>
-                        <a:cs typeface="Segoe UI" panose="020B0502040204020203" pitchFamily="34" charset="0"/>
-                      </a:rPr>
-                      <m:t>𝑈</m:t>
-                    </m:r>
-                    <m:sSup>
-                      <m:sSupPr>
-                        <m:ctrlPr>
-                          <a:rPr lang="en-US" i="1">
-                            <a:latin typeface="Cambria Math" panose="02040503050406030204" pitchFamily="18" charset="0"/>
-                            <a:cs typeface="Segoe UI" panose="020B0502040204020203" pitchFamily="34" charset="0"/>
-                          </a:rPr>
-                        </m:ctrlPr>
-                      </m:sSupPr>
-                      <m:e>
-                        <m:r>
-                          <a:rPr lang="en-US" b="0" i="1" smtClean="0">
-                            <a:latin typeface="Cambria Math" panose="02040503050406030204" pitchFamily="18" charset="0"/>
-                            <a:cs typeface="Segoe UI" panose="020B0502040204020203" pitchFamily="34" charset="0"/>
-                          </a:rPr>
-                          <m:t>𝑆</m:t>
-                        </m:r>
-                      </m:e>
-                      <m:sup>
-                        <m:r>
-                          <a:rPr lang="en-US" b="0" i="1" smtClean="0">
-                            <a:latin typeface="Cambria Math" panose="02040503050406030204" pitchFamily="18" charset="0"/>
-                            <a:cs typeface="Segoe UI" panose="020B0502040204020203" pitchFamily="34" charset="0"/>
-                          </a:rPr>
-                          <m:t>2</m:t>
-                        </m:r>
-                      </m:sup>
-                    </m:sSup>
-                    <m:sSup>
-                      <m:sSupPr>
-                        <m:ctrlPr>
-                          <a:rPr lang="el-GR" i="1">
-                            <a:latin typeface="Cambria Math" panose="02040503050406030204" pitchFamily="18" charset="0"/>
-                            <a:ea typeface="Cambria Math" panose="02040503050406030204" pitchFamily="18" charset="0"/>
-                            <a:cs typeface="Segoe UI" panose="020B0502040204020203" pitchFamily="34" charset="0"/>
-                          </a:rPr>
-                        </m:ctrlPr>
-                      </m:sSupPr>
-                      <m:e>
-                        <m:r>
-                          <a:rPr lang="en-US" b="0" i="1" smtClean="0">
-                            <a:latin typeface="Cambria Math" panose="02040503050406030204" pitchFamily="18" charset="0"/>
-                            <a:ea typeface="Cambria Math" panose="02040503050406030204" pitchFamily="18" charset="0"/>
-                            <a:cs typeface="Segoe UI" panose="020B0502040204020203" pitchFamily="34" charset="0"/>
-                          </a:rPr>
-                          <m:t>𝑈</m:t>
-                        </m:r>
-                      </m:e>
-                      <m:sup>
-                        <m:r>
-                          <a:rPr lang="en-US" i="1">
-                            <a:latin typeface="Cambria Math" panose="02040503050406030204" pitchFamily="18" charset="0"/>
-                            <a:ea typeface="Cambria Math" panose="02040503050406030204" pitchFamily="18" charset="0"/>
-                            <a:cs typeface="Segoe UI" panose="020B0502040204020203" pitchFamily="34" charset="0"/>
-                          </a:rPr>
-                          <m:t>𝑇</m:t>
-                        </m:r>
-                      </m:sup>
-                    </m:sSup>
-                    <m:r>
-                      <a:rPr lang="en-US" i="1">
-                        <a:latin typeface="Cambria Math" panose="02040503050406030204" pitchFamily="18" charset="0"/>
-                        <a:cs typeface="Segoe UI" panose="020B0502040204020203" pitchFamily="34" charset="0"/>
-                      </a:rPr>
-                      <m:t>/(</m:t>
-                    </m:r>
-                    <m:r>
-                      <a:rPr lang="en-US" b="0" i="1" smtClean="0">
-                        <a:latin typeface="Cambria Math" panose="02040503050406030204" pitchFamily="18" charset="0"/>
-                        <a:cs typeface="Segoe UI" panose="020B0502040204020203" pitchFamily="34" charset="0"/>
-                      </a:rPr>
-                      <m:t>𝑝</m:t>
-                    </m:r>
-                    <m:r>
-                      <a:rPr lang="en-US" i="1">
-                        <a:latin typeface="Cambria Math" panose="02040503050406030204" pitchFamily="18" charset="0"/>
-                        <a:cs typeface="Segoe UI" panose="020B0502040204020203" pitchFamily="34" charset="0"/>
-                      </a:rPr>
-                      <m:t>−1)</m:t>
-                    </m:r>
-                  </m:oMath>
-                </a14:m>
-                <a:endParaRPr lang="en-US" sz="2800" b="0" i="1" dirty="0">
-                  <a:latin typeface="Cambria Math" panose="02040503050406030204" pitchFamily="18" charset="0"/>
-                  <a:cs typeface="Segoe UI" panose="020B0502040204020203" pitchFamily="34" charset="0"/>
-                </a:endParaRPr>
-              </a:p>
-              <a:p>
-                <a:pPr marL="457200" lvl="1" indent="0">
-                  <a:buNone/>
-                </a:pPr>
-                <a:r>
-                  <a:rPr lang="en-US" dirty="0">
-                    <a:latin typeface="Cambria Math" panose="02040503050406030204" pitchFamily="18" charset="0"/>
-                    <a:cs typeface="Segoe UI" panose="020B0502040204020203" pitchFamily="34" charset="0"/>
-                  </a:rPr>
-                  <a:t>Since </a:t>
-                </a:r>
-                <a14:m>
-                  <m:oMath xmlns:m="http://schemas.openxmlformats.org/officeDocument/2006/math">
-                    <m:sSup>
-                      <m:sSupPr>
-                        <m:ctrlPr>
-                          <a:rPr lang="en-US" i="1">
-                            <a:latin typeface="Cambria Math" panose="02040503050406030204" pitchFamily="18" charset="0"/>
-                            <a:cs typeface="Segoe UI" panose="020B0502040204020203" pitchFamily="34" charset="0"/>
-                          </a:rPr>
-                        </m:ctrlPr>
-                      </m:sSupPr>
-                      <m:e>
-                        <m:r>
-                          <a:rPr lang="en-US" b="0" i="1" smtClean="0">
-                            <a:latin typeface="Cambria Math" panose="02040503050406030204" pitchFamily="18" charset="0"/>
-                            <a:cs typeface="Segoe UI" panose="020B0502040204020203" pitchFamily="34" charset="0"/>
-                          </a:rPr>
-                          <m:t>𝑉</m:t>
-                        </m:r>
-                      </m:e>
-                      <m:sup>
-                        <m:r>
-                          <a:rPr lang="en-US" i="1">
-                            <a:latin typeface="Cambria Math" panose="02040503050406030204" pitchFamily="18" charset="0"/>
-                            <a:cs typeface="Segoe UI" panose="020B0502040204020203" pitchFamily="34" charset="0"/>
-                          </a:rPr>
-                          <m:t>𝑇</m:t>
-                        </m:r>
-                      </m:sup>
-                    </m:sSup>
-                    <m:r>
-                      <m:rPr>
-                        <m:sty m:val="p"/>
-                      </m:rPr>
-                      <a:rPr lang="en-US" b="0" i="0" smtClean="0">
-                        <a:latin typeface="Cambria Math" panose="02040503050406030204" pitchFamily="18" charset="0"/>
-                        <a:cs typeface="Segoe UI" panose="020B0502040204020203" pitchFamily="34" charset="0"/>
-                      </a:rPr>
-                      <m:t>V</m:t>
-                    </m:r>
-                    <m:r>
-                      <a:rPr lang="en-US" b="0" i="0" smtClean="0">
-                        <a:latin typeface="Cambria Math" panose="02040503050406030204" pitchFamily="18" charset="0"/>
-                        <a:cs typeface="Segoe UI" panose="020B0502040204020203" pitchFamily="34" charset="0"/>
-                      </a:rPr>
-                      <m:t>=</m:t>
-                    </m:r>
-                    <m:r>
-                      <m:rPr>
-                        <m:sty m:val="p"/>
-                      </m:rPr>
-                      <a:rPr lang="en-US" b="0" i="0" smtClean="0">
-                        <a:latin typeface="Cambria Math" panose="02040503050406030204" pitchFamily="18" charset="0"/>
-                        <a:cs typeface="Segoe UI" panose="020B0502040204020203" pitchFamily="34" charset="0"/>
-                      </a:rPr>
-                      <m:t>I</m:t>
-                    </m:r>
-                  </m:oMath>
-                </a14:m>
-                <a:r>
-                  <a:rPr lang="en-US" b="0" dirty="0">
-                    <a:latin typeface="Cambria Math" panose="02040503050406030204" pitchFamily="18" charset="0"/>
-                    <a:cs typeface="Segoe UI" panose="020B0502040204020203" pitchFamily="34" charset="0"/>
-                  </a:rPr>
-                  <a:t>, the identity matrix, and since diagonal, </a:t>
-                </a:r>
-                <a14:m>
-                  <m:oMath xmlns:m="http://schemas.openxmlformats.org/officeDocument/2006/math">
-                    <m:sSup>
-                      <m:sSupPr>
-                        <m:ctrlPr>
-                          <a:rPr lang="en-US" i="1">
-                            <a:latin typeface="Cambria Math" panose="02040503050406030204" pitchFamily="18" charset="0"/>
-                            <a:cs typeface="Segoe UI" panose="020B0502040204020203" pitchFamily="34" charset="0"/>
-                          </a:rPr>
-                        </m:ctrlPr>
-                      </m:sSupPr>
-                      <m:e>
-                        <m:r>
-                          <a:rPr lang="en-US" i="1">
-                            <a:latin typeface="Cambria Math" panose="02040503050406030204" pitchFamily="18" charset="0"/>
-                            <a:cs typeface="Segoe UI" panose="020B0502040204020203" pitchFamily="34" charset="0"/>
-                          </a:rPr>
-                          <m:t>𝑆</m:t>
-                        </m:r>
-                      </m:e>
-                      <m:sup>
-                        <m:r>
-                          <a:rPr lang="en-US" i="1">
-                            <a:latin typeface="Cambria Math" panose="02040503050406030204" pitchFamily="18" charset="0"/>
-                            <a:cs typeface="Segoe UI" panose="020B0502040204020203" pitchFamily="34" charset="0"/>
-                          </a:rPr>
-                          <m:t>𝑇</m:t>
-                        </m:r>
-                      </m:sup>
-                    </m:sSup>
-                    <m:r>
-                      <a:rPr lang="en-US" i="1">
-                        <a:latin typeface="Cambria Math" panose="02040503050406030204" pitchFamily="18" charset="0"/>
-                        <a:cs typeface="Segoe UI" panose="020B0502040204020203" pitchFamily="34" charset="0"/>
-                      </a:rPr>
-                      <m:t>𝑆</m:t>
-                    </m:r>
-                    <m:sSup>
-                      <m:sSupPr>
-                        <m:ctrlPr>
-                          <a:rPr lang="en-US" i="1">
-                            <a:latin typeface="Cambria Math" panose="02040503050406030204" pitchFamily="18" charset="0"/>
-                            <a:cs typeface="Segoe UI" panose="020B0502040204020203" pitchFamily="34" charset="0"/>
-                          </a:rPr>
-                        </m:ctrlPr>
-                      </m:sSupPr>
-                      <m:e>
-                        <m:r>
-                          <a:rPr lang="en-US" i="1">
-                            <a:latin typeface="Cambria Math" panose="02040503050406030204" pitchFamily="18" charset="0"/>
-                            <a:ea typeface="Cambria Math" panose="02040503050406030204" pitchFamily="18" charset="0"/>
-                            <a:cs typeface="Segoe UI" panose="020B0502040204020203" pitchFamily="34" charset="0"/>
-                          </a:rPr>
-                          <m:t>=</m:t>
-                        </m:r>
-                        <m:r>
-                          <a:rPr lang="en-US" i="1">
-                            <a:latin typeface="Cambria Math" panose="02040503050406030204" pitchFamily="18" charset="0"/>
-                            <a:cs typeface="Segoe UI" panose="020B0502040204020203" pitchFamily="34" charset="0"/>
-                          </a:rPr>
-                          <m:t>𝑆</m:t>
-                        </m:r>
-                      </m:e>
-                      <m:sup>
-                        <m:r>
-                          <a:rPr lang="en-US" i="1">
-                            <a:latin typeface="Cambria Math" panose="02040503050406030204" pitchFamily="18" charset="0"/>
-                            <a:cs typeface="Segoe UI" panose="020B0502040204020203" pitchFamily="34" charset="0"/>
-                          </a:rPr>
-                          <m:t>2</m:t>
-                        </m:r>
-                      </m:sup>
-                    </m:sSup>
-                  </m:oMath>
-                </a14:m>
-                <a:endParaRPr lang="en-US" dirty="0">
-                  <a:latin typeface="Cambria Math" panose="02040503050406030204" pitchFamily="18" charset="0"/>
-                  <a:cs typeface="Segoe UI" panose="020B0502040204020203" pitchFamily="34" charset="0"/>
-                </a:endParaRPr>
-              </a:p>
-              <a:p>
-                <a:pPr marL="457200" lvl="1" indent="0">
-                  <a:buNone/>
-                </a:pPr>
-                <a:r>
-                  <a:rPr lang="en-US" b="0" dirty="0">
-                    <a:latin typeface="Cambria Math" panose="02040503050406030204" pitchFamily="18" charset="0"/>
-                    <a:cs typeface="Segoe UI" panose="020B0502040204020203" pitchFamily="34" charset="0"/>
-                  </a:rPr>
-                  <a:t>And SVD of covariance in terms of eigenvalues </a:t>
-                </a:r>
-                <a14:m>
-                  <m:oMath xmlns:m="http://schemas.openxmlformats.org/officeDocument/2006/math">
-                    <m:sSup>
-                      <m:sSupPr>
-                        <m:ctrlPr>
-                          <a:rPr lang="en-US" b="0" i="1" smtClean="0">
-                            <a:latin typeface="Cambria Math" panose="02040503050406030204" pitchFamily="18" charset="0"/>
-                            <a:cs typeface="Segoe UI" panose="020B0502040204020203" pitchFamily="34" charset="0"/>
-                          </a:rPr>
-                        </m:ctrlPr>
-                      </m:sSupPr>
-                      <m:e>
-                        <m:r>
-                          <m:rPr>
-                            <m:sty m:val="p"/>
-                          </m:rPr>
-                          <a:rPr lang="el-GR" b="0" i="1" smtClean="0">
-                            <a:latin typeface="Cambria Math" panose="02040503050406030204" pitchFamily="18" charset="0"/>
-                            <a:ea typeface="Cambria Math" panose="02040503050406030204" pitchFamily="18" charset="0"/>
-                            <a:cs typeface="Segoe UI" panose="020B0502040204020203" pitchFamily="34" charset="0"/>
-                          </a:rPr>
-                          <m:t>Λ</m:t>
-                        </m:r>
-                        <m:r>
-                          <a:rPr lang="en-US" b="0" i="1" smtClean="0">
-                            <a:latin typeface="Cambria Math" panose="02040503050406030204" pitchFamily="18" charset="0"/>
-                            <a:ea typeface="Cambria Math" panose="02040503050406030204" pitchFamily="18" charset="0"/>
-                            <a:cs typeface="Segoe UI" panose="020B0502040204020203" pitchFamily="34" charset="0"/>
-                          </a:rPr>
-                          <m:t>=</m:t>
-                        </m:r>
-                        <m:r>
-                          <a:rPr lang="en-US" b="0" i="1" smtClean="0">
-                            <a:latin typeface="Cambria Math" panose="02040503050406030204" pitchFamily="18" charset="0"/>
-                            <a:cs typeface="Segoe UI" panose="020B0502040204020203" pitchFamily="34" charset="0"/>
-                          </a:rPr>
-                          <m:t>𝑆</m:t>
-                        </m:r>
-                      </m:e>
-                      <m:sup>
-                        <m:r>
-                          <a:rPr lang="en-US" b="0" i="1" smtClean="0">
-                            <a:latin typeface="Cambria Math" panose="02040503050406030204" pitchFamily="18" charset="0"/>
-                            <a:cs typeface="Segoe UI" panose="020B0502040204020203" pitchFamily="34" charset="0"/>
-                          </a:rPr>
-                          <m:t>2</m:t>
-                        </m:r>
-                      </m:sup>
-                    </m:sSup>
-                    <m:r>
-                      <a:rPr lang="en-US" b="0" i="1" smtClean="0">
-                        <a:latin typeface="Cambria Math" panose="02040503050406030204" pitchFamily="18" charset="0"/>
-                        <a:cs typeface="Segoe UI" panose="020B0502040204020203" pitchFamily="34" charset="0"/>
-                      </a:rPr>
-                      <m:t>/(</m:t>
-                    </m:r>
-                    <m:r>
-                      <a:rPr lang="en-US" b="0" i="1" smtClean="0">
-                        <a:latin typeface="Cambria Math" panose="02040503050406030204" pitchFamily="18" charset="0"/>
-                        <a:cs typeface="Segoe UI" panose="020B0502040204020203" pitchFamily="34" charset="0"/>
-                      </a:rPr>
-                      <m:t>𝑝</m:t>
-                    </m:r>
-                    <m:r>
-                      <a:rPr lang="en-US" b="0" i="1" smtClean="0">
-                        <a:latin typeface="Cambria Math" panose="02040503050406030204" pitchFamily="18" charset="0"/>
-                        <a:cs typeface="Segoe UI" panose="020B0502040204020203" pitchFamily="34" charset="0"/>
-                      </a:rPr>
-                      <m:t>−1)</m:t>
-                    </m:r>
-                  </m:oMath>
-                </a14:m>
-                <a:endParaRPr lang="en-US" b="0" dirty="0">
-                  <a:latin typeface="Cambria Math" panose="02040503050406030204" pitchFamily="18" charset="0"/>
-                  <a:cs typeface="Segoe UI" panose="020B0502040204020203" pitchFamily="34" charset="0"/>
-                </a:endParaRPr>
-              </a:p>
-              <a:p>
-                <a:r>
-                  <a:rPr lang="en-US" dirty="0">
-                    <a:latin typeface="Cambria Math" panose="02040503050406030204" pitchFamily="18" charset="0"/>
-                    <a:cs typeface="Segoe UI" panose="020B0502040204020203" pitchFamily="34" charset="0"/>
-                  </a:rPr>
-                  <a:t>Thus, the relationship between SVD and PCA is  </a:t>
-                </a:r>
-              </a:p>
-              <a:p>
-                <a:pPr marL="0" indent="0">
-                  <a:buNone/>
-                </a:pPr>
-                <a:endParaRPr lang="en-US" sz="1000" b="0" dirty="0">
-                  <a:latin typeface="Cambria Math" panose="02040503050406030204" pitchFamily="18" charset="0"/>
-                  <a:cs typeface="Segoe UI" panose="020B0502040204020203" pitchFamily="34" charset="0"/>
-                </a:endParaRPr>
-              </a:p>
-              <a:p>
-                <a:pPr marL="0" indent="0">
-                  <a:buNone/>
-                </a:pPr>
-                <a14:m>
-                  <m:oMathPara xmlns:m="http://schemas.openxmlformats.org/officeDocument/2006/math">
-                    <m:oMathParaPr>
-                      <m:jc m:val="centerGroup"/>
-                    </m:oMathParaPr>
-                    <m:oMath xmlns:m="http://schemas.openxmlformats.org/officeDocument/2006/math">
-                      <m:r>
-                        <a:rPr lang="en-US" sz="2800" b="0" i="1" smtClean="0">
-                          <a:latin typeface="Cambria Math" panose="02040503050406030204" pitchFamily="18" charset="0"/>
-                          <a:ea typeface="Cambria Math" panose="02040503050406030204" pitchFamily="18" charset="0"/>
-                          <a:cs typeface="Segoe UI" panose="020B0502040204020203" pitchFamily="34" charset="0"/>
-                        </a:rPr>
-                        <m:t>𝑇</m:t>
-                      </m:r>
-                      <m:r>
-                        <a:rPr lang="en-US" sz="2800" b="0" i="1" smtClean="0">
-                          <a:latin typeface="Cambria Math" panose="02040503050406030204" pitchFamily="18" charset="0"/>
-                          <a:ea typeface="Cambria Math" panose="02040503050406030204" pitchFamily="18" charset="0"/>
-                          <a:cs typeface="Segoe UI" panose="020B0502040204020203" pitchFamily="34" charset="0"/>
-                        </a:rPr>
-                        <m:t>=</m:t>
-                      </m:r>
-                      <m:r>
-                        <a:rPr lang="en-US" sz="2800" b="0" i="1" smtClean="0">
-                          <a:latin typeface="Cambria Math" panose="02040503050406030204" pitchFamily="18" charset="0"/>
-                          <a:ea typeface="Cambria Math" panose="02040503050406030204" pitchFamily="18" charset="0"/>
-                          <a:cs typeface="Segoe UI" panose="020B0502040204020203" pitchFamily="34" charset="0"/>
-                        </a:rPr>
-                        <m:t>𝑋𝑊</m:t>
-                      </m:r>
-                      <m:r>
-                        <a:rPr lang="en-US" sz="2800" b="0" i="1" smtClean="0">
-                          <a:latin typeface="Cambria Math" panose="02040503050406030204" pitchFamily="18" charset="0"/>
-                          <a:ea typeface="Cambria Math" panose="02040503050406030204" pitchFamily="18" charset="0"/>
-                          <a:cs typeface="Segoe UI" panose="020B0502040204020203" pitchFamily="34" charset="0"/>
-                        </a:rPr>
-                        <m:t>=</m:t>
-                      </m:r>
-                      <m:r>
-                        <a:rPr lang="en-US" i="1">
-                          <a:latin typeface="Cambria Math" panose="02040503050406030204" pitchFamily="18" charset="0"/>
-                          <a:cs typeface="Segoe UI" panose="020B0502040204020203" pitchFamily="34" charset="0"/>
-                        </a:rPr>
-                        <m:t>𝑈</m:t>
-                      </m:r>
-                      <m:r>
-                        <a:rPr lang="en-US" b="0" i="1" smtClean="0">
-                          <a:latin typeface="Cambria Math" panose="02040503050406030204" pitchFamily="18" charset="0"/>
-                          <a:cs typeface="Segoe UI" panose="020B0502040204020203" pitchFamily="34" charset="0"/>
-                        </a:rPr>
-                        <m:t>𝑆</m:t>
-                      </m:r>
-                      <m:sSup>
-                        <m:sSupPr>
-                          <m:ctrlPr>
-                            <a:rPr lang="el-GR" i="1">
-                              <a:latin typeface="Cambria Math" panose="02040503050406030204" pitchFamily="18" charset="0"/>
-                              <a:ea typeface="Cambria Math" panose="02040503050406030204" pitchFamily="18" charset="0"/>
-                              <a:cs typeface="Segoe UI" panose="020B0502040204020203" pitchFamily="34" charset="0"/>
-                            </a:rPr>
-                          </m:ctrlPr>
-                        </m:sSupPr>
-                        <m:e>
-                          <m:r>
-                            <a:rPr lang="en-US" i="1">
-                              <a:latin typeface="Cambria Math" panose="02040503050406030204" pitchFamily="18" charset="0"/>
-                              <a:ea typeface="Cambria Math" panose="02040503050406030204" pitchFamily="18" charset="0"/>
-                              <a:cs typeface="Segoe UI" panose="020B0502040204020203" pitchFamily="34" charset="0"/>
-                            </a:rPr>
-                            <m:t>𝑊</m:t>
-                          </m:r>
-                        </m:e>
-                        <m:sup>
-                          <m:r>
-                            <a:rPr lang="en-US" i="1">
-                              <a:latin typeface="Cambria Math" panose="02040503050406030204" pitchFamily="18" charset="0"/>
-                              <a:ea typeface="Cambria Math" panose="02040503050406030204" pitchFamily="18" charset="0"/>
-                              <a:cs typeface="Segoe UI" panose="020B0502040204020203" pitchFamily="34" charset="0"/>
-                            </a:rPr>
-                            <m:t>𝑇</m:t>
-                          </m:r>
-                        </m:sup>
-                      </m:sSup>
-                      <m:r>
-                        <a:rPr lang="en-US" b="0" i="1" smtClean="0">
-                          <a:latin typeface="Cambria Math" panose="02040503050406030204" pitchFamily="18" charset="0"/>
-                          <a:ea typeface="Cambria Math" panose="02040503050406030204" pitchFamily="18" charset="0"/>
-                          <a:cs typeface="Segoe UI" panose="020B0502040204020203" pitchFamily="34" charset="0"/>
-                        </a:rPr>
-                        <m:t>𝑊</m:t>
-                      </m:r>
-                      <m:r>
-                        <a:rPr lang="en-US" b="0" i="1" smtClean="0">
-                          <a:latin typeface="Cambria Math" panose="02040503050406030204" pitchFamily="18" charset="0"/>
-                          <a:ea typeface="Cambria Math" panose="02040503050406030204" pitchFamily="18" charset="0"/>
-                          <a:cs typeface="Segoe UI" panose="020B0502040204020203" pitchFamily="34" charset="0"/>
-                        </a:rPr>
-                        <m:t>=</m:t>
-                      </m:r>
-                      <m:r>
-                        <a:rPr lang="en-US" i="1">
-                          <a:latin typeface="Cambria Math" panose="02040503050406030204" pitchFamily="18" charset="0"/>
-                          <a:cs typeface="Segoe UI" panose="020B0502040204020203" pitchFamily="34" charset="0"/>
-                        </a:rPr>
-                        <m:t>𝑈</m:t>
-                      </m:r>
-                      <m:sSup>
-                        <m:sSupPr>
-                          <m:ctrlPr>
-                            <a:rPr lang="en-US" i="1">
-                              <a:latin typeface="Cambria Math" panose="02040503050406030204" pitchFamily="18" charset="0"/>
-                              <a:cs typeface="Segoe UI" panose="020B0502040204020203" pitchFamily="34" charset="0"/>
-                            </a:rPr>
-                          </m:ctrlPr>
-                        </m:sSupPr>
-                        <m:e>
-                          <m:r>
-                            <a:rPr lang="en-US" i="1">
-                              <a:latin typeface="Cambria Math" panose="02040503050406030204" pitchFamily="18" charset="0"/>
-                              <a:cs typeface="Segoe UI" panose="020B0502040204020203" pitchFamily="34" charset="0"/>
-                            </a:rPr>
-                            <m:t>𝑆</m:t>
-                          </m:r>
-                        </m:e>
-                        <m:sup>
-                          <m:r>
-                            <a:rPr lang="en-US" i="1">
-                              <a:latin typeface="Cambria Math" panose="02040503050406030204" pitchFamily="18" charset="0"/>
-                              <a:cs typeface="Segoe UI" panose="020B0502040204020203" pitchFamily="34" charset="0"/>
-                            </a:rPr>
-                            <m:t>2</m:t>
-                          </m:r>
-                        </m:sup>
-                      </m:sSup>
-                    </m:oMath>
-                  </m:oMathPara>
-                </a14:m>
-                <a:endParaRPr lang="en-US" sz="2800" dirty="0">
-                  <a:latin typeface="+mn-lt"/>
-                  <a:cs typeface="Segoe UI" panose="020B0502040204020203" pitchFamily="34" charset="0"/>
-                </a:endParaRPr>
-              </a:p>
-            </p:txBody>
-          </p:sp>
-        </mc:Choice>
-        <mc:Fallback xmlns="">
-          <p:sp>
-            <p:nvSpPr>
-              <p:cNvPr id="3" name="Content Placeholder 2">
-                <a:extLst>
-                  <a:ext uri="{FF2B5EF4-FFF2-40B4-BE49-F238E27FC236}">
-                    <a16:creationId xmlns:a16="http://schemas.microsoft.com/office/drawing/2014/main" id="{6948E274-B4C9-49D5-BB15-6A382137E2DD}"/>
-                  </a:ext>
-                </a:extLst>
-              </p:cNvPr>
-              <p:cNvSpPr>
-                <a:spLocks noGrp="1" noRot="1" noChangeAspect="1" noMove="1" noResize="1" noEditPoints="1" noAdjustHandles="1" noChangeArrowheads="1" noChangeShapeType="1" noTextEdit="1"/>
-              </p:cNvSpPr>
-              <p:nvPr>
-                <p:ph sz="quarter" idx="10"/>
-              </p:nvPr>
-            </p:nvSpPr>
-            <p:spPr>
-              <a:xfrm>
-                <a:off x="379514" y="1265273"/>
-                <a:ext cx="11525250" cy="5410511"/>
-              </a:xfrm>
-              <a:blipFill>
-                <a:blip r:embed="rId2"/>
-                <a:stretch>
-                  <a:fillRect l="-1058" t="-1917"/>
-                </a:stretch>
-              </a:blipFill>
-            </p:spPr>
-            <p:txBody>
-              <a:bodyPr/>
-              <a:lstStyle/>
-              <a:p>
-                <a:r>
-                  <a:rPr lang="en-US">
-                    <a:noFill/>
-                  </a:rPr>
-                  <a:t> </a:t>
-                </a:r>
-              </a:p>
-            </p:txBody>
-          </p:sp>
-        </mc:Fallback>
-      </mc:AlternateContent>
-    </p:spTree>
-    <p:extLst>
-      <p:ext uri="{BB962C8B-B14F-4D97-AF65-F5344CB8AC3E}">
-        <p14:creationId xmlns:p14="http://schemas.microsoft.com/office/powerpoint/2010/main" val="2294001475"/>
-      </p:ext>
-    </p:extLst>
-  </p:cSld>
-  <p:clrMapOvr>
-    <a:masterClrMapping/>
-  </p:clrMapOvr>
-  <p:timing>
-    <p:tnLst>
-      <p:par>
-        <p:cTn id="1" dur="indefinite" restart="never" nodeType="tmRoot">
-          <p:childTnLst>
-            <p:seq concurrent="1" nextAc="seek">
-              <p:cTn id="2" dur="indefinite" nodeType="mainSeq">
-                <p:childTnLst>
-                  <p:par>
-                    <p:cTn id="3" fill="hold">
-                      <p:stCondLst>
-                        <p:cond delay="indefinite"/>
-                      </p:stCondLst>
-                      <p:childTnLst>
-                        <p:par>
-                          <p:cTn id="4" fill="hold">
-                            <p:stCondLst>
-                              <p:cond delay="0"/>
-                            </p:stCondLst>
-                            <p:childTnLst>
-                              <p:par>
-                                <p:cTn id="5" presetID="1" presetClass="entr" presetSubtype="0" fill="hold" nodeType="clickEffect">
-                                  <p:stCondLst>
-                                    <p:cond delay="0"/>
-                                  </p:stCondLst>
-                                  <p:childTnLst>
-                                    <p:set>
-                                      <p:cBhvr>
-                                        <p:cTn id="6" dur="1" fill="hold">
-                                          <p:stCondLst>
-                                            <p:cond delay="0"/>
-                                          </p:stCondLst>
-                                        </p:cTn>
-                                        <p:tgtEl>
-                                          <p:spTgt spid="3">
-                                            <p:txEl>
-                                              <p:pRg st="1" end="1"/>
-                                            </p:txEl>
-                                          </p:spTgt>
-                                        </p:tgtEl>
-                                        <p:attrNameLst>
-                                          <p:attrName>style.visibility</p:attrName>
-                                        </p:attrNameLst>
-                                      </p:cBhvr>
-                                      <p:to>
-                                        <p:strVal val="visible"/>
-                                      </p:to>
-                                    </p:set>
-                                  </p:childTnLst>
-                                </p:cTn>
-                              </p:par>
-                              <p:par>
-                                <p:cTn id="7" presetID="1" presetClass="entr" presetSubtype="0" fill="hold" nodeType="withEffect">
-                                  <p:stCondLst>
-                                    <p:cond delay="0"/>
-                                  </p:stCondLst>
-                                  <p:childTnLst>
-                                    <p:set>
-                                      <p:cBhvr>
-                                        <p:cTn id="8" dur="1" fill="hold">
-                                          <p:stCondLst>
-                                            <p:cond delay="0"/>
-                                          </p:stCondLst>
-                                        </p:cTn>
-                                        <p:tgtEl>
-                                          <p:spTgt spid="3">
-                                            <p:txEl>
-                                              <p:pRg st="2" end="2"/>
-                                            </p:txEl>
-                                          </p:spTgt>
-                                        </p:tgtEl>
-                                        <p:attrNameLst>
-                                          <p:attrName>style.visibility</p:attrName>
-                                        </p:attrNameLst>
-                                      </p:cBhvr>
-                                      <p:to>
-                                        <p:strVal val="visible"/>
-                                      </p:to>
-                                    </p:set>
-                                  </p:childTnLst>
-                                </p:cTn>
-                              </p:par>
-                            </p:childTnLst>
-                          </p:cTn>
-                        </p:par>
-                      </p:childTnLst>
-                    </p:cTn>
-                  </p:par>
-                  <p:par>
-                    <p:cTn id="9" fill="hold">
-                      <p:stCondLst>
-                        <p:cond delay="indefinite"/>
-                      </p:stCondLst>
-                      <p:childTnLst>
-                        <p:par>
-                          <p:cTn id="10" fill="hold">
-                            <p:stCondLst>
-                              <p:cond delay="0"/>
-                            </p:stCondLst>
-                            <p:childTnLst>
-                              <p:par>
-                                <p:cTn id="11" presetID="1" presetClass="entr" presetSubtype="0" fill="hold" nodeType="clickEffect">
-                                  <p:stCondLst>
-                                    <p:cond delay="0"/>
-                                  </p:stCondLst>
-                                  <p:childTnLst>
-                                    <p:set>
-                                      <p:cBhvr>
-                                        <p:cTn id="12" dur="1" fill="hold">
-                                          <p:stCondLst>
-                                            <p:cond delay="0"/>
-                                          </p:stCondLst>
-                                        </p:cTn>
-                                        <p:tgtEl>
-                                          <p:spTgt spid="3">
-                                            <p:txEl>
-                                              <p:pRg st="3" end="3"/>
-                                            </p:txEl>
-                                          </p:spTgt>
-                                        </p:tgtEl>
-                                        <p:attrNameLst>
-                                          <p:attrName>style.visibility</p:attrName>
-                                        </p:attrNameLst>
-                                      </p:cBhvr>
-                                      <p:to>
-                                        <p:strVal val="visible"/>
-                                      </p:to>
-                                    </p:set>
-                                  </p:childTnLst>
-                                </p:cTn>
-                              </p:par>
-                              <p:par>
-                                <p:cTn id="13" presetID="1" presetClass="entr" presetSubtype="0" fill="hold" nodeType="withEffect">
-                                  <p:stCondLst>
-                                    <p:cond delay="0"/>
-                                  </p:stCondLst>
-                                  <p:childTnLst>
-                                    <p:set>
-                                      <p:cBhvr>
-                                        <p:cTn id="14" dur="1" fill="hold">
-                                          <p:stCondLst>
-                                            <p:cond delay="0"/>
-                                          </p:stCondLst>
-                                        </p:cTn>
-                                        <p:tgtEl>
-                                          <p:spTgt spid="3">
-                                            <p:txEl>
-                                              <p:pRg st="4" end="4"/>
-                                            </p:txEl>
-                                          </p:spTgt>
-                                        </p:tgtEl>
-                                        <p:attrNameLst>
-                                          <p:attrName>style.visibility</p:attrName>
-                                        </p:attrNameLst>
-                                      </p:cBhvr>
-                                      <p:to>
-                                        <p:strVal val="visible"/>
-                                      </p:to>
-                                    </p:set>
-                                  </p:childTnLst>
-                                </p:cTn>
-                              </p:par>
-                              <p:par>
-                                <p:cTn id="15" presetID="1" presetClass="entr" presetSubtype="0" fill="hold" nodeType="withEffect">
-                                  <p:stCondLst>
-                                    <p:cond delay="0"/>
-                                  </p:stCondLst>
-                                  <p:childTnLst>
-                                    <p:set>
-                                      <p:cBhvr>
-                                        <p:cTn id="16" dur="1" fill="hold">
-                                          <p:stCondLst>
-                                            <p:cond delay="0"/>
-                                          </p:stCondLst>
-                                        </p:cTn>
-                                        <p:tgtEl>
-                                          <p:spTgt spid="3">
-                                            <p:txEl>
-                                              <p:pRg st="5" end="5"/>
-                                            </p:txEl>
-                                          </p:spTgt>
-                                        </p:tgtEl>
-                                        <p:attrNameLst>
-                                          <p:attrName>style.visibility</p:attrName>
-                                        </p:attrNameLst>
-                                      </p:cBhvr>
-                                      <p:to>
-                                        <p:strVal val="visible"/>
-                                      </p:to>
-                                    </p:set>
-                                  </p:childTnLst>
-                                </p:cTn>
-                              </p:par>
-                              <p:par>
-                                <p:cTn id="17" presetID="1" presetClass="entr" presetSubtype="0" fill="hold" nodeType="withEffect">
-                                  <p:stCondLst>
-                                    <p:cond delay="0"/>
-                                  </p:stCondLst>
-                                  <p:childTnLst>
-                                    <p:set>
-                                      <p:cBhvr>
-                                        <p:cTn id="18" dur="1" fill="hold">
-                                          <p:stCondLst>
-                                            <p:cond delay="0"/>
-                                          </p:stCondLst>
-                                        </p:cTn>
-                                        <p:tgtEl>
-                                          <p:spTgt spid="3">
-                                            <p:txEl>
-                                              <p:pRg st="6" end="6"/>
-                                            </p:txEl>
-                                          </p:spTgt>
-                                        </p:tgtEl>
-                                        <p:attrNameLst>
-                                          <p:attrName>style.visibility</p:attrName>
-                                        </p:attrNameLst>
-                                      </p:cBhvr>
-                                      <p:to>
-                                        <p:strVal val="visible"/>
-                                      </p:to>
-                                    </p:set>
-                                  </p:childTnLst>
-                                </p:cTn>
-                              </p:par>
-                            </p:childTnLst>
-                          </p:cTn>
-                        </p:par>
-                      </p:childTnLst>
-                    </p:cTn>
-                  </p:par>
-                  <p:par>
-                    <p:cTn id="19" fill="hold">
-                      <p:stCondLst>
-                        <p:cond delay="indefinite"/>
-                      </p:stCondLst>
-                      <p:childTnLst>
-                        <p:par>
-                          <p:cTn id="20" fill="hold">
-                            <p:stCondLst>
-                              <p:cond delay="0"/>
-                            </p:stCondLst>
-                            <p:childTnLst>
-                              <p:par>
-                                <p:cTn id="21" presetID="1" presetClass="entr" presetSubtype="0" fill="hold" nodeType="clickEffect">
-                                  <p:stCondLst>
-                                    <p:cond delay="0"/>
-                                  </p:stCondLst>
-                                  <p:childTnLst>
-                                    <p:set>
-                                      <p:cBhvr>
-                                        <p:cTn id="22" dur="1" fill="hold">
-                                          <p:stCondLst>
-                                            <p:cond delay="0"/>
-                                          </p:stCondLst>
-                                        </p:cTn>
-                                        <p:tgtEl>
-                                          <p:spTgt spid="3">
-                                            <p:txEl>
-                                              <p:pRg st="7" end="7"/>
-                                            </p:txEl>
-                                          </p:spTgt>
-                                        </p:tgtEl>
-                                        <p:attrNameLst>
-                                          <p:attrName>style.visibility</p:attrName>
-                                        </p:attrNameLst>
-                                      </p:cBhvr>
-                                      <p:to>
-                                        <p:strVal val="visible"/>
-                                      </p:to>
-                                    </p:set>
-                                  </p:childTnLst>
-                                </p:cTn>
-                              </p:par>
-                              <p:par>
-                                <p:cTn id="23" presetID="1" presetClass="entr" presetSubtype="0" fill="hold" nodeType="withEffect">
-                                  <p:stCondLst>
-                                    <p:cond delay="0"/>
-                                  </p:stCondLst>
-                                  <p:childTnLst>
-                                    <p:set>
-                                      <p:cBhvr>
-                                        <p:cTn id="24" dur="1" fill="hold">
-                                          <p:stCondLst>
-                                            <p:cond delay="0"/>
-                                          </p:stCondLst>
-                                        </p:cTn>
-                                        <p:tgtEl>
-                                          <p:spTgt spid="3">
-                                            <p:txEl>
-                                              <p:pRg st="9" end="9"/>
-                                            </p:txEl>
-                                          </p:spTgt>
-                                        </p:tgtEl>
-                                        <p:attrNameLst>
-                                          <p:attrName>style.visibility</p:attrName>
-                                        </p:attrNameLst>
-                                      </p:cBhvr>
-                                      <p:to>
-                                        <p:strVal val="visible"/>
-                                      </p:to>
-                                    </p:set>
-                                  </p:childTnLst>
-                                </p:cTn>
-                              </p:par>
-                            </p:childTnLst>
-                          </p:cTn>
-                        </p:par>
-                      </p:childTnLst>
-                    </p:cTn>
-                  </p:par>
-                </p:childTnLst>
-              </p:cTn>
-              <p:prevCondLst>
-                <p:cond evt="onPrev" delay="0">
-                  <p:tgtEl>
-                    <p:sldTgt/>
-                  </p:tgtEl>
-                </p:cond>
-              </p:prevCondLst>
-              <p:nextCondLst>
-                <p:cond evt="onNext" delay="0">
-                  <p:tgtEl>
-                    <p:sldTgt/>
-                  </p:tgtEl>
-                </p:cond>
-              </p:nextCondLst>
-            </p:seq>
-          </p:childTnLst>
-        </p:cTn>
-      </p:par>
-    </p:tnLst>
-  </p:timing>
-</p:sld>
-</file>
-
-<file path=ppt/slides/slide33.xml><?xml version="1.0" encoding="utf-8"?>
 <p:sld xmlns:a="http://schemas.openxmlformats.org/drawingml/2006/main" xmlns:r="http://schemas.openxmlformats.org/officeDocument/2006/relationships" xmlns:p="http://schemas.openxmlformats.org/presentationml/2006/main">
   <p:cSld>
     <p:spTree>
@@ -21052,8 +18435,8 @@
           </a:p>
         </p:txBody>
       </p:sp>
-      <mc:AlternateContent xmlns:mc="http://schemas.openxmlformats.org/markup-compatibility/2006">
-        <mc:Choice xmlns:a14="http://schemas.microsoft.com/office/drawing/2010/main" Requires="a14">
+      <mc:AlternateContent xmlns:mc="http://schemas.openxmlformats.org/markup-compatibility/2006" xmlns:a14="http://schemas.microsoft.com/office/drawing/2010/main">
+        <mc:Choice Requires="a14">
           <p:sp>
             <p:nvSpPr>
               <p:cNvPr id="3" name="Content Placeholder 2">
@@ -21867,7 +19250,7 @@
             </p:txBody>
           </p:sp>
         </mc:Choice>
-        <mc:Fallback>
+        <mc:Fallback xmlns="">
           <p:sp>
             <p:nvSpPr>
               <p:cNvPr id="3" name="Content Placeholder 2">
@@ -21924,692 +19307,7 @@
 </p:sld>
 </file>
 
-<file path=ppt/slides/slide34.xml><?xml version="1.0" encoding="utf-8"?>
-<p:sld xmlns:a="http://schemas.openxmlformats.org/drawingml/2006/main" xmlns:r="http://schemas.openxmlformats.org/officeDocument/2006/relationships" xmlns:p="http://schemas.openxmlformats.org/presentationml/2006/main" show="0">
-  <p:cSld>
-    <p:spTree>
-      <p:nvGrpSpPr>
-        <p:cNvPr id="1" name=""/>
-        <p:cNvGrpSpPr/>
-        <p:nvPr/>
-      </p:nvGrpSpPr>
-      <p:grpSpPr>
-        <a:xfrm>
-          <a:off x="0" y="0"/>
-          <a:ext cx="0" cy="0"/>
-          <a:chOff x="0" y="0"/>
-          <a:chExt cx="0" cy="0"/>
-        </a:xfrm>
-      </p:grpSpPr>
-      <p:sp>
-        <p:nvSpPr>
-          <p:cNvPr id="2" name="Title 1">
-            <a:extLst>
-              <a:ext uri="{FF2B5EF4-FFF2-40B4-BE49-F238E27FC236}">
-                <a16:creationId xmlns:a16="http://schemas.microsoft.com/office/drawing/2014/main" id="{2E28F462-DC1F-48AF-8BA3-5D8B887182ED}"/>
-              </a:ext>
-            </a:extLst>
-          </p:cNvPr>
-          <p:cNvSpPr>
-            <a:spLocks noGrp="1"/>
-          </p:cNvSpPr>
-          <p:nvPr>
-            <p:ph type="title"/>
-          </p:nvPr>
-        </p:nvSpPr>
-        <p:spPr>
-          <a:xfrm>
-            <a:off x="838200" y="365125"/>
-            <a:ext cx="10515600" cy="666233"/>
-          </a:xfrm>
-        </p:spPr>
-        <p:txBody>
-          <a:bodyPr>
-            <a:normAutofit/>
-          </a:bodyPr>
-          <a:lstStyle/>
-          <a:p>
-            <a:r>
-              <a:rPr lang="en-US" sz="4000" dirty="0">
-                <a:latin typeface="+mn-lt"/>
-                <a:cs typeface="Segoe UI" panose="020B0502040204020203" pitchFamily="34" charset="0"/>
-              </a:rPr>
-              <a:t>Singular Value Decomposition </a:t>
-            </a:r>
-          </a:p>
-        </p:txBody>
-      </p:sp>
-      <mc:AlternateContent xmlns:mc="http://schemas.openxmlformats.org/markup-compatibility/2006">
-        <mc:Choice xmlns:a14="http://schemas.microsoft.com/office/drawing/2010/main" Requires="a14">
-          <p:sp>
-            <p:nvSpPr>
-              <p:cNvPr id="3" name="Content Placeholder 2">
-                <a:extLst>
-                  <a:ext uri="{FF2B5EF4-FFF2-40B4-BE49-F238E27FC236}">
-                    <a16:creationId xmlns:a16="http://schemas.microsoft.com/office/drawing/2014/main" id="{6948E274-B4C9-49D5-BB15-6A382137E2DD}"/>
-                  </a:ext>
-                </a:extLst>
-              </p:cNvPr>
-              <p:cNvSpPr>
-                <a:spLocks noGrp="1"/>
-              </p:cNvSpPr>
-              <p:nvPr>
-                <p:ph sz="quarter" idx="10"/>
-              </p:nvPr>
-            </p:nvSpPr>
-            <p:spPr>
-              <a:xfrm>
-                <a:off x="379514" y="1265273"/>
-                <a:ext cx="11525250" cy="5410511"/>
-              </a:xfrm>
-            </p:spPr>
-            <p:txBody>
-              <a:bodyPr/>
-              <a:lstStyle/>
-              <a:p>
-                <a:pPr marL="0" indent="0">
-                  <a:buNone/>
-                </a:pPr>
-                <a:r>
-                  <a:rPr lang="en-US" dirty="0">
-                    <a:cs typeface="Segoe UI" panose="020B0502040204020203" pitchFamily="34" charset="0"/>
-                  </a:rPr>
-                  <a:t>How can we do dimensionality reduction with SVD?</a:t>
-                </a:r>
-                <a:endParaRPr lang="en-US" sz="2800" b="0" dirty="0">
-                  <a:latin typeface="Cambria Math" panose="02040503050406030204" pitchFamily="18" charset="0"/>
-                  <a:cs typeface="Segoe UI" panose="020B0502040204020203" pitchFamily="34" charset="0"/>
-                </a:endParaRPr>
-              </a:p>
-              <a:p>
-                <a:r>
-                  <a:rPr lang="en-US" dirty="0">
-                    <a:cs typeface="Segoe UI" panose="020B0502040204020203" pitchFamily="34" charset="0"/>
-                  </a:rPr>
-                  <a:t>We can construct a lower dimensional </a:t>
-                </a:r>
-                <a14:m>
-                  <m:oMath xmlns:m="http://schemas.openxmlformats.org/officeDocument/2006/math">
-                    <m:sSup>
-                      <m:sSupPr>
-                        <m:ctrlPr>
-                          <a:rPr lang="en-US" i="1" smtClean="0">
-                            <a:latin typeface="Cambria Math" panose="02040503050406030204" pitchFamily="18" charset="0"/>
-                            <a:cs typeface="Segoe UI" panose="020B0502040204020203" pitchFamily="34" charset="0"/>
-                          </a:rPr>
-                        </m:ctrlPr>
-                      </m:sSupPr>
-                      <m:e>
-                        <m:r>
-                          <a:rPr lang="en-US" b="0" i="1" smtClean="0">
-                            <a:latin typeface="Cambria Math" panose="02040503050406030204" pitchFamily="18" charset="0"/>
-                            <a:cs typeface="Segoe UI" panose="020B0502040204020203" pitchFamily="34" charset="0"/>
-                          </a:rPr>
-                          <m:t>𝑇</m:t>
-                        </m:r>
-                      </m:e>
-                      <m:sup>
-                        <m:r>
-                          <a:rPr lang="en-US" b="0" i="1" smtClean="0">
-                            <a:latin typeface="Cambria Math" panose="02040503050406030204" pitchFamily="18" charset="0"/>
-                            <a:cs typeface="Segoe UI" panose="020B0502040204020203" pitchFamily="34" charset="0"/>
-                          </a:rPr>
-                          <m:t>(</m:t>
-                        </m:r>
-                        <m:r>
-                          <a:rPr lang="en-US" b="0" i="1" smtClean="0">
-                            <a:latin typeface="Cambria Math" panose="02040503050406030204" pitchFamily="18" charset="0"/>
-                            <a:cs typeface="Segoe UI" panose="020B0502040204020203" pitchFamily="34" charset="0"/>
-                          </a:rPr>
-                          <m:t>𝑙</m:t>
-                        </m:r>
-                        <m:r>
-                          <a:rPr lang="en-US" b="0" i="1" smtClean="0">
-                            <a:latin typeface="Cambria Math" panose="02040503050406030204" pitchFamily="18" charset="0"/>
-                            <a:cs typeface="Segoe UI" panose="020B0502040204020203" pitchFamily="34" charset="0"/>
-                          </a:rPr>
-                          <m:t>)</m:t>
-                        </m:r>
-                      </m:sup>
-                    </m:sSup>
-                  </m:oMath>
-                </a14:m>
-                <a:r>
-                  <a:rPr lang="en-US" sz="2800" dirty="0">
-                    <a:latin typeface="+mn-lt"/>
-                    <a:cs typeface="Segoe UI" panose="020B0502040204020203" pitchFamily="34" charset="0"/>
-                  </a:rPr>
-                  <a:t> with </a:t>
-                </a:r>
-                <a14:m>
-                  <m:oMath xmlns:m="http://schemas.openxmlformats.org/officeDocument/2006/math">
-                    <m:r>
-                      <m:rPr>
-                        <m:sty m:val="p"/>
-                      </m:rPr>
-                      <a:rPr lang="en-US" sz="2800" b="0" i="0" smtClean="0">
-                        <a:latin typeface="Cambria Math" panose="02040503050406030204" pitchFamily="18" charset="0"/>
-                        <a:cs typeface="Segoe UI" panose="020B0502040204020203" pitchFamily="34" charset="0"/>
-                      </a:rPr>
-                      <m:t>l</m:t>
-                    </m:r>
-                    <m:r>
-                      <a:rPr lang="en-US" sz="2800" b="0" i="1" smtClean="0">
-                        <a:latin typeface="Cambria Math" panose="02040503050406030204" pitchFamily="18" charset="0"/>
-                        <a:cs typeface="Segoe UI" panose="020B0502040204020203" pitchFamily="34" charset="0"/>
-                      </a:rPr>
-                      <m:t>&lt;</m:t>
-                    </m:r>
-                    <m:r>
-                      <a:rPr lang="en-US" sz="2800" b="0" i="1" smtClean="0">
-                        <a:latin typeface="Cambria Math" panose="02040503050406030204" pitchFamily="18" charset="0"/>
-                        <a:cs typeface="Segoe UI" panose="020B0502040204020203" pitchFamily="34" charset="0"/>
-                      </a:rPr>
-                      <m:t>𝑝</m:t>
-                    </m:r>
-                  </m:oMath>
-                </a14:m>
-                <a:r>
-                  <a:rPr lang="en-US" sz="2800" dirty="0">
-                    <a:latin typeface="+mn-lt"/>
-                    <a:cs typeface="Segoe UI" panose="020B0502040204020203" pitchFamily="34" charset="0"/>
-                  </a:rPr>
-                  <a:t> </a:t>
-                </a:r>
-                <a:r>
-                  <a:rPr lang="en-US" dirty="0">
-                    <a:cs typeface="Segoe UI" panose="020B0502040204020203" pitchFamily="34" charset="0"/>
-                  </a:rPr>
-                  <a:t>using </a:t>
-                </a:r>
-                <a14:m>
-                  <m:oMath xmlns:m="http://schemas.openxmlformats.org/officeDocument/2006/math">
-                    <m:sSup>
-                      <m:sSupPr>
-                        <m:ctrlPr>
-                          <a:rPr lang="en-US" sz="2800" i="1" smtClean="0">
-                            <a:latin typeface="Cambria Math" panose="02040503050406030204" pitchFamily="18" charset="0"/>
-                            <a:cs typeface="Segoe UI" panose="020B0502040204020203" pitchFamily="34" charset="0"/>
-                          </a:rPr>
-                        </m:ctrlPr>
-                      </m:sSupPr>
-                      <m:e>
-                        <m:r>
-                          <a:rPr lang="en-US" sz="2800" b="0" i="1" smtClean="0">
-                            <a:latin typeface="Cambria Math" panose="02040503050406030204" pitchFamily="18" charset="0"/>
-                            <a:cs typeface="Segoe UI" panose="020B0502040204020203" pitchFamily="34" charset="0"/>
-                          </a:rPr>
-                          <m:t>𝑊</m:t>
-                        </m:r>
-                      </m:e>
-                      <m:sup>
-                        <m:r>
-                          <a:rPr lang="en-US" sz="2800" b="0" i="1" smtClean="0">
-                            <a:latin typeface="Cambria Math" panose="02040503050406030204" pitchFamily="18" charset="0"/>
-                            <a:cs typeface="Segoe UI" panose="020B0502040204020203" pitchFamily="34" charset="0"/>
-                          </a:rPr>
-                          <m:t>(</m:t>
-                        </m:r>
-                        <m:r>
-                          <a:rPr lang="en-US" sz="2800" b="0" i="1" smtClean="0">
-                            <a:latin typeface="Cambria Math" panose="02040503050406030204" pitchFamily="18" charset="0"/>
-                            <a:cs typeface="Segoe UI" panose="020B0502040204020203" pitchFamily="34" charset="0"/>
-                          </a:rPr>
-                          <m:t>𝑙</m:t>
-                        </m:r>
-                        <m:r>
-                          <a:rPr lang="en-US" sz="2800" b="0" i="1" smtClean="0">
-                            <a:latin typeface="Cambria Math" panose="02040503050406030204" pitchFamily="18" charset="0"/>
-                            <a:cs typeface="Segoe UI" panose="020B0502040204020203" pitchFamily="34" charset="0"/>
-                          </a:rPr>
-                          <m:t>)</m:t>
-                        </m:r>
-                      </m:sup>
-                    </m:sSup>
-                  </m:oMath>
-                </a14:m>
-                <a:r>
-                  <a:rPr lang="en-US" sz="2800" dirty="0">
-                    <a:latin typeface="+mn-lt"/>
-                    <a:cs typeface="Segoe UI" panose="020B0502040204020203" pitchFamily="34" charset="0"/>
-                  </a:rPr>
-                  <a:t> or </a:t>
-                </a:r>
-                <a14:m>
-                  <m:oMath xmlns:m="http://schemas.openxmlformats.org/officeDocument/2006/math">
-                    <m:sSup>
-                      <m:sSupPr>
-                        <m:ctrlPr>
-                          <a:rPr lang="en-US" sz="2800" i="1" smtClean="0">
-                            <a:latin typeface="Cambria Math" panose="02040503050406030204" pitchFamily="18" charset="0"/>
-                            <a:cs typeface="Segoe UI" panose="020B0502040204020203" pitchFamily="34" charset="0"/>
-                          </a:rPr>
-                        </m:ctrlPr>
-                      </m:sSupPr>
-                      <m:e>
-                        <m:r>
-                          <a:rPr lang="en-US" sz="2800" b="0" i="1" smtClean="0">
-                            <a:latin typeface="Cambria Math" panose="02040503050406030204" pitchFamily="18" charset="0"/>
-                            <a:cs typeface="Segoe UI" panose="020B0502040204020203" pitchFamily="34" charset="0"/>
-                          </a:rPr>
-                          <m:t>𝑆</m:t>
-                        </m:r>
-                      </m:e>
-                      <m:sup>
-                        <m:r>
-                          <a:rPr lang="en-US" sz="2800" b="0" i="1" smtClean="0">
-                            <a:latin typeface="Cambria Math" panose="02040503050406030204" pitchFamily="18" charset="0"/>
-                            <a:cs typeface="Segoe UI" panose="020B0502040204020203" pitchFamily="34" charset="0"/>
-                          </a:rPr>
-                          <m:t>2(</m:t>
-                        </m:r>
-                        <m:r>
-                          <a:rPr lang="en-US" sz="2800" b="0" i="1" smtClean="0">
-                            <a:latin typeface="Cambria Math" panose="02040503050406030204" pitchFamily="18" charset="0"/>
-                            <a:cs typeface="Segoe UI" panose="020B0502040204020203" pitchFamily="34" charset="0"/>
-                          </a:rPr>
-                          <m:t>𝑙</m:t>
-                        </m:r>
-                        <m:r>
-                          <a:rPr lang="en-US" sz="2800" b="0" i="1" smtClean="0">
-                            <a:latin typeface="Cambria Math" panose="02040503050406030204" pitchFamily="18" charset="0"/>
-                            <a:cs typeface="Segoe UI" panose="020B0502040204020203" pitchFamily="34" charset="0"/>
-                          </a:rPr>
-                          <m:t>)</m:t>
-                        </m:r>
-                      </m:sup>
-                    </m:sSup>
-                  </m:oMath>
-                </a14:m>
-                <a:r>
-                  <a:rPr lang="en-US" sz="2800" dirty="0">
-                    <a:latin typeface="+mn-lt"/>
-                    <a:cs typeface="Segoe UI" panose="020B0502040204020203" pitchFamily="34" charset="0"/>
-                  </a:rPr>
-                  <a:t> </a:t>
-                </a:r>
-              </a:p>
-              <a:p>
-                <a:pPr marL="0" indent="0">
-                  <a:buNone/>
-                </a:pPr>
-                <a14:m>
-                  <m:oMathPara xmlns:m="http://schemas.openxmlformats.org/officeDocument/2006/math">
-                    <m:oMathParaPr>
-                      <m:jc m:val="centerGroup"/>
-                    </m:oMathParaPr>
-                    <m:oMath xmlns:m="http://schemas.openxmlformats.org/officeDocument/2006/math">
-                      <m:sSup>
-                        <m:sSupPr>
-                          <m:ctrlPr>
-                            <a:rPr lang="en-US" sz="2800" i="1" smtClean="0">
-                              <a:latin typeface="Cambria Math" panose="02040503050406030204" pitchFamily="18" charset="0"/>
-                              <a:cs typeface="Segoe UI" panose="020B0502040204020203" pitchFamily="34" charset="0"/>
-                            </a:rPr>
-                          </m:ctrlPr>
-                        </m:sSupPr>
-                        <m:e>
-                          <m:r>
-                            <a:rPr lang="en-US" sz="2800" b="0" i="1" smtClean="0">
-                              <a:latin typeface="Cambria Math" panose="02040503050406030204" pitchFamily="18" charset="0"/>
-                              <a:cs typeface="Segoe UI" panose="020B0502040204020203" pitchFamily="34" charset="0"/>
-                            </a:rPr>
-                            <m:t>𝑇</m:t>
-                          </m:r>
-                        </m:e>
-                        <m:sup>
-                          <m:r>
-                            <a:rPr lang="en-US" sz="2800" b="0" i="1" smtClean="0">
-                              <a:latin typeface="Cambria Math" panose="02040503050406030204" pitchFamily="18" charset="0"/>
-                              <a:cs typeface="Segoe UI" panose="020B0502040204020203" pitchFamily="34" charset="0"/>
-                            </a:rPr>
-                            <m:t>(</m:t>
-                          </m:r>
-                          <m:r>
-                            <a:rPr lang="en-US" sz="2800" b="0" i="1" smtClean="0">
-                              <a:latin typeface="Cambria Math" panose="02040503050406030204" pitchFamily="18" charset="0"/>
-                              <a:cs typeface="Segoe UI" panose="020B0502040204020203" pitchFamily="34" charset="0"/>
-                            </a:rPr>
-                            <m:t>𝑙</m:t>
-                          </m:r>
-                          <m:r>
-                            <a:rPr lang="en-US" sz="2800" b="0" i="1" smtClean="0">
-                              <a:latin typeface="Cambria Math" panose="02040503050406030204" pitchFamily="18" charset="0"/>
-                              <a:cs typeface="Segoe UI" panose="020B0502040204020203" pitchFamily="34" charset="0"/>
-                            </a:rPr>
-                            <m:t>)</m:t>
-                          </m:r>
-                        </m:sup>
-                      </m:sSup>
-                      <m:r>
-                        <a:rPr lang="en-US" sz="2800" b="0" i="1" smtClean="0">
-                          <a:latin typeface="Cambria Math" panose="02040503050406030204" pitchFamily="18" charset="0"/>
-                          <a:cs typeface="Segoe UI" panose="020B0502040204020203" pitchFamily="34" charset="0"/>
-                        </a:rPr>
-                        <m:t>=</m:t>
-                      </m:r>
-                      <m:r>
-                        <a:rPr lang="en-US" sz="2800" b="0" i="1" smtClean="0">
-                          <a:latin typeface="Cambria Math" panose="02040503050406030204" pitchFamily="18" charset="0"/>
-                          <a:cs typeface="Segoe UI" panose="020B0502040204020203" pitchFamily="34" charset="0"/>
-                        </a:rPr>
-                        <m:t>𝑋</m:t>
-                      </m:r>
-                      <m:sSup>
-                        <m:sSupPr>
-                          <m:ctrlPr>
-                            <a:rPr lang="en-US" sz="2800" b="0" i="1" smtClean="0">
-                              <a:latin typeface="Cambria Math" panose="02040503050406030204" pitchFamily="18" charset="0"/>
-                              <a:cs typeface="Segoe UI" panose="020B0502040204020203" pitchFamily="34" charset="0"/>
-                            </a:rPr>
-                          </m:ctrlPr>
-                        </m:sSupPr>
-                        <m:e>
-                          <m:r>
-                            <a:rPr lang="en-US" sz="2800" b="0" i="1" smtClean="0">
-                              <a:latin typeface="Cambria Math" panose="02040503050406030204" pitchFamily="18" charset="0"/>
-                              <a:cs typeface="Segoe UI" panose="020B0502040204020203" pitchFamily="34" charset="0"/>
-                            </a:rPr>
-                            <m:t>𝑊</m:t>
-                          </m:r>
-                        </m:e>
-                        <m:sup>
-                          <m:r>
-                            <a:rPr lang="en-US" sz="2800" b="0" i="1" smtClean="0">
-                              <a:latin typeface="Cambria Math" panose="02040503050406030204" pitchFamily="18" charset="0"/>
-                              <a:cs typeface="Segoe UI" panose="020B0502040204020203" pitchFamily="34" charset="0"/>
-                            </a:rPr>
-                            <m:t>(</m:t>
-                          </m:r>
-                          <m:r>
-                            <a:rPr lang="en-US" sz="2800" b="0" i="1" smtClean="0">
-                              <a:latin typeface="Cambria Math" panose="02040503050406030204" pitchFamily="18" charset="0"/>
-                              <a:cs typeface="Segoe UI" panose="020B0502040204020203" pitchFamily="34" charset="0"/>
-                            </a:rPr>
-                            <m:t>𝑙</m:t>
-                          </m:r>
-                          <m:r>
-                            <a:rPr lang="en-US" sz="2800" b="0" i="1" smtClean="0">
-                              <a:latin typeface="Cambria Math" panose="02040503050406030204" pitchFamily="18" charset="0"/>
-                              <a:cs typeface="Segoe UI" panose="020B0502040204020203" pitchFamily="34" charset="0"/>
-                            </a:rPr>
-                            <m:t>)</m:t>
-                          </m:r>
-                        </m:sup>
-                      </m:sSup>
-                      <m:r>
-                        <a:rPr lang="en-US" sz="2800" b="0" i="1" smtClean="0">
-                          <a:latin typeface="Cambria Math" panose="02040503050406030204" pitchFamily="18" charset="0"/>
-                          <a:cs typeface="Segoe UI" panose="020B0502040204020203" pitchFamily="34" charset="0"/>
-                        </a:rPr>
-                        <m:t>=</m:t>
-                      </m:r>
-                      <m:sSup>
-                        <m:sSupPr>
-                          <m:ctrlPr>
-                            <a:rPr lang="en-US" sz="2800" b="0" i="1" smtClean="0">
-                              <a:latin typeface="Cambria Math" panose="02040503050406030204" pitchFamily="18" charset="0"/>
-                              <a:cs typeface="Segoe UI" panose="020B0502040204020203" pitchFamily="34" charset="0"/>
-                            </a:rPr>
-                          </m:ctrlPr>
-                        </m:sSupPr>
-                        <m:e>
-                          <m:r>
-                            <a:rPr lang="en-US" i="1">
-                              <a:latin typeface="Cambria Math" panose="02040503050406030204" pitchFamily="18" charset="0"/>
-                              <a:cs typeface="Segoe UI" panose="020B0502040204020203" pitchFamily="34" charset="0"/>
-                            </a:rPr>
-                            <m:t>𝑈</m:t>
-                          </m:r>
-                          <m:sSup>
-                            <m:sSupPr>
-                              <m:ctrlPr>
-                                <a:rPr lang="en-US" i="1">
-                                  <a:latin typeface="Cambria Math" panose="02040503050406030204" pitchFamily="18" charset="0"/>
-                                  <a:cs typeface="Segoe UI" panose="020B0502040204020203" pitchFamily="34" charset="0"/>
-                                </a:rPr>
-                              </m:ctrlPr>
-                            </m:sSupPr>
-                            <m:e>
-                              <m:r>
-                                <a:rPr lang="en-US" i="1">
-                                  <a:latin typeface="Cambria Math" panose="02040503050406030204" pitchFamily="18" charset="0"/>
-                                  <a:cs typeface="Segoe UI" panose="020B0502040204020203" pitchFamily="34" charset="0"/>
-                                </a:rPr>
-                                <m:t>𝑆</m:t>
-                              </m:r>
-                            </m:e>
-                            <m:sup>
-                              <m:r>
-                                <a:rPr lang="en-US" i="1">
-                                  <a:latin typeface="Cambria Math" panose="02040503050406030204" pitchFamily="18" charset="0"/>
-                                  <a:cs typeface="Segoe UI" panose="020B0502040204020203" pitchFamily="34" charset="0"/>
-                                </a:rPr>
-                                <m:t>2</m:t>
-                              </m:r>
-                            </m:sup>
-                          </m:sSup>
-                        </m:e>
-                        <m:sup>
-                          <m:r>
-                            <a:rPr lang="en-US" sz="2800" b="0" i="1" smtClean="0">
-                              <a:latin typeface="Cambria Math" panose="02040503050406030204" pitchFamily="18" charset="0"/>
-                              <a:cs typeface="Segoe UI" panose="020B0502040204020203" pitchFamily="34" charset="0"/>
-                            </a:rPr>
-                            <m:t>(</m:t>
-                          </m:r>
-                          <m:r>
-                            <a:rPr lang="en-US" sz="2800" b="0" i="1" smtClean="0">
-                              <a:latin typeface="Cambria Math" panose="02040503050406030204" pitchFamily="18" charset="0"/>
-                              <a:cs typeface="Segoe UI" panose="020B0502040204020203" pitchFamily="34" charset="0"/>
-                            </a:rPr>
-                            <m:t>𝑙</m:t>
-                          </m:r>
-                          <m:r>
-                            <a:rPr lang="en-US" sz="2800" b="0" i="1" smtClean="0">
-                              <a:latin typeface="Cambria Math" panose="02040503050406030204" pitchFamily="18" charset="0"/>
-                              <a:cs typeface="Segoe UI" panose="020B0502040204020203" pitchFamily="34" charset="0"/>
-                            </a:rPr>
-                            <m:t>)</m:t>
-                          </m:r>
-                        </m:sup>
-                      </m:sSup>
-                    </m:oMath>
-                  </m:oMathPara>
-                </a14:m>
-                <a:endParaRPr lang="en-US" dirty="0">
-                  <a:cs typeface="Segoe UI" panose="020B0502040204020203" pitchFamily="34" charset="0"/>
-                </a:endParaRPr>
-              </a:p>
-              <a:p>
-                <a:r>
-                  <a:rPr lang="en-US" dirty="0">
-                    <a:cs typeface="Segoe UI" panose="020B0502040204020203" pitchFamily="34" charset="0"/>
-                  </a:rPr>
-                  <a:t>Use projections of product </a:t>
-                </a:r>
-                <a14:m>
-                  <m:oMath xmlns:m="http://schemas.openxmlformats.org/officeDocument/2006/math">
-                    <m:r>
-                      <a:rPr lang="en-US" i="1">
-                        <a:latin typeface="Cambria Math" panose="02040503050406030204" pitchFamily="18" charset="0"/>
-                        <a:cs typeface="Segoe UI" panose="020B0502040204020203" pitchFamily="34" charset="0"/>
-                      </a:rPr>
-                      <m:t>𝑈</m:t>
-                    </m:r>
-                    <m:sSup>
-                      <m:sSupPr>
-                        <m:ctrlPr>
-                          <a:rPr lang="en-US" i="1">
-                            <a:latin typeface="Cambria Math" panose="02040503050406030204" pitchFamily="18" charset="0"/>
-                            <a:cs typeface="Segoe UI" panose="020B0502040204020203" pitchFamily="34" charset="0"/>
-                          </a:rPr>
-                        </m:ctrlPr>
-                      </m:sSupPr>
-                      <m:e>
-                        <m:r>
-                          <a:rPr lang="en-US" i="1">
-                            <a:latin typeface="Cambria Math" panose="02040503050406030204" pitchFamily="18" charset="0"/>
-                            <a:cs typeface="Segoe UI" panose="020B0502040204020203" pitchFamily="34" charset="0"/>
-                          </a:rPr>
-                          <m:t>𝑆</m:t>
-                        </m:r>
-                      </m:e>
-                      <m:sup>
-                        <m:r>
-                          <a:rPr lang="en-US" i="1">
-                            <a:latin typeface="Cambria Math" panose="02040503050406030204" pitchFamily="18" charset="0"/>
-                            <a:cs typeface="Segoe UI" panose="020B0502040204020203" pitchFamily="34" charset="0"/>
-                          </a:rPr>
-                          <m:t>(</m:t>
-                        </m:r>
-                        <m:r>
-                          <a:rPr lang="en-US" b="0" i="1" smtClean="0">
-                            <a:latin typeface="Cambria Math" panose="02040503050406030204" pitchFamily="18" charset="0"/>
-                            <a:cs typeface="Segoe UI" panose="020B0502040204020203" pitchFamily="34" charset="0"/>
-                          </a:rPr>
-                          <m:t>𝑙</m:t>
-                        </m:r>
-                        <m:r>
-                          <a:rPr lang="en-US" i="1">
-                            <a:latin typeface="Cambria Math" panose="02040503050406030204" pitchFamily="18" charset="0"/>
-                            <a:cs typeface="Segoe UI" panose="020B0502040204020203" pitchFamily="34" charset="0"/>
-                          </a:rPr>
-                          <m:t>)</m:t>
-                        </m:r>
-                      </m:sup>
-                    </m:sSup>
-                  </m:oMath>
-                </a14:m>
-                <a:r>
-                  <a:rPr lang="en-US" dirty="0">
-                    <a:cs typeface="Segoe UI" panose="020B0502040204020203" pitchFamily="34" charset="0"/>
-                  </a:rPr>
-                  <a:t> as factors for dimensionality reduction  </a:t>
-                </a:r>
-                <a:endParaRPr lang="en-US" sz="2800" dirty="0">
-                  <a:latin typeface="+mn-lt"/>
-                  <a:cs typeface="Segoe UI" panose="020B0502040204020203" pitchFamily="34" charset="0"/>
-                </a:endParaRPr>
-              </a:p>
-              <a:p>
-                <a:pPr marL="0" indent="0">
-                  <a:buNone/>
-                </a:pPr>
-                <a:endParaRPr lang="en-US" sz="2800" dirty="0">
-                  <a:latin typeface="+mn-lt"/>
-                  <a:cs typeface="Segoe UI" panose="020B0502040204020203" pitchFamily="34" charset="0"/>
-                </a:endParaRPr>
-              </a:p>
-              <a:p>
-                <a:pPr marL="0" indent="0">
-                  <a:buNone/>
-                </a:pPr>
-                <a:r>
-                  <a:rPr lang="en-US" sz="2000" dirty="0">
-                    <a:cs typeface="Segoe UI" panose="020B0502040204020203" pitchFamily="34" charset="0"/>
-                  </a:rPr>
-                  <a:t>For more details on computing SVD at scale see </a:t>
-                </a:r>
-              </a:p>
-              <a:p>
-                <a:pPr marL="0" indent="0">
-                  <a:buNone/>
-                </a:pPr>
-                <a:r>
-                  <a:rPr lang="en-US" sz="2000" dirty="0" err="1">
-                    <a:cs typeface="Segoe UI" panose="020B0502040204020203" pitchFamily="34" charset="0"/>
-                    <a:hlinkClick r:id="rId2" action="ppaction://hlinkfile"/>
-                  </a:rPr>
-                  <a:t>Leskovec</a:t>
-                </a:r>
-                <a:r>
-                  <a:rPr lang="en-US" sz="2000" dirty="0">
-                    <a:cs typeface="Segoe UI" panose="020B0502040204020203" pitchFamily="34" charset="0"/>
-                    <a:hlinkClick r:id="rId2" action="ppaction://hlinkfile"/>
-                  </a:rPr>
-                  <a:t>, et.al., 2020</a:t>
-                </a:r>
-                <a:endParaRPr lang="en-US" sz="2000" dirty="0">
-                  <a:cs typeface="Segoe UI" panose="020B0502040204020203" pitchFamily="34" charset="0"/>
-                </a:endParaRPr>
-              </a:p>
-              <a:p>
-                <a:pPr marL="0" indent="0">
-                  <a:buNone/>
-                </a:pPr>
-                <a:r>
-                  <a:rPr lang="en-US" sz="2000" dirty="0">
-                    <a:cs typeface="Segoe UI" panose="020B0502040204020203" pitchFamily="34" charset="0"/>
-                    <a:hlinkClick r:id="rId3"/>
-                  </a:rPr>
-                  <a:t>Golub and van Loan, fourth edition, 2013</a:t>
-                </a:r>
-                <a:endParaRPr lang="en-US" sz="2000" dirty="0">
-                  <a:cs typeface="Segoe UI" panose="020B0502040204020203" pitchFamily="34" charset="0"/>
-                </a:endParaRPr>
-              </a:p>
-            </p:txBody>
-          </p:sp>
-        </mc:Choice>
-        <mc:Fallback>
-          <p:sp>
-            <p:nvSpPr>
-              <p:cNvPr id="3" name="Content Placeholder 2">
-                <a:extLst>
-                  <a:ext uri="{FF2B5EF4-FFF2-40B4-BE49-F238E27FC236}">
-                    <a16:creationId xmlns:a16="http://schemas.microsoft.com/office/drawing/2014/main" id="{6948E274-B4C9-49D5-BB15-6A382137E2DD}"/>
-                  </a:ext>
-                </a:extLst>
-              </p:cNvPr>
-              <p:cNvSpPr>
-                <a:spLocks noGrp="1" noRot="1" noChangeAspect="1" noMove="1" noResize="1" noEditPoints="1" noAdjustHandles="1" noChangeArrowheads="1" noChangeShapeType="1" noTextEdit="1"/>
-              </p:cNvSpPr>
-              <p:nvPr>
-                <p:ph sz="quarter" idx="10"/>
-              </p:nvPr>
-            </p:nvSpPr>
-            <p:spPr>
-              <a:xfrm>
-                <a:off x="379514" y="1265273"/>
-                <a:ext cx="11525250" cy="5410511"/>
-              </a:xfrm>
-              <a:blipFill>
-                <a:blip r:embed="rId4"/>
-                <a:stretch>
-                  <a:fillRect l="-1058" t="-1917"/>
-                </a:stretch>
-              </a:blipFill>
-            </p:spPr>
-            <p:txBody>
-              <a:bodyPr/>
-              <a:lstStyle/>
-              <a:p>
-                <a:r>
-                  <a:rPr lang="en-US">
-                    <a:noFill/>
-                  </a:rPr>
-                  <a:t> </a:t>
-                </a:r>
-              </a:p>
-            </p:txBody>
-          </p:sp>
-        </mc:Fallback>
-      </mc:AlternateContent>
-    </p:spTree>
-    <p:extLst>
-      <p:ext uri="{BB962C8B-B14F-4D97-AF65-F5344CB8AC3E}">
-        <p14:creationId xmlns:p14="http://schemas.microsoft.com/office/powerpoint/2010/main" val="501274605"/>
-      </p:ext>
-    </p:extLst>
-  </p:cSld>
-  <p:clrMapOvr>
-    <a:masterClrMapping/>
-  </p:clrMapOvr>
-</p:sld>
-</file>
-
-<file path=ppt/slides/slide35.xml><?xml version="1.0" encoding="utf-8"?>
+<file path=ppt/slides/slide31.xml><?xml version="1.0" encoding="utf-8"?>
 <p:sld xmlns:a="http://schemas.openxmlformats.org/drawingml/2006/main" xmlns:r="http://schemas.openxmlformats.org/officeDocument/2006/relationships" xmlns:p="http://schemas.openxmlformats.org/presentationml/2006/main">
   <p:cSld>
     <p:spTree>
@@ -22671,7 +19369,7 @@
 </p:sld>
 </file>
 
-<file path=ppt/slides/slide36.xml><?xml version="1.0" encoding="utf-8"?>
+<file path=ppt/slides/slide32.xml><?xml version="1.0" encoding="utf-8"?>
 <p:sld xmlns:a="http://schemas.openxmlformats.org/drawingml/2006/main" xmlns:r="http://schemas.openxmlformats.org/officeDocument/2006/relationships" xmlns:p="http://schemas.openxmlformats.org/presentationml/2006/main">
   <p:cSld>
     <p:spTree>
@@ -23057,7 +19755,7 @@
 </p:sld>
 </file>
 
-<file path=ppt/slides/slide37.xml><?xml version="1.0" encoding="utf-8"?>
+<file path=ppt/slides/slide33.xml><?xml version="1.0" encoding="utf-8"?>
 <p:sld xmlns:a="http://schemas.openxmlformats.org/drawingml/2006/main" xmlns:r="http://schemas.openxmlformats.org/officeDocument/2006/relationships" xmlns:p="http://schemas.openxmlformats.org/presentationml/2006/main">
   <p:cSld>
     <p:spTree>
@@ -25494,7 +22192,7 @@
 </p:sld>
 </file>
 
-<file path=ppt/slides/slide38.xml><?xml version="1.0" encoding="utf-8"?>
+<file path=ppt/slides/slide34.xml><?xml version="1.0" encoding="utf-8"?>
 <p:sld xmlns:a="http://schemas.openxmlformats.org/drawingml/2006/main" xmlns:r="http://schemas.openxmlformats.org/officeDocument/2006/relationships" xmlns:p="http://schemas.openxmlformats.org/presentationml/2006/main">
   <p:cSld>
     <p:spTree>
@@ -30276,7 +26974,7 @@
 </p:sld>
 </file>
 
-<file path=ppt/slides/slide39.xml><?xml version="1.0" encoding="utf-8"?>
+<file path=ppt/slides/slide35.xml><?xml version="1.0" encoding="utf-8"?>
 <p:sld xmlns:a="http://schemas.openxmlformats.org/drawingml/2006/main" xmlns:r="http://schemas.openxmlformats.org/officeDocument/2006/relationships" xmlns:p="http://schemas.openxmlformats.org/presentationml/2006/main">
   <p:cSld>
     <p:spTree>
@@ -30800,404 +27498,7 @@
 </p:sld>
 </file>
 
-<file path=ppt/slides/slide4.xml><?xml version="1.0" encoding="utf-8"?>
-<p:sld xmlns:a="http://schemas.openxmlformats.org/drawingml/2006/main" xmlns:r="http://schemas.openxmlformats.org/officeDocument/2006/relationships" xmlns:p="http://schemas.openxmlformats.org/presentationml/2006/main">
-  <p:cSld>
-    <p:spTree>
-      <p:nvGrpSpPr>
-        <p:cNvPr id="1" name=""/>
-        <p:cNvGrpSpPr/>
-        <p:nvPr/>
-      </p:nvGrpSpPr>
-      <p:grpSpPr>
-        <a:xfrm>
-          <a:off x="0" y="0"/>
-          <a:ext cx="0" cy="0"/>
-          <a:chOff x="0" y="0"/>
-          <a:chExt cx="0" cy="0"/>
-        </a:xfrm>
-      </p:grpSpPr>
-      <p:sp>
-        <p:nvSpPr>
-          <p:cNvPr id="2" name="Title 1"/>
-          <p:cNvSpPr>
-            <a:spLocks noGrp="1"/>
-          </p:cNvSpPr>
-          <p:nvPr>
-            <p:ph type="title"/>
-          </p:nvPr>
-        </p:nvSpPr>
-        <p:spPr>
-          <a:xfrm>
-            <a:off x="584200" y="221992"/>
-            <a:ext cx="11404600" cy="530954"/>
-          </a:xfrm>
-        </p:spPr>
-        <p:txBody>
-          <a:bodyPr>
-            <a:noAutofit/>
-          </a:bodyPr>
-          <a:lstStyle/>
-          <a:p>
-            <a:r>
-              <a:rPr lang="en-US" sz="3200" dirty="0"/>
-              <a:t>What Could Possibly Go Wrong? </a:t>
-            </a:r>
-            <a:r>
-              <a:rPr lang="en-US" sz="4000" dirty="0">
-                <a:latin typeface="Script MT Bold" panose="03040602040607080904" pitchFamily="66" charset="0"/>
-              </a:rPr>
-              <a:t>Curse of Dimensionality</a:t>
-            </a:r>
-          </a:p>
-        </p:txBody>
-      </p:sp>
-      <p:sp>
-        <p:nvSpPr>
-          <p:cNvPr id="3" name="Content Placeholder 2"/>
-          <p:cNvSpPr>
-            <a:spLocks noGrp="1"/>
-          </p:cNvSpPr>
-          <p:nvPr>
-            <p:ph sz="quarter" idx="10"/>
-          </p:nvPr>
-        </p:nvSpPr>
-        <p:spPr>
-          <a:xfrm>
-            <a:off x="537275" y="896079"/>
-            <a:ext cx="11321349" cy="5602877"/>
-          </a:xfrm>
-        </p:spPr>
-        <p:txBody>
-          <a:bodyPr>
-            <a:normAutofit/>
-          </a:bodyPr>
-          <a:lstStyle/>
-          <a:p>
-            <a:pPr marL="0" indent="0">
-              <a:buNone/>
-            </a:pPr>
-            <a:r>
-              <a:rPr lang="en-US" dirty="0">
-                <a:latin typeface="+mn-lt"/>
-              </a:rPr>
-              <a:t>The curse of dimensionality means that all clusters are the same in high dimensions</a:t>
-            </a:r>
-          </a:p>
-          <a:p>
-            <a:r>
-              <a:rPr lang="en-US" dirty="0">
-                <a:latin typeface="+mn-lt"/>
-              </a:rPr>
-              <a:t>Sampling density decreases exponentially   </a:t>
-            </a:r>
-          </a:p>
-          <a:p>
-            <a:r>
-              <a:rPr lang="en-US" dirty="0">
-                <a:latin typeface="+mn-lt"/>
-              </a:rPr>
-              <a:t>Distances converge to the same size in a high dimensional space  </a:t>
-            </a:r>
-          </a:p>
-          <a:p>
-            <a:r>
-              <a:rPr lang="en-US" sz="2800" dirty="0">
-                <a:latin typeface="+mn-lt"/>
-              </a:rPr>
-              <a:t>The choice of metric does not help </a:t>
-            </a:r>
-          </a:p>
-          <a:p>
-            <a:pPr lvl="1"/>
-            <a:r>
-              <a:rPr lang="en-US" b="1" dirty="0">
-                <a:latin typeface="+mn-lt"/>
-              </a:rPr>
-              <a:t>All distances are the same in high dimensions!  </a:t>
-            </a:r>
-          </a:p>
-          <a:p>
-            <a:r>
-              <a:rPr lang="en-US" dirty="0">
-                <a:latin typeface="+mn-lt"/>
-              </a:rPr>
-              <a:t>Implication is that high-dimensional cluster models are easy to overfit!!</a:t>
-            </a:r>
-          </a:p>
-        </p:txBody>
-      </p:sp>
-    </p:spTree>
-    <p:extLst>
-      <p:ext uri="{BB962C8B-B14F-4D97-AF65-F5344CB8AC3E}">
-        <p14:creationId xmlns:p14="http://schemas.microsoft.com/office/powerpoint/2010/main" val="3920829184"/>
-      </p:ext>
-    </p:extLst>
-  </p:cSld>
-  <p:clrMapOvr>
-    <a:masterClrMapping/>
-  </p:clrMapOvr>
-  <p:timing>
-    <p:tnLst>
-      <p:par>
-        <p:cTn id="1" dur="indefinite" restart="never" nodeType="tmRoot">
-          <p:childTnLst>
-            <p:seq concurrent="1" nextAc="seek">
-              <p:cTn id="2" dur="indefinite" nodeType="mainSeq">
-                <p:childTnLst>
-                  <p:par>
-                    <p:cTn id="3" fill="hold">
-                      <p:stCondLst>
-                        <p:cond delay="indefinite"/>
-                      </p:stCondLst>
-                      <p:childTnLst>
-                        <p:par>
-                          <p:cTn id="4" fill="hold">
-                            <p:stCondLst>
-                              <p:cond delay="0"/>
-                            </p:stCondLst>
-                            <p:childTnLst>
-                              <p:par>
-                                <p:cTn id="5" presetID="1" presetClass="entr" presetSubtype="0" fill="hold" nodeType="clickEffect">
-                                  <p:stCondLst>
-                                    <p:cond delay="0"/>
-                                  </p:stCondLst>
-                                  <p:childTnLst>
-                                    <p:set>
-                                      <p:cBhvr>
-                                        <p:cTn id="6" dur="1" fill="hold">
-                                          <p:stCondLst>
-                                            <p:cond delay="0"/>
-                                          </p:stCondLst>
-                                        </p:cTn>
-                                        <p:tgtEl>
-                                          <p:spTgt spid="3">
-                                            <p:txEl>
-                                              <p:pRg st="1" end="1"/>
-                                            </p:txEl>
-                                          </p:spTgt>
-                                        </p:tgtEl>
-                                        <p:attrNameLst>
-                                          <p:attrName>style.visibility</p:attrName>
-                                        </p:attrNameLst>
-                                      </p:cBhvr>
-                                      <p:to>
-                                        <p:strVal val="visible"/>
-                                      </p:to>
-                                    </p:set>
-                                  </p:childTnLst>
-                                </p:cTn>
-                              </p:par>
-                            </p:childTnLst>
-                          </p:cTn>
-                        </p:par>
-                      </p:childTnLst>
-                    </p:cTn>
-                  </p:par>
-                  <p:par>
-                    <p:cTn id="7" fill="hold">
-                      <p:stCondLst>
-                        <p:cond delay="indefinite"/>
-                      </p:stCondLst>
-                      <p:childTnLst>
-                        <p:par>
-                          <p:cTn id="8" fill="hold">
-                            <p:stCondLst>
-                              <p:cond delay="0"/>
-                            </p:stCondLst>
-                            <p:childTnLst>
-                              <p:par>
-                                <p:cTn id="9" presetID="1" presetClass="entr" presetSubtype="0" fill="hold" nodeType="clickEffect">
-                                  <p:stCondLst>
-                                    <p:cond delay="0"/>
-                                  </p:stCondLst>
-                                  <p:childTnLst>
-                                    <p:set>
-                                      <p:cBhvr>
-                                        <p:cTn id="10" dur="1" fill="hold">
-                                          <p:stCondLst>
-                                            <p:cond delay="0"/>
-                                          </p:stCondLst>
-                                        </p:cTn>
-                                        <p:tgtEl>
-                                          <p:spTgt spid="3">
-                                            <p:txEl>
-                                              <p:pRg st="2" end="2"/>
-                                            </p:txEl>
-                                          </p:spTgt>
-                                        </p:tgtEl>
-                                        <p:attrNameLst>
-                                          <p:attrName>style.visibility</p:attrName>
-                                        </p:attrNameLst>
-                                      </p:cBhvr>
-                                      <p:to>
-                                        <p:strVal val="visible"/>
-                                      </p:to>
-                                    </p:set>
-                                  </p:childTnLst>
-                                </p:cTn>
-                              </p:par>
-                            </p:childTnLst>
-                          </p:cTn>
-                        </p:par>
-                      </p:childTnLst>
-                    </p:cTn>
-                  </p:par>
-                  <p:par>
-                    <p:cTn id="11" fill="hold">
-                      <p:stCondLst>
-                        <p:cond delay="indefinite"/>
-                      </p:stCondLst>
-                      <p:childTnLst>
-                        <p:par>
-                          <p:cTn id="12" fill="hold">
-                            <p:stCondLst>
-                              <p:cond delay="0"/>
-                            </p:stCondLst>
-                            <p:childTnLst>
-                              <p:par>
-                                <p:cTn id="13" presetID="1" presetClass="entr" presetSubtype="0" fill="hold" nodeType="clickEffect">
-                                  <p:stCondLst>
-                                    <p:cond delay="0"/>
-                                  </p:stCondLst>
-                                  <p:childTnLst>
-                                    <p:set>
-                                      <p:cBhvr>
-                                        <p:cTn id="14" dur="1" fill="hold">
-                                          <p:stCondLst>
-                                            <p:cond delay="0"/>
-                                          </p:stCondLst>
-                                        </p:cTn>
-                                        <p:tgtEl>
-                                          <p:spTgt spid="3">
-                                            <p:txEl>
-                                              <p:pRg st="3" end="3"/>
-                                            </p:txEl>
-                                          </p:spTgt>
-                                        </p:tgtEl>
-                                        <p:attrNameLst>
-                                          <p:attrName>style.visibility</p:attrName>
-                                        </p:attrNameLst>
-                                      </p:cBhvr>
-                                      <p:to>
-                                        <p:strVal val="visible"/>
-                                      </p:to>
-                                    </p:set>
-                                  </p:childTnLst>
-                                </p:cTn>
-                              </p:par>
-                              <p:par>
-                                <p:cTn id="15" presetID="1" presetClass="entr" presetSubtype="0" fill="hold" nodeType="withEffect">
-                                  <p:stCondLst>
-                                    <p:cond delay="0"/>
-                                  </p:stCondLst>
-                                  <p:childTnLst>
-                                    <p:set>
-                                      <p:cBhvr>
-                                        <p:cTn id="16" dur="1" fill="hold">
-                                          <p:stCondLst>
-                                            <p:cond delay="0"/>
-                                          </p:stCondLst>
-                                        </p:cTn>
-                                        <p:tgtEl>
-                                          <p:spTgt spid="3">
-                                            <p:txEl>
-                                              <p:pRg st="4" end="4"/>
-                                            </p:txEl>
-                                          </p:spTgt>
-                                        </p:tgtEl>
-                                        <p:attrNameLst>
-                                          <p:attrName>style.visibility</p:attrName>
-                                        </p:attrNameLst>
-                                      </p:cBhvr>
-                                      <p:to>
-                                        <p:strVal val="visible"/>
-                                      </p:to>
-                                    </p:set>
-                                  </p:childTnLst>
-                                </p:cTn>
-                              </p:par>
-                            </p:childTnLst>
-                          </p:cTn>
-                        </p:par>
-                      </p:childTnLst>
-                    </p:cTn>
-                  </p:par>
-                  <p:par>
-                    <p:cTn id="17" fill="hold">
-                      <p:stCondLst>
-                        <p:cond delay="indefinite"/>
-                      </p:stCondLst>
-                      <p:childTnLst>
-                        <p:par>
-                          <p:cTn id="18" fill="hold">
-                            <p:stCondLst>
-                              <p:cond delay="0"/>
-                            </p:stCondLst>
-                            <p:childTnLst>
-                              <p:par>
-                                <p:cTn id="19" presetID="1" presetClass="entr" presetSubtype="0" fill="hold" nodeType="clickEffect">
-                                  <p:stCondLst>
-                                    <p:cond delay="0"/>
-                                  </p:stCondLst>
-                                  <p:childTnLst>
-                                    <p:set>
-                                      <p:cBhvr>
-                                        <p:cTn id="20" dur="1" fill="hold">
-                                          <p:stCondLst>
-                                            <p:cond delay="0"/>
-                                          </p:stCondLst>
-                                        </p:cTn>
-                                        <p:tgtEl>
-                                          <p:spTgt spid="3">
-                                            <p:txEl>
-                                              <p:pRg st="5" end="5"/>
-                                            </p:txEl>
-                                          </p:spTgt>
-                                        </p:tgtEl>
-                                        <p:attrNameLst>
-                                          <p:attrName>style.visibility</p:attrName>
-                                        </p:attrNameLst>
-                                      </p:cBhvr>
-                                      <p:to>
-                                        <p:strVal val="visible"/>
-                                      </p:to>
-                                    </p:set>
-                                  </p:childTnLst>
-                                </p:cTn>
-                              </p:par>
-                            </p:childTnLst>
-                          </p:cTn>
-                        </p:par>
-                      </p:childTnLst>
-                    </p:cTn>
-                  </p:par>
-                </p:childTnLst>
-              </p:cTn>
-              <p:prevCondLst>
-                <p:cond evt="onPrev" delay="0">
-                  <p:tgtEl>
-                    <p:sldTgt/>
-                  </p:tgtEl>
-                </p:cond>
-              </p:prevCondLst>
-              <p:nextCondLst>
-                <p:cond evt="onNext" delay="0">
-                  <p:tgtEl>
-                    <p:sldTgt/>
-                  </p:tgtEl>
-                </p:cond>
-              </p:nextCondLst>
-            </p:seq>
-          </p:childTnLst>
-        </p:cTn>
-      </p:par>
-    </p:tnLst>
-  </p:timing>
-</p:sld>
-</file>
-
-<file path=ppt/slides/slide40.xml><?xml version="1.0" encoding="utf-8"?>
+<file path=ppt/slides/slide36.xml><?xml version="1.0" encoding="utf-8"?>
 <p:sld xmlns:a="http://schemas.openxmlformats.org/drawingml/2006/main" xmlns:r="http://schemas.openxmlformats.org/officeDocument/2006/relationships" xmlns:p="http://schemas.openxmlformats.org/presentationml/2006/main">
   <p:cSld>
     <p:spTree>
@@ -31243,8 +27544,8 @@
           </a:p>
         </p:txBody>
       </p:sp>
-      <mc:AlternateContent xmlns:mc="http://schemas.openxmlformats.org/markup-compatibility/2006">
-        <mc:Choice xmlns:a14="http://schemas.microsoft.com/office/drawing/2010/main" Requires="a14">
+      <mc:AlternateContent xmlns:mc="http://schemas.openxmlformats.org/markup-compatibility/2006" xmlns:a14="http://schemas.microsoft.com/office/drawing/2010/main">
+        <mc:Choice Requires="a14">
           <p:sp>
             <p:nvSpPr>
               <p:cNvPr id="3" name="Content Placeholder 2"/>
@@ -31896,7 +28197,7 @@
             </p:txBody>
           </p:sp>
         </mc:Choice>
-        <mc:Fallback>
+        <mc:Fallback xmlns="">
           <p:sp>
             <p:nvSpPr>
               <p:cNvPr id="3" name="Content Placeholder 2"/>
@@ -31947,7 +28248,7 @@
 </p:sld>
 </file>
 
-<file path=ppt/slides/slide41.xml><?xml version="1.0" encoding="utf-8"?>
+<file path=ppt/slides/slide37.xml><?xml version="1.0" encoding="utf-8"?>
 <p:sld xmlns:a="http://schemas.openxmlformats.org/drawingml/2006/main" xmlns:r="http://schemas.openxmlformats.org/officeDocument/2006/relationships" xmlns:p="http://schemas.openxmlformats.org/presentationml/2006/main">
   <p:cSld>
     <p:spTree>
@@ -32692,7 +28993,7 @@
 </p:sld>
 </file>
 
-<file path=ppt/slides/slide42.xml><?xml version="1.0" encoding="utf-8"?>
+<file path=ppt/slides/slide38.xml><?xml version="1.0" encoding="utf-8"?>
 <p:sld xmlns:a="http://schemas.openxmlformats.org/drawingml/2006/main" xmlns:r="http://schemas.openxmlformats.org/officeDocument/2006/relationships" xmlns:p="http://schemas.openxmlformats.org/presentationml/2006/main">
   <p:cSld>
     <p:spTree>
@@ -34528,7 +30829,7 @@
 </p:sld>
 </file>
 
-<file path=ppt/slides/slide43.xml><?xml version="1.0" encoding="utf-8"?>
+<file path=ppt/slides/slide39.xml><?xml version="1.0" encoding="utf-8"?>
 <p:sld xmlns:a="http://schemas.openxmlformats.org/drawingml/2006/main" xmlns:r="http://schemas.openxmlformats.org/officeDocument/2006/relationships" xmlns:p="http://schemas.openxmlformats.org/presentationml/2006/main">
   <p:cSld>
     <p:spTree>
@@ -34574,8 +30875,8 @@
           </a:p>
         </p:txBody>
       </p:sp>
-      <mc:AlternateContent xmlns:mc="http://schemas.openxmlformats.org/markup-compatibility/2006">
-        <mc:Choice xmlns:a14="http://schemas.microsoft.com/office/drawing/2010/main" Requires="a14">
+      <mc:AlternateContent xmlns:mc="http://schemas.openxmlformats.org/markup-compatibility/2006" xmlns:a14="http://schemas.microsoft.com/office/drawing/2010/main">
+        <mc:Choice Requires="a14">
           <p:sp>
             <p:nvSpPr>
               <p:cNvPr id="3" name="Content Placeholder 2"/>
@@ -34947,7 +31248,7 @@
             </p:txBody>
           </p:sp>
         </mc:Choice>
-        <mc:Fallback>
+        <mc:Fallback xmlns="">
           <p:sp>
             <p:nvSpPr>
               <p:cNvPr id="3" name="Content Placeholder 2"/>
@@ -34998,7 +31299,404 @@
 </p:sld>
 </file>
 
-<file path=ppt/slides/slide44.xml><?xml version="1.0" encoding="utf-8"?>
+<file path=ppt/slides/slide4.xml><?xml version="1.0" encoding="utf-8"?>
+<p:sld xmlns:a="http://schemas.openxmlformats.org/drawingml/2006/main" xmlns:r="http://schemas.openxmlformats.org/officeDocument/2006/relationships" xmlns:p="http://schemas.openxmlformats.org/presentationml/2006/main">
+  <p:cSld>
+    <p:spTree>
+      <p:nvGrpSpPr>
+        <p:cNvPr id="1" name=""/>
+        <p:cNvGrpSpPr/>
+        <p:nvPr/>
+      </p:nvGrpSpPr>
+      <p:grpSpPr>
+        <a:xfrm>
+          <a:off x="0" y="0"/>
+          <a:ext cx="0" cy="0"/>
+          <a:chOff x="0" y="0"/>
+          <a:chExt cx="0" cy="0"/>
+        </a:xfrm>
+      </p:grpSpPr>
+      <p:sp>
+        <p:nvSpPr>
+          <p:cNvPr id="2" name="Title 1"/>
+          <p:cNvSpPr>
+            <a:spLocks noGrp="1"/>
+          </p:cNvSpPr>
+          <p:nvPr>
+            <p:ph type="title"/>
+          </p:nvPr>
+        </p:nvSpPr>
+        <p:spPr>
+          <a:xfrm>
+            <a:off x="584200" y="221992"/>
+            <a:ext cx="11404600" cy="530954"/>
+          </a:xfrm>
+        </p:spPr>
+        <p:txBody>
+          <a:bodyPr>
+            <a:noAutofit/>
+          </a:bodyPr>
+          <a:lstStyle/>
+          <a:p>
+            <a:r>
+              <a:rPr lang="en-US" sz="3200" dirty="0"/>
+              <a:t>What Could Possibly Go Wrong? </a:t>
+            </a:r>
+            <a:r>
+              <a:rPr lang="en-US" sz="4000" dirty="0">
+                <a:latin typeface="Script MT Bold" panose="03040602040607080904" pitchFamily="66" charset="0"/>
+              </a:rPr>
+              <a:t>Curse of Dimensionality</a:t>
+            </a:r>
+          </a:p>
+        </p:txBody>
+      </p:sp>
+      <p:sp>
+        <p:nvSpPr>
+          <p:cNvPr id="3" name="Content Placeholder 2"/>
+          <p:cNvSpPr>
+            <a:spLocks noGrp="1"/>
+          </p:cNvSpPr>
+          <p:nvPr>
+            <p:ph sz="quarter" idx="10"/>
+          </p:nvPr>
+        </p:nvSpPr>
+        <p:spPr>
+          <a:xfrm>
+            <a:off x="537275" y="896079"/>
+            <a:ext cx="11321349" cy="5602877"/>
+          </a:xfrm>
+        </p:spPr>
+        <p:txBody>
+          <a:bodyPr>
+            <a:normAutofit/>
+          </a:bodyPr>
+          <a:lstStyle/>
+          <a:p>
+            <a:pPr marL="0" indent="0">
+              <a:buNone/>
+            </a:pPr>
+            <a:r>
+              <a:rPr lang="en-US" dirty="0">
+                <a:latin typeface="+mn-lt"/>
+              </a:rPr>
+              <a:t>The curse of dimensionality means that all clusters are the same in high dimensions</a:t>
+            </a:r>
+          </a:p>
+          <a:p>
+            <a:r>
+              <a:rPr lang="en-US" dirty="0">
+                <a:latin typeface="+mn-lt"/>
+              </a:rPr>
+              <a:t>Sampling density decreases exponentially   </a:t>
+            </a:r>
+          </a:p>
+          <a:p>
+            <a:r>
+              <a:rPr lang="en-US" dirty="0">
+                <a:latin typeface="+mn-lt"/>
+              </a:rPr>
+              <a:t>Distances converge to the same size in a high dimensional space  </a:t>
+            </a:r>
+          </a:p>
+          <a:p>
+            <a:r>
+              <a:rPr lang="en-US" sz="2800" dirty="0">
+                <a:latin typeface="+mn-lt"/>
+              </a:rPr>
+              <a:t>The choice of metric does not help </a:t>
+            </a:r>
+          </a:p>
+          <a:p>
+            <a:pPr lvl="1"/>
+            <a:r>
+              <a:rPr lang="en-US" b="1" dirty="0">
+                <a:latin typeface="+mn-lt"/>
+              </a:rPr>
+              <a:t>All distances are the same in high dimensions!  </a:t>
+            </a:r>
+          </a:p>
+          <a:p>
+            <a:r>
+              <a:rPr lang="en-US" dirty="0">
+                <a:latin typeface="+mn-lt"/>
+              </a:rPr>
+              <a:t>Implication is that high-dimensional cluster models are easy to overfit!!</a:t>
+            </a:r>
+          </a:p>
+        </p:txBody>
+      </p:sp>
+    </p:spTree>
+    <p:extLst>
+      <p:ext uri="{BB962C8B-B14F-4D97-AF65-F5344CB8AC3E}">
+        <p14:creationId xmlns:p14="http://schemas.microsoft.com/office/powerpoint/2010/main" val="3920829184"/>
+      </p:ext>
+    </p:extLst>
+  </p:cSld>
+  <p:clrMapOvr>
+    <a:masterClrMapping/>
+  </p:clrMapOvr>
+  <p:timing>
+    <p:tnLst>
+      <p:par>
+        <p:cTn id="1" dur="indefinite" restart="never" nodeType="tmRoot">
+          <p:childTnLst>
+            <p:seq concurrent="1" nextAc="seek">
+              <p:cTn id="2" dur="indefinite" nodeType="mainSeq">
+                <p:childTnLst>
+                  <p:par>
+                    <p:cTn id="3" fill="hold">
+                      <p:stCondLst>
+                        <p:cond delay="indefinite"/>
+                      </p:stCondLst>
+                      <p:childTnLst>
+                        <p:par>
+                          <p:cTn id="4" fill="hold">
+                            <p:stCondLst>
+                              <p:cond delay="0"/>
+                            </p:stCondLst>
+                            <p:childTnLst>
+                              <p:par>
+                                <p:cTn id="5" presetID="1" presetClass="entr" presetSubtype="0" fill="hold" nodeType="clickEffect">
+                                  <p:stCondLst>
+                                    <p:cond delay="0"/>
+                                  </p:stCondLst>
+                                  <p:childTnLst>
+                                    <p:set>
+                                      <p:cBhvr>
+                                        <p:cTn id="6" dur="1" fill="hold">
+                                          <p:stCondLst>
+                                            <p:cond delay="0"/>
+                                          </p:stCondLst>
+                                        </p:cTn>
+                                        <p:tgtEl>
+                                          <p:spTgt spid="3">
+                                            <p:txEl>
+                                              <p:pRg st="1" end="1"/>
+                                            </p:txEl>
+                                          </p:spTgt>
+                                        </p:tgtEl>
+                                        <p:attrNameLst>
+                                          <p:attrName>style.visibility</p:attrName>
+                                        </p:attrNameLst>
+                                      </p:cBhvr>
+                                      <p:to>
+                                        <p:strVal val="visible"/>
+                                      </p:to>
+                                    </p:set>
+                                  </p:childTnLst>
+                                </p:cTn>
+                              </p:par>
+                            </p:childTnLst>
+                          </p:cTn>
+                        </p:par>
+                      </p:childTnLst>
+                    </p:cTn>
+                  </p:par>
+                  <p:par>
+                    <p:cTn id="7" fill="hold">
+                      <p:stCondLst>
+                        <p:cond delay="indefinite"/>
+                      </p:stCondLst>
+                      <p:childTnLst>
+                        <p:par>
+                          <p:cTn id="8" fill="hold">
+                            <p:stCondLst>
+                              <p:cond delay="0"/>
+                            </p:stCondLst>
+                            <p:childTnLst>
+                              <p:par>
+                                <p:cTn id="9" presetID="1" presetClass="entr" presetSubtype="0" fill="hold" nodeType="clickEffect">
+                                  <p:stCondLst>
+                                    <p:cond delay="0"/>
+                                  </p:stCondLst>
+                                  <p:childTnLst>
+                                    <p:set>
+                                      <p:cBhvr>
+                                        <p:cTn id="10" dur="1" fill="hold">
+                                          <p:stCondLst>
+                                            <p:cond delay="0"/>
+                                          </p:stCondLst>
+                                        </p:cTn>
+                                        <p:tgtEl>
+                                          <p:spTgt spid="3">
+                                            <p:txEl>
+                                              <p:pRg st="2" end="2"/>
+                                            </p:txEl>
+                                          </p:spTgt>
+                                        </p:tgtEl>
+                                        <p:attrNameLst>
+                                          <p:attrName>style.visibility</p:attrName>
+                                        </p:attrNameLst>
+                                      </p:cBhvr>
+                                      <p:to>
+                                        <p:strVal val="visible"/>
+                                      </p:to>
+                                    </p:set>
+                                  </p:childTnLst>
+                                </p:cTn>
+                              </p:par>
+                            </p:childTnLst>
+                          </p:cTn>
+                        </p:par>
+                      </p:childTnLst>
+                    </p:cTn>
+                  </p:par>
+                  <p:par>
+                    <p:cTn id="11" fill="hold">
+                      <p:stCondLst>
+                        <p:cond delay="indefinite"/>
+                      </p:stCondLst>
+                      <p:childTnLst>
+                        <p:par>
+                          <p:cTn id="12" fill="hold">
+                            <p:stCondLst>
+                              <p:cond delay="0"/>
+                            </p:stCondLst>
+                            <p:childTnLst>
+                              <p:par>
+                                <p:cTn id="13" presetID="1" presetClass="entr" presetSubtype="0" fill="hold" nodeType="clickEffect">
+                                  <p:stCondLst>
+                                    <p:cond delay="0"/>
+                                  </p:stCondLst>
+                                  <p:childTnLst>
+                                    <p:set>
+                                      <p:cBhvr>
+                                        <p:cTn id="14" dur="1" fill="hold">
+                                          <p:stCondLst>
+                                            <p:cond delay="0"/>
+                                          </p:stCondLst>
+                                        </p:cTn>
+                                        <p:tgtEl>
+                                          <p:spTgt spid="3">
+                                            <p:txEl>
+                                              <p:pRg st="3" end="3"/>
+                                            </p:txEl>
+                                          </p:spTgt>
+                                        </p:tgtEl>
+                                        <p:attrNameLst>
+                                          <p:attrName>style.visibility</p:attrName>
+                                        </p:attrNameLst>
+                                      </p:cBhvr>
+                                      <p:to>
+                                        <p:strVal val="visible"/>
+                                      </p:to>
+                                    </p:set>
+                                  </p:childTnLst>
+                                </p:cTn>
+                              </p:par>
+                              <p:par>
+                                <p:cTn id="15" presetID="1" presetClass="entr" presetSubtype="0" fill="hold" nodeType="withEffect">
+                                  <p:stCondLst>
+                                    <p:cond delay="0"/>
+                                  </p:stCondLst>
+                                  <p:childTnLst>
+                                    <p:set>
+                                      <p:cBhvr>
+                                        <p:cTn id="16" dur="1" fill="hold">
+                                          <p:stCondLst>
+                                            <p:cond delay="0"/>
+                                          </p:stCondLst>
+                                        </p:cTn>
+                                        <p:tgtEl>
+                                          <p:spTgt spid="3">
+                                            <p:txEl>
+                                              <p:pRg st="4" end="4"/>
+                                            </p:txEl>
+                                          </p:spTgt>
+                                        </p:tgtEl>
+                                        <p:attrNameLst>
+                                          <p:attrName>style.visibility</p:attrName>
+                                        </p:attrNameLst>
+                                      </p:cBhvr>
+                                      <p:to>
+                                        <p:strVal val="visible"/>
+                                      </p:to>
+                                    </p:set>
+                                  </p:childTnLst>
+                                </p:cTn>
+                              </p:par>
+                            </p:childTnLst>
+                          </p:cTn>
+                        </p:par>
+                      </p:childTnLst>
+                    </p:cTn>
+                  </p:par>
+                  <p:par>
+                    <p:cTn id="17" fill="hold">
+                      <p:stCondLst>
+                        <p:cond delay="indefinite"/>
+                      </p:stCondLst>
+                      <p:childTnLst>
+                        <p:par>
+                          <p:cTn id="18" fill="hold">
+                            <p:stCondLst>
+                              <p:cond delay="0"/>
+                            </p:stCondLst>
+                            <p:childTnLst>
+                              <p:par>
+                                <p:cTn id="19" presetID="1" presetClass="entr" presetSubtype="0" fill="hold" nodeType="clickEffect">
+                                  <p:stCondLst>
+                                    <p:cond delay="0"/>
+                                  </p:stCondLst>
+                                  <p:childTnLst>
+                                    <p:set>
+                                      <p:cBhvr>
+                                        <p:cTn id="20" dur="1" fill="hold">
+                                          <p:stCondLst>
+                                            <p:cond delay="0"/>
+                                          </p:stCondLst>
+                                        </p:cTn>
+                                        <p:tgtEl>
+                                          <p:spTgt spid="3">
+                                            <p:txEl>
+                                              <p:pRg st="5" end="5"/>
+                                            </p:txEl>
+                                          </p:spTgt>
+                                        </p:tgtEl>
+                                        <p:attrNameLst>
+                                          <p:attrName>style.visibility</p:attrName>
+                                        </p:attrNameLst>
+                                      </p:cBhvr>
+                                      <p:to>
+                                        <p:strVal val="visible"/>
+                                      </p:to>
+                                    </p:set>
+                                  </p:childTnLst>
+                                </p:cTn>
+                              </p:par>
+                            </p:childTnLst>
+                          </p:cTn>
+                        </p:par>
+                      </p:childTnLst>
+                    </p:cTn>
+                  </p:par>
+                </p:childTnLst>
+              </p:cTn>
+              <p:prevCondLst>
+                <p:cond evt="onPrev" delay="0">
+                  <p:tgtEl>
+                    <p:sldTgt/>
+                  </p:tgtEl>
+                </p:cond>
+              </p:prevCondLst>
+              <p:nextCondLst>
+                <p:cond evt="onNext" delay="0">
+                  <p:tgtEl>
+                    <p:sldTgt/>
+                  </p:tgtEl>
+                </p:cond>
+              </p:nextCondLst>
+            </p:seq>
+          </p:childTnLst>
+        </p:cTn>
+      </p:par>
+    </p:tnLst>
+  </p:timing>
+</p:sld>
+</file>
+
+<file path=ppt/slides/slide40.xml><?xml version="1.0" encoding="utf-8"?>
 <p:sld xmlns:a="http://schemas.openxmlformats.org/drawingml/2006/main" xmlns:r="http://schemas.openxmlformats.org/officeDocument/2006/relationships" xmlns:p="http://schemas.openxmlformats.org/presentationml/2006/main">
   <p:cSld>
     <p:spTree>
@@ -35561,7 +32259,7 @@
 </p:sld>
 </file>
 
-<file path=ppt/slides/slide45.xml><?xml version="1.0" encoding="utf-8"?>
+<file path=ppt/slides/slide41.xml><?xml version="1.0" encoding="utf-8"?>
 <p:sld xmlns:a="http://schemas.openxmlformats.org/drawingml/2006/main" xmlns:r="http://schemas.openxmlformats.org/officeDocument/2006/relationships" xmlns:p="http://schemas.openxmlformats.org/presentationml/2006/main">
   <p:cSld>
     <p:spTree>

--- a/slides/11_DimensionalityReduction_Part1.pptx
+++ b/slides/11_DimensionalityReduction_Part1.pptx
@@ -238,7 +238,7 @@
           <a:p>
             <a:fld id="{ED460DB7-3564-4028-881B-4A225B453265}" type="datetimeFigureOut">
               <a:rPr lang="en-US" smtClean="0"/>
-              <a:t>7/23/2024</a:t>
+              <a:t>7/27/2024</a:t>
             </a:fld>
             <a:endParaRPr lang="en-US"/>
           </a:p>
@@ -3117,7 +3117,7 @@
           <a:p>
             <a:fld id="{C62B3463-61C8-4819-BC9A-C94FD847F060}" type="datetimeFigureOut">
               <a:rPr lang="en-US" smtClean="0"/>
-              <a:t>7/23/2024</a:t>
+              <a:t>7/27/2024</a:t>
             </a:fld>
             <a:endParaRPr lang="en-US"/>
           </a:p>
@@ -3315,7 +3315,7 @@
           <a:p>
             <a:fld id="{C62B3463-61C8-4819-BC9A-C94FD847F060}" type="datetimeFigureOut">
               <a:rPr lang="en-US" smtClean="0"/>
-              <a:t>7/23/2024</a:t>
+              <a:t>7/27/2024</a:t>
             </a:fld>
             <a:endParaRPr lang="en-US"/>
           </a:p>
@@ -3523,7 +3523,7 @@
           <a:p>
             <a:fld id="{C62B3463-61C8-4819-BC9A-C94FD847F060}" type="datetimeFigureOut">
               <a:rPr lang="en-US" smtClean="0"/>
-              <a:t>7/23/2024</a:t>
+              <a:t>7/27/2024</a:t>
             </a:fld>
             <a:endParaRPr lang="en-US"/>
           </a:p>
@@ -4286,7 +4286,7 @@
           <a:p>
             <a:fld id="{4ACD6B4E-9726-48B7-95FC-86DC5068328F}" type="datetimeFigureOut">
               <a:rPr lang="en-US" smtClean="0"/>
-              <a:t>7/23/2024</a:t>
+              <a:t>7/27/2024</a:t>
             </a:fld>
             <a:endParaRPr lang="en-US"/>
           </a:p>
@@ -4484,7 +4484,7 @@
           <a:p>
             <a:fld id="{C62B3463-61C8-4819-BC9A-C94FD847F060}" type="datetimeFigureOut">
               <a:rPr lang="en-US" smtClean="0"/>
-              <a:t>7/23/2024</a:t>
+              <a:t>7/27/2024</a:t>
             </a:fld>
             <a:endParaRPr lang="en-US"/>
           </a:p>
@@ -4759,7 +4759,7 @@
           <a:p>
             <a:fld id="{C62B3463-61C8-4819-BC9A-C94FD847F060}" type="datetimeFigureOut">
               <a:rPr lang="en-US" smtClean="0"/>
-              <a:t>7/23/2024</a:t>
+              <a:t>7/27/2024</a:t>
             </a:fld>
             <a:endParaRPr lang="en-US"/>
           </a:p>
@@ -5024,7 +5024,7 @@
           <a:p>
             <a:fld id="{C62B3463-61C8-4819-BC9A-C94FD847F060}" type="datetimeFigureOut">
               <a:rPr lang="en-US" smtClean="0"/>
-              <a:t>7/23/2024</a:t>
+              <a:t>7/27/2024</a:t>
             </a:fld>
             <a:endParaRPr lang="en-US"/>
           </a:p>
@@ -5436,7 +5436,7 @@
           <a:p>
             <a:fld id="{C62B3463-61C8-4819-BC9A-C94FD847F060}" type="datetimeFigureOut">
               <a:rPr lang="en-US" smtClean="0"/>
-              <a:t>7/23/2024</a:t>
+              <a:t>7/27/2024</a:t>
             </a:fld>
             <a:endParaRPr lang="en-US"/>
           </a:p>
@@ -5577,7 +5577,7 @@
           <a:p>
             <a:fld id="{C62B3463-61C8-4819-BC9A-C94FD847F060}" type="datetimeFigureOut">
               <a:rPr lang="en-US" smtClean="0"/>
-              <a:t>7/23/2024</a:t>
+              <a:t>7/27/2024</a:t>
             </a:fld>
             <a:endParaRPr lang="en-US"/>
           </a:p>
@@ -5690,7 +5690,7 @@
           <a:p>
             <a:fld id="{C62B3463-61C8-4819-BC9A-C94FD847F060}" type="datetimeFigureOut">
               <a:rPr lang="en-US" smtClean="0"/>
-              <a:t>7/23/2024</a:t>
+              <a:t>7/27/2024</a:t>
             </a:fld>
             <a:endParaRPr lang="en-US"/>
           </a:p>
@@ -6001,7 +6001,7 @@
           <a:p>
             <a:fld id="{C62B3463-61C8-4819-BC9A-C94FD847F060}" type="datetimeFigureOut">
               <a:rPr lang="en-US" smtClean="0"/>
-              <a:t>7/23/2024</a:t>
+              <a:t>7/27/2024</a:t>
             </a:fld>
             <a:endParaRPr lang="en-US"/>
           </a:p>
@@ -6289,7 +6289,7 @@
           <a:p>
             <a:fld id="{C62B3463-61C8-4819-BC9A-C94FD847F060}" type="datetimeFigureOut">
               <a:rPr lang="en-US" smtClean="0"/>
-              <a:t>7/23/2024</a:t>
+              <a:t>7/27/2024</a:t>
             </a:fld>
             <a:endParaRPr lang="en-US"/>
           </a:p>
@@ -6530,7 +6530,7 @@
           <a:p>
             <a:fld id="{C62B3463-61C8-4819-BC9A-C94FD847F060}" type="datetimeFigureOut">
               <a:rPr lang="en-US" smtClean="0"/>
-              <a:t>7/23/2024</a:t>
+              <a:t>7/27/2024</a:t>
             </a:fld>
             <a:endParaRPr lang="en-US"/>
           </a:p>
@@ -7784,8 +7784,17 @@
               <a:rPr lang="en-US" dirty="0">
                 <a:latin typeface="+mn-lt"/>
               </a:rPr>
-              <a:t>Linear dependency </a:t>
+              <a:t>Linear dependency, e.g. </a:t>
             </a:r>
+            <a:r>
+              <a:rPr lang="en-US">
+                <a:latin typeface="+mn-lt"/>
+              </a:rPr>
+              <a:t>correlation  </a:t>
+            </a:r>
+            <a:endParaRPr lang="en-US" dirty="0">
+              <a:latin typeface="+mn-lt"/>
+            </a:endParaRPr>
           </a:p>
           <a:p>
             <a:pPr lvl="1"/>
@@ -8651,8 +8660,8 @@
           </a:p>
         </p:txBody>
       </p:sp>
-      <mc:AlternateContent xmlns:mc="http://schemas.openxmlformats.org/markup-compatibility/2006">
-        <mc:Choice xmlns:a14="http://schemas.microsoft.com/office/drawing/2010/main" Requires="a14">
+      <mc:AlternateContent xmlns:mc="http://schemas.openxmlformats.org/markup-compatibility/2006" xmlns:a14="http://schemas.microsoft.com/office/drawing/2010/main">
+        <mc:Choice Requires="a14">
           <p:sp>
             <p:nvSpPr>
               <p:cNvPr id="3" name="Content Placeholder 2"/>
@@ -8842,7 +8851,7 @@
             </p:txBody>
           </p:sp>
         </mc:Choice>
-        <mc:Fallback>
+        <mc:Fallback xmlns="">
           <p:sp>
             <p:nvSpPr>
               <p:cNvPr id="3" name="Content Placeholder 2"/>
@@ -13092,8 +13101,8 @@
           </a:p>
         </p:txBody>
       </p:sp>
-      <mc:AlternateContent xmlns:mc="http://schemas.openxmlformats.org/markup-compatibility/2006">
-        <mc:Choice xmlns:a14="http://schemas.microsoft.com/office/drawing/2010/main" Requires="a14">
+      <mc:AlternateContent xmlns:mc="http://schemas.openxmlformats.org/markup-compatibility/2006" xmlns:a14="http://schemas.microsoft.com/office/drawing/2010/main">
+        <mc:Choice Requires="a14">
           <p:sp>
             <p:nvSpPr>
               <p:cNvPr id="3" name="Content Placeholder 2">
@@ -13654,7 +13663,7 @@
             </p:txBody>
           </p:sp>
         </mc:Choice>
-        <mc:Fallback>
+        <mc:Fallback xmlns="">
           <p:sp>
             <p:nvSpPr>
               <p:cNvPr id="3" name="Content Placeholder 2">
@@ -32445,8 +32454,8 @@
           </a:p>
         </p:txBody>
       </p:sp>
-      <mc:AlternateContent xmlns:mc="http://schemas.openxmlformats.org/markup-compatibility/2006" xmlns:a14="http://schemas.microsoft.com/office/drawing/2010/main">
-        <mc:Choice Requires="a14">
+      <mc:AlternateContent xmlns:mc="http://schemas.openxmlformats.org/markup-compatibility/2006">
+        <mc:Choice xmlns:a14="http://schemas.microsoft.com/office/drawing/2010/main" Requires="a14">
           <p:sp>
             <p:nvSpPr>
               <p:cNvPr id="3" name="Content Placeholder 2"/>
@@ -32497,7 +32506,7 @@
                   <a:rPr lang="en-US" dirty="0">
                     <a:latin typeface="+mn-lt"/>
                   </a:rPr>
-                  <a:t>, consider the expected value of a vector in high-dimensional space, </a:t>
+                  <a:t>, consider the expected value of a zero-centered vector in high-dimensional space, </a:t>
                 </a:r>
                 <a14:m>
                   <m:oMath xmlns:m="http://schemas.openxmlformats.org/officeDocument/2006/math">
@@ -33028,7 +33037,7 @@
             </p:txBody>
           </p:sp>
         </mc:Choice>
-        <mc:Fallback xmlns="">
+        <mc:Fallback>
           <p:sp>
             <p:nvSpPr>
               <p:cNvPr id="3" name="Content Placeholder 2"/>

--- a/slides/11_DimensionalityReduction_Part1.pptx
+++ b/slides/11_DimensionalityReduction_Part1.pptx
@@ -238,7 +238,7 @@
           <a:p>
             <a:fld id="{ED460DB7-3564-4028-881B-4A225B453265}" type="datetimeFigureOut">
               <a:rPr lang="en-US" smtClean="0"/>
-              <a:t>7/27/2024</a:t>
+              <a:t>7/29/2024</a:t>
             </a:fld>
             <a:endParaRPr lang="en-US"/>
           </a:p>
@@ -3117,7 +3117,7 @@
           <a:p>
             <a:fld id="{C62B3463-61C8-4819-BC9A-C94FD847F060}" type="datetimeFigureOut">
               <a:rPr lang="en-US" smtClean="0"/>
-              <a:t>7/27/2024</a:t>
+              <a:t>7/29/2024</a:t>
             </a:fld>
             <a:endParaRPr lang="en-US"/>
           </a:p>
@@ -3315,7 +3315,7 @@
           <a:p>
             <a:fld id="{C62B3463-61C8-4819-BC9A-C94FD847F060}" type="datetimeFigureOut">
               <a:rPr lang="en-US" smtClean="0"/>
-              <a:t>7/27/2024</a:t>
+              <a:t>7/29/2024</a:t>
             </a:fld>
             <a:endParaRPr lang="en-US"/>
           </a:p>
@@ -3523,7 +3523,7 @@
           <a:p>
             <a:fld id="{C62B3463-61C8-4819-BC9A-C94FD847F060}" type="datetimeFigureOut">
               <a:rPr lang="en-US" smtClean="0"/>
-              <a:t>7/27/2024</a:t>
+              <a:t>7/29/2024</a:t>
             </a:fld>
             <a:endParaRPr lang="en-US"/>
           </a:p>
@@ -4286,7 +4286,7 @@
           <a:p>
             <a:fld id="{4ACD6B4E-9726-48B7-95FC-86DC5068328F}" type="datetimeFigureOut">
               <a:rPr lang="en-US" smtClean="0"/>
-              <a:t>7/27/2024</a:t>
+              <a:t>7/29/2024</a:t>
             </a:fld>
             <a:endParaRPr lang="en-US"/>
           </a:p>
@@ -4484,7 +4484,7 @@
           <a:p>
             <a:fld id="{C62B3463-61C8-4819-BC9A-C94FD847F060}" type="datetimeFigureOut">
               <a:rPr lang="en-US" smtClean="0"/>
-              <a:t>7/27/2024</a:t>
+              <a:t>7/29/2024</a:t>
             </a:fld>
             <a:endParaRPr lang="en-US"/>
           </a:p>
@@ -4759,7 +4759,7 @@
           <a:p>
             <a:fld id="{C62B3463-61C8-4819-BC9A-C94FD847F060}" type="datetimeFigureOut">
               <a:rPr lang="en-US" smtClean="0"/>
-              <a:t>7/27/2024</a:t>
+              <a:t>7/29/2024</a:t>
             </a:fld>
             <a:endParaRPr lang="en-US"/>
           </a:p>
@@ -5024,7 +5024,7 @@
           <a:p>
             <a:fld id="{C62B3463-61C8-4819-BC9A-C94FD847F060}" type="datetimeFigureOut">
               <a:rPr lang="en-US" smtClean="0"/>
-              <a:t>7/27/2024</a:t>
+              <a:t>7/29/2024</a:t>
             </a:fld>
             <a:endParaRPr lang="en-US"/>
           </a:p>
@@ -5436,7 +5436,7 @@
           <a:p>
             <a:fld id="{C62B3463-61C8-4819-BC9A-C94FD847F060}" type="datetimeFigureOut">
               <a:rPr lang="en-US" smtClean="0"/>
-              <a:t>7/27/2024</a:t>
+              <a:t>7/29/2024</a:t>
             </a:fld>
             <a:endParaRPr lang="en-US"/>
           </a:p>
@@ -5577,7 +5577,7 @@
           <a:p>
             <a:fld id="{C62B3463-61C8-4819-BC9A-C94FD847F060}" type="datetimeFigureOut">
               <a:rPr lang="en-US" smtClean="0"/>
-              <a:t>7/27/2024</a:t>
+              <a:t>7/29/2024</a:t>
             </a:fld>
             <a:endParaRPr lang="en-US"/>
           </a:p>
@@ -5690,7 +5690,7 @@
           <a:p>
             <a:fld id="{C62B3463-61C8-4819-BC9A-C94FD847F060}" type="datetimeFigureOut">
               <a:rPr lang="en-US" smtClean="0"/>
-              <a:t>7/27/2024</a:t>
+              <a:t>7/29/2024</a:t>
             </a:fld>
             <a:endParaRPr lang="en-US"/>
           </a:p>
@@ -6001,7 +6001,7 @@
           <a:p>
             <a:fld id="{C62B3463-61C8-4819-BC9A-C94FD847F060}" type="datetimeFigureOut">
               <a:rPr lang="en-US" smtClean="0"/>
-              <a:t>7/27/2024</a:t>
+              <a:t>7/29/2024</a:t>
             </a:fld>
             <a:endParaRPr lang="en-US"/>
           </a:p>
@@ -6289,7 +6289,7 @@
           <a:p>
             <a:fld id="{C62B3463-61C8-4819-BC9A-C94FD847F060}" type="datetimeFigureOut">
               <a:rPr lang="en-US" smtClean="0"/>
-              <a:t>7/27/2024</a:t>
+              <a:t>7/29/2024</a:t>
             </a:fld>
             <a:endParaRPr lang="en-US"/>
           </a:p>
@@ -6530,7 +6530,7 @@
           <a:p>
             <a:fld id="{C62B3463-61C8-4819-BC9A-C94FD847F060}" type="datetimeFigureOut">
               <a:rPr lang="en-US" smtClean="0"/>
-              <a:t>7/27/2024</a:t>
+              <a:t>7/29/2024</a:t>
             </a:fld>
             <a:endParaRPr lang="en-US"/>
           </a:p>
@@ -8660,8 +8660,8 @@
           </a:p>
         </p:txBody>
       </p:sp>
-      <mc:AlternateContent xmlns:mc="http://schemas.openxmlformats.org/markup-compatibility/2006" xmlns:a14="http://schemas.microsoft.com/office/drawing/2010/main">
-        <mc:Choice Requires="a14">
+      <mc:AlternateContent xmlns:mc="http://schemas.openxmlformats.org/markup-compatibility/2006">
+        <mc:Choice xmlns:a14="http://schemas.microsoft.com/office/drawing/2010/main" Requires="a14">
           <p:sp>
             <p:nvSpPr>
               <p:cNvPr id="3" name="Content Placeholder 2"/>
@@ -8700,6 +8700,24 @@
                     <a:latin typeface="+mn-lt"/>
                   </a:rPr>
                   <a:t>Principal Component Analysis: PCA, SVD</a:t>
+                </a:r>
+              </a:p>
+              <a:p>
+                <a:pPr lvl="1"/>
+                <a:r>
+                  <a:rPr lang="en-US" dirty="0">
+                    <a:latin typeface="+mn-lt"/>
+                  </a:rPr>
+                  <a:t>Pearson, 1901</a:t>
+                </a:r>
+              </a:p>
+              <a:p>
+                <a:pPr lvl="1"/>
+                <a:r>
+                  <a:rPr lang="en-US" dirty="0">
+                    <a:latin typeface="+mn-lt"/>
+                  </a:rPr>
+                  <a:t>A generative model</a:t>
                 </a:r>
               </a:p>
               <a:p>
@@ -8851,7 +8869,7 @@
             </p:txBody>
           </p:sp>
         </mc:Choice>
-        <mc:Fallback xmlns="">
+        <mc:Fallback>
           <p:sp>
             <p:nvSpPr>
               <p:cNvPr id="3" name="Content Placeholder 2"/>
@@ -8899,6 +8917,356 @@
   <p:clrMapOvr>
     <a:masterClrMapping/>
   </p:clrMapOvr>
+  <p:timing>
+    <p:tnLst>
+      <p:par>
+        <p:cTn id="1" dur="indefinite" restart="never" nodeType="tmRoot">
+          <p:childTnLst>
+            <p:seq concurrent="1" nextAc="seek">
+              <p:cTn id="2" dur="indefinite" nodeType="mainSeq">
+                <p:childTnLst>
+                  <p:par>
+                    <p:cTn id="3" fill="hold">
+                      <p:stCondLst>
+                        <p:cond delay="indefinite"/>
+                      </p:stCondLst>
+                      <p:childTnLst>
+                        <p:par>
+                          <p:cTn id="4" fill="hold">
+                            <p:stCondLst>
+                              <p:cond delay="0"/>
+                            </p:stCondLst>
+                            <p:childTnLst>
+                              <p:par>
+                                <p:cTn id="5" presetID="1" presetClass="entr" presetSubtype="0" fill="hold" nodeType="clickEffect">
+                                  <p:stCondLst>
+                                    <p:cond delay="0"/>
+                                  </p:stCondLst>
+                                  <p:childTnLst>
+                                    <p:set>
+                                      <p:cBhvr>
+                                        <p:cTn id="6" dur="1" fill="hold">
+                                          <p:stCondLst>
+                                            <p:cond delay="0"/>
+                                          </p:stCondLst>
+                                        </p:cTn>
+                                        <p:tgtEl>
+                                          <p:spTgt spid="3">
+                                            <p:txEl>
+                                              <p:pRg st="1" end="1"/>
+                                            </p:txEl>
+                                          </p:spTgt>
+                                        </p:tgtEl>
+                                        <p:attrNameLst>
+                                          <p:attrName>style.visibility</p:attrName>
+                                        </p:attrNameLst>
+                                      </p:cBhvr>
+                                      <p:to>
+                                        <p:strVal val="visible"/>
+                                      </p:to>
+                                    </p:set>
+                                  </p:childTnLst>
+                                </p:cTn>
+                              </p:par>
+                              <p:par>
+                                <p:cTn id="7" presetID="1" presetClass="entr" presetSubtype="0" fill="hold" nodeType="withEffect">
+                                  <p:stCondLst>
+                                    <p:cond delay="0"/>
+                                  </p:stCondLst>
+                                  <p:childTnLst>
+                                    <p:set>
+                                      <p:cBhvr>
+                                        <p:cTn id="8" dur="1" fill="hold">
+                                          <p:stCondLst>
+                                            <p:cond delay="0"/>
+                                          </p:stCondLst>
+                                        </p:cTn>
+                                        <p:tgtEl>
+                                          <p:spTgt spid="3">
+                                            <p:txEl>
+                                              <p:pRg st="2" end="2"/>
+                                            </p:txEl>
+                                          </p:spTgt>
+                                        </p:tgtEl>
+                                        <p:attrNameLst>
+                                          <p:attrName>style.visibility</p:attrName>
+                                        </p:attrNameLst>
+                                      </p:cBhvr>
+                                      <p:to>
+                                        <p:strVal val="visible"/>
+                                      </p:to>
+                                    </p:set>
+                                  </p:childTnLst>
+                                </p:cTn>
+                              </p:par>
+                              <p:par>
+                                <p:cTn id="9" presetID="1" presetClass="entr" presetSubtype="0" fill="hold" nodeType="withEffect">
+                                  <p:stCondLst>
+                                    <p:cond delay="0"/>
+                                  </p:stCondLst>
+                                  <p:childTnLst>
+                                    <p:set>
+                                      <p:cBhvr>
+                                        <p:cTn id="10" dur="1" fill="hold">
+                                          <p:stCondLst>
+                                            <p:cond delay="0"/>
+                                          </p:stCondLst>
+                                        </p:cTn>
+                                        <p:tgtEl>
+                                          <p:spTgt spid="3">
+                                            <p:txEl>
+                                              <p:pRg st="3" end="3"/>
+                                            </p:txEl>
+                                          </p:spTgt>
+                                        </p:tgtEl>
+                                        <p:attrNameLst>
+                                          <p:attrName>style.visibility</p:attrName>
+                                        </p:attrNameLst>
+                                      </p:cBhvr>
+                                      <p:to>
+                                        <p:strVal val="visible"/>
+                                      </p:to>
+                                    </p:set>
+                                  </p:childTnLst>
+                                </p:cTn>
+                              </p:par>
+                            </p:childTnLst>
+                          </p:cTn>
+                        </p:par>
+                      </p:childTnLst>
+                    </p:cTn>
+                  </p:par>
+                  <p:par>
+                    <p:cTn id="11" fill="hold">
+                      <p:stCondLst>
+                        <p:cond delay="indefinite"/>
+                      </p:stCondLst>
+                      <p:childTnLst>
+                        <p:par>
+                          <p:cTn id="12" fill="hold">
+                            <p:stCondLst>
+                              <p:cond delay="0"/>
+                            </p:stCondLst>
+                            <p:childTnLst>
+                              <p:par>
+                                <p:cTn id="13" presetID="1" presetClass="entr" presetSubtype="0" fill="hold" nodeType="clickEffect">
+                                  <p:stCondLst>
+                                    <p:cond delay="0"/>
+                                  </p:stCondLst>
+                                  <p:childTnLst>
+                                    <p:set>
+                                      <p:cBhvr>
+                                        <p:cTn id="14" dur="1" fill="hold">
+                                          <p:stCondLst>
+                                            <p:cond delay="0"/>
+                                          </p:stCondLst>
+                                        </p:cTn>
+                                        <p:tgtEl>
+                                          <p:spTgt spid="3">
+                                            <p:txEl>
+                                              <p:pRg st="4" end="4"/>
+                                            </p:txEl>
+                                          </p:spTgt>
+                                        </p:tgtEl>
+                                        <p:attrNameLst>
+                                          <p:attrName>style.visibility</p:attrName>
+                                        </p:attrNameLst>
+                                      </p:cBhvr>
+                                      <p:to>
+                                        <p:strVal val="visible"/>
+                                      </p:to>
+                                    </p:set>
+                                  </p:childTnLst>
+                                </p:cTn>
+                              </p:par>
+                              <p:par>
+                                <p:cTn id="15" presetID="1" presetClass="entr" presetSubtype="0" fill="hold" nodeType="withEffect">
+                                  <p:stCondLst>
+                                    <p:cond delay="0"/>
+                                  </p:stCondLst>
+                                  <p:childTnLst>
+                                    <p:set>
+                                      <p:cBhvr>
+                                        <p:cTn id="16" dur="1" fill="hold">
+                                          <p:stCondLst>
+                                            <p:cond delay="0"/>
+                                          </p:stCondLst>
+                                        </p:cTn>
+                                        <p:tgtEl>
+                                          <p:spTgt spid="3">
+                                            <p:txEl>
+                                              <p:pRg st="5" end="5"/>
+                                            </p:txEl>
+                                          </p:spTgt>
+                                        </p:tgtEl>
+                                        <p:attrNameLst>
+                                          <p:attrName>style.visibility</p:attrName>
+                                        </p:attrNameLst>
+                                      </p:cBhvr>
+                                      <p:to>
+                                        <p:strVal val="visible"/>
+                                      </p:to>
+                                    </p:set>
+                                  </p:childTnLst>
+                                </p:cTn>
+                              </p:par>
+                            </p:childTnLst>
+                          </p:cTn>
+                        </p:par>
+                      </p:childTnLst>
+                    </p:cTn>
+                  </p:par>
+                  <p:par>
+                    <p:cTn id="17" fill="hold">
+                      <p:stCondLst>
+                        <p:cond delay="indefinite"/>
+                      </p:stCondLst>
+                      <p:childTnLst>
+                        <p:par>
+                          <p:cTn id="18" fill="hold">
+                            <p:stCondLst>
+                              <p:cond delay="0"/>
+                            </p:stCondLst>
+                            <p:childTnLst>
+                              <p:par>
+                                <p:cTn id="19" presetID="1" presetClass="entr" presetSubtype="0" fill="hold" nodeType="clickEffect">
+                                  <p:stCondLst>
+                                    <p:cond delay="0"/>
+                                  </p:stCondLst>
+                                  <p:childTnLst>
+                                    <p:set>
+                                      <p:cBhvr>
+                                        <p:cTn id="20" dur="1" fill="hold">
+                                          <p:stCondLst>
+                                            <p:cond delay="0"/>
+                                          </p:stCondLst>
+                                        </p:cTn>
+                                        <p:tgtEl>
+                                          <p:spTgt spid="3">
+                                            <p:txEl>
+                                              <p:pRg st="6" end="6"/>
+                                            </p:txEl>
+                                          </p:spTgt>
+                                        </p:tgtEl>
+                                        <p:attrNameLst>
+                                          <p:attrName>style.visibility</p:attrName>
+                                        </p:attrNameLst>
+                                      </p:cBhvr>
+                                      <p:to>
+                                        <p:strVal val="visible"/>
+                                      </p:to>
+                                    </p:set>
+                                  </p:childTnLst>
+                                </p:cTn>
+                              </p:par>
+                              <p:par>
+                                <p:cTn id="21" presetID="1" presetClass="entr" presetSubtype="0" fill="hold" nodeType="withEffect">
+                                  <p:stCondLst>
+                                    <p:cond delay="0"/>
+                                  </p:stCondLst>
+                                  <p:childTnLst>
+                                    <p:set>
+                                      <p:cBhvr>
+                                        <p:cTn id="22" dur="1" fill="hold">
+                                          <p:stCondLst>
+                                            <p:cond delay="0"/>
+                                          </p:stCondLst>
+                                        </p:cTn>
+                                        <p:tgtEl>
+                                          <p:spTgt spid="3">
+                                            <p:txEl>
+                                              <p:pRg st="7" end="7"/>
+                                            </p:txEl>
+                                          </p:spTgt>
+                                        </p:tgtEl>
+                                        <p:attrNameLst>
+                                          <p:attrName>style.visibility</p:attrName>
+                                        </p:attrNameLst>
+                                      </p:cBhvr>
+                                      <p:to>
+                                        <p:strVal val="visible"/>
+                                      </p:to>
+                                    </p:set>
+                                  </p:childTnLst>
+                                </p:cTn>
+                              </p:par>
+                            </p:childTnLst>
+                          </p:cTn>
+                        </p:par>
+                      </p:childTnLst>
+                    </p:cTn>
+                  </p:par>
+                  <p:par>
+                    <p:cTn id="23" fill="hold">
+                      <p:stCondLst>
+                        <p:cond delay="indefinite"/>
+                      </p:stCondLst>
+                      <p:childTnLst>
+                        <p:par>
+                          <p:cTn id="24" fill="hold">
+                            <p:stCondLst>
+                              <p:cond delay="0"/>
+                            </p:stCondLst>
+                            <p:childTnLst>
+                              <p:par>
+                                <p:cTn id="25" presetID="1" presetClass="entr" presetSubtype="0" fill="hold" nodeType="clickEffect">
+                                  <p:stCondLst>
+                                    <p:cond delay="0"/>
+                                  </p:stCondLst>
+                                  <p:childTnLst>
+                                    <p:set>
+                                      <p:cBhvr>
+                                        <p:cTn id="26" dur="1" fill="hold">
+                                          <p:stCondLst>
+                                            <p:cond delay="0"/>
+                                          </p:stCondLst>
+                                        </p:cTn>
+                                        <p:tgtEl>
+                                          <p:spTgt spid="3">
+                                            <p:txEl>
+                                              <p:pRg st="8" end="8"/>
+                                            </p:txEl>
+                                          </p:spTgt>
+                                        </p:tgtEl>
+                                        <p:attrNameLst>
+                                          <p:attrName>style.visibility</p:attrName>
+                                        </p:attrNameLst>
+                                      </p:cBhvr>
+                                      <p:to>
+                                        <p:strVal val="visible"/>
+                                      </p:to>
+                                    </p:set>
+                                  </p:childTnLst>
+                                </p:cTn>
+                              </p:par>
+                            </p:childTnLst>
+                          </p:cTn>
+                        </p:par>
+                      </p:childTnLst>
+                    </p:cTn>
+                  </p:par>
+                </p:childTnLst>
+              </p:cTn>
+              <p:prevCondLst>
+                <p:cond evt="onPrev" delay="0">
+                  <p:tgtEl>
+                    <p:sldTgt/>
+                  </p:tgtEl>
+                </p:cond>
+              </p:prevCondLst>
+              <p:nextCondLst>
+                <p:cond evt="onNext" delay="0">
+                  <p:tgtEl>
+                    <p:sldTgt/>
+                  </p:tgtEl>
+                </p:cond>
+              </p:nextCondLst>
+            </p:seq>
+          </p:childTnLst>
+        </p:cTn>
+      </p:par>
+    </p:tnLst>
+  </p:timing>
 </p:sld>
 </file>
 
@@ -9048,7 +9416,32 @@
               <a:rPr lang="en-US" dirty="0">
                 <a:latin typeface="+mn-lt"/>
               </a:rPr>
-              <a:t>Deep autoencoders, other NN-based embedding methods – Beyond the scope of this course   </a:t>
+              <a:t>Deep autoencoders, other NN-based embedding methods</a:t>
+            </a:r>
+          </a:p>
+          <a:p>
+            <a:pPr lvl="1"/>
+            <a:r>
+              <a:rPr lang="en-US" dirty="0">
+                <a:latin typeface="+mn-lt"/>
+              </a:rPr>
+              <a:t>Beyond the scope of this course   </a:t>
+            </a:r>
+          </a:p>
+          <a:p>
+            <a:pPr lvl="1"/>
+            <a:r>
+              <a:rPr lang="en-US" dirty="0">
+                <a:latin typeface="+mn-lt"/>
+              </a:rPr>
+              <a:t>For a well written tutorial on using VAEs as image generative models see </a:t>
+            </a:r>
+            <a:r>
+              <a:rPr lang="en-US" dirty="0">
+                <a:latin typeface="+mn-lt"/>
+                <a:hlinkClick r:id="rId3"/>
+              </a:rPr>
+              <a:t>this post by the amazing Lily Wang of NVIDIA, 2018</a:t>
             </a:r>
             <a:endParaRPr lang="en-US" dirty="0"/>
           </a:p>
@@ -9355,6 +9748,68 @@
                                   </p:childTnLst>
                                 </p:cTn>
                               </p:par>
+                              <p:par>
+                                <p:cTn id="25" presetID="1" presetClass="entr" presetSubtype="0" fill="hold" nodeType="withEffect">
+                                  <p:stCondLst>
+                                    <p:cond delay="0"/>
+                                  </p:stCondLst>
+                                  <p:childTnLst>
+                                    <p:set>
+                                      <p:cBhvr>
+                                        <p:cTn id="26" dur="1" fill="hold">
+                                          <p:stCondLst>
+                                            <p:cond delay="0"/>
+                                          </p:stCondLst>
+                                        </p:cTn>
+                                        <p:tgtEl>
+                                          <p:spTgt spid="3">
+                                            <p:txEl>
+                                              <p:pRg st="8" end="8"/>
+                                            </p:txEl>
+                                          </p:spTgt>
+                                        </p:tgtEl>
+                                        <p:attrNameLst>
+                                          <p:attrName>style.visibility</p:attrName>
+                                        </p:attrNameLst>
+                                      </p:cBhvr>
+                                      <p:to>
+                                        <p:strVal val="visible"/>
+                                      </p:to>
+                                    </p:set>
+                                  </p:childTnLst>
+                                </p:cTn>
+                              </p:par>
+                              <p:par>
+                                <p:cTn id="27" presetID="1" presetClass="entr" presetSubtype="0" fill="hold" nodeType="withEffect">
+                                  <p:stCondLst>
+                                    <p:cond delay="0"/>
+                                  </p:stCondLst>
+                                  <p:childTnLst>
+                                    <p:set>
+                                      <p:cBhvr>
+                                        <p:cTn id="28" dur="1" fill="hold">
+                                          <p:stCondLst>
+                                            <p:cond delay="0"/>
+                                          </p:stCondLst>
+                                        </p:cTn>
+                                        <p:tgtEl>
+                                          <p:spTgt spid="3">
+                                            <p:txEl>
+                                              <p:pRg st="9" end="9"/>
+                                            </p:txEl>
+                                          </p:spTgt>
+                                        </p:tgtEl>
+                                        <p:attrNameLst>
+                                          <p:attrName>style.visibility</p:attrName>
+                                        </p:attrNameLst>
+                                      </p:cBhvr>
+                                      <p:to>
+                                        <p:strVal val="visible"/>
+                                      </p:to>
+                                    </p:set>
+                                  </p:childTnLst>
+                                </p:cTn>
+                              </p:par>
                             </p:childTnLst>
                           </p:cTn>
                         </p:par>
@@ -9535,7 +9990,19 @@
               <a:rPr lang="en-US" dirty="0">
                 <a:latin typeface="+mn-lt"/>
               </a:rPr>
-              <a:t>Start with the original features of the model matrix in the sample space </a:t>
+              <a:t>Start with the original features of the model matrix in the </a:t>
+            </a:r>
+            <a:r>
+              <a:rPr lang="en-US" i="1" dirty="0">
+                <a:latin typeface="+mn-lt"/>
+              </a:rPr>
+              <a:t>p</a:t>
+            </a:r>
+            <a:r>
+              <a:rPr lang="en-US" dirty="0">
+                <a:latin typeface="+mn-lt"/>
+              </a:rPr>
+              <a:t>-dimensional sample space </a:t>
             </a:r>
           </a:p>
           <a:p>
@@ -9589,7 +10056,55 @@
               <a:rPr lang="en-US" dirty="0">
                 <a:latin typeface="+mn-lt"/>
               </a:rPr>
-              <a:t>Transform projects data into an orthogonal space  </a:t>
+              <a:t>Chose first </a:t>
+            </a:r>
+            <a:r>
+              <a:rPr lang="en-US" i="1" dirty="0">
+                <a:latin typeface="+mn-lt"/>
+              </a:rPr>
+              <a:t>l</a:t>
+            </a:r>
+            <a:r>
+              <a:rPr lang="en-US" dirty="0">
+                <a:latin typeface="+mn-lt"/>
+              </a:rPr>
+              <a:t> projection axes </a:t>
+            </a:r>
+          </a:p>
+          <a:p>
+            <a:pPr marL="514350" indent="-514350">
+              <a:buFont typeface="+mj-lt"/>
+              <a:buAutoNum type="arabicPeriod"/>
+            </a:pPr>
+            <a:r>
+              <a:rPr lang="en-US" dirty="0">
+                <a:latin typeface="+mn-lt"/>
+              </a:rPr>
+              <a:t>Transform projects data into an orthogonal space, </a:t>
+            </a:r>
+            <a:r>
+              <a:rPr lang="en-US" i="1" dirty="0">
+                <a:latin typeface="+mn-lt"/>
+              </a:rPr>
+              <a:t>l</a:t>
+            </a:r>
+            <a:r>
+              <a:rPr lang="en-US" dirty="0">
+                <a:latin typeface="+mn-lt"/>
+              </a:rPr>
+              <a:t> &lt; </a:t>
+            </a:r>
+            <a:r>
+              <a:rPr lang="en-US" i="1" dirty="0">
+                <a:latin typeface="+mn-lt"/>
+              </a:rPr>
+              <a:t>p</a:t>
+            </a:r>
+            <a:r>
+              <a:rPr lang="en-US" dirty="0">
+                <a:latin typeface="+mn-lt"/>
+              </a:rPr>
+              <a:t>  </a:t>
             </a:r>
           </a:p>
           <a:p>
@@ -9825,6 +10340,55 @@
                       </p:childTnLst>
                     </p:cTn>
                   </p:par>
+                  <p:par>
+                    <p:cTn id="19" fill="hold">
+                      <p:stCondLst>
+                        <p:cond delay="indefinite"/>
+                      </p:stCondLst>
+                      <p:childTnLst>
+                        <p:par>
+                          <p:cTn id="20" fill="hold">
+                            <p:stCondLst>
+                              <p:cond delay="0"/>
+                            </p:stCondLst>
+                            <p:childTnLst>
+                              <p:par>
+                                <p:cTn id="21" presetID="1" presetClass="entr" presetSubtype="0" fill="hold" nodeType="clickEffect">
+                                  <p:stCondLst>
+                                    <p:cond delay="0"/>
+                                  </p:stCondLst>
+                                  <p:childTnLst>
+                                    <p:set>
+                                      <p:cBhvr>
+                                        <p:cTn id="22" dur="1" fill="hold">
+                                          <p:stCondLst>
+                                            <p:cond delay="0"/>
+                                          </p:stCondLst>
+                                        </p:cTn>
+                                        <p:tgtEl>
+                                          <p:spTgt spid="3">
+                                            <p:txEl>
+                                              <p:pRg st="6" end="6"/>
+                                            </p:txEl>
+                                          </p:spTgt>
+                                        </p:tgtEl>
+                                        <p:attrNameLst>
+                                          <p:attrName>style.visibility</p:attrName>
+                                        </p:attrNameLst>
+                                      </p:cBhvr>
+                                      <p:to>
+                                        <p:strVal val="visible"/>
+                                      </p:to>
+                                    </p:set>
+                                  </p:childTnLst>
+                                </p:cTn>
+                              </p:par>
+                            </p:childTnLst>
+                          </p:cTn>
+                        </p:par>
+                      </p:childTnLst>
+                    </p:cTn>
+                  </p:par>
                 </p:childTnLst>
               </p:cTn>
               <p:prevCondLst>
@@ -9905,8 +10469,8 @@
           </a:p>
         </p:txBody>
       </p:sp>
-      <mc:AlternateContent xmlns:mc="http://schemas.openxmlformats.org/markup-compatibility/2006" xmlns:a14="http://schemas.microsoft.com/office/drawing/2010/main">
-        <mc:Choice Requires="a14">
+      <mc:AlternateContent xmlns:mc="http://schemas.openxmlformats.org/markup-compatibility/2006">
+        <mc:Choice xmlns:a14="http://schemas.microsoft.com/office/drawing/2010/main" Requires="a14">
           <p:sp>
             <p:nvSpPr>
               <p:cNvPr id="3" name="Content Placeholder 2">
@@ -10090,7 +10654,7 @@
                   <a:rPr lang="en-US" dirty="0">
                     <a:cs typeface="Segoe UI" panose="020B0502040204020203" pitchFamily="34" charset="0"/>
                   </a:rPr>
-                  <a:t>For all components the </a:t>
+                  <a:t>The </a:t>
                 </a:r>
                 <a:r>
                   <a:rPr lang="en-US" b="1" dirty="0">
@@ -10245,6 +10809,20 @@
                 </a:r>
               </a:p>
               <a:p>
+                <a:pPr lvl="1">
+                  <a:tabLst>
+                    <a:tab pos="7543800" algn="l"/>
+                  </a:tabLst>
+                </a:pPr>
+                <a:r>
+                  <a:rPr lang="en-US" b="1" dirty="0">
+                    <a:latin typeface="Cambria Math" panose="02040503050406030204" pitchFamily="18" charset="0"/>
+                    <a:cs typeface="Segoe UI" panose="020B0502040204020203" pitchFamily="34" charset="0"/>
+                  </a:rPr>
+                  <a:t>Transformation is from a Euclidean space another Euclidean space</a:t>
+                </a:r>
+              </a:p>
+              <a:p>
                 <a:pPr marL="0" indent="0">
                   <a:buNone/>
                   <a:tabLst>
@@ -10292,7 +10870,7 @@
             </p:txBody>
           </p:sp>
         </mc:Choice>
-        <mc:Fallback xmlns="">
+        <mc:Fallback>
           <p:sp>
             <p:nvSpPr>
               <p:cNvPr id="3" name="Content Placeholder 2">
@@ -10317,7 +10895,7 @@
               <a:blipFill>
                 <a:blip r:embed="rId2"/>
                 <a:stretch>
-                  <a:fillRect l="-1058" t="-1804" r="-1692"/>
+                  <a:fillRect l="-1058" t="-1804"/>
                 </a:stretch>
               </a:blipFill>
             </p:spPr>
@@ -10619,6 +11197,37 @@
                                   </p:childTnLst>
                                 </p:cTn>
                               </p:par>
+                              <p:par>
+                                <p:cTn id="23" presetID="1" presetClass="entr" presetSubtype="0" fill="hold" nodeType="withEffect">
+                                  <p:stCondLst>
+                                    <p:cond delay="0"/>
+                                  </p:stCondLst>
+                                  <p:childTnLst>
+                                    <p:set>
+                                      <p:cBhvr>
+                                        <p:cTn id="24" dur="1" fill="hold">
+                                          <p:stCondLst>
+                                            <p:cond delay="0"/>
+                                          </p:stCondLst>
+                                        </p:cTn>
+                                        <p:tgtEl>
+                                          <p:spTgt spid="3">
+                                            <p:txEl>
+                                              <p:pRg st="8" end="8"/>
+                                            </p:txEl>
+                                          </p:spTgt>
+                                        </p:tgtEl>
+                                        <p:attrNameLst>
+                                          <p:attrName>style.visibility</p:attrName>
+                                        </p:attrNameLst>
+                                      </p:cBhvr>
+                                      <p:to>
+                                        <p:strVal val="visible"/>
+                                      </p:to>
+                                    </p:set>
+                                  </p:childTnLst>
+                                </p:cTn>
+                              </p:par>
                             </p:childTnLst>
                           </p:cTn>
                         </p:par>
@@ -10696,8 +11305,8 @@
           </a:p>
         </p:txBody>
       </p:sp>
-      <mc:AlternateContent xmlns:mc="http://schemas.openxmlformats.org/markup-compatibility/2006" xmlns:a14="http://schemas.microsoft.com/office/drawing/2010/main">
-        <mc:Choice Requires="a14">
+      <mc:AlternateContent xmlns:mc="http://schemas.openxmlformats.org/markup-compatibility/2006">
+        <mc:Choice xmlns:a14="http://schemas.microsoft.com/office/drawing/2010/main" Requires="a14">
           <p:sp>
             <p:nvSpPr>
               <p:cNvPr id="3" name="Content Placeholder 2"/>
@@ -10798,14 +11407,11 @@
                   <a:rPr lang="en-US" b="1" dirty="0">
                     <a:latin typeface="+mn-lt"/>
                   </a:rPr>
-                  <a:t>Not an affine transformation </a:t>
+                  <a:t>Not an affine transformation</a:t>
                 </a:r>
-                <a:r>
-                  <a:rPr lang="en-US" dirty="0">
-                    <a:latin typeface="+mn-lt"/>
-                  </a:rPr>
-                  <a:t> </a:t>
-                </a:r>
+                <a:endParaRPr lang="en-US" dirty="0">
+                  <a:latin typeface="+mn-lt"/>
+                </a:endParaRPr>
               </a:p>
               <a:p>
                 <a:pPr marL="0" indent="0">
@@ -10879,7 +11485,7 @@
             </p:txBody>
           </p:sp>
         </mc:Choice>
-        <mc:Fallback xmlns="">
+        <mc:Fallback>
           <p:sp>
             <p:nvSpPr>
               <p:cNvPr id="3" name="Content Placeholder 2"/>
@@ -12499,8 +13105,8 @@
           </a:p>
         </p:txBody>
       </p:sp>
-      <mc:AlternateContent xmlns:mc="http://schemas.openxmlformats.org/markup-compatibility/2006" xmlns:a14="http://schemas.microsoft.com/office/drawing/2010/main">
-        <mc:Choice Requires="a14">
+      <mc:AlternateContent xmlns:mc="http://schemas.openxmlformats.org/markup-compatibility/2006">
+        <mc:Choice xmlns:a14="http://schemas.microsoft.com/office/drawing/2010/main" Requires="a14">
           <p:sp>
             <p:nvSpPr>
               <p:cNvPr id="3" name="Content Placeholder 2">
@@ -12667,12 +13273,9 @@
                     </m:r>
                   </m:oMath>
                 </a14:m>
-                <a:r>
-                  <a:rPr lang="en-US" dirty="0">
-                    <a:cs typeface="Segoe UI" panose="020B0502040204020203" pitchFamily="34" charset="0"/>
-                  </a:rPr>
-                  <a:t> </a:t>
-                </a:r>
+                <a:endParaRPr lang="en-US" dirty="0">
+                  <a:cs typeface="Segoe UI" panose="020B0502040204020203" pitchFamily="34" charset="0"/>
+                </a:endParaRPr>
               </a:p>
               <a:p>
                 <a:pPr lvl="1">
@@ -12737,7 +13340,7 @@
             </p:txBody>
           </p:sp>
         </mc:Choice>
-        <mc:Fallback xmlns="">
+        <mc:Fallback>
           <p:sp>
             <p:nvSpPr>
               <p:cNvPr id="3" name="Content Placeholder 2">
@@ -13101,8 +13704,8 @@
           </a:p>
         </p:txBody>
       </p:sp>
-      <mc:AlternateContent xmlns:mc="http://schemas.openxmlformats.org/markup-compatibility/2006" xmlns:a14="http://schemas.microsoft.com/office/drawing/2010/main">
-        <mc:Choice Requires="a14">
+      <mc:AlternateContent xmlns:mc="http://schemas.openxmlformats.org/markup-compatibility/2006">
+        <mc:Choice xmlns:a14="http://schemas.microsoft.com/office/drawing/2010/main" Requires="a14">
           <p:sp>
             <p:nvSpPr>
               <p:cNvPr id="3" name="Content Placeholder 2">
@@ -13566,46 +14169,46 @@
                   <a:rPr lang="en-US" dirty="0">
                     <a:cs typeface="Segoe UI" panose="020B0502040204020203" pitchFamily="34" charset="0"/>
                   </a:rPr>
-                  <a:t> is the projection of the first </a:t>
+                  <a:t> is the projection to an </a:t>
+                </a:r>
+                <a:r>
+                  <a:rPr lang="en-US" dirty="0" err="1">
+                    <a:cs typeface="Segoe UI" panose="020B0502040204020203" pitchFamily="34" charset="0"/>
+                  </a:rPr>
+                  <a:t>orthongonal</a:t>
+                </a:r>
+                <a:r>
+                  <a:rPr lang="en-US" dirty="0">
+                    <a:cs typeface="Segoe UI" panose="020B0502040204020203" pitchFamily="34" charset="0"/>
+                  </a:rPr>
+                  <a:t> </a:t>
+                </a:r>
+                <a:r>
+                  <a:rPr lang="en-US" dirty="0" err="1">
+                    <a:cs typeface="Segoe UI" panose="020B0502040204020203" pitchFamily="34" charset="0"/>
+                  </a:rPr>
+                  <a:t>Euclideian</a:t>
+                </a:r>
+                <a:r>
+                  <a:rPr lang="en-US" dirty="0">
+                    <a:cs typeface="Segoe UI" panose="020B0502040204020203" pitchFamily="34" charset="0"/>
+                  </a:rPr>
+                  <a:t> space with </a:t>
+                </a:r>
+                <a:r>
+                  <a:rPr lang="en-US" b="1" dirty="0">
+                    <a:cs typeface="Segoe UI" panose="020B0502040204020203" pitchFamily="34" charset="0"/>
+                  </a:rPr>
+                  <a:t>first </a:t>
                 </a:r>
                 <a14:m>
                   <m:oMath xmlns:m="http://schemas.openxmlformats.org/officeDocument/2006/math">
                     <m:r>
-                      <a:rPr lang="en-US" b="0" i="1" smtClean="0">
+                      <a:rPr lang="en-US" b="1" i="1" smtClean="0">
                         <a:latin typeface="Cambria Math" panose="02040503050406030204" pitchFamily="18" charset="0"/>
                         <a:cs typeface="Segoe UI" panose="020B0502040204020203" pitchFamily="34" charset="0"/>
                       </a:rPr>
-                      <m:t>𝑙</m:t>
-                    </m:r>
-                  </m:oMath>
-                </a14:m>
-                <a:r>
-                  <a:rPr lang="en-US" dirty="0">
-                    <a:cs typeface="Segoe UI" panose="020B0502040204020203" pitchFamily="34" charset="0"/>
-                  </a:rPr>
-                  <a:t> principle components</a:t>
-                </a:r>
-              </a:p>
-              <a:p>
-                <a:pPr>
-                  <a:tabLst>
-                    <a:tab pos="7543800" algn="l"/>
-                  </a:tabLst>
-                </a:pPr>
-                <a:r>
-                  <a:rPr lang="en-US" dirty="0">
-                    <a:cs typeface="Segoe UI" panose="020B0502040204020203" pitchFamily="34" charset="0"/>
-                  </a:rPr>
-                  <a:t>Projection has the </a:t>
-                </a:r>
-                <a14:m>
-                  <m:oMath xmlns:m="http://schemas.openxmlformats.org/officeDocument/2006/math">
-                    <m:r>
-                      <a:rPr lang="en-US" b="0" i="1" smtClean="0">
-                        <a:latin typeface="Cambria Math" panose="02040503050406030204" pitchFamily="18" charset="0"/>
-                        <a:cs typeface="Segoe UI" panose="020B0502040204020203" pitchFamily="34" charset="0"/>
-                      </a:rPr>
-                      <m:t>𝑙</m:t>
+                      <m:t>𝒍</m:t>
                     </m:r>
                   </m:oMath>
                 </a14:m>
@@ -13613,7 +14216,7 @@
                   <a:rPr lang="en-US" b="1" dirty="0">
                     <a:cs typeface="Segoe UI" panose="020B0502040204020203" pitchFamily="34" charset="0"/>
                   </a:rPr>
-                  <a:t> components which explain the most variance   </a:t>
+                  <a:t> principle components as axes</a:t>
                 </a:r>
               </a:p>
               <a:p>
@@ -13663,7 +14266,7 @@
             </p:txBody>
           </p:sp>
         </mc:Choice>
-        <mc:Fallback xmlns="">
+        <mc:Fallback>
           <p:sp>
             <p:nvSpPr>
               <p:cNvPr id="3" name="Content Placeholder 2">
@@ -13903,55 +14506,6 @@
                       </p:childTnLst>
                     </p:cTn>
                   </p:par>
-                  <p:par>
-                    <p:cTn id="17" fill="hold">
-                      <p:stCondLst>
-                        <p:cond delay="indefinite"/>
-                      </p:stCondLst>
-                      <p:childTnLst>
-                        <p:par>
-                          <p:cTn id="18" fill="hold">
-                            <p:stCondLst>
-                              <p:cond delay="0"/>
-                            </p:stCondLst>
-                            <p:childTnLst>
-                              <p:par>
-                                <p:cTn id="19" presetID="1" presetClass="entr" presetSubtype="0" fill="hold" nodeType="clickEffect">
-                                  <p:stCondLst>
-                                    <p:cond delay="0"/>
-                                  </p:stCondLst>
-                                  <p:childTnLst>
-                                    <p:set>
-                                      <p:cBhvr>
-                                        <p:cTn id="20" dur="1" fill="hold">
-                                          <p:stCondLst>
-                                            <p:cond delay="0"/>
-                                          </p:stCondLst>
-                                        </p:cTn>
-                                        <p:tgtEl>
-                                          <p:spTgt spid="3">
-                                            <p:txEl>
-                                              <p:pRg st="8" end="8"/>
-                                            </p:txEl>
-                                          </p:spTgt>
-                                        </p:tgtEl>
-                                        <p:attrNameLst>
-                                          <p:attrName>style.visibility</p:attrName>
-                                        </p:attrNameLst>
-                                      </p:cBhvr>
-                                      <p:to>
-                                        <p:strVal val="visible"/>
-                                      </p:to>
-                                    </p:set>
-                                  </p:childTnLst>
-                                </p:cTn>
-                              </p:par>
-                            </p:childTnLst>
-                          </p:cTn>
-                        </p:par>
-                      </p:childTnLst>
-                    </p:cTn>
-                  </p:par>
                 </p:childTnLst>
               </p:cTn>
               <p:prevCondLst>
@@ -14510,8 +15064,8 @@
           </a:p>
         </p:txBody>
       </p:sp>
-      <mc:AlternateContent xmlns:mc="http://schemas.openxmlformats.org/markup-compatibility/2006" xmlns:a14="http://schemas.microsoft.com/office/drawing/2010/main">
-        <mc:Choice Requires="a14">
+      <mc:AlternateContent xmlns:mc="http://schemas.openxmlformats.org/markup-compatibility/2006">
+        <mc:Choice xmlns:a14="http://schemas.microsoft.com/office/drawing/2010/main" Requires="a14">
           <p:sp>
             <p:nvSpPr>
               <p:cNvPr id="3" name="Content Placeholder 2"/>
@@ -14562,13 +15116,48 @@
                       <m:jc m:val="centerGroup"/>
                     </m:oMathParaPr>
                     <m:oMath xmlns:m="http://schemas.openxmlformats.org/officeDocument/2006/math">
-                      <m:r>
-                        <a:rPr lang="en-US" i="1">
-                          <a:latin typeface="Cambria Math" panose="02040503050406030204" pitchFamily="18" charset="0"/>
-                          <a:cs typeface="Segoe UI" panose="020B0502040204020203" pitchFamily="34" charset="0"/>
-                        </a:rPr>
-                        <m:t>𝑇</m:t>
-                      </m:r>
+                      <m:sSup>
+                        <m:sSupPr>
+                          <m:ctrlPr>
+                            <a:rPr lang="en-US" i="1" smtClean="0">
+                              <a:latin typeface="Cambria Math" panose="02040503050406030204" pitchFamily="18" charset="0"/>
+                              <a:cs typeface="Segoe UI" panose="020B0502040204020203" pitchFamily="34" charset="0"/>
+                            </a:rPr>
+                          </m:ctrlPr>
+                        </m:sSupPr>
+                        <m:e>
+                          <m:r>
+                            <a:rPr lang="en-US" b="0" i="1" smtClean="0">
+                              <a:latin typeface="Cambria Math" panose="02040503050406030204" pitchFamily="18" charset="0"/>
+                              <a:cs typeface="Segoe UI" panose="020B0502040204020203" pitchFamily="34" charset="0"/>
+                            </a:rPr>
+                            <m:t>𝑇</m:t>
+                          </m:r>
+                        </m:e>
+                        <m:sup>
+                          <m:r>
+                            <a:rPr lang="en-US" b="0" i="1" smtClean="0">
+                              <a:latin typeface="Cambria Math" panose="02040503050406030204" pitchFamily="18" charset="0"/>
+                              <a:cs typeface="Segoe UI" panose="020B0502040204020203" pitchFamily="34" charset="0"/>
+                            </a:rPr>
+                            <m:t>(</m:t>
+                          </m:r>
+                          <m:r>
+                            <a:rPr lang="en-US" b="0" i="1" smtClean="0">
+                              <a:latin typeface="Cambria Math" panose="02040503050406030204" pitchFamily="18" charset="0"/>
+                              <a:cs typeface="Segoe UI" panose="020B0502040204020203" pitchFamily="34" charset="0"/>
+                            </a:rPr>
+                            <m:t>𝑙</m:t>
+                          </m:r>
+                          <m:r>
+                            <a:rPr lang="en-US" b="0" i="1" smtClean="0">
+                              <a:latin typeface="Cambria Math" panose="02040503050406030204" pitchFamily="18" charset="0"/>
+                              <a:cs typeface="Segoe UI" panose="020B0502040204020203" pitchFamily="34" charset="0"/>
+                            </a:rPr>
+                            <m:t>)</m:t>
+                          </m:r>
+                        </m:sup>
+                      </m:sSup>
                       <m:r>
                         <a:rPr lang="en-US" i="1">
                           <a:latin typeface="Cambria Math" panose="02040503050406030204" pitchFamily="18" charset="0"/>
@@ -14581,8 +15170,50 @@
                           <a:latin typeface="Cambria Math" panose="02040503050406030204" pitchFamily="18" charset="0"/>
                           <a:cs typeface="Segoe UI" panose="020B0502040204020203" pitchFamily="34" charset="0"/>
                         </a:rPr>
-                        <m:t>𝑋𝑊</m:t>
+                        <m:t>𝑋</m:t>
                       </m:r>
+                      <m:sSup>
+                        <m:sSupPr>
+                          <m:ctrlPr>
+                            <a:rPr lang="en-US" i="1" smtClean="0">
+                              <a:latin typeface="Cambria Math" panose="02040503050406030204" pitchFamily="18" charset="0"/>
+                              <a:cs typeface="Segoe UI" panose="020B0502040204020203" pitchFamily="34" charset="0"/>
+                            </a:rPr>
+                          </m:ctrlPr>
+                        </m:sSupPr>
+                        <m:e>
+                          <m:r>
+                            <a:rPr lang="en-US" b="0" i="1" smtClean="0">
+                              <a:latin typeface="Cambria Math" panose="02040503050406030204" pitchFamily="18" charset="0"/>
+                              <a:cs typeface="Segoe UI" panose="020B0502040204020203" pitchFamily="34" charset="0"/>
+                            </a:rPr>
+                            <m:t>𝑊</m:t>
+                          </m:r>
+                        </m:e>
+                        <m:sup>
+                          <m:r>
+                            <a:rPr lang="en-US" b="0" i="1" smtClean="0">
+                              <a:latin typeface="Cambria Math" panose="02040503050406030204" pitchFamily="18" charset="0"/>
+                              <a:cs typeface="Segoe UI" panose="020B0502040204020203" pitchFamily="34" charset="0"/>
+                            </a:rPr>
+                            <m:t>(</m:t>
+                          </m:r>
+                          <m:r>
+                            <a:rPr lang="en-US" b="0" i="1" smtClean="0">
+                              <a:latin typeface="Cambria Math" panose="02040503050406030204" pitchFamily="18" charset="0"/>
+                              <a:cs typeface="Segoe UI" panose="020B0502040204020203" pitchFamily="34" charset="0"/>
+                            </a:rPr>
+                            <m:t>𝑙</m:t>
+                          </m:r>
+                          <m:r>
+                            <a:rPr lang="en-US" b="0" i="1" smtClean="0">
+                              <a:latin typeface="Cambria Math" panose="02040503050406030204" pitchFamily="18" charset="0"/>
+                              <a:cs typeface="Segoe UI" panose="020B0502040204020203" pitchFamily="34" charset="0"/>
+                            </a:rPr>
+                            <m:t>)</m:t>
+                          </m:r>
+                        </m:sup>
+                      </m:sSup>
                       <m:r>
                         <a:rPr lang="en-US" b="0" i="1" smtClean="0">
                           <a:latin typeface="Cambria Math" panose="02040503050406030204" pitchFamily="18" charset="0"/>
@@ -14666,15 +15297,50 @@
                           <a:latin typeface="Cambria Math" panose="02040503050406030204" pitchFamily="18" charset="0"/>
                           <a:cs typeface="Segoe UI" panose="020B0502040204020203" pitchFamily="34" charset="0"/>
                         </a:rPr>
-                        <m:t> </m:t>
+                        <m:t>,</m:t>
                       </m:r>
-                      <m:r>
-                        <a:rPr lang="en-US" b="0" i="1" smtClean="0">
-                          <a:latin typeface="Cambria Math" panose="02040503050406030204" pitchFamily="18" charset="0"/>
-                          <a:cs typeface="Segoe UI" panose="020B0502040204020203" pitchFamily="34" charset="0"/>
-                        </a:rPr>
-                        <m:t>𝑇</m:t>
-                      </m:r>
+                      <m:sSup>
+                        <m:sSupPr>
+                          <m:ctrlPr>
+                            <a:rPr lang="en-US" i="1">
+                              <a:latin typeface="Cambria Math" panose="02040503050406030204" pitchFamily="18" charset="0"/>
+                              <a:cs typeface="Segoe UI" panose="020B0502040204020203" pitchFamily="34" charset="0"/>
+                            </a:rPr>
+                          </m:ctrlPr>
+                        </m:sSupPr>
+                        <m:e>
+                          <m:r>
+                            <a:rPr lang="en-US" i="1">
+                              <a:latin typeface="Cambria Math" panose="02040503050406030204" pitchFamily="18" charset="0"/>
+                              <a:cs typeface="Segoe UI" panose="020B0502040204020203" pitchFamily="34" charset="0"/>
+                            </a:rPr>
+                            <m:t>𝑇</m:t>
+                          </m:r>
+                        </m:e>
+                        <m:sup>
+                          <m:r>
+                            <a:rPr lang="en-US" b="0" i="1" smtClean="0">
+                              <a:latin typeface="Cambria Math" panose="02040503050406030204" pitchFamily="18" charset="0"/>
+                              <a:cs typeface="Segoe UI" panose="020B0502040204020203" pitchFamily="34" charset="0"/>
+                            </a:rPr>
+                            <m:t>(</m:t>
+                          </m:r>
+                          <m:r>
+                            <a:rPr lang="en-US" i="1">
+                              <a:latin typeface="Cambria Math" panose="02040503050406030204" pitchFamily="18" charset="0"/>
+                              <a:cs typeface="Segoe UI" panose="020B0502040204020203" pitchFamily="34" charset="0"/>
+                            </a:rPr>
+                            <m:t>𝑙</m:t>
+                          </m:r>
+                          <m:r>
+                            <a:rPr lang="en-US" b="0" i="1" smtClean="0">
+                              <a:latin typeface="Cambria Math" panose="02040503050406030204" pitchFamily="18" charset="0"/>
+                              <a:cs typeface="Segoe UI" panose="020B0502040204020203" pitchFamily="34" charset="0"/>
+                            </a:rPr>
+                            <m:t>)</m:t>
+                          </m:r>
+                        </m:sup>
+                      </m:sSup>
                       <m:r>
                         <a:rPr lang="en-US" b="0" i="1" smtClean="0">
                           <a:latin typeface="Cambria Math" panose="02040503050406030204" pitchFamily="18" charset="0"/>
@@ -14722,7 +15388,23 @@
                               <a:ea typeface="Cambria Math" panose="02040503050406030204" pitchFamily="18" charset="0"/>
                               <a:cs typeface="Segoe UI" panose="020B0502040204020203" pitchFamily="34" charset="0"/>
                             </a:rPr>
+                            <m:t>(</m:t>
+                          </m:r>
+                          <m:r>
+                            <a:rPr lang="en-US" b="0" i="1" smtClean="0">
+                              <a:latin typeface="Cambria Math" panose="02040503050406030204" pitchFamily="18" charset="0"/>
+                              <a:ea typeface="Cambria Math" panose="02040503050406030204" pitchFamily="18" charset="0"/>
+                              <a:cs typeface="Segoe UI" panose="020B0502040204020203" pitchFamily="34" charset="0"/>
+                            </a:rPr>
                             <m:t>𝑙</m:t>
+                          </m:r>
+                          <m:r>
+                            <a:rPr lang="en-US" b="0" i="1" smtClean="0">
+                              <a:latin typeface="Cambria Math" panose="02040503050406030204" pitchFamily="18" charset="0"/>
+                              <a:ea typeface="Cambria Math" panose="02040503050406030204" pitchFamily="18" charset="0"/>
+                              <a:cs typeface="Segoe UI" panose="020B0502040204020203" pitchFamily="34" charset="0"/>
+                            </a:rPr>
+                            <m:t>)</m:t>
                           </m:r>
                         </m:sup>
                       </m:sSup>
@@ -14752,7 +15434,7 @@
                           <a:latin typeface="Cambria Math" panose="02040503050406030204" pitchFamily="18" charset="0"/>
                           <a:cs typeface="Segoe UI" panose="020B0502040204020203" pitchFamily="34" charset="0"/>
                         </a:rPr>
-                        <m:t>𝑞</m:t>
+                        <m:t>𝑙</m:t>
                       </m:r>
                       <m:r>
                         <a:rPr lang="en-US" b="0" i="1" smtClean="0">
@@ -14780,7 +15462,7 @@
                   <a:rPr lang="en-US" b="1" dirty="0">
                     <a:latin typeface="+mn-lt"/>
                   </a:rPr>
-                  <a:t>dependency between variables is linear and constant   </a:t>
+                  <a:t>dependency between variables is linear</a:t>
                 </a:r>
               </a:p>
               <a:p>
@@ -14838,7 +15520,7 @@
                   <a:rPr lang="en-US" b="1" dirty="0">
                     <a:latin typeface="+mn-lt"/>
                   </a:rPr>
-                  <a:t>approximately preserves distances</a:t>
+                  <a:t>approximately preserves Euclidian distances</a:t>
                 </a:r>
               </a:p>
               <a:p>
@@ -14888,7 +15570,7 @@
             </p:txBody>
           </p:sp>
         </mc:Choice>
-        <mc:Fallback xmlns="">
+        <mc:Fallback>
           <p:sp>
             <p:nvSpPr>
               <p:cNvPr id="3" name="Content Placeholder 2"/>
@@ -14907,7 +15589,7 @@
               <a:blipFill>
                 <a:blip r:embed="rId3"/>
                 <a:stretch>
-                  <a:fillRect l="-1111" t="-1883" b="-1772"/>
+                  <a:fillRect l="-1111" t="-1883" b="-1883"/>
                 </a:stretch>
               </a:blipFill>
             </p:spPr>
@@ -16065,12 +16747,12 @@
         <p:spPr>
           <a:xfrm>
             <a:off x="333375" y="1004776"/>
-            <a:ext cx="10766425" cy="530954"/>
+            <a:ext cx="11626396" cy="530954"/>
           </a:xfrm>
         </p:spPr>
         <p:txBody>
           <a:bodyPr>
-            <a:normAutofit/>
+            <a:normAutofit fontScale="92500"/>
           </a:bodyPr>
           <a:lstStyle/>
           <a:p>
@@ -16081,7 +16763,7 @@
               <a:rPr lang="en-US" dirty="0">
                 <a:latin typeface="+mn-lt"/>
               </a:rPr>
-              <a:t>Example, Iris dataset</a:t>
+              <a:t>Example, first 2 principle components explain about 95% of variance for Iris dataset</a:t>
             </a:r>
           </a:p>
         </p:txBody>
@@ -16686,8 +17368,8 @@
           </a:p>
         </p:txBody>
       </p:sp>
-      <mc:AlternateContent xmlns:mc="http://schemas.openxmlformats.org/markup-compatibility/2006" xmlns:a14="http://schemas.microsoft.com/office/drawing/2010/main">
-        <mc:Choice Requires="a14">
+      <mc:AlternateContent xmlns:mc="http://schemas.openxmlformats.org/markup-compatibility/2006">
+        <mc:Choice xmlns:a14="http://schemas.microsoft.com/office/drawing/2010/main" Requires="a14">
           <p:sp>
             <p:nvSpPr>
               <p:cNvPr id="3" name="Content Placeholder 2">
@@ -16712,7 +17394,7 @@
             </p:spPr>
             <p:txBody>
               <a:bodyPr>
-                <a:normAutofit/>
+                <a:normAutofit lnSpcReduction="10000"/>
               </a:bodyPr>
               <a:lstStyle/>
               <a:p>
@@ -16964,7 +17646,6 @@
                 </a:r>
               </a:p>
               <a:p>
-                <a:pPr lvl="1"/>
                 <a:r>
                   <a:rPr lang="en-US" dirty="0">
                     <a:cs typeface="Segoe UI" panose="020B0502040204020203" pitchFamily="34" charset="0"/>
@@ -17101,7 +17782,7 @@
                           <a:latin typeface="Cambria Math" panose="02040503050406030204" pitchFamily="18" charset="0"/>
                           <a:cs typeface="Segoe UI" panose="020B0502040204020203" pitchFamily="34" charset="0"/>
                         </a:rPr>
-                        <m:t>𝑉</m:t>
+                        <m:t>𝑈</m:t>
                       </m:r>
                       <m:r>
                         <a:rPr lang="en-US" sz="2800" b="0" i="1" smtClean="0">
@@ -17292,7 +17973,7 @@
                           <a:latin typeface="Cambria Math" panose="02040503050406030204" pitchFamily="18" charset="0"/>
                           <a:cs typeface="Segoe UI" panose="020B0502040204020203" pitchFamily="34" charset="0"/>
                         </a:rPr>
-                        <m:t>𝑊</m:t>
+                        <m:t>𝑉</m:t>
                       </m:r>
                       <m:r>
                         <a:rPr lang="en-US" sz="2800" b="0" i="1" smtClean="0">
@@ -17367,7 +18048,7 @@
             </p:txBody>
           </p:sp>
         </mc:Choice>
-        <mc:Fallback xmlns="">
+        <mc:Fallback>
           <p:sp>
             <p:nvSpPr>
               <p:cNvPr id="3" name="Content Placeholder 2">
@@ -17392,7 +18073,7 @@
               <a:blipFill>
                 <a:blip r:embed="rId2"/>
                 <a:stretch>
-                  <a:fillRect l="-1058" t="-1917" b="-451"/>
+                  <a:fillRect l="-1058" t="-2593"/>
                 </a:stretch>
               </a:blipFill>
             </p:spPr>
@@ -17503,15 +18184,33 @@
                                   </p:childTnLst>
                                 </p:cTn>
                               </p:par>
+                            </p:childTnLst>
+                          </p:cTn>
+                        </p:par>
+                      </p:childTnLst>
+                    </p:cTn>
+                  </p:par>
+                  <p:par>
+                    <p:cTn id="9" fill="hold">
+                      <p:stCondLst>
+                        <p:cond delay="indefinite"/>
+                      </p:stCondLst>
+                      <p:childTnLst>
+                        <p:par>
+                          <p:cTn id="10" fill="hold">
+                            <p:stCondLst>
+                              <p:cond delay="0"/>
+                            </p:stCondLst>
+                            <p:childTnLst>
                               <p:par>
-                                <p:cTn id="9" presetID="1" presetClass="entr" presetSubtype="0" fill="hold" nodeType="withEffect">
+                                <p:cTn id="11" presetID="1" presetClass="entr" presetSubtype="0" fill="hold" nodeType="clickEffect">
                                   <p:stCondLst>
                                     <p:cond delay="0"/>
                                   </p:stCondLst>
                                   <p:childTnLst>
                                     <p:set>
                                       <p:cBhvr>
-                                        <p:cTn id="10" dur="1" fill="hold">
+                                        <p:cTn id="12" dur="1" fill="hold">
                                           <p:stCondLst>
                                             <p:cond delay="0"/>
                                           </p:stCondLst>
@@ -17541,50 +18240,19 @@
                     </p:cTn>
                   </p:par>
                   <p:par>
-                    <p:cTn id="11" fill="hold">
+                    <p:cTn id="13" fill="hold">
                       <p:stCondLst>
                         <p:cond delay="indefinite"/>
                       </p:stCondLst>
                       <p:childTnLst>
                         <p:par>
-                          <p:cTn id="12" fill="hold">
+                          <p:cTn id="14" fill="hold">
                             <p:stCondLst>
                               <p:cond delay="0"/>
                             </p:stCondLst>
                             <p:childTnLst>
                               <p:par>
-                                <p:cTn id="13" presetID="1" presetClass="entr" presetSubtype="0" fill="hold" nodeType="clickEffect">
-                                  <p:stCondLst>
-                                    <p:cond delay="0"/>
-                                  </p:stCondLst>
-                                  <p:childTnLst>
-                                    <p:set>
-                                      <p:cBhvr>
-                                        <p:cTn id="14" dur="1" fill="hold">
-                                          <p:stCondLst>
-                                            <p:cond delay="0"/>
-                                          </p:stCondLst>
-                                        </p:cTn>
-                                        <p:tgtEl>
-                                          <p:spTgt spid="3">
-                                            <p:txEl>
-                                              <p:pRg st="4" end="4"/>
-                                            </p:txEl>
-                                          </p:spTgt>
-                                        </p:tgtEl>
-                                        <p:attrNameLst>
-                                          <p:attrName>style.visibility</p:attrName>
-                                        </p:attrNameLst>
-                                      </p:cBhvr>
-                                      <p:to>
-                                        <p:strVal val="visible"/>
-                                      </p:to>
-                                    </p:set>
-                                  </p:childTnLst>
-                                </p:cTn>
-                              </p:par>
-                              <p:par>
-                                <p:cTn id="15" presetID="1" presetClass="entr" presetSubtype="0" fill="hold" nodeType="withEffect">
+                                <p:cTn id="15" presetID="1" presetClass="entr" presetSubtype="0" fill="hold" nodeType="clickEffect">
                                   <p:stCondLst>
                                     <p:cond delay="0"/>
                                   </p:stCondLst>
@@ -17599,7 +18267,7 @@
                                         <p:tgtEl>
                                           <p:spTgt spid="3">
                                             <p:txEl>
-                                              <p:pRg st="5" end="5"/>
+                                              <p:pRg st="4" end="4"/>
                                             </p:txEl>
                                           </p:spTgt>
                                         </p:tgtEl>
@@ -17630,7 +18298,7 @@
                                         <p:tgtEl>
                                           <p:spTgt spid="3">
                                             <p:txEl>
-                                              <p:pRg st="6" end="6"/>
+                                              <p:pRg st="5" end="5"/>
                                             </p:txEl>
                                           </p:spTgt>
                                         </p:tgtEl>
@@ -17661,7 +18329,7 @@
                                         <p:tgtEl>
                                           <p:spTgt spid="3">
                                             <p:txEl>
-                                              <p:pRg st="7" end="7"/>
+                                              <p:pRg st="6" end="6"/>
                                             </p:txEl>
                                           </p:spTgt>
                                         </p:tgtEl>
@@ -17692,7 +18360,7 @@
                                         <p:tgtEl>
                                           <p:spTgt spid="3">
                                             <p:txEl>
-                                              <p:pRg st="8" end="8"/>
+                                              <p:pRg st="7" end="7"/>
                                             </p:txEl>
                                           </p:spTgt>
                                         </p:tgtEl>
@@ -17716,6 +18384,37 @@
                                     <p:set>
                                       <p:cBhvr>
                                         <p:cTn id="24" dur="1" fill="hold">
+                                          <p:stCondLst>
+                                            <p:cond delay="0"/>
+                                          </p:stCondLst>
+                                        </p:cTn>
+                                        <p:tgtEl>
+                                          <p:spTgt spid="3">
+                                            <p:txEl>
+                                              <p:pRg st="8" end="8"/>
+                                            </p:txEl>
+                                          </p:spTgt>
+                                        </p:tgtEl>
+                                        <p:attrNameLst>
+                                          <p:attrName>style.visibility</p:attrName>
+                                        </p:attrNameLst>
+                                      </p:cBhvr>
+                                      <p:to>
+                                        <p:strVal val="visible"/>
+                                      </p:to>
+                                    </p:set>
+                                  </p:childTnLst>
+                                </p:cTn>
+                              </p:par>
+                              <p:par>
+                                <p:cTn id="25" presetID="1" presetClass="entr" presetSubtype="0" fill="hold" nodeType="withEffect">
+                                  <p:stCondLst>
+                                    <p:cond delay="0"/>
+                                  </p:stCondLst>
+                                  <p:childTnLst>
+                                    <p:set>
+                                      <p:cBhvr>
+                                        <p:cTn id="26" dur="1" fill="hold">
                                           <p:stCondLst>
                                             <p:cond delay="0"/>
                                           </p:stCondLst>
@@ -17858,7 +18557,7 @@
               <a:rPr lang="en-US" dirty="0">
                 <a:latin typeface="+mn-lt"/>
               </a:rPr>
-              <a:t>Consider sampling required to maintain the same uniformly distributed density in a hypercube: </a:t>
+              <a:t>Consider sampling required to maintain the same uniformly distributed sampling density in a hypercube: </a:t>
             </a:r>
           </a:p>
           <a:p>
@@ -18444,8 +19143,8 @@
           </a:p>
         </p:txBody>
       </p:sp>
-      <mc:AlternateContent xmlns:mc="http://schemas.openxmlformats.org/markup-compatibility/2006" xmlns:a14="http://schemas.microsoft.com/office/drawing/2010/main">
-        <mc:Choice Requires="a14">
+      <mc:AlternateContent xmlns:mc="http://schemas.openxmlformats.org/markup-compatibility/2006">
+        <mc:Choice xmlns:a14="http://schemas.microsoft.com/office/drawing/2010/main" Requires="a14">
           <p:sp>
             <p:nvSpPr>
               <p:cNvPr id="3" name="Content Placeholder 2">
@@ -18572,12 +19271,12 @@
                         </m:sSupPr>
                         <m:e>
                           <m:r>
-                            <a:rPr lang="en-US" i="1">
+                            <a:rPr lang="en-US" b="0" i="1" smtClean="0">
                               <a:latin typeface="Cambria Math" panose="02040503050406030204" pitchFamily="18" charset="0"/>
                               <a:ea typeface="Cambria Math" panose="02040503050406030204" pitchFamily="18" charset="0"/>
                               <a:cs typeface="Segoe UI" panose="020B0502040204020203" pitchFamily="34" charset="0"/>
                             </a:rPr>
-                            <m:t>𝑊</m:t>
+                            <m:t>𝑉</m:t>
                           </m:r>
                         </m:e>
                         <m:sup>
@@ -18796,7 +19495,7 @@
                     <a:latin typeface="+mn-lt"/>
                     <a:cs typeface="Segoe UI" panose="020B0502040204020203" pitchFamily="34" charset="0"/>
                   </a:rPr>
-                  <a:t> or</a:t>
+                  <a:t> or </a:t>
                 </a:r>
                 <a14:m>
                   <m:oMath xmlns:m="http://schemas.openxmlformats.org/officeDocument/2006/math">
@@ -19259,7 +19958,7 @@
             </p:txBody>
           </p:sp>
         </mc:Choice>
-        <mc:Fallback xmlns="">
+        <mc:Fallback>
           <p:sp>
             <p:nvSpPr>
               <p:cNvPr id="3" name="Content Placeholder 2">
@@ -19313,6 +20012,227 @@
   <p:clrMapOvr>
     <a:masterClrMapping/>
   </p:clrMapOvr>
+  <p:timing>
+    <p:tnLst>
+      <p:par>
+        <p:cTn id="1" dur="indefinite" restart="never" nodeType="tmRoot">
+          <p:childTnLst>
+            <p:seq concurrent="1" nextAc="seek">
+              <p:cTn id="2" dur="indefinite" nodeType="mainSeq">
+                <p:childTnLst>
+                  <p:par>
+                    <p:cTn id="3" fill="hold">
+                      <p:stCondLst>
+                        <p:cond delay="indefinite"/>
+                      </p:stCondLst>
+                      <p:childTnLst>
+                        <p:par>
+                          <p:cTn id="4" fill="hold">
+                            <p:stCondLst>
+                              <p:cond delay="0"/>
+                            </p:stCondLst>
+                            <p:childTnLst>
+                              <p:par>
+                                <p:cTn id="5" presetID="1" presetClass="entr" presetSubtype="0" fill="hold" nodeType="clickEffect">
+                                  <p:stCondLst>
+                                    <p:cond delay="0"/>
+                                  </p:stCondLst>
+                                  <p:childTnLst>
+                                    <p:set>
+                                      <p:cBhvr>
+                                        <p:cTn id="6" dur="1" fill="hold">
+                                          <p:stCondLst>
+                                            <p:cond delay="0"/>
+                                          </p:stCondLst>
+                                        </p:cTn>
+                                        <p:tgtEl>
+                                          <p:spTgt spid="3">
+                                            <p:txEl>
+                                              <p:pRg st="1" end="1"/>
+                                            </p:txEl>
+                                          </p:spTgt>
+                                        </p:tgtEl>
+                                        <p:attrNameLst>
+                                          <p:attrName>style.visibility</p:attrName>
+                                        </p:attrNameLst>
+                                      </p:cBhvr>
+                                      <p:to>
+                                        <p:strVal val="visible"/>
+                                      </p:to>
+                                    </p:set>
+                                  </p:childTnLst>
+                                </p:cTn>
+                              </p:par>
+                              <p:par>
+                                <p:cTn id="7" presetID="1" presetClass="entr" presetSubtype="0" fill="hold" nodeType="withEffect">
+                                  <p:stCondLst>
+                                    <p:cond delay="0"/>
+                                  </p:stCondLst>
+                                  <p:childTnLst>
+                                    <p:set>
+                                      <p:cBhvr>
+                                        <p:cTn id="8" dur="1" fill="hold">
+                                          <p:stCondLst>
+                                            <p:cond delay="0"/>
+                                          </p:stCondLst>
+                                        </p:cTn>
+                                        <p:tgtEl>
+                                          <p:spTgt spid="3">
+                                            <p:txEl>
+                                              <p:pRg st="3" end="3"/>
+                                            </p:txEl>
+                                          </p:spTgt>
+                                        </p:tgtEl>
+                                        <p:attrNameLst>
+                                          <p:attrName>style.visibility</p:attrName>
+                                        </p:attrNameLst>
+                                      </p:cBhvr>
+                                      <p:to>
+                                        <p:strVal val="visible"/>
+                                      </p:to>
+                                    </p:set>
+                                  </p:childTnLst>
+                                </p:cTn>
+                              </p:par>
+                            </p:childTnLst>
+                          </p:cTn>
+                        </p:par>
+                      </p:childTnLst>
+                    </p:cTn>
+                  </p:par>
+                  <p:par>
+                    <p:cTn id="9" fill="hold">
+                      <p:stCondLst>
+                        <p:cond delay="indefinite"/>
+                      </p:stCondLst>
+                      <p:childTnLst>
+                        <p:par>
+                          <p:cTn id="10" fill="hold">
+                            <p:stCondLst>
+                              <p:cond delay="0"/>
+                            </p:stCondLst>
+                            <p:childTnLst>
+                              <p:par>
+                                <p:cTn id="11" presetID="1" presetClass="entr" presetSubtype="0" fill="hold" nodeType="clickEffect">
+                                  <p:stCondLst>
+                                    <p:cond delay="0"/>
+                                  </p:stCondLst>
+                                  <p:childTnLst>
+                                    <p:set>
+                                      <p:cBhvr>
+                                        <p:cTn id="12" dur="1" fill="hold">
+                                          <p:stCondLst>
+                                            <p:cond delay="0"/>
+                                          </p:stCondLst>
+                                        </p:cTn>
+                                        <p:tgtEl>
+                                          <p:spTgt spid="3">
+                                            <p:txEl>
+                                              <p:pRg st="4" end="4"/>
+                                            </p:txEl>
+                                          </p:spTgt>
+                                        </p:tgtEl>
+                                        <p:attrNameLst>
+                                          <p:attrName>style.visibility</p:attrName>
+                                        </p:attrNameLst>
+                                      </p:cBhvr>
+                                      <p:to>
+                                        <p:strVal val="visible"/>
+                                      </p:to>
+                                    </p:set>
+                                  </p:childTnLst>
+                                </p:cTn>
+                              </p:par>
+                              <p:par>
+                                <p:cTn id="13" presetID="1" presetClass="entr" presetSubtype="0" fill="hold" nodeType="withEffect">
+                                  <p:stCondLst>
+                                    <p:cond delay="0"/>
+                                  </p:stCondLst>
+                                  <p:childTnLst>
+                                    <p:set>
+                                      <p:cBhvr>
+                                        <p:cTn id="14" dur="1" fill="hold">
+                                          <p:stCondLst>
+                                            <p:cond delay="0"/>
+                                          </p:stCondLst>
+                                        </p:cTn>
+                                        <p:tgtEl>
+                                          <p:spTgt spid="3">
+                                            <p:txEl>
+                                              <p:pRg st="5" end="5"/>
+                                            </p:txEl>
+                                          </p:spTgt>
+                                        </p:tgtEl>
+                                        <p:attrNameLst>
+                                          <p:attrName>style.visibility</p:attrName>
+                                        </p:attrNameLst>
+                                      </p:cBhvr>
+                                      <p:to>
+                                        <p:strVal val="visible"/>
+                                      </p:to>
+                                    </p:set>
+                                  </p:childTnLst>
+                                </p:cTn>
+                              </p:par>
+                              <p:par>
+                                <p:cTn id="15" presetID="1" presetClass="entr" presetSubtype="0" fill="hold" nodeType="withEffect">
+                                  <p:stCondLst>
+                                    <p:cond delay="0"/>
+                                  </p:stCondLst>
+                                  <p:childTnLst>
+                                    <p:set>
+                                      <p:cBhvr>
+                                        <p:cTn id="16" dur="1" fill="hold">
+                                          <p:stCondLst>
+                                            <p:cond delay="0"/>
+                                          </p:stCondLst>
+                                        </p:cTn>
+                                        <p:tgtEl>
+                                          <p:spTgt spid="3">
+                                            <p:txEl>
+                                              <p:pRg st="6" end="6"/>
+                                            </p:txEl>
+                                          </p:spTgt>
+                                        </p:tgtEl>
+                                        <p:attrNameLst>
+                                          <p:attrName>style.visibility</p:attrName>
+                                        </p:attrNameLst>
+                                      </p:cBhvr>
+                                      <p:to>
+                                        <p:strVal val="visible"/>
+                                      </p:to>
+                                    </p:set>
+                                  </p:childTnLst>
+                                </p:cTn>
+                              </p:par>
+                            </p:childTnLst>
+                          </p:cTn>
+                        </p:par>
+                      </p:childTnLst>
+                    </p:cTn>
+                  </p:par>
+                </p:childTnLst>
+              </p:cTn>
+              <p:prevCondLst>
+                <p:cond evt="onPrev" delay="0">
+                  <p:tgtEl>
+                    <p:sldTgt/>
+                  </p:tgtEl>
+                </p:cond>
+              </p:prevCondLst>
+              <p:nextCondLst>
+                <p:cond evt="onNext" delay="0">
+                  <p:tgtEl>
+                    <p:sldTgt/>
+                  </p:tgtEl>
+                </p:cond>
+              </p:nextCondLst>
+            </p:seq>
+          </p:childTnLst>
+        </p:cTn>
+      </p:par>
+    </p:tnLst>
+  </p:timing>
 </p:sld>
 </file>
 
@@ -26861,33 +27781,15 @@
                                   </p:childTnLst>
                                 </p:cTn>
                               </p:par>
-                            </p:childTnLst>
-                          </p:cTn>
-                        </p:par>
-                      </p:childTnLst>
-                    </p:cTn>
-                  </p:par>
-                  <p:par>
-                    <p:cTn id="57" fill="hold">
-                      <p:stCondLst>
-                        <p:cond delay="indefinite"/>
-                      </p:stCondLst>
-                      <p:childTnLst>
-                        <p:par>
-                          <p:cTn id="58" fill="hold">
-                            <p:stCondLst>
-                              <p:cond delay="0"/>
-                            </p:stCondLst>
-                            <p:childTnLst>
                               <p:par>
-                                <p:cTn id="59" presetID="1" presetClass="entr" presetSubtype="0" fill="hold" grpId="0" nodeType="clickEffect">
+                                <p:cTn id="57" presetID="1" presetClass="entr" presetSubtype="0" fill="hold" grpId="0" nodeType="withEffect">
                                   <p:stCondLst>
                                     <p:cond delay="0"/>
                                   </p:stCondLst>
                                   <p:childTnLst>
                                     <p:set>
                                       <p:cBhvr>
-                                        <p:cTn id="60" dur="1" fill="hold">
+                                        <p:cTn id="58" dur="1" fill="hold">
                                           <p:stCondLst>
                                             <p:cond delay="0"/>
                                           </p:stCondLst>
@@ -26907,14 +27809,14 @@
                                 </p:cTn>
                               </p:par>
                               <p:par>
-                                <p:cTn id="61" presetID="1" presetClass="entr" presetSubtype="0" fill="hold" nodeType="withEffect">
+                                <p:cTn id="59" presetID="1" presetClass="entr" presetSubtype="0" fill="hold" nodeType="withEffect">
                                   <p:stCondLst>
                                     <p:cond delay="0"/>
                                   </p:stCondLst>
                                   <p:childTnLst>
                                     <p:set>
                                       <p:cBhvr>
-                                        <p:cTn id="62" dur="1" fill="hold">
+                                        <p:cTn id="60" dur="1" fill="hold">
                                           <p:stCondLst>
                                             <p:cond delay="0"/>
                                           </p:stCondLst>
@@ -28303,8 +29205,8 @@
           </a:p>
         </p:txBody>
       </p:sp>
-      <mc:AlternateContent xmlns:mc="http://schemas.openxmlformats.org/markup-compatibility/2006" xmlns:a14="http://schemas.microsoft.com/office/drawing/2010/main">
-        <mc:Choice Requires="a14">
+      <mc:AlternateContent xmlns:mc="http://schemas.openxmlformats.org/markup-compatibility/2006">
+        <mc:Choice xmlns:a14="http://schemas.microsoft.com/office/drawing/2010/main" Requires="a14">
           <p:sp>
             <p:nvSpPr>
               <p:cNvPr id="3" name="Content Placeholder 2"/>
@@ -28498,7 +29400,7 @@
                   <a:rPr lang="en-US" dirty="0">
                     <a:latin typeface="+mn-lt"/>
                   </a:rPr>
-                  <a:t>parameter - d</a:t>
+                  <a:t>hyperparameter - d</a:t>
                 </a:r>
               </a:p>
               <a:p>
@@ -28692,7 +29594,7 @@
                     <a:latin typeface="+mn-lt"/>
                     <a:ea typeface="Cambria Math" panose="02040503050406030204" pitchFamily="18" charset="0"/>
                   </a:rPr>
-                  <a:t>parameter - </a:t>
+                  <a:t>hyperparameter - </a:t>
                 </a:r>
                 <a:r>
                   <a:rPr lang="en-US" b="0" i="1" dirty="0">
@@ -28914,7 +29816,7 @@
                   <a:rPr lang="en-US" b="0" dirty="0">
                     <a:latin typeface="+mn-lt"/>
                   </a:rPr>
-                  <a:t>parameters – </a:t>
+                  <a:t>hyperparameters – </a:t>
                 </a:r>
                 <a:r>
                   <a:rPr lang="en-US" b="0" dirty="0">
@@ -28951,7 +29853,7 @@
             </p:txBody>
           </p:sp>
         </mc:Choice>
-        <mc:Fallback xmlns="">
+        <mc:Fallback>
           <p:sp>
             <p:nvSpPr>
               <p:cNvPr id="3" name="Content Placeholder 2"/>
@@ -28999,6 +29901,183 @@
   <p:clrMapOvr>
     <a:masterClrMapping/>
   </p:clrMapOvr>
+  <p:timing>
+    <p:tnLst>
+      <p:par>
+        <p:cTn id="1" dur="indefinite" restart="never" nodeType="tmRoot">
+          <p:childTnLst>
+            <p:seq concurrent="1" nextAc="seek">
+              <p:cTn id="2" dur="indefinite" nodeType="mainSeq">
+                <p:childTnLst>
+                  <p:par>
+                    <p:cTn id="3" fill="hold">
+                      <p:stCondLst>
+                        <p:cond delay="indefinite"/>
+                      </p:stCondLst>
+                      <p:childTnLst>
+                        <p:par>
+                          <p:cTn id="4" fill="hold">
+                            <p:stCondLst>
+                              <p:cond delay="0"/>
+                            </p:stCondLst>
+                            <p:childTnLst>
+                              <p:par>
+                                <p:cTn id="5" presetID="1" presetClass="entr" presetSubtype="0" fill="hold" nodeType="clickEffect">
+                                  <p:stCondLst>
+                                    <p:cond delay="0"/>
+                                  </p:stCondLst>
+                                  <p:childTnLst>
+                                    <p:set>
+                                      <p:cBhvr>
+                                        <p:cTn id="6" dur="1" fill="hold">
+                                          <p:stCondLst>
+                                            <p:cond delay="0"/>
+                                          </p:stCondLst>
+                                        </p:cTn>
+                                        <p:tgtEl>
+                                          <p:spTgt spid="3">
+                                            <p:txEl>
+                                              <p:pRg st="1" end="1"/>
+                                            </p:txEl>
+                                          </p:spTgt>
+                                        </p:tgtEl>
+                                        <p:attrNameLst>
+                                          <p:attrName>style.visibility</p:attrName>
+                                        </p:attrNameLst>
+                                      </p:cBhvr>
+                                      <p:to>
+                                        <p:strVal val="visible"/>
+                                      </p:to>
+                                    </p:set>
+                                  </p:childTnLst>
+                                </p:cTn>
+                              </p:par>
+                            </p:childTnLst>
+                          </p:cTn>
+                        </p:par>
+                      </p:childTnLst>
+                    </p:cTn>
+                  </p:par>
+                  <p:par>
+                    <p:cTn id="7" fill="hold">
+                      <p:stCondLst>
+                        <p:cond delay="indefinite"/>
+                      </p:stCondLst>
+                      <p:childTnLst>
+                        <p:par>
+                          <p:cTn id="8" fill="hold">
+                            <p:stCondLst>
+                              <p:cond delay="0"/>
+                            </p:stCondLst>
+                            <p:childTnLst>
+                              <p:par>
+                                <p:cTn id="9" presetID="1" presetClass="entr" presetSubtype="0" fill="hold" nodeType="clickEffect">
+                                  <p:stCondLst>
+                                    <p:cond delay="0"/>
+                                  </p:stCondLst>
+                                  <p:childTnLst>
+                                    <p:set>
+                                      <p:cBhvr>
+                                        <p:cTn id="10" dur="1" fill="hold">
+                                          <p:stCondLst>
+                                            <p:cond delay="0"/>
+                                          </p:stCondLst>
+                                        </p:cTn>
+                                        <p:tgtEl>
+                                          <p:spTgt spid="3">
+                                            <p:txEl>
+                                              <p:pRg st="2" end="2"/>
+                                            </p:txEl>
+                                          </p:spTgt>
+                                        </p:tgtEl>
+                                        <p:attrNameLst>
+                                          <p:attrName>style.visibility</p:attrName>
+                                        </p:attrNameLst>
+                                      </p:cBhvr>
+                                      <p:to>
+                                        <p:strVal val="visible"/>
+                                      </p:to>
+                                    </p:set>
+                                  </p:childTnLst>
+                                </p:cTn>
+                              </p:par>
+                            </p:childTnLst>
+                          </p:cTn>
+                        </p:par>
+                      </p:childTnLst>
+                    </p:cTn>
+                  </p:par>
+                  <p:par>
+                    <p:cTn id="11" fill="hold">
+                      <p:stCondLst>
+                        <p:cond delay="indefinite"/>
+                      </p:stCondLst>
+                      <p:childTnLst>
+                        <p:par>
+                          <p:cTn id="12" fill="hold">
+                            <p:stCondLst>
+                              <p:cond delay="0"/>
+                            </p:stCondLst>
+                            <p:childTnLst>
+                              <p:par>
+                                <p:cTn id="13" presetID="1" presetClass="entr" presetSubtype="0" fill="hold" nodeType="clickEffect">
+                                  <p:stCondLst>
+                                    <p:cond delay="0"/>
+                                  </p:stCondLst>
+                                  <p:childTnLst>
+                                    <p:set>
+                                      <p:cBhvr>
+                                        <p:cTn id="14" dur="1" fill="hold">
+                                          <p:stCondLst>
+                                            <p:cond delay="0"/>
+                                          </p:stCondLst>
+                                        </p:cTn>
+                                        <p:tgtEl>
+                                          <p:spTgt spid="3">
+                                            <p:txEl>
+                                              <p:pRg st="3" end="3"/>
+                                            </p:txEl>
+                                          </p:spTgt>
+                                        </p:tgtEl>
+                                        <p:attrNameLst>
+                                          <p:attrName>style.visibility</p:attrName>
+                                        </p:attrNameLst>
+                                      </p:cBhvr>
+                                      <p:to>
+                                        <p:strVal val="visible"/>
+                                      </p:to>
+                                    </p:set>
+                                  </p:childTnLst>
+                                </p:cTn>
+                              </p:par>
+                            </p:childTnLst>
+                          </p:cTn>
+                        </p:par>
+                      </p:childTnLst>
+                    </p:cTn>
+                  </p:par>
+                </p:childTnLst>
+              </p:cTn>
+              <p:prevCondLst>
+                <p:cond evt="onPrev" delay="0">
+                  <p:tgtEl>
+                    <p:sldTgt/>
+                  </p:tgtEl>
+                </p:cond>
+              </p:prevCondLst>
+              <p:nextCondLst>
+                <p:cond evt="onNext" delay="0">
+                  <p:tgtEl>
+                    <p:sldTgt/>
+                  </p:tgtEl>
+                </p:cond>
+              </p:nextCondLst>
+            </p:seq>
+          </p:childTnLst>
+        </p:cTn>
+      </p:par>
+    </p:tnLst>
+  </p:timing>
 </p:sld>
 </file>
 
@@ -30884,8 +31963,8 @@
           </a:p>
         </p:txBody>
       </p:sp>
-      <mc:AlternateContent xmlns:mc="http://schemas.openxmlformats.org/markup-compatibility/2006" xmlns:a14="http://schemas.microsoft.com/office/drawing/2010/main">
-        <mc:Choice Requires="a14">
+      <mc:AlternateContent xmlns:mc="http://schemas.openxmlformats.org/markup-compatibility/2006">
+        <mc:Choice xmlns:a14="http://schemas.microsoft.com/office/drawing/2010/main" Requires="a14">
           <p:sp>
             <p:nvSpPr>
               <p:cNvPr id="3" name="Content Placeholder 2"/>
@@ -30904,7 +31983,7 @@
             </p:spPr>
             <p:txBody>
               <a:bodyPr>
-                <a:normAutofit lnSpcReduction="10000"/>
+                <a:normAutofit fontScale="92500" lnSpcReduction="20000"/>
               </a:bodyPr>
               <a:lstStyle/>
               <a:p>
@@ -30936,13 +32015,48 @@
                       <m:jc m:val="centerGroup"/>
                     </m:oMathParaPr>
                     <m:oMath xmlns:m="http://schemas.openxmlformats.org/officeDocument/2006/math">
-                      <m:r>
-                        <a:rPr lang="en-US" i="1">
-                          <a:latin typeface="Cambria Math" panose="02040503050406030204" pitchFamily="18" charset="0"/>
-                          <a:cs typeface="Segoe UI" panose="020B0502040204020203" pitchFamily="34" charset="0"/>
-                        </a:rPr>
-                        <m:t>𝑇</m:t>
-                      </m:r>
+                      <m:sSup>
+                        <m:sSupPr>
+                          <m:ctrlPr>
+                            <a:rPr lang="en-US" i="1">
+                              <a:latin typeface="Cambria Math" panose="02040503050406030204" pitchFamily="18" charset="0"/>
+                              <a:cs typeface="Segoe UI" panose="020B0502040204020203" pitchFamily="34" charset="0"/>
+                            </a:rPr>
+                          </m:ctrlPr>
+                        </m:sSupPr>
+                        <m:e>
+                          <m:r>
+                            <a:rPr lang="en-US" i="1">
+                              <a:latin typeface="Cambria Math" panose="02040503050406030204" pitchFamily="18" charset="0"/>
+                              <a:cs typeface="Segoe UI" panose="020B0502040204020203" pitchFamily="34" charset="0"/>
+                            </a:rPr>
+                            <m:t>𝑇</m:t>
+                          </m:r>
+                        </m:e>
+                        <m:sup>
+                          <m:r>
+                            <a:rPr lang="en-US" i="1">
+                              <a:latin typeface="Cambria Math" panose="02040503050406030204" pitchFamily="18" charset="0"/>
+                              <a:cs typeface="Segoe UI" panose="020B0502040204020203" pitchFamily="34" charset="0"/>
+                            </a:rPr>
+                            <m:t>(</m:t>
+                          </m:r>
+                          <m:r>
+                            <a:rPr lang="en-US" i="1">
+                              <a:latin typeface="Cambria Math" panose="02040503050406030204" pitchFamily="18" charset="0"/>
+                              <a:cs typeface="Segoe UI" panose="020B0502040204020203" pitchFamily="34" charset="0"/>
+                            </a:rPr>
+                            <m:t>𝑙</m:t>
+                          </m:r>
+                          <m:r>
+                            <a:rPr lang="en-US" i="1">
+                              <a:latin typeface="Cambria Math" panose="02040503050406030204" pitchFamily="18" charset="0"/>
+                              <a:cs typeface="Segoe UI" panose="020B0502040204020203" pitchFamily="34" charset="0"/>
+                            </a:rPr>
+                            <m:t>)</m:t>
+                          </m:r>
+                        </m:sup>
+                      </m:sSup>
                       <m:r>
                         <a:rPr lang="en-US" i="1">
                           <a:latin typeface="Cambria Math" panose="02040503050406030204" pitchFamily="18" charset="0"/>
@@ -30951,75 +32065,98 @@
                         <m:t>=</m:t>
                       </m:r>
                       <m:r>
-                        <a:rPr lang="en-US" b="0" i="1" smtClean="0">
+                        <a:rPr lang="en-US" i="1">
                           <a:latin typeface="Cambria Math" panose="02040503050406030204" pitchFamily="18" charset="0"/>
                           <a:cs typeface="Segoe UI" panose="020B0502040204020203" pitchFamily="34" charset="0"/>
                         </a:rPr>
-                        <m:t>𝑓</m:t>
+                        <m:t>𝑋</m:t>
                       </m:r>
-                      <m:d>
-                        <m:dPr>
+                      <m:sSup>
+                        <m:sSupPr>
                           <m:ctrlPr>
-                            <a:rPr lang="en-US" b="0" i="1" smtClean="0">
+                            <a:rPr lang="en-US" i="1">
                               <a:latin typeface="Cambria Math" panose="02040503050406030204" pitchFamily="18" charset="0"/>
                               <a:cs typeface="Segoe UI" panose="020B0502040204020203" pitchFamily="34" charset="0"/>
                             </a:rPr>
                           </m:ctrlPr>
-                        </m:dPr>
+                        </m:sSupPr>
                         <m:e>
                           <m:r>
                             <a:rPr lang="en-US" i="1">
                               <a:latin typeface="Cambria Math" panose="02040503050406030204" pitchFamily="18" charset="0"/>
                               <a:cs typeface="Segoe UI" panose="020B0502040204020203" pitchFamily="34" charset="0"/>
                             </a:rPr>
-                            <m:t>𝑋</m:t>
+                            <m:t>𝑊</m:t>
                           </m:r>
                         </m:e>
-                      </m:d>
+                        <m:sup>
+                          <m:r>
+                            <a:rPr lang="en-US" i="1">
+                              <a:latin typeface="Cambria Math" panose="02040503050406030204" pitchFamily="18" charset="0"/>
+                              <a:cs typeface="Segoe UI" panose="020B0502040204020203" pitchFamily="34" charset="0"/>
+                            </a:rPr>
+                            <m:t>(</m:t>
+                          </m:r>
+                          <m:r>
+                            <a:rPr lang="en-US" i="1">
+                              <a:latin typeface="Cambria Math" panose="02040503050406030204" pitchFamily="18" charset="0"/>
+                              <a:cs typeface="Segoe UI" panose="020B0502040204020203" pitchFamily="34" charset="0"/>
+                            </a:rPr>
+                            <m:t>𝑙</m:t>
+                          </m:r>
+                          <m:r>
+                            <a:rPr lang="en-US" i="1">
+                              <a:latin typeface="Cambria Math" panose="02040503050406030204" pitchFamily="18" charset="0"/>
+                              <a:cs typeface="Segoe UI" panose="020B0502040204020203" pitchFamily="34" charset="0"/>
+                            </a:rPr>
+                            <m:t>)</m:t>
+                          </m:r>
+                        </m:sup>
+                      </m:sSup>
                       <m:r>
-                        <a:rPr lang="en-US" b="0" i="1" smtClean="0">
+                        <a:rPr lang="en-US" i="1">
                           <a:latin typeface="Cambria Math" panose="02040503050406030204" pitchFamily="18" charset="0"/>
                           <a:cs typeface="Segoe UI" panose="020B0502040204020203" pitchFamily="34" charset="0"/>
                         </a:rPr>
                         <m:t> </m:t>
                       </m:r>
                       <m:r>
-                        <a:rPr lang="en-US" b="0" i="1" smtClean="0">
+                        <a:rPr lang="en-US" i="1">
                           <a:latin typeface="Cambria Math" panose="02040503050406030204" pitchFamily="18" charset="0"/>
                           <a:cs typeface="Segoe UI" panose="020B0502040204020203" pitchFamily="34" charset="0"/>
                         </a:rPr>
                         <m:t>𝑓𝑜𝑟</m:t>
                       </m:r>
                       <m:r>
-                        <a:rPr lang="en-US" b="0" i="1" smtClean="0">
+                        <a:rPr lang="en-US" i="1">
                           <a:latin typeface="Cambria Math" panose="02040503050406030204" pitchFamily="18" charset="0"/>
                           <a:cs typeface="Segoe UI" panose="020B0502040204020203" pitchFamily="34" charset="0"/>
                         </a:rPr>
                         <m:t> </m:t>
                       </m:r>
                       <m:r>
-                        <a:rPr lang="en-US" b="0" i="1" smtClean="0">
+                        <a:rPr lang="en-US" i="1">
                           <a:latin typeface="Cambria Math" panose="02040503050406030204" pitchFamily="18" charset="0"/>
                           <a:cs typeface="Segoe UI" panose="020B0502040204020203" pitchFamily="34" charset="0"/>
                         </a:rPr>
                         <m:t>𝑋</m:t>
                       </m:r>
                       <m:r>
-                        <a:rPr lang="en-US" b="0" i="1" smtClean="0">
+                        <a:rPr lang="en-US" i="1">
                           <a:latin typeface="Cambria Math" panose="02040503050406030204" pitchFamily="18" charset="0"/>
                           <a:cs typeface="Segoe UI" panose="020B0502040204020203" pitchFamily="34" charset="0"/>
                         </a:rPr>
                         <m:t> </m:t>
                       </m:r>
                       <m:r>
-                        <a:rPr lang="en-US" b="0" i="1" smtClean="0">
+                        <a:rPr lang="en-US" i="1">
                           <a:latin typeface="Cambria Math" panose="02040503050406030204" pitchFamily="18" charset="0"/>
                           <a:cs typeface="Segoe UI" panose="020B0502040204020203" pitchFamily="34" charset="0"/>
                         </a:rPr>
                         <m:t>𝑖𝑛</m:t>
                       </m:r>
                       <m:r>
-                        <a:rPr lang="en-US" b="0" i="1" smtClean="0">
+                        <a:rPr lang="en-US" i="1">
                           <a:latin typeface="Cambria Math" panose="02040503050406030204" pitchFamily="18" charset="0"/>
                           <a:cs typeface="Segoe UI" panose="020B0502040204020203" pitchFamily="34" charset="0"/>
                         </a:rPr>
@@ -31028,7 +32165,7 @@
                       <m:sSup>
                         <m:sSupPr>
                           <m:ctrlPr>
-                            <a:rPr lang="en-US" b="0" i="1" smtClean="0">
+                            <a:rPr lang="en-US" i="1">
                               <a:latin typeface="Cambria Math" panose="02040503050406030204" pitchFamily="18" charset="0"/>
                               <a:cs typeface="Segoe UI" panose="020B0502040204020203" pitchFamily="34" charset="0"/>
                             </a:rPr>
@@ -31036,7 +32173,7 @@
                         </m:sSupPr>
                         <m:e>
                           <m:r>
-                            <a:rPr lang="en-US" b="0" i="1" smtClean="0">
+                            <a:rPr lang="en-US" i="1">
                               <a:latin typeface="Cambria Math" panose="02040503050406030204" pitchFamily="18" charset="0"/>
                               <a:ea typeface="Cambria Math" panose="02040503050406030204" pitchFamily="18" charset="0"/>
                               <a:cs typeface="Segoe UI" panose="020B0502040204020203" pitchFamily="34" charset="0"/>
@@ -31046,7 +32183,7 @@
                         </m:e>
                         <m:sup>
                           <m:r>
-                            <a:rPr lang="en-US" b="0" i="1" smtClean="0">
+                            <a:rPr lang="en-US" i="1">
                               <a:latin typeface="Cambria Math" panose="02040503050406030204" pitchFamily="18" charset="0"/>
                               <a:cs typeface="Segoe UI" panose="020B0502040204020203" pitchFamily="34" charset="0"/>
                             </a:rPr>
@@ -31055,35 +32192,70 @@
                         </m:sup>
                       </m:sSup>
                       <m:r>
-                        <a:rPr lang="en-US" b="0" i="1" smtClean="0">
+                        <a:rPr lang="en-US" i="1">
+                          <a:latin typeface="Cambria Math" panose="02040503050406030204" pitchFamily="18" charset="0"/>
+                          <a:cs typeface="Segoe UI" panose="020B0502040204020203" pitchFamily="34" charset="0"/>
+                        </a:rPr>
+                        <m:t>,</m:t>
+                      </m:r>
+                      <m:sSup>
+                        <m:sSupPr>
+                          <m:ctrlPr>
+                            <a:rPr lang="en-US" i="1">
+                              <a:latin typeface="Cambria Math" panose="02040503050406030204" pitchFamily="18" charset="0"/>
+                              <a:cs typeface="Segoe UI" panose="020B0502040204020203" pitchFamily="34" charset="0"/>
+                            </a:rPr>
+                          </m:ctrlPr>
+                        </m:sSupPr>
+                        <m:e>
+                          <m:r>
+                            <a:rPr lang="en-US" i="1">
+                              <a:latin typeface="Cambria Math" panose="02040503050406030204" pitchFamily="18" charset="0"/>
+                              <a:cs typeface="Segoe UI" panose="020B0502040204020203" pitchFamily="34" charset="0"/>
+                            </a:rPr>
+                            <m:t>𝑇</m:t>
+                          </m:r>
+                        </m:e>
+                        <m:sup>
+                          <m:r>
+                            <a:rPr lang="en-US" i="1">
+                              <a:latin typeface="Cambria Math" panose="02040503050406030204" pitchFamily="18" charset="0"/>
+                              <a:cs typeface="Segoe UI" panose="020B0502040204020203" pitchFamily="34" charset="0"/>
+                            </a:rPr>
+                            <m:t>(</m:t>
+                          </m:r>
+                          <m:r>
+                            <a:rPr lang="en-US" i="1">
+                              <a:latin typeface="Cambria Math" panose="02040503050406030204" pitchFamily="18" charset="0"/>
+                              <a:cs typeface="Segoe UI" panose="020B0502040204020203" pitchFamily="34" charset="0"/>
+                            </a:rPr>
+                            <m:t>𝑙</m:t>
+                          </m:r>
+                          <m:r>
+                            <a:rPr lang="en-US" i="1">
+                              <a:latin typeface="Cambria Math" panose="02040503050406030204" pitchFamily="18" charset="0"/>
+                              <a:cs typeface="Segoe UI" panose="020B0502040204020203" pitchFamily="34" charset="0"/>
+                            </a:rPr>
+                            <m:t>)</m:t>
+                          </m:r>
+                        </m:sup>
+                      </m:sSup>
+                      <m:r>
+                        <a:rPr lang="en-US" i="1">
                           <a:latin typeface="Cambria Math" panose="02040503050406030204" pitchFamily="18" charset="0"/>
                           <a:cs typeface="Segoe UI" panose="020B0502040204020203" pitchFamily="34" charset="0"/>
                         </a:rPr>
                         <m:t> </m:t>
                       </m:r>
                       <m:r>
-                        <a:rPr lang="en-US" b="0" i="1" smtClean="0">
-                          <a:latin typeface="Cambria Math" panose="02040503050406030204" pitchFamily="18" charset="0"/>
-                          <a:cs typeface="Segoe UI" panose="020B0502040204020203" pitchFamily="34" charset="0"/>
-                        </a:rPr>
-                        <m:t>𝑇</m:t>
-                      </m:r>
-                      <m:r>
-                        <a:rPr lang="en-US" b="0" i="1" smtClean="0">
-                          <a:latin typeface="Cambria Math" panose="02040503050406030204" pitchFamily="18" charset="0"/>
-                          <a:cs typeface="Segoe UI" panose="020B0502040204020203" pitchFamily="34" charset="0"/>
-                        </a:rPr>
-                        <m:t> </m:t>
-                      </m:r>
-                      <m:r>
-                        <a:rPr lang="en-US" b="0" i="1" smtClean="0">
+                        <a:rPr lang="en-US" i="1">
                           <a:latin typeface="Cambria Math" panose="02040503050406030204" pitchFamily="18" charset="0"/>
                           <a:cs typeface="Segoe UI" panose="020B0502040204020203" pitchFamily="34" charset="0"/>
                         </a:rPr>
                         <m:t>𝑖𝑛</m:t>
                       </m:r>
                       <m:r>
-                        <a:rPr lang="en-US" b="0" i="1" smtClean="0">
+                        <a:rPr lang="en-US" i="1">
                           <a:latin typeface="Cambria Math" panose="02040503050406030204" pitchFamily="18" charset="0"/>
                           <a:cs typeface="Segoe UI" panose="020B0502040204020203" pitchFamily="34" charset="0"/>
                         </a:rPr>
@@ -31092,7 +32264,7 @@
                       <m:sSup>
                         <m:sSupPr>
                           <m:ctrlPr>
-                            <a:rPr lang="en-US" b="0" i="1" smtClean="0">
+                            <a:rPr lang="en-US" i="1">
                               <a:latin typeface="Cambria Math" panose="02040503050406030204" pitchFamily="18" charset="0"/>
                               <a:cs typeface="Segoe UI" panose="020B0502040204020203" pitchFamily="34" charset="0"/>
                             </a:rPr>
@@ -31100,7 +32272,7 @@
                         </m:sSupPr>
                         <m:e>
                           <m:r>
-                            <a:rPr lang="en-US" b="0" i="1" smtClean="0">
+                            <a:rPr lang="en-US" i="1">
                               <a:latin typeface="Cambria Math" panose="02040503050406030204" pitchFamily="18" charset="0"/>
                               <a:ea typeface="Cambria Math" panose="02040503050406030204" pitchFamily="18" charset="0"/>
                               <a:cs typeface="Segoe UI" panose="020B0502040204020203" pitchFamily="34" charset="0"/>
@@ -31110,45 +32282,61 @@
                         </m:e>
                         <m:sup>
                           <m:r>
-                            <a:rPr lang="en-US" b="0" i="1" smtClean="0">
+                            <a:rPr lang="en-US" i="1">
+                              <a:latin typeface="Cambria Math" panose="02040503050406030204" pitchFamily="18" charset="0"/>
+                              <a:ea typeface="Cambria Math" panose="02040503050406030204" pitchFamily="18" charset="0"/>
+                              <a:cs typeface="Segoe UI" panose="020B0502040204020203" pitchFamily="34" charset="0"/>
+                            </a:rPr>
+                            <m:t>(</m:t>
+                          </m:r>
+                          <m:r>
+                            <a:rPr lang="en-US" i="1">
                               <a:latin typeface="Cambria Math" panose="02040503050406030204" pitchFamily="18" charset="0"/>
                               <a:ea typeface="Cambria Math" panose="02040503050406030204" pitchFamily="18" charset="0"/>
                               <a:cs typeface="Segoe UI" panose="020B0502040204020203" pitchFamily="34" charset="0"/>
                             </a:rPr>
                             <m:t>𝑙</m:t>
                           </m:r>
+                          <m:r>
+                            <a:rPr lang="en-US" i="1">
+                              <a:latin typeface="Cambria Math" panose="02040503050406030204" pitchFamily="18" charset="0"/>
+                              <a:ea typeface="Cambria Math" panose="02040503050406030204" pitchFamily="18" charset="0"/>
+                              <a:cs typeface="Segoe UI" panose="020B0502040204020203" pitchFamily="34" charset="0"/>
+                            </a:rPr>
+                            <m:t>)</m:t>
+                          </m:r>
                         </m:sup>
                       </m:sSup>
                       <m:r>
-                        <a:rPr lang="en-US" b="0" i="1" smtClean="0">
+                        <a:rPr lang="en-US" i="1">
                           <a:latin typeface="Cambria Math" panose="02040503050406030204" pitchFamily="18" charset="0"/>
                           <a:cs typeface="Segoe UI" panose="020B0502040204020203" pitchFamily="34" charset="0"/>
                         </a:rPr>
                         <m:t>, </m:t>
                       </m:r>
                       <m:r>
-                        <a:rPr lang="en-US" b="0" i="1" smtClean="0">
+                        <a:rPr lang="en-US" i="1">
                           <a:latin typeface="Cambria Math" panose="02040503050406030204" pitchFamily="18" charset="0"/>
                           <a:cs typeface="Segoe UI" panose="020B0502040204020203" pitchFamily="34" charset="0"/>
                         </a:rPr>
                         <m:t>𝑝</m:t>
                       </m:r>
                       <m:r>
-                        <a:rPr lang="en-US" b="0" i="1" smtClean="0">
+                        <a:rPr lang="en-US" i="1">
                           <a:latin typeface="Cambria Math" panose="02040503050406030204" pitchFamily="18" charset="0"/>
                           <a:cs typeface="Segoe UI" panose="020B0502040204020203" pitchFamily="34" charset="0"/>
                         </a:rPr>
                         <m:t>&gt;</m:t>
                       </m:r>
                       <m:r>
-                        <a:rPr lang="en-US" b="0" i="1" smtClean="0">
+                        <a:rPr lang="en-US" i="1">
                           <a:latin typeface="Cambria Math" panose="02040503050406030204" pitchFamily="18" charset="0"/>
                           <a:cs typeface="Segoe UI" panose="020B0502040204020203" pitchFamily="34" charset="0"/>
                         </a:rPr>
                         <m:t>𝑙</m:t>
                       </m:r>
                       <m:r>
-                        <a:rPr lang="en-US" b="0" i="1" smtClean="0">
+                        <a:rPr lang="en-US" i="1">
                           <a:latin typeface="Cambria Math" panose="02040503050406030204" pitchFamily="18" charset="0"/>
                           <a:cs typeface="Segoe UI" panose="020B0502040204020203" pitchFamily="34" charset="0"/>
                         </a:rPr>
@@ -31167,13 +32355,110 @@
                   <a:rPr lang="en-US" dirty="0">
                     <a:latin typeface="+mn-lt"/>
                   </a:rPr>
-                  <a:t>A good more only if </a:t>
+                  <a:t>Minimizes reconstruction error only if </a:t>
                 </a:r>
                 <a:r>
                   <a:rPr lang="en-US" b="1" dirty="0">
                     <a:latin typeface="+mn-lt"/>
                   </a:rPr>
                   <a:t>kernel is good approximation of dependency between variables   </a:t>
+                </a:r>
+              </a:p>
+              <a:p>
+                <a:pPr lvl="1"/>
+                <a:r>
+                  <a:rPr lang="en-US" dirty="0">
+                    <a:latin typeface="+mn-lt"/>
+                  </a:rPr>
+                  <a:t>Weights, </a:t>
+                </a:r>
+                <a14:m>
+                  <m:oMath xmlns:m="http://schemas.openxmlformats.org/officeDocument/2006/math">
+                    <m:sSub>
+                      <m:sSubPr>
+                        <m:ctrlPr>
+                          <a:rPr lang="en-US" i="1">
+                            <a:latin typeface="Cambria Math" panose="02040503050406030204" pitchFamily="18" charset="0"/>
+                          </a:rPr>
+                        </m:ctrlPr>
+                      </m:sSubPr>
+                      <m:e>
+                        <m:r>
+                          <a:rPr lang="en-US" i="1">
+                            <a:latin typeface="Cambria Math" panose="02040503050406030204" pitchFamily="18" charset="0"/>
+                            <a:ea typeface="Cambria Math" panose="02040503050406030204" pitchFamily="18" charset="0"/>
+                          </a:rPr>
+                          <m:t>𝛼</m:t>
+                        </m:r>
+                      </m:e>
+                      <m:sub>
+                        <m:r>
+                          <a:rPr lang="en-US" i="1">
+                            <a:latin typeface="Cambria Math" panose="02040503050406030204" pitchFamily="18" charset="0"/>
+                          </a:rPr>
+                          <m:t>𝑖</m:t>
+                        </m:r>
+                      </m:sub>
+                    </m:sSub>
+                  </m:oMath>
+                </a14:m>
+                <a:r>
+                  <a:rPr lang="en-US" dirty="0">
+                    <a:latin typeface="+mn-lt"/>
+                  </a:rPr>
+                  <a:t>, to build </a:t>
+                </a:r>
+                <a14:m>
+                  <m:oMath xmlns:m="http://schemas.openxmlformats.org/officeDocument/2006/math">
+                    <m:sSup>
+                      <m:sSupPr>
+                        <m:ctrlPr>
+                          <a:rPr lang="en-US" i="1">
+                            <a:latin typeface="Cambria Math" panose="02040503050406030204" pitchFamily="18" charset="0"/>
+                            <a:cs typeface="Segoe UI" panose="020B0502040204020203" pitchFamily="34" charset="0"/>
+                          </a:rPr>
+                        </m:ctrlPr>
+                      </m:sSupPr>
+                      <m:e>
+                        <m:r>
+                          <a:rPr lang="en-US" i="1">
+                            <a:latin typeface="Cambria Math" panose="02040503050406030204" pitchFamily="18" charset="0"/>
+                            <a:cs typeface="Segoe UI" panose="020B0502040204020203" pitchFamily="34" charset="0"/>
+                          </a:rPr>
+                          <m:t>𝑊</m:t>
+                        </m:r>
+                      </m:e>
+                      <m:sup>
+                        <m:r>
+                          <a:rPr lang="en-US" i="1">
+                            <a:latin typeface="Cambria Math" panose="02040503050406030204" pitchFamily="18" charset="0"/>
+                            <a:cs typeface="Segoe UI" panose="020B0502040204020203" pitchFamily="34" charset="0"/>
+                          </a:rPr>
+                          <m:t>(</m:t>
+                        </m:r>
+                        <m:r>
+                          <a:rPr lang="en-US" i="1">
+                            <a:latin typeface="Cambria Math" panose="02040503050406030204" pitchFamily="18" charset="0"/>
+                            <a:cs typeface="Segoe UI" panose="020B0502040204020203" pitchFamily="34" charset="0"/>
+                          </a:rPr>
+                          <m:t>𝑙</m:t>
+                        </m:r>
+                        <m:r>
+                          <a:rPr lang="en-US" i="1">
+                            <a:latin typeface="Cambria Math" panose="02040503050406030204" pitchFamily="18" charset="0"/>
+                            <a:cs typeface="Segoe UI" panose="020B0502040204020203" pitchFamily="34" charset="0"/>
+                          </a:rPr>
+                          <m:t>)</m:t>
+                        </m:r>
+                      </m:sup>
+                    </m:sSup>
+                  </m:oMath>
+                </a14:m>
+                <a:r>
+                  <a:rPr lang="en-US" dirty="0">
+                    <a:latin typeface="+mn-lt"/>
+                  </a:rPr>
+                  <a:t> from basis functions are learned by minimizing least squares error  </a:t>
                 </a:r>
               </a:p>
               <a:p>
@@ -31187,7 +32472,7 @@
                   <a:rPr lang="en-US" b="1" dirty="0">
                     <a:latin typeface="+mn-lt"/>
                   </a:rPr>
-                  <a:t>minimizes least square error </a:t>
+                  <a:t>minimizes error </a:t>
                 </a:r>
                 <a:r>
                   <a:rPr lang="en-US" dirty="0">
@@ -31257,7 +32542,7 @@
             </p:txBody>
           </p:sp>
         </mc:Choice>
-        <mc:Fallback xmlns="">
+        <mc:Fallback>
           <p:sp>
             <p:nvSpPr>
               <p:cNvPr id="3" name="Content Placeholder 2"/>
@@ -31276,7 +32561,7 @@
               <a:blipFill>
                 <a:blip r:embed="rId3"/>
                 <a:stretch>
-                  <a:fillRect l="-1111" t="-2706" r="-1376"/>
+                  <a:fillRect l="-952" t="-2941" r="-635"/>
                 </a:stretch>
               </a:blipFill>
             </p:spPr>
@@ -31305,6 +32590,449 @@
   <p:clrMapOvr>
     <a:masterClrMapping/>
   </p:clrMapOvr>
+  <p:timing>
+    <p:tnLst>
+      <p:par>
+        <p:cTn id="1" dur="indefinite" restart="never" nodeType="tmRoot">
+          <p:childTnLst>
+            <p:seq concurrent="1" nextAc="seek">
+              <p:cTn id="2" dur="indefinite" nodeType="mainSeq">
+                <p:childTnLst>
+                  <p:par>
+                    <p:cTn id="3" fill="hold">
+                      <p:stCondLst>
+                        <p:cond delay="indefinite"/>
+                      </p:stCondLst>
+                      <p:childTnLst>
+                        <p:par>
+                          <p:cTn id="4" fill="hold">
+                            <p:stCondLst>
+                              <p:cond delay="0"/>
+                            </p:stCondLst>
+                            <p:childTnLst>
+                              <p:par>
+                                <p:cTn id="5" presetID="1" presetClass="entr" presetSubtype="0" fill="hold" nodeType="clickEffect">
+                                  <p:stCondLst>
+                                    <p:cond delay="0"/>
+                                  </p:stCondLst>
+                                  <p:childTnLst>
+                                    <p:set>
+                                      <p:cBhvr>
+                                        <p:cTn id="6" dur="1" fill="hold">
+                                          <p:stCondLst>
+                                            <p:cond delay="0"/>
+                                          </p:stCondLst>
+                                        </p:cTn>
+                                        <p:tgtEl>
+                                          <p:spTgt spid="3">
+                                            <p:txEl>
+                                              <p:pRg st="1" end="1"/>
+                                            </p:txEl>
+                                          </p:spTgt>
+                                        </p:tgtEl>
+                                        <p:attrNameLst>
+                                          <p:attrName>style.visibility</p:attrName>
+                                        </p:attrNameLst>
+                                      </p:cBhvr>
+                                      <p:to>
+                                        <p:strVal val="visible"/>
+                                      </p:to>
+                                    </p:set>
+                                  </p:childTnLst>
+                                </p:cTn>
+                              </p:par>
+                              <p:par>
+                                <p:cTn id="7" presetID="1" presetClass="entr" presetSubtype="0" fill="hold" nodeType="withEffect">
+                                  <p:stCondLst>
+                                    <p:cond delay="0"/>
+                                  </p:stCondLst>
+                                  <p:childTnLst>
+                                    <p:set>
+                                      <p:cBhvr>
+                                        <p:cTn id="8" dur="1" fill="hold">
+                                          <p:stCondLst>
+                                            <p:cond delay="0"/>
+                                          </p:stCondLst>
+                                        </p:cTn>
+                                        <p:tgtEl>
+                                          <p:spTgt spid="3">
+                                            <p:txEl>
+                                              <p:pRg st="2" end="2"/>
+                                            </p:txEl>
+                                          </p:spTgt>
+                                        </p:tgtEl>
+                                        <p:attrNameLst>
+                                          <p:attrName>style.visibility</p:attrName>
+                                        </p:attrNameLst>
+                                      </p:cBhvr>
+                                      <p:to>
+                                        <p:strVal val="visible"/>
+                                      </p:to>
+                                    </p:set>
+                                  </p:childTnLst>
+                                </p:cTn>
+                              </p:par>
+                              <p:par>
+                                <p:cTn id="9" presetID="1" presetClass="entr" presetSubtype="0" fill="hold" nodeType="withEffect">
+                                  <p:stCondLst>
+                                    <p:cond delay="0"/>
+                                  </p:stCondLst>
+                                  <p:childTnLst>
+                                    <p:set>
+                                      <p:cBhvr>
+                                        <p:cTn id="10" dur="1" fill="hold">
+                                          <p:stCondLst>
+                                            <p:cond delay="0"/>
+                                          </p:stCondLst>
+                                        </p:cTn>
+                                        <p:tgtEl>
+                                          <p:spTgt spid="3">
+                                            <p:txEl>
+                                              <p:pRg st="3" end="3"/>
+                                            </p:txEl>
+                                          </p:spTgt>
+                                        </p:tgtEl>
+                                        <p:attrNameLst>
+                                          <p:attrName>style.visibility</p:attrName>
+                                        </p:attrNameLst>
+                                      </p:cBhvr>
+                                      <p:to>
+                                        <p:strVal val="visible"/>
+                                      </p:to>
+                                    </p:set>
+                                  </p:childTnLst>
+                                </p:cTn>
+                              </p:par>
+                              <p:par>
+                                <p:cTn id="11" presetID="1" presetClass="entr" presetSubtype="0" fill="hold" nodeType="withEffect">
+                                  <p:stCondLst>
+                                    <p:cond delay="0"/>
+                                  </p:stCondLst>
+                                  <p:childTnLst>
+                                    <p:set>
+                                      <p:cBhvr>
+                                        <p:cTn id="12" dur="1" fill="hold">
+                                          <p:stCondLst>
+                                            <p:cond delay="0"/>
+                                          </p:stCondLst>
+                                        </p:cTn>
+                                        <p:tgtEl>
+                                          <p:spTgt spid="3">
+                                            <p:txEl>
+                                              <p:pRg st="4" end="4"/>
+                                            </p:txEl>
+                                          </p:spTgt>
+                                        </p:tgtEl>
+                                        <p:attrNameLst>
+                                          <p:attrName>style.visibility</p:attrName>
+                                        </p:attrNameLst>
+                                      </p:cBhvr>
+                                      <p:to>
+                                        <p:strVal val="visible"/>
+                                      </p:to>
+                                    </p:set>
+                                  </p:childTnLst>
+                                </p:cTn>
+                              </p:par>
+                            </p:childTnLst>
+                          </p:cTn>
+                        </p:par>
+                      </p:childTnLst>
+                    </p:cTn>
+                  </p:par>
+                  <p:par>
+                    <p:cTn id="13" fill="hold">
+                      <p:stCondLst>
+                        <p:cond delay="indefinite"/>
+                      </p:stCondLst>
+                      <p:childTnLst>
+                        <p:par>
+                          <p:cTn id="14" fill="hold">
+                            <p:stCondLst>
+                              <p:cond delay="0"/>
+                            </p:stCondLst>
+                            <p:childTnLst>
+                              <p:par>
+                                <p:cTn id="15" presetID="1" presetClass="entr" presetSubtype="0" fill="hold" nodeType="clickEffect">
+                                  <p:stCondLst>
+                                    <p:cond delay="0"/>
+                                  </p:stCondLst>
+                                  <p:childTnLst>
+                                    <p:set>
+                                      <p:cBhvr>
+                                        <p:cTn id="16" dur="1" fill="hold">
+                                          <p:stCondLst>
+                                            <p:cond delay="0"/>
+                                          </p:stCondLst>
+                                        </p:cTn>
+                                        <p:tgtEl>
+                                          <p:spTgt spid="3">
+                                            <p:txEl>
+                                              <p:pRg st="5" end="5"/>
+                                            </p:txEl>
+                                          </p:spTgt>
+                                        </p:tgtEl>
+                                        <p:attrNameLst>
+                                          <p:attrName>style.visibility</p:attrName>
+                                        </p:attrNameLst>
+                                      </p:cBhvr>
+                                      <p:to>
+                                        <p:strVal val="visible"/>
+                                      </p:to>
+                                    </p:set>
+                                  </p:childTnLst>
+                                </p:cTn>
+                              </p:par>
+                              <p:par>
+                                <p:cTn id="17" presetID="1" presetClass="entr" presetSubtype="0" fill="hold" nodeType="withEffect">
+                                  <p:stCondLst>
+                                    <p:cond delay="0"/>
+                                  </p:stCondLst>
+                                  <p:childTnLst>
+                                    <p:set>
+                                      <p:cBhvr>
+                                        <p:cTn id="18" dur="1" fill="hold">
+                                          <p:stCondLst>
+                                            <p:cond delay="0"/>
+                                          </p:stCondLst>
+                                        </p:cTn>
+                                        <p:tgtEl>
+                                          <p:spTgt spid="3">
+                                            <p:txEl>
+                                              <p:pRg st="6" end="6"/>
+                                            </p:txEl>
+                                          </p:spTgt>
+                                        </p:tgtEl>
+                                        <p:attrNameLst>
+                                          <p:attrName>style.visibility</p:attrName>
+                                        </p:attrNameLst>
+                                      </p:cBhvr>
+                                      <p:to>
+                                        <p:strVal val="visible"/>
+                                      </p:to>
+                                    </p:set>
+                                  </p:childTnLst>
+                                </p:cTn>
+                              </p:par>
+                              <p:par>
+                                <p:cTn id="19" presetID="1" presetClass="entr" presetSubtype="0" fill="hold" nodeType="withEffect">
+                                  <p:stCondLst>
+                                    <p:cond delay="0"/>
+                                  </p:stCondLst>
+                                  <p:childTnLst>
+                                    <p:set>
+                                      <p:cBhvr>
+                                        <p:cTn id="20" dur="1" fill="hold">
+                                          <p:stCondLst>
+                                            <p:cond delay="0"/>
+                                          </p:stCondLst>
+                                        </p:cTn>
+                                        <p:tgtEl>
+                                          <p:spTgt spid="3">
+                                            <p:txEl>
+                                              <p:pRg st="7" end="7"/>
+                                            </p:txEl>
+                                          </p:spTgt>
+                                        </p:tgtEl>
+                                        <p:attrNameLst>
+                                          <p:attrName>style.visibility</p:attrName>
+                                        </p:attrNameLst>
+                                      </p:cBhvr>
+                                      <p:to>
+                                        <p:strVal val="visible"/>
+                                      </p:to>
+                                    </p:set>
+                                  </p:childTnLst>
+                                </p:cTn>
+                              </p:par>
+                            </p:childTnLst>
+                          </p:cTn>
+                        </p:par>
+                      </p:childTnLst>
+                    </p:cTn>
+                  </p:par>
+                  <p:par>
+                    <p:cTn id="21" fill="hold">
+                      <p:stCondLst>
+                        <p:cond delay="indefinite"/>
+                      </p:stCondLst>
+                      <p:childTnLst>
+                        <p:par>
+                          <p:cTn id="22" fill="hold">
+                            <p:stCondLst>
+                              <p:cond delay="0"/>
+                            </p:stCondLst>
+                            <p:childTnLst>
+                              <p:par>
+                                <p:cTn id="23" presetID="1" presetClass="entr" presetSubtype="0" fill="hold" nodeType="clickEffect">
+                                  <p:stCondLst>
+                                    <p:cond delay="0"/>
+                                  </p:stCondLst>
+                                  <p:childTnLst>
+                                    <p:set>
+                                      <p:cBhvr>
+                                        <p:cTn id="24" dur="1" fill="hold">
+                                          <p:stCondLst>
+                                            <p:cond delay="0"/>
+                                          </p:stCondLst>
+                                        </p:cTn>
+                                        <p:tgtEl>
+                                          <p:spTgt spid="3">
+                                            <p:txEl>
+                                              <p:pRg st="8" end="8"/>
+                                            </p:txEl>
+                                          </p:spTgt>
+                                        </p:tgtEl>
+                                        <p:attrNameLst>
+                                          <p:attrName>style.visibility</p:attrName>
+                                        </p:attrNameLst>
+                                      </p:cBhvr>
+                                      <p:to>
+                                        <p:strVal val="visible"/>
+                                      </p:to>
+                                    </p:set>
+                                  </p:childTnLst>
+                                </p:cTn>
+                              </p:par>
+                              <p:par>
+                                <p:cTn id="25" presetID="1" presetClass="entr" presetSubtype="0" fill="hold" nodeType="withEffect">
+                                  <p:stCondLst>
+                                    <p:cond delay="0"/>
+                                  </p:stCondLst>
+                                  <p:childTnLst>
+                                    <p:set>
+                                      <p:cBhvr>
+                                        <p:cTn id="26" dur="1" fill="hold">
+                                          <p:stCondLst>
+                                            <p:cond delay="0"/>
+                                          </p:stCondLst>
+                                        </p:cTn>
+                                        <p:tgtEl>
+                                          <p:spTgt spid="3">
+                                            <p:txEl>
+                                              <p:pRg st="9" end="9"/>
+                                            </p:txEl>
+                                          </p:spTgt>
+                                        </p:tgtEl>
+                                        <p:attrNameLst>
+                                          <p:attrName>style.visibility</p:attrName>
+                                        </p:attrNameLst>
+                                      </p:cBhvr>
+                                      <p:to>
+                                        <p:strVal val="visible"/>
+                                      </p:to>
+                                    </p:set>
+                                  </p:childTnLst>
+                                </p:cTn>
+                              </p:par>
+                            </p:childTnLst>
+                          </p:cTn>
+                        </p:par>
+                      </p:childTnLst>
+                    </p:cTn>
+                  </p:par>
+                  <p:par>
+                    <p:cTn id="27" fill="hold">
+                      <p:stCondLst>
+                        <p:cond delay="indefinite"/>
+                      </p:stCondLst>
+                      <p:childTnLst>
+                        <p:par>
+                          <p:cTn id="28" fill="hold">
+                            <p:stCondLst>
+                              <p:cond delay="0"/>
+                            </p:stCondLst>
+                            <p:childTnLst>
+                              <p:par>
+                                <p:cTn id="29" presetID="1" presetClass="entr" presetSubtype="0" fill="hold" nodeType="clickEffect">
+                                  <p:stCondLst>
+                                    <p:cond delay="0"/>
+                                  </p:stCondLst>
+                                  <p:childTnLst>
+                                    <p:set>
+                                      <p:cBhvr>
+                                        <p:cTn id="30" dur="1" fill="hold">
+                                          <p:stCondLst>
+                                            <p:cond delay="0"/>
+                                          </p:stCondLst>
+                                        </p:cTn>
+                                        <p:tgtEl>
+                                          <p:spTgt spid="3">
+                                            <p:txEl>
+                                              <p:pRg st="10" end="10"/>
+                                            </p:txEl>
+                                          </p:spTgt>
+                                        </p:tgtEl>
+                                        <p:attrNameLst>
+                                          <p:attrName>style.visibility</p:attrName>
+                                        </p:attrNameLst>
+                                      </p:cBhvr>
+                                      <p:to>
+                                        <p:strVal val="visible"/>
+                                      </p:to>
+                                    </p:set>
+                                  </p:childTnLst>
+                                </p:cTn>
+                              </p:par>
+                              <p:par>
+                                <p:cTn id="31" presetID="1" presetClass="entr" presetSubtype="0" fill="hold" nodeType="withEffect">
+                                  <p:stCondLst>
+                                    <p:cond delay="0"/>
+                                  </p:stCondLst>
+                                  <p:childTnLst>
+                                    <p:set>
+                                      <p:cBhvr>
+                                        <p:cTn id="32" dur="1" fill="hold">
+                                          <p:stCondLst>
+                                            <p:cond delay="0"/>
+                                          </p:stCondLst>
+                                        </p:cTn>
+                                        <p:tgtEl>
+                                          <p:spTgt spid="3">
+                                            <p:txEl>
+                                              <p:pRg st="11" end="11"/>
+                                            </p:txEl>
+                                          </p:spTgt>
+                                        </p:tgtEl>
+                                        <p:attrNameLst>
+                                          <p:attrName>style.visibility</p:attrName>
+                                        </p:attrNameLst>
+                                      </p:cBhvr>
+                                      <p:to>
+                                        <p:strVal val="visible"/>
+                                      </p:to>
+                                    </p:set>
+                                  </p:childTnLst>
+                                </p:cTn>
+                              </p:par>
+                            </p:childTnLst>
+                          </p:cTn>
+                        </p:par>
+                      </p:childTnLst>
+                    </p:cTn>
+                  </p:par>
+                </p:childTnLst>
+              </p:cTn>
+              <p:prevCondLst>
+                <p:cond evt="onPrev" delay="0">
+                  <p:tgtEl>
+                    <p:sldTgt/>
+                  </p:tgtEl>
+                </p:cond>
+              </p:prevCondLst>
+              <p:nextCondLst>
+                <p:cond evt="onNext" delay="0">
+                  <p:tgtEl>
+                    <p:sldTgt/>
+                  </p:tgtEl>
+                </p:cond>
+              </p:nextCondLst>
+            </p:seq>
+          </p:childTnLst>
+        </p:cTn>
+      </p:par>
+    </p:tnLst>
+  </p:timing>
 </p:sld>
 </file>
 
@@ -31405,7 +33133,7 @@
               <a:rPr lang="en-US" dirty="0">
                 <a:latin typeface="+mn-lt"/>
               </a:rPr>
-              <a:t>Distances converge to the same size in a high dimensional space  </a:t>
+              <a:t>Distances converge to the same length in a high dimensional space  </a:t>
             </a:r>
           </a:p>
           <a:p>
@@ -32353,14 +34081,6 @@
                 <a:latin typeface="+mn-lt"/>
               </a:rPr>
               <a:t>Introduction to dimensionality reduction </a:t>
-            </a:r>
-          </a:p>
-          <a:p>
-            <a:r>
-              <a:rPr lang="en-US" dirty="0">
-                <a:latin typeface="+mn-lt"/>
-              </a:rPr>
-              <a:t>Review of eigenvalues and eigenvectors   </a:t>
             </a:r>
           </a:p>
           <a:p>
@@ -32815,7 +34535,7 @@
                       <a:rPr lang="en-US" b="0" i="1" smtClean="0">
                         <a:latin typeface="Cambria Math" panose="02040503050406030204" pitchFamily="18" charset="0"/>
                       </a:rPr>
-                      <m:t>𝑁</m:t>
+                      <m:t>𝑁𝑜𝑟𝑚𝑎𝑙</m:t>
                     </m:r>
                     <m:d>
                       <m:dPr>
@@ -33216,26 +34936,39 @@
                                   </p:childTnLst>
                                 </p:cTn>
                               </p:par>
-                            </p:childTnLst>
-                          </p:cTn>
-                        </p:par>
-                      </p:childTnLst>
-                    </p:cTn>
-                  </p:par>
-                  <p:par>
-                    <p:cTn id="13" fill="hold">
-                      <p:stCondLst>
-                        <p:cond delay="indefinite"/>
-                      </p:stCondLst>
-                      <p:childTnLst>
-                        <p:par>
-                          <p:cTn id="14" fill="hold">
-                            <p:stCondLst>
-                              <p:cond delay="0"/>
-                            </p:stCondLst>
-                            <p:childTnLst>
                               <p:par>
-                                <p:cTn id="15" presetID="1" presetClass="entr" presetSubtype="0" fill="hold" nodeType="clickEffect">
+                                <p:cTn id="13" presetID="1" presetClass="entr" presetSubtype="0" fill="hold" nodeType="withEffect">
+                                  <p:stCondLst>
+                                    <p:cond delay="0"/>
+                                  </p:stCondLst>
+                                  <p:childTnLst>
+                                    <p:set>
+                                      <p:cBhvr>
+                                        <p:cTn id="14" dur="1" fill="hold">
+                                          <p:stCondLst>
+                                            <p:cond delay="0"/>
+                                          </p:stCondLst>
+                                        </p:cTn>
+                                        <p:tgtEl>
+                                          <p:spTgt spid="3">
+                                            <p:txEl>
+                                              <p:pRg st="4" end="4"/>
+                                            </p:txEl>
+                                          </p:spTgt>
+                                        </p:tgtEl>
+                                        <p:attrNameLst>
+                                          <p:attrName>style.visibility</p:attrName>
+                                        </p:attrNameLst>
+                                      </p:cBhvr>
+                                      <p:to>
+                                        <p:strVal val="visible"/>
+                                      </p:to>
+                                    </p:set>
+                                  </p:childTnLst>
+                                </p:cTn>
+                              </p:par>
+                              <p:par>
+                                <p:cTn id="15" presetID="1" presetClass="entr" presetSubtype="0" fill="hold" nodeType="withEffect">
                                   <p:stCondLst>
                                     <p:cond delay="0"/>
                                   </p:stCondLst>
@@ -33250,7 +34983,7 @@
                                         <p:tgtEl>
                                           <p:spTgt spid="3">
                                             <p:txEl>
-                                              <p:pRg st="4" end="4"/>
+                                              <p:pRg st="5" end="5"/>
                                             </p:txEl>
                                           </p:spTgt>
                                         </p:tgtEl>
@@ -33281,37 +35014,6 @@
                                         <p:tgtEl>
                                           <p:spTgt spid="3">
                                             <p:txEl>
-                                              <p:pRg st="5" end="5"/>
-                                            </p:txEl>
-                                          </p:spTgt>
-                                        </p:tgtEl>
-                                        <p:attrNameLst>
-                                          <p:attrName>style.visibility</p:attrName>
-                                        </p:attrNameLst>
-                                      </p:cBhvr>
-                                      <p:to>
-                                        <p:strVal val="visible"/>
-                                      </p:to>
-                                    </p:set>
-                                  </p:childTnLst>
-                                </p:cTn>
-                              </p:par>
-                              <p:par>
-                                <p:cTn id="19" presetID="1" presetClass="entr" presetSubtype="0" fill="hold" nodeType="withEffect">
-                                  <p:stCondLst>
-                                    <p:cond delay="0"/>
-                                  </p:stCondLst>
-                                  <p:childTnLst>
-                                    <p:set>
-                                      <p:cBhvr>
-                                        <p:cTn id="20" dur="1" fill="hold">
-                                          <p:stCondLst>
-                                            <p:cond delay="0"/>
-                                          </p:stCondLst>
-                                        </p:cTn>
-                                        <p:tgtEl>
-                                          <p:spTgt spid="3">
-                                            <p:txEl>
                                               <p:pRg st="6" end="6"/>
                                             </p:txEl>
                                           </p:spTgt>
@@ -33334,26 +35036,26 @@
                     </p:cTn>
                   </p:par>
                   <p:par>
-                    <p:cTn id="21" fill="hold">
+                    <p:cTn id="19" fill="hold">
                       <p:stCondLst>
                         <p:cond delay="indefinite"/>
                       </p:stCondLst>
                       <p:childTnLst>
                         <p:par>
-                          <p:cTn id="22" fill="hold">
+                          <p:cTn id="20" fill="hold">
                             <p:stCondLst>
                               <p:cond delay="0"/>
                             </p:stCondLst>
                             <p:childTnLst>
                               <p:par>
-                                <p:cTn id="23" presetID="1" presetClass="entr" presetSubtype="0" fill="hold" nodeType="clickEffect">
+                                <p:cTn id="21" presetID="1" presetClass="entr" presetSubtype="0" fill="hold" nodeType="clickEffect">
                                   <p:stCondLst>
                                     <p:cond delay="0"/>
                                   </p:stCondLst>
                                   <p:childTnLst>
                                     <p:set>
                                       <p:cBhvr>
-                                        <p:cTn id="24" dur="1" fill="hold">
+                                        <p:cTn id="22" dur="1" fill="hold">
                                           <p:stCondLst>
                                             <p:cond delay="0"/>
                                           </p:stCondLst>
@@ -33383,26 +35085,26 @@
                     </p:cTn>
                   </p:par>
                   <p:par>
-                    <p:cTn id="25" fill="hold">
+                    <p:cTn id="23" fill="hold">
                       <p:stCondLst>
                         <p:cond delay="indefinite"/>
                       </p:stCondLst>
                       <p:childTnLst>
                         <p:par>
-                          <p:cTn id="26" fill="hold">
+                          <p:cTn id="24" fill="hold">
                             <p:stCondLst>
                               <p:cond delay="0"/>
                             </p:stCondLst>
                             <p:childTnLst>
                               <p:par>
-                                <p:cTn id="27" presetID="1" presetClass="entr" presetSubtype="0" fill="hold" nodeType="clickEffect">
+                                <p:cTn id="25" presetID="1" presetClass="entr" presetSubtype="0" fill="hold" nodeType="clickEffect">
                                   <p:stCondLst>
                                     <p:cond delay="0"/>
                                   </p:stCondLst>
                                   <p:childTnLst>
                                     <p:set>
                                       <p:cBhvr>
-                                        <p:cTn id="28" dur="1" fill="hold">
+                                        <p:cTn id="26" dur="1" fill="hold">
                                           <p:stCondLst>
                                             <p:cond delay="0"/>
                                           </p:stCondLst>
@@ -33508,8 +35210,8 @@
           </a:p>
         </p:txBody>
       </p:sp>
-      <mc:AlternateContent xmlns:mc="http://schemas.openxmlformats.org/markup-compatibility/2006" xmlns:a14="http://schemas.microsoft.com/office/drawing/2010/main">
-        <mc:Choice Requires="a14">
+      <mc:AlternateContent xmlns:mc="http://schemas.openxmlformats.org/markup-compatibility/2006">
+        <mc:Choice xmlns:a14="http://schemas.microsoft.com/office/drawing/2010/main" Requires="a14">
           <p:sp>
             <p:nvSpPr>
               <p:cNvPr id="3" name="Content Placeholder 2"/>
@@ -33591,7 +35293,7 @@
                           <a:rPr lang="en-US" b="0" i="1" smtClean="0">
                             <a:latin typeface="Cambria Math" panose="02040503050406030204" pitchFamily="18" charset="0"/>
                           </a:rPr>
-                          <m:t>𝑝</m:t>
+                          <m:t>𝑁</m:t>
                         </m:r>
                       </m:e>
                     </m:rad>
@@ -33628,7 +35330,7 @@
             </p:txBody>
           </p:sp>
         </mc:Choice>
-        <mc:Fallback xmlns="">
+        <mc:Fallback>
           <p:sp>
             <p:nvSpPr>
               <p:cNvPr id="3" name="Content Placeholder 2"/>
@@ -33865,6 +35567,40 @@
               </a:rPr>
               <a:t>Manifold learning  </a:t>
             </a:r>
+          </a:p>
+          <a:p>
+            <a:r>
+              <a:rPr lang="en-US" dirty="0">
+                <a:latin typeface="+mn-lt"/>
+              </a:rPr>
+              <a:t>Variational autoencoders (VAE) – beyond the scope of this course  </a:t>
+            </a:r>
+          </a:p>
+          <a:p>
+            <a:pPr lvl="1"/>
+            <a:r>
+              <a:rPr lang="en-US" dirty="0">
+                <a:latin typeface="+mn-lt"/>
+              </a:rPr>
+              <a:t>For introduction to VAEs, see </a:t>
+            </a:r>
+            <a:r>
+              <a:rPr lang="en-US" dirty="0" err="1">
+                <a:latin typeface="+mn-lt"/>
+                <a:hlinkClick r:id="rId3"/>
+              </a:rPr>
+              <a:t>Kingma</a:t>
+            </a:r>
+            <a:r>
+              <a:rPr lang="en-US" dirty="0">
+                <a:latin typeface="+mn-lt"/>
+                <a:hlinkClick r:id="rId3"/>
+              </a:rPr>
+              <a:t> and Welling, 2019</a:t>
+            </a:r>
+            <a:endParaRPr lang="en-US" dirty="0">
+              <a:latin typeface="+mn-lt"/>
+            </a:endParaRPr>
           </a:p>
           <a:p>
             <a:pPr lvl="1"/>
@@ -34210,6 +35946,86 @@
                                           <p:spTgt spid="3">
                                             <p:txEl>
                                               <p:pRg st="8" end="8"/>
+                                            </p:txEl>
+                                          </p:spTgt>
+                                        </p:tgtEl>
+                                        <p:attrNameLst>
+                                          <p:attrName>style.visibility</p:attrName>
+                                        </p:attrNameLst>
+                                      </p:cBhvr>
+                                      <p:to>
+                                        <p:strVal val="visible"/>
+                                      </p:to>
+                                    </p:set>
+                                  </p:childTnLst>
+                                </p:cTn>
+                              </p:par>
+                            </p:childTnLst>
+                          </p:cTn>
+                        </p:par>
+                      </p:childTnLst>
+                    </p:cTn>
+                  </p:par>
+                  <p:par>
+                    <p:cTn id="29" fill="hold">
+                      <p:stCondLst>
+                        <p:cond delay="indefinite"/>
+                      </p:stCondLst>
+                      <p:childTnLst>
+                        <p:par>
+                          <p:cTn id="30" fill="hold">
+                            <p:stCondLst>
+                              <p:cond delay="0"/>
+                            </p:stCondLst>
+                            <p:childTnLst>
+                              <p:par>
+                                <p:cTn id="31" presetID="1" presetClass="entr" presetSubtype="0" fill="hold" nodeType="clickEffect">
+                                  <p:stCondLst>
+                                    <p:cond delay="0"/>
+                                  </p:stCondLst>
+                                  <p:childTnLst>
+                                    <p:set>
+                                      <p:cBhvr>
+                                        <p:cTn id="32" dur="1" fill="hold">
+                                          <p:stCondLst>
+                                            <p:cond delay="0"/>
+                                          </p:stCondLst>
+                                        </p:cTn>
+                                        <p:tgtEl>
+                                          <p:spTgt spid="3">
+                                            <p:txEl>
+                                              <p:pRg st="9" end="9"/>
+                                            </p:txEl>
+                                          </p:spTgt>
+                                        </p:tgtEl>
+                                        <p:attrNameLst>
+                                          <p:attrName>style.visibility</p:attrName>
+                                        </p:attrNameLst>
+                                      </p:cBhvr>
+                                      <p:to>
+                                        <p:strVal val="visible"/>
+                                      </p:to>
+                                    </p:set>
+                                  </p:childTnLst>
+                                </p:cTn>
+                              </p:par>
+                              <p:par>
+                                <p:cTn id="33" presetID="1" presetClass="entr" presetSubtype="0" fill="hold" nodeType="withEffect">
+                                  <p:stCondLst>
+                                    <p:cond delay="0"/>
+                                  </p:stCondLst>
+                                  <p:childTnLst>
+                                    <p:set>
+                                      <p:cBhvr>
+                                        <p:cTn id="34" dur="1" fill="hold">
+                                          <p:stCondLst>
+                                            <p:cond delay="0"/>
+                                          </p:stCondLst>
+                                        </p:cTn>
+                                        <p:tgtEl>
+                                          <p:spTgt spid="3">
+                                            <p:txEl>
+                                              <p:pRg st="10" end="10"/>
                                             </p:txEl>
                                           </p:spTgt>
                                         </p:tgtEl>

--- a/slides/11_DimensionalityReduction_Part1.pptx
+++ b/slides/11_DimensionalityReduction_Part1.pptx
@@ -8660,8 +8660,8 @@
           </a:p>
         </p:txBody>
       </p:sp>
-      <mc:AlternateContent xmlns:mc="http://schemas.openxmlformats.org/markup-compatibility/2006">
-        <mc:Choice xmlns:a14="http://schemas.microsoft.com/office/drawing/2010/main" Requires="a14">
+      <mc:AlternateContent xmlns:mc="http://schemas.openxmlformats.org/markup-compatibility/2006" xmlns:a14="http://schemas.microsoft.com/office/drawing/2010/main">
+        <mc:Choice Requires="a14">
           <p:sp>
             <p:nvSpPr>
               <p:cNvPr id="3" name="Content Placeholder 2"/>
@@ -8869,7 +8869,7 @@
             </p:txBody>
           </p:sp>
         </mc:Choice>
-        <mc:Fallback>
+        <mc:Fallback xmlns="">
           <p:sp>
             <p:nvSpPr>
               <p:cNvPr id="3" name="Content Placeholder 2"/>
@@ -10469,8 +10469,8 @@
           </a:p>
         </p:txBody>
       </p:sp>
-      <mc:AlternateContent xmlns:mc="http://schemas.openxmlformats.org/markup-compatibility/2006">
-        <mc:Choice xmlns:a14="http://schemas.microsoft.com/office/drawing/2010/main" Requires="a14">
+      <mc:AlternateContent xmlns:mc="http://schemas.openxmlformats.org/markup-compatibility/2006" xmlns:a14="http://schemas.microsoft.com/office/drawing/2010/main">
+        <mc:Choice Requires="a14">
           <p:sp>
             <p:nvSpPr>
               <p:cNvPr id="3" name="Content Placeholder 2">
@@ -10870,7 +10870,7 @@
             </p:txBody>
           </p:sp>
         </mc:Choice>
-        <mc:Fallback>
+        <mc:Fallback xmlns="">
           <p:sp>
             <p:nvSpPr>
               <p:cNvPr id="3" name="Content Placeholder 2">
@@ -11305,8 +11305,8 @@
           </a:p>
         </p:txBody>
       </p:sp>
-      <mc:AlternateContent xmlns:mc="http://schemas.openxmlformats.org/markup-compatibility/2006">
-        <mc:Choice xmlns:a14="http://schemas.microsoft.com/office/drawing/2010/main" Requires="a14">
+      <mc:AlternateContent xmlns:mc="http://schemas.openxmlformats.org/markup-compatibility/2006" xmlns:a14="http://schemas.microsoft.com/office/drawing/2010/main">
+        <mc:Choice Requires="a14">
           <p:sp>
             <p:nvSpPr>
               <p:cNvPr id="3" name="Content Placeholder 2"/>
@@ -11485,7 +11485,7 @@
             </p:txBody>
           </p:sp>
         </mc:Choice>
-        <mc:Fallback>
+        <mc:Fallback xmlns="">
           <p:sp>
             <p:nvSpPr>
               <p:cNvPr id="3" name="Content Placeholder 2"/>
@@ -13105,8 +13105,8 @@
           </a:p>
         </p:txBody>
       </p:sp>
-      <mc:AlternateContent xmlns:mc="http://schemas.openxmlformats.org/markup-compatibility/2006">
-        <mc:Choice xmlns:a14="http://schemas.microsoft.com/office/drawing/2010/main" Requires="a14">
+      <mc:AlternateContent xmlns:mc="http://schemas.openxmlformats.org/markup-compatibility/2006" xmlns:a14="http://schemas.microsoft.com/office/drawing/2010/main">
+        <mc:Choice Requires="a14">
           <p:sp>
             <p:nvSpPr>
               <p:cNvPr id="3" name="Content Placeholder 2">
@@ -13340,7 +13340,7 @@
             </p:txBody>
           </p:sp>
         </mc:Choice>
-        <mc:Fallback>
+        <mc:Fallback xmlns="">
           <p:sp>
             <p:nvSpPr>
               <p:cNvPr id="3" name="Content Placeholder 2">
@@ -14169,31 +14169,7 @@
                   <a:rPr lang="en-US" dirty="0">
                     <a:cs typeface="Segoe UI" panose="020B0502040204020203" pitchFamily="34" charset="0"/>
                   </a:rPr>
-                  <a:t> is the projection to an </a:t>
-                </a:r>
-                <a:r>
-                  <a:rPr lang="en-US" dirty="0" err="1">
-                    <a:cs typeface="Segoe UI" panose="020B0502040204020203" pitchFamily="34" charset="0"/>
-                  </a:rPr>
-                  <a:t>orthongonal</a:t>
-                </a:r>
-                <a:r>
-                  <a:rPr lang="en-US" dirty="0">
-                    <a:cs typeface="Segoe UI" panose="020B0502040204020203" pitchFamily="34" charset="0"/>
-                  </a:rPr>
-                  <a:t> </a:t>
-                </a:r>
-                <a:r>
-                  <a:rPr lang="en-US" dirty="0" err="1">
-                    <a:cs typeface="Segoe UI" panose="020B0502040204020203" pitchFamily="34" charset="0"/>
-                  </a:rPr>
-                  <a:t>Euclideian</a:t>
-                </a:r>
-                <a:r>
-                  <a:rPr lang="en-US" dirty="0">
-                    <a:cs typeface="Segoe UI" panose="020B0502040204020203" pitchFamily="34" charset="0"/>
-                  </a:rPr>
-                  <a:t> space with </a:t>
+                  <a:t> is the projection to an orthogonal Euclidean space with </a:t>
                 </a:r>
                 <a:r>
                   <a:rPr lang="en-US" b="1" dirty="0">
@@ -15064,8 +15040,8 @@
           </a:p>
         </p:txBody>
       </p:sp>
-      <mc:AlternateContent xmlns:mc="http://schemas.openxmlformats.org/markup-compatibility/2006">
-        <mc:Choice xmlns:a14="http://schemas.microsoft.com/office/drawing/2010/main" Requires="a14">
+      <mc:AlternateContent xmlns:mc="http://schemas.openxmlformats.org/markup-compatibility/2006" xmlns:a14="http://schemas.microsoft.com/office/drawing/2010/main">
+        <mc:Choice Requires="a14">
           <p:sp>
             <p:nvSpPr>
               <p:cNvPr id="3" name="Content Placeholder 2"/>
@@ -15570,7 +15546,7 @@
             </p:txBody>
           </p:sp>
         </mc:Choice>
-        <mc:Fallback>
+        <mc:Fallback xmlns="">
           <p:sp>
             <p:nvSpPr>
               <p:cNvPr id="3" name="Content Placeholder 2"/>
@@ -17368,8 +17344,8 @@
           </a:p>
         </p:txBody>
       </p:sp>
-      <mc:AlternateContent xmlns:mc="http://schemas.openxmlformats.org/markup-compatibility/2006">
-        <mc:Choice xmlns:a14="http://schemas.microsoft.com/office/drawing/2010/main" Requires="a14">
+      <mc:AlternateContent xmlns:mc="http://schemas.openxmlformats.org/markup-compatibility/2006" xmlns:a14="http://schemas.microsoft.com/office/drawing/2010/main">
+        <mc:Choice Requires="a14">
           <p:sp>
             <p:nvSpPr>
               <p:cNvPr id="3" name="Content Placeholder 2">
@@ -18048,7 +18024,7 @@
             </p:txBody>
           </p:sp>
         </mc:Choice>
-        <mc:Fallback>
+        <mc:Fallback xmlns="">
           <p:sp>
             <p:nvSpPr>
               <p:cNvPr id="3" name="Content Placeholder 2">
@@ -19143,8 +19119,8 @@
           </a:p>
         </p:txBody>
       </p:sp>
-      <mc:AlternateContent xmlns:mc="http://schemas.openxmlformats.org/markup-compatibility/2006">
-        <mc:Choice xmlns:a14="http://schemas.microsoft.com/office/drawing/2010/main" Requires="a14">
+      <mc:AlternateContent xmlns:mc="http://schemas.openxmlformats.org/markup-compatibility/2006" xmlns:a14="http://schemas.microsoft.com/office/drawing/2010/main">
+        <mc:Choice Requires="a14">
           <p:sp>
             <p:nvSpPr>
               <p:cNvPr id="3" name="Content Placeholder 2">
@@ -19958,7 +19934,7 @@
             </p:txBody>
           </p:sp>
         </mc:Choice>
-        <mc:Fallback>
+        <mc:Fallback xmlns="">
           <p:sp>
             <p:nvSpPr>
               <p:cNvPr id="3" name="Content Placeholder 2">
@@ -29205,8 +29181,8 @@
           </a:p>
         </p:txBody>
       </p:sp>
-      <mc:AlternateContent xmlns:mc="http://schemas.openxmlformats.org/markup-compatibility/2006">
-        <mc:Choice xmlns:a14="http://schemas.microsoft.com/office/drawing/2010/main" Requires="a14">
+      <mc:AlternateContent xmlns:mc="http://schemas.openxmlformats.org/markup-compatibility/2006" xmlns:a14="http://schemas.microsoft.com/office/drawing/2010/main">
+        <mc:Choice Requires="a14">
           <p:sp>
             <p:nvSpPr>
               <p:cNvPr id="3" name="Content Placeholder 2"/>
@@ -29853,7 +29829,7 @@
             </p:txBody>
           </p:sp>
         </mc:Choice>
-        <mc:Fallback>
+        <mc:Fallback xmlns="">
           <p:sp>
             <p:nvSpPr>
               <p:cNvPr id="3" name="Content Placeholder 2"/>
@@ -31963,8 +31939,8 @@
           </a:p>
         </p:txBody>
       </p:sp>
-      <mc:AlternateContent xmlns:mc="http://schemas.openxmlformats.org/markup-compatibility/2006">
-        <mc:Choice xmlns:a14="http://schemas.microsoft.com/office/drawing/2010/main" Requires="a14">
+      <mc:AlternateContent xmlns:mc="http://schemas.openxmlformats.org/markup-compatibility/2006" xmlns:a14="http://schemas.microsoft.com/office/drawing/2010/main">
+        <mc:Choice Requires="a14">
           <p:sp>
             <p:nvSpPr>
               <p:cNvPr id="3" name="Content Placeholder 2"/>
@@ -32542,7 +32518,7 @@
             </p:txBody>
           </p:sp>
         </mc:Choice>
-        <mc:Fallback>
+        <mc:Fallback xmlns="">
           <p:sp>
             <p:nvSpPr>
               <p:cNvPr id="3" name="Content Placeholder 2"/>
@@ -34174,8 +34150,8 @@
           </a:p>
         </p:txBody>
       </p:sp>
-      <mc:AlternateContent xmlns:mc="http://schemas.openxmlformats.org/markup-compatibility/2006">
-        <mc:Choice xmlns:a14="http://schemas.microsoft.com/office/drawing/2010/main" Requires="a14">
+      <mc:AlternateContent xmlns:mc="http://schemas.openxmlformats.org/markup-compatibility/2006" xmlns:a14="http://schemas.microsoft.com/office/drawing/2010/main">
+        <mc:Choice Requires="a14">
           <p:sp>
             <p:nvSpPr>
               <p:cNvPr id="3" name="Content Placeholder 2"/>
@@ -34757,7 +34733,7 @@
             </p:txBody>
           </p:sp>
         </mc:Choice>
-        <mc:Fallback>
+        <mc:Fallback xmlns="">
           <p:sp>
             <p:nvSpPr>
               <p:cNvPr id="3" name="Content Placeholder 2"/>
@@ -35210,8 +35186,8 @@
           </a:p>
         </p:txBody>
       </p:sp>
-      <mc:AlternateContent xmlns:mc="http://schemas.openxmlformats.org/markup-compatibility/2006">
-        <mc:Choice xmlns:a14="http://schemas.microsoft.com/office/drawing/2010/main" Requires="a14">
+      <mc:AlternateContent xmlns:mc="http://schemas.openxmlformats.org/markup-compatibility/2006" xmlns:a14="http://schemas.microsoft.com/office/drawing/2010/main">
+        <mc:Choice Requires="a14">
           <p:sp>
             <p:nvSpPr>
               <p:cNvPr id="3" name="Content Placeholder 2"/>
@@ -35330,7 +35306,7 @@
             </p:txBody>
           </p:sp>
         </mc:Choice>
-        <mc:Fallback>
+        <mc:Fallback xmlns="">
           <p:sp>
             <p:nvSpPr>
               <p:cNvPr id="3" name="Content Placeholder 2"/>
